--- a/Sprint 3 - Story2.pptx
+++ b/Sprint 3 - Story2.pptx
@@ -11,6 +11,8 @@
     <p:sldId id="259" r:id="rId5"/>
     <p:sldId id="260" r:id="rId6"/>
     <p:sldId id="261" r:id="rId7"/>
+    <p:sldId id="262" r:id="rId8"/>
+    <p:sldId id="263" r:id="rId9"/>
   </p:sldIdLst>
   <p:sldSz cx="12192000" cy="6858000"/>
   <p:notesSz cx="6858000" cy="9144000"/>
@@ -109,6 +111,11 @@
       </a:defRPr>
     </a:lvl9pPr>
   </p:defaultTextStyle>
+  <p:extLst>
+    <p:ext uri="{EFAFB233-063F-42B5-8137-9DF3F51BA10A}">
+      <p15:sldGuideLst xmlns:p15="http://schemas.microsoft.com/office/powerpoint/2012/main"/>
+    </p:ext>
+  </p:extLst>
 </p:presentation>
 </file>
 
@@ -271,7 +278,7 @@
           <a:p>
             <a:fld id="{64F0E216-BA48-4F04-AC4F-645AA0DD6AC6}" type="datetimeFigureOut">
               <a:rPr lang="en-US" smtClean="0"/>
-              <a:t>12/22/2021</a:t>
+              <a:t>1/12/2022</a:t>
             </a:fld>
             <a:endParaRPr lang="en-US" dirty="0"/>
           </a:p>
@@ -1319,7 +1326,7 @@
           <a:p>
             <a:fld id="{64F0E216-BA48-4F04-AC4F-645AA0DD6AC6}" type="datetimeFigureOut">
               <a:rPr lang="en-US" smtClean="0"/>
-              <a:t>12/22/2021</a:t>
+              <a:t>1/12/2022</a:t>
             </a:fld>
             <a:endParaRPr lang="en-US"/>
           </a:p>
@@ -1555,7 +1562,7 @@
           <a:p>
             <a:fld id="{64F0E216-BA48-4F04-AC4F-645AA0DD6AC6}" type="datetimeFigureOut">
               <a:rPr lang="en-US" smtClean="0"/>
-              <a:t>12/22/2021</a:t>
+              <a:t>1/12/2022</a:t>
             </a:fld>
             <a:endParaRPr lang="en-US"/>
           </a:p>
@@ -1778,7 +1785,7 @@
           <a:p>
             <a:fld id="{64F0E216-BA48-4F04-AC4F-645AA0DD6AC6}" type="datetimeFigureOut">
               <a:rPr lang="en-US" smtClean="0"/>
-              <a:t>12/22/2021</a:t>
+              <a:t>1/12/2022</a:t>
             </a:fld>
             <a:endParaRPr lang="en-US"/>
           </a:p>
@@ -2080,7 +2087,7 @@
           <a:p>
             <a:fld id="{64F0E216-BA48-4F04-AC4F-645AA0DD6AC6}" type="datetimeFigureOut">
               <a:rPr lang="en-US" smtClean="0"/>
-              <a:t>12/22/2021</a:t>
+              <a:t>1/12/2022</a:t>
             </a:fld>
             <a:endParaRPr lang="en-US"/>
           </a:p>
@@ -3544,7 +3551,7 @@
           <a:p>
             <a:fld id="{64F0E216-BA48-4F04-AC4F-645AA0DD6AC6}" type="datetimeFigureOut">
               <a:rPr lang="en-US" smtClean="0"/>
-              <a:t>12/22/2021</a:t>
+              <a:t>1/12/2022</a:t>
             </a:fld>
             <a:endParaRPr lang="en-US"/>
           </a:p>
@@ -4011,7 +4018,7 @@
           <a:p>
             <a:fld id="{64F0E216-BA48-4F04-AC4F-645AA0DD6AC6}" type="datetimeFigureOut">
               <a:rPr lang="en-US" smtClean="0"/>
-              <a:t>12/22/2021</a:t>
+              <a:t>1/12/2022</a:t>
             </a:fld>
             <a:endParaRPr lang="en-US"/>
           </a:p>
@@ -4186,7 +4193,7 @@
           <a:p>
             <a:fld id="{64F0E216-BA48-4F04-AC4F-645AA0DD6AC6}" type="datetimeFigureOut">
               <a:rPr lang="en-US" smtClean="0"/>
-              <a:t>12/22/2021</a:t>
+              <a:t>1/12/2022</a:t>
             </a:fld>
             <a:endParaRPr lang="en-US"/>
           </a:p>
@@ -4323,7 +4330,7 @@
           <a:p>
             <a:fld id="{64F0E216-BA48-4F04-AC4F-645AA0DD6AC6}" type="datetimeFigureOut">
               <a:rPr lang="en-US" smtClean="0"/>
-              <a:t>12/22/2021</a:t>
+              <a:t>1/12/2022</a:t>
             </a:fld>
             <a:endParaRPr lang="en-US"/>
           </a:p>
@@ -4673,7 +4680,7 @@
           <a:p>
             <a:fld id="{64F0E216-BA48-4F04-AC4F-645AA0DD6AC6}" type="datetimeFigureOut">
               <a:rPr lang="en-US" smtClean="0"/>
-              <a:t>12/22/2021</a:t>
+              <a:t>1/12/2022</a:t>
             </a:fld>
             <a:endParaRPr lang="en-US"/>
           </a:p>
@@ -4994,7 +5001,7 @@
           <a:p>
             <a:fld id="{64F0E216-BA48-4F04-AC4F-645AA0DD6AC6}" type="datetimeFigureOut">
               <a:rPr lang="en-US" smtClean="0"/>
-              <a:t>12/22/2021</a:t>
+              <a:t>1/12/2022</a:t>
             </a:fld>
             <a:endParaRPr lang="en-US"/>
           </a:p>
@@ -5256,7 +5263,7 @@
             <a:fld id="{64F0E216-BA48-4F04-AC4F-645AA0DD6AC6}" type="datetimeFigureOut">
               <a:rPr lang="en-US" smtClean="0"/>
               <a:pPr/>
-              <a:t>12/22/2021</a:t>
+              <a:t>1/12/2022</a:t>
             </a:fld>
             <a:endParaRPr lang="en-US" dirty="0"/>
           </a:p>
@@ -6635,6 +6642,354 @@
 </p:sld>
 </file>
 
+<file path=ppt/slides/slide7.xml><?xml version="1.0" encoding="utf-8"?>
+<p:sld xmlns:a="http://schemas.openxmlformats.org/drawingml/2006/main" xmlns:r="http://schemas.openxmlformats.org/officeDocument/2006/relationships" xmlns:p="http://schemas.openxmlformats.org/presentationml/2006/main">
+  <p:cSld>
+    <p:spTree>
+      <p:nvGrpSpPr>
+        <p:cNvPr id="1" name=""/>
+        <p:cNvGrpSpPr/>
+        <p:nvPr/>
+      </p:nvGrpSpPr>
+      <p:grpSpPr>
+        <a:xfrm>
+          <a:off x="0" y="0"/>
+          <a:ext cx="0" cy="0"/>
+          <a:chOff x="0" y="0"/>
+          <a:chExt cx="0" cy="0"/>
+        </a:xfrm>
+      </p:grpSpPr>
+      <p:sp>
+        <p:nvSpPr>
+          <p:cNvPr id="2" name="Título 1">
+            <a:extLst>
+              <a:ext uri="{FF2B5EF4-FFF2-40B4-BE49-F238E27FC236}">
+                <a16:creationId xmlns:a16="http://schemas.microsoft.com/office/drawing/2014/main" id="{01986175-4A6F-49F1-BA88-8CFF2CF14911}"/>
+              </a:ext>
+            </a:extLst>
+          </p:cNvPr>
+          <p:cNvSpPr>
+            <a:spLocks noGrp="1"/>
+          </p:cNvSpPr>
+          <p:nvPr>
+            <p:ph type="ctrTitle"/>
+          </p:nvPr>
+        </p:nvSpPr>
+        <p:spPr>
+          <a:xfrm>
+            <a:off x="2197100" y="1079500"/>
+            <a:ext cx="8294437" cy="2138400"/>
+          </a:xfrm>
+        </p:spPr>
+        <p:txBody>
+          <a:bodyPr>
+            <a:normAutofit fontScale="90000"/>
+          </a:bodyPr>
+          <a:lstStyle/>
+          <a:p>
+            <a:r>
+              <a:rPr lang="es-ES" sz="4800" dirty="0"/>
+              <a:t>COSTE De los errores en fase de detección</a:t>
+            </a:r>
+          </a:p>
+        </p:txBody>
+      </p:sp>
+      <p:sp>
+        <p:nvSpPr>
+          <p:cNvPr id="3" name="CuadroTexto 2">
+            <a:extLst>
+              <a:ext uri="{FF2B5EF4-FFF2-40B4-BE49-F238E27FC236}">
+                <a16:creationId xmlns:a16="http://schemas.microsoft.com/office/drawing/2014/main" id="{BB63A759-02DB-46CE-8DFE-26AF1B8AEC3F}"/>
+              </a:ext>
+            </a:extLst>
+          </p:cNvPr>
+          <p:cNvSpPr txBox="1"/>
+          <p:nvPr/>
+        </p:nvSpPr>
+        <p:spPr>
+          <a:xfrm>
+            <a:off x="2785145" y="4815281"/>
+            <a:ext cx="6162302" cy="1754326"/>
+          </a:xfrm>
+          <a:prstGeom prst="rect">
+            <a:avLst/>
+          </a:prstGeom>
+          <a:noFill/>
+        </p:spPr>
+        <p:txBody>
+          <a:bodyPr wrap="square" rtlCol="0">
+            <a:spAutoFit/>
+          </a:bodyPr>
+          <a:lstStyle/>
+          <a:p>
+            <a:r>
+              <a:rPr lang="es-ES" dirty="0"/>
+              <a:t>El coste de </a:t>
+            </a:r>
+            <a:r>
+              <a:rPr lang="es-ES" dirty="0">
+                <a:solidFill>
+                  <a:schemeClr val="tx1">
+                    <a:lumMod val="95000"/>
+                  </a:schemeClr>
+                </a:solidFill>
+              </a:rPr>
+              <a:t>los </a:t>
+            </a:r>
+            <a:r>
+              <a:rPr lang="es-ES" b="0" i="0" dirty="0">
+                <a:solidFill>
+                  <a:schemeClr val="tx1">
+                    <a:lumMod val="95000"/>
+                  </a:schemeClr>
+                </a:solidFill>
+                <a:effectLst/>
+                <a:latin typeface="Lato" panose="020B0604020202020204" pitchFamily="34" charset="0"/>
+              </a:rPr>
+              <a:t>errores depende sobre todo del momento en el que se detectan. Un error detectado en el momento en el que ocurre, tiene un coste muy bajo. El coste crece cuando pasa más tiempo entre que se produce y se detecta. El peor escenario posible es un error introducido al comenzar el proyecto y detectado una vez ya entregado.</a:t>
+            </a:r>
+            <a:endParaRPr lang="es-ES" dirty="0">
+              <a:solidFill>
+                <a:schemeClr val="tx1">
+                  <a:lumMod val="95000"/>
+                </a:schemeClr>
+              </a:solidFill>
+            </a:endParaRPr>
+          </a:p>
+        </p:txBody>
+      </p:sp>
+    </p:spTree>
+    <p:extLst>
+      <p:ext uri="{BB962C8B-B14F-4D97-AF65-F5344CB8AC3E}">
+        <p14:creationId xmlns:p14="http://schemas.microsoft.com/office/powerpoint/2010/main" val="263065270"/>
+      </p:ext>
+    </p:extLst>
+  </p:cSld>
+  <p:clrMapOvr>
+    <a:masterClrMapping/>
+  </p:clrMapOvr>
+</p:sld>
+</file>
+
+<file path=ppt/slides/slide8.xml><?xml version="1.0" encoding="utf-8"?>
+<p:sld xmlns:a="http://schemas.openxmlformats.org/drawingml/2006/main" xmlns:r="http://schemas.openxmlformats.org/officeDocument/2006/relationships" xmlns:p="http://schemas.openxmlformats.org/presentationml/2006/main">
+  <p:cSld>
+    <p:spTree>
+      <p:nvGrpSpPr>
+        <p:cNvPr id="1" name=""/>
+        <p:cNvGrpSpPr/>
+        <p:nvPr/>
+      </p:nvGrpSpPr>
+      <p:grpSpPr>
+        <a:xfrm>
+          <a:off x="0" y="0"/>
+          <a:ext cx="0" cy="0"/>
+          <a:chOff x="0" y="0"/>
+          <a:chExt cx="0" cy="0"/>
+        </a:xfrm>
+      </p:grpSpPr>
+      <p:sp>
+        <p:nvSpPr>
+          <p:cNvPr id="2" name="Título 1">
+            <a:extLst>
+              <a:ext uri="{FF2B5EF4-FFF2-40B4-BE49-F238E27FC236}">
+                <a16:creationId xmlns:a16="http://schemas.microsoft.com/office/drawing/2014/main" id="{01986175-4A6F-49F1-BA88-8CFF2CF14911}"/>
+              </a:ext>
+            </a:extLst>
+          </p:cNvPr>
+          <p:cNvSpPr>
+            <a:spLocks noGrp="1"/>
+          </p:cNvSpPr>
+          <p:nvPr>
+            <p:ph type="ctrTitle"/>
+          </p:nvPr>
+        </p:nvSpPr>
+        <p:spPr>
+          <a:xfrm>
+            <a:off x="2071266" y="876434"/>
+            <a:ext cx="7609630" cy="796953"/>
+          </a:xfrm>
+        </p:spPr>
+        <p:txBody>
+          <a:bodyPr>
+            <a:normAutofit/>
+          </a:bodyPr>
+          <a:lstStyle/>
+          <a:p>
+            <a:r>
+              <a:rPr lang="es-ES" sz="1800" b="0" i="0" dirty="0">
+                <a:solidFill>
+                  <a:schemeClr val="tx1">
+                    <a:lumMod val="95000"/>
+                  </a:schemeClr>
+                </a:solidFill>
+                <a:effectLst/>
+                <a:latin typeface="Lato" panose="020F0502020204030203" pitchFamily="34" charset="0"/>
+              </a:rPr>
+              <a:t>Hay dos caminos para reducir el coste de estos errores:</a:t>
+            </a:r>
+            <a:endParaRPr lang="es-ES" sz="1800" dirty="0">
+              <a:solidFill>
+                <a:schemeClr val="tx1">
+                  <a:lumMod val="95000"/>
+                </a:schemeClr>
+              </a:solidFill>
+            </a:endParaRPr>
+          </a:p>
+        </p:txBody>
+      </p:sp>
+      <p:sp>
+        <p:nvSpPr>
+          <p:cNvPr id="4" name="CuadroTexto 3">
+            <a:extLst>
+              <a:ext uri="{FF2B5EF4-FFF2-40B4-BE49-F238E27FC236}">
+                <a16:creationId xmlns:a16="http://schemas.microsoft.com/office/drawing/2014/main" id="{1FED4C9A-67CD-4F5C-8F0E-FC715BA26333}"/>
+              </a:ext>
+            </a:extLst>
+          </p:cNvPr>
+          <p:cNvSpPr txBox="1"/>
+          <p:nvPr/>
+        </p:nvSpPr>
+        <p:spPr>
+          <a:xfrm>
+            <a:off x="2812972" y="2072708"/>
+            <a:ext cx="7866214" cy="1200329"/>
+          </a:xfrm>
+          <a:prstGeom prst="rect">
+            <a:avLst/>
+          </a:prstGeom>
+          <a:noFill/>
+        </p:spPr>
+        <p:txBody>
+          <a:bodyPr wrap="square" rtlCol="0">
+            <a:spAutoFit/>
+          </a:bodyPr>
+          <a:lstStyle/>
+          <a:p>
+            <a:r>
+              <a:rPr lang="es-ES" b="0" i="0" dirty="0">
+                <a:solidFill>
+                  <a:schemeClr val="tx1">
+                    <a:lumMod val="95000"/>
+                  </a:schemeClr>
+                </a:solidFill>
+                <a:effectLst/>
+                <a:latin typeface="Lato" panose="020F0502020204030203" pitchFamily="34" charset="0"/>
+              </a:rPr>
+              <a:t>- Dedicar más tiempo a la toma de requisitos. Esto es importante para reducir los fallos </a:t>
+            </a:r>
+            <a:r>
+              <a:rPr lang="es-ES" dirty="0">
+                <a:solidFill>
+                  <a:schemeClr val="tx1">
+                    <a:lumMod val="95000"/>
+                  </a:schemeClr>
+                </a:solidFill>
+                <a:latin typeface="Lato" panose="020F0502020204030203" pitchFamily="34" charset="0"/>
+              </a:rPr>
+              <a:t>en esta etapa ya que estos</a:t>
+            </a:r>
+            <a:r>
+              <a:rPr lang="es-ES" b="0" i="0" dirty="0">
+                <a:solidFill>
+                  <a:schemeClr val="tx1">
+                    <a:lumMod val="95000"/>
+                  </a:schemeClr>
+                </a:solidFill>
+                <a:effectLst/>
+                <a:latin typeface="Lato" panose="020F0502020204030203" pitchFamily="34" charset="0"/>
+              </a:rPr>
+              <a:t> suponen un coste altísimo debido a que se suelen detectar al final del proyecto.</a:t>
+            </a:r>
+          </a:p>
+          <a:p>
+            <a:endParaRPr lang="es-ES" dirty="0"/>
+          </a:p>
+        </p:txBody>
+      </p:sp>
+      <p:sp>
+        <p:nvSpPr>
+          <p:cNvPr id="5" name="CuadroTexto 4">
+            <a:extLst>
+              <a:ext uri="{FF2B5EF4-FFF2-40B4-BE49-F238E27FC236}">
+                <a16:creationId xmlns:a16="http://schemas.microsoft.com/office/drawing/2014/main" id="{894CB7B9-7B59-427B-AFE3-5563F79462AF}"/>
+              </a:ext>
+            </a:extLst>
+          </p:cNvPr>
+          <p:cNvSpPr txBox="1"/>
+          <p:nvPr/>
+        </p:nvSpPr>
+        <p:spPr>
+          <a:xfrm>
+            <a:off x="2751590" y="4437776"/>
+            <a:ext cx="7734650" cy="1754326"/>
+          </a:xfrm>
+          <a:prstGeom prst="rect">
+            <a:avLst/>
+          </a:prstGeom>
+          <a:noFill/>
+        </p:spPr>
+        <p:txBody>
+          <a:bodyPr wrap="square" rtlCol="0">
+            <a:spAutoFit/>
+          </a:bodyPr>
+          <a:lstStyle/>
+          <a:p>
+            <a:r>
+              <a:rPr lang="es-ES" b="0" i="0" dirty="0">
+                <a:solidFill>
+                  <a:schemeClr val="tx1">
+                    <a:lumMod val="95000"/>
+                  </a:schemeClr>
+                </a:solidFill>
+                <a:effectLst/>
+                <a:latin typeface="Lato" panose="020F0502020204030203" pitchFamily="34" charset="0"/>
+              </a:rPr>
+              <a:t>Detectar antes los errores. Aquí las metodologías ágiles, las entregas iterativas, o las estrategias de Shift </a:t>
+            </a:r>
+            <a:r>
+              <a:rPr lang="es-ES" b="0" i="0" dirty="0" err="1">
+                <a:solidFill>
+                  <a:schemeClr val="tx1">
+                    <a:lumMod val="95000"/>
+                  </a:schemeClr>
+                </a:solidFill>
+                <a:effectLst/>
+                <a:latin typeface="Lato" panose="020F0502020204030203" pitchFamily="34" charset="0"/>
+              </a:rPr>
+              <a:t>Left</a:t>
+            </a:r>
+            <a:r>
+              <a:rPr lang="es-ES" b="0" i="0" dirty="0">
+                <a:solidFill>
+                  <a:schemeClr val="tx1">
+                    <a:lumMod val="95000"/>
+                  </a:schemeClr>
+                </a:solidFill>
+                <a:effectLst/>
+                <a:latin typeface="Lato" panose="020F0502020204030203" pitchFamily="34" charset="0"/>
+              </a:rPr>
+              <a:t>, pueden ser de utilidad. Esta es la tendencia actual. Es decir, asumimos que se cometerán errores en las primeras fases, pero en vez de invertir en evitarlos, invertimos en detectarlos lo antes posible.</a:t>
+            </a:r>
+          </a:p>
+          <a:p>
+            <a:endParaRPr lang="es-ES" dirty="0"/>
+          </a:p>
+        </p:txBody>
+      </p:sp>
+    </p:spTree>
+    <p:extLst>
+      <p:ext uri="{BB962C8B-B14F-4D97-AF65-F5344CB8AC3E}">
+        <p14:creationId xmlns:p14="http://schemas.microsoft.com/office/powerpoint/2010/main" val="3835857419"/>
+      </p:ext>
+    </p:extLst>
+  </p:cSld>
+  <p:clrMapOvr>
+    <a:masterClrMapping/>
+  </p:clrMapOvr>
+</p:sld>
+</file>
+
 <file path=ppt/theme/theme1.xml><?xml version="1.0" encoding="utf-8"?>
 <a:theme xmlns:a="http://schemas.openxmlformats.org/drawingml/2006/main" name="LeafVTI">
   <a:themeElements>

--- a/Sprint 3 - Story2.pptx
+++ b/Sprint 3 - Story2.pptx
@@ -5774,14 +5774,11 @@
         <p:spPr/>
         <p:txBody>
           <a:bodyPr>
-            <a:normAutofit lnSpcReduction="10000"/>
+            <a:normAutofit/>
           </a:bodyPr>
           <a:lstStyle/>
           <a:p>
-            <a:r>
-              <a:rPr lang="es-ES" dirty="0"/>
-              <a:t>Son pruebas conocidas como pruebas de caja negra. Analizan los datos de entrada y salida para obtener un caso de prueba antes del inicio de este</a:t>
-            </a:r>
+            <a:endParaRPr lang="es-ES" dirty="0"/>
           </a:p>
         </p:txBody>
       </p:sp>

--- a/Sprint 3 - Story2.pptx
+++ b/Sprint 3 - Story2.pptx
@@ -5755,33 +5755,6 @@
           </a:p>
         </p:txBody>
       </p:sp>
-      <p:sp>
-        <p:nvSpPr>
-          <p:cNvPr id="3" name="Subtítulo 2">
-            <a:extLst>
-              <a:ext uri="{FF2B5EF4-FFF2-40B4-BE49-F238E27FC236}">
-                <a16:creationId xmlns:a16="http://schemas.microsoft.com/office/drawing/2014/main" id="{96A82264-8DD5-4BB5-9C6D-65C34DB6F41A}"/>
-              </a:ext>
-            </a:extLst>
-          </p:cNvPr>
-          <p:cNvSpPr>
-            <a:spLocks noGrp="1"/>
-          </p:cNvSpPr>
-          <p:nvPr>
-            <p:ph type="subTitle" idx="1"/>
-          </p:nvPr>
-        </p:nvSpPr>
-        <p:spPr/>
-        <p:txBody>
-          <a:bodyPr>
-            <a:normAutofit/>
-          </a:bodyPr>
-          <a:lstStyle/>
-          <a:p>
-            <a:endParaRPr lang="es-ES" dirty="0"/>
-          </a:p>
-        </p:txBody>
-      </p:sp>
     </p:spTree>
     <p:extLst>
       <p:ext uri="{BB962C8B-B14F-4D97-AF65-F5344CB8AC3E}">

--- a/Sprint 3 - Story2.pptx
+++ b/Sprint 3 - Story2.pptx
@@ -1,27 +1,198 @@
 
 <file path=ppt/presentation.xml><?xml version="1.0" encoding="utf-8"?>
-<p:presentation xmlns:a="http://schemas.openxmlformats.org/drawingml/2006/main" xmlns:p="http://schemas.openxmlformats.org/presentationml/2006/main" xmlns:r="http://schemas.openxmlformats.org/officeDocument/2006/relationships" xmlns:p14="http://schemas.microsoft.com/office/powerpoint/2010/main" xmlns:p15="http://schemas.microsoft.com/office/powerpoint/2012/main" xmlns:mc="http://schemas.openxmlformats.org/markup-compatibility/2006">
+<p:presentation xmlns:a="http://schemas.openxmlformats.org/drawingml/2006/main" xmlns:r="http://schemas.openxmlformats.org/officeDocument/2006/relationships" xmlns:p="http://schemas.openxmlformats.org/presentationml/2006/main">
   <p:sldMasterIdLst>
-    <p:sldMasterId id="2147483648" r:id="rId2"/>
+    <p:sldMasterId id="2147483648" r:id="rId1"/>
   </p:sldMasterIdLst>
   <p:sldIdLst>
-    <p:sldId id="256" r:id="rId3"/>
-    <p:sldId id="257" r:id="rId4"/>
-    <p:sldId id="258" r:id="rId5"/>
-    <p:sldId id="259" r:id="rId6"/>
-    <p:sldId id="260" r:id="rId7"/>
-    <p:sldId id="261" r:id="rId8"/>
-    <p:sldId id="262" r:id="rId9"/>
-    <p:sldId id="263" r:id="rId10"/>
-    <p:sldId id="264" r:id="rId11"/>
+    <p:sldId id="256" r:id="rId2"/>
+    <p:sldId id="257" r:id="rId3"/>
+    <p:sldId id="258" r:id="rId4"/>
+    <p:sldId id="259" r:id="rId5"/>
+    <p:sldId id="260" r:id="rId6"/>
+    <p:sldId id="261" r:id="rId7"/>
+    <p:sldId id="262" r:id="rId8"/>
+    <p:sldId id="263" r:id="rId9"/>
+    <p:sldId id="264" r:id="rId10"/>
   </p:sldIdLst>
   <p:sldSz cx="12192000" cy="6858000"/>
-  <p:notesSz cx="7559675" cy="10691812"/>
+  <p:notesSz cx="7559675" cy="10691813"/>
+  <p:defaultTextStyle>
+    <a:defPPr>
+      <a:defRPr lang="es-ES"/>
+    </a:defPPr>
+    <a:lvl1pPr marL="0" algn="l" defTabSz="914400" rtl="0" eaLnBrk="1" latinLnBrk="0" hangingPunct="1">
+      <a:defRPr sz="1800" kern="1200">
+        <a:solidFill>
+          <a:schemeClr val="tx1"/>
+        </a:solidFill>
+        <a:latin typeface="+mn-lt"/>
+        <a:ea typeface="+mn-ea"/>
+        <a:cs typeface="+mn-cs"/>
+      </a:defRPr>
+    </a:lvl1pPr>
+    <a:lvl2pPr marL="457200" algn="l" defTabSz="914400" rtl="0" eaLnBrk="1" latinLnBrk="0" hangingPunct="1">
+      <a:defRPr sz="1800" kern="1200">
+        <a:solidFill>
+          <a:schemeClr val="tx1"/>
+        </a:solidFill>
+        <a:latin typeface="+mn-lt"/>
+        <a:ea typeface="+mn-ea"/>
+        <a:cs typeface="+mn-cs"/>
+      </a:defRPr>
+    </a:lvl2pPr>
+    <a:lvl3pPr marL="914400" algn="l" defTabSz="914400" rtl="0" eaLnBrk="1" latinLnBrk="0" hangingPunct="1">
+      <a:defRPr sz="1800" kern="1200">
+        <a:solidFill>
+          <a:schemeClr val="tx1"/>
+        </a:solidFill>
+        <a:latin typeface="+mn-lt"/>
+        <a:ea typeface="+mn-ea"/>
+        <a:cs typeface="+mn-cs"/>
+      </a:defRPr>
+    </a:lvl3pPr>
+    <a:lvl4pPr marL="1371600" algn="l" defTabSz="914400" rtl="0" eaLnBrk="1" latinLnBrk="0" hangingPunct="1">
+      <a:defRPr sz="1800" kern="1200">
+        <a:solidFill>
+          <a:schemeClr val="tx1"/>
+        </a:solidFill>
+        <a:latin typeface="+mn-lt"/>
+        <a:ea typeface="+mn-ea"/>
+        <a:cs typeface="+mn-cs"/>
+      </a:defRPr>
+    </a:lvl4pPr>
+    <a:lvl5pPr marL="1828800" algn="l" defTabSz="914400" rtl="0" eaLnBrk="1" latinLnBrk="0" hangingPunct="1">
+      <a:defRPr sz="1800" kern="1200">
+        <a:solidFill>
+          <a:schemeClr val="tx1"/>
+        </a:solidFill>
+        <a:latin typeface="+mn-lt"/>
+        <a:ea typeface="+mn-ea"/>
+        <a:cs typeface="+mn-cs"/>
+      </a:defRPr>
+    </a:lvl5pPr>
+    <a:lvl6pPr marL="2286000" algn="l" defTabSz="914400" rtl="0" eaLnBrk="1" latinLnBrk="0" hangingPunct="1">
+      <a:defRPr sz="1800" kern="1200">
+        <a:solidFill>
+          <a:schemeClr val="tx1"/>
+        </a:solidFill>
+        <a:latin typeface="+mn-lt"/>
+        <a:ea typeface="+mn-ea"/>
+        <a:cs typeface="+mn-cs"/>
+      </a:defRPr>
+    </a:lvl6pPr>
+    <a:lvl7pPr marL="2743200" algn="l" defTabSz="914400" rtl="0" eaLnBrk="1" latinLnBrk="0" hangingPunct="1">
+      <a:defRPr sz="1800" kern="1200">
+        <a:solidFill>
+          <a:schemeClr val="tx1"/>
+        </a:solidFill>
+        <a:latin typeface="+mn-lt"/>
+        <a:ea typeface="+mn-ea"/>
+        <a:cs typeface="+mn-cs"/>
+      </a:defRPr>
+    </a:lvl7pPr>
+    <a:lvl8pPr marL="3200400" algn="l" defTabSz="914400" rtl="0" eaLnBrk="1" latinLnBrk="0" hangingPunct="1">
+      <a:defRPr sz="1800" kern="1200">
+        <a:solidFill>
+          <a:schemeClr val="tx1"/>
+        </a:solidFill>
+        <a:latin typeface="+mn-lt"/>
+        <a:ea typeface="+mn-ea"/>
+        <a:cs typeface="+mn-cs"/>
+      </a:defRPr>
+    </a:lvl8pPr>
+    <a:lvl9pPr marL="3657600" algn="l" defTabSz="914400" rtl="0" eaLnBrk="1" latinLnBrk="0" hangingPunct="1">
+      <a:defRPr sz="1800" kern="1200">
+        <a:solidFill>
+          <a:schemeClr val="tx1"/>
+        </a:solidFill>
+        <a:latin typeface="+mn-lt"/>
+        <a:ea typeface="+mn-ea"/>
+        <a:cs typeface="+mn-cs"/>
+      </a:defRPr>
+    </a:lvl9pPr>
+  </p:defaultTextStyle>
 </p:presentation>
 </file>
 
+<file path=ppt/revisionInfo.xml><?xml version="1.0" encoding="utf-8"?>
+<p1510:revInfo xmlns:a="http://schemas.openxmlformats.org/drawingml/2006/main" xmlns:r="http://schemas.openxmlformats.org/officeDocument/2006/relationships" xmlns:p1510="http://schemas.microsoft.com/office/powerpoint/2015/10/main">
+  <p1510:revLst>
+    <p1510:client id="{144FF4AF-0893-4A02-AC95-DA26E794A4AA}" v="98" dt="2022-01-13T07:56:26.859"/>
+  </p1510:revLst>
+</p1510:revInfo>
+</file>
+
+<file path=ppt/changesInfos/changesInfo1.xml><?xml version="1.0" encoding="utf-8"?>
+<pc:chgInfo xmlns:a="http://schemas.openxmlformats.org/drawingml/2006/main" xmlns:r="http://schemas.openxmlformats.org/officeDocument/2006/relationships" xmlns:ac="http://schemas.microsoft.com/office/drawing/2013/main/command" xmlns:pc="http://schemas.microsoft.com/office/powerpoint/2013/main/command">
+  <pc:docChgLst>
+    <pc:chgData name="Miguel Sánchez Linares" userId="S::miguel.s266401@cesurformacion.com::40d2866a-9c2d-416a-9d38-f10bfefc0d69" providerId="AD" clId="Web-{144FF4AF-0893-4A02-AC95-DA26E794A4AA}"/>
+    <pc:docChg chg="modSld">
+      <pc:chgData name="Miguel Sánchez Linares" userId="S::miguel.s266401@cesurformacion.com::40d2866a-9c2d-416a-9d38-f10bfefc0d69" providerId="AD" clId="Web-{144FF4AF-0893-4A02-AC95-DA26E794A4AA}" dt="2022-01-13T07:56:26.859" v="102" actId="20577"/>
+      <pc:docMkLst>
+        <pc:docMk/>
+      </pc:docMkLst>
+      <pc:sldChg chg="modSp">
+        <pc:chgData name="Miguel Sánchez Linares" userId="S::miguel.s266401@cesurformacion.com::40d2866a-9c2d-416a-9d38-f10bfefc0d69" providerId="AD" clId="Web-{144FF4AF-0893-4A02-AC95-DA26E794A4AA}" dt="2022-01-13T07:56:26.859" v="102" actId="20577"/>
+        <pc:sldMkLst>
+          <pc:docMk/>
+          <pc:sldMk cId="0" sldId="260"/>
+        </pc:sldMkLst>
+        <pc:spChg chg="mod">
+          <ac:chgData name="Miguel Sánchez Linares" userId="S::miguel.s266401@cesurformacion.com::40d2866a-9c2d-416a-9d38-f10bfefc0d69" providerId="AD" clId="Web-{144FF4AF-0893-4A02-AC95-DA26E794A4AA}" dt="2022-01-13T07:56:14.640" v="98" actId="20577"/>
+          <ac:spMkLst>
+            <pc:docMk/>
+            <pc:sldMk cId="0" sldId="260"/>
+            <ac:spMk id="55" creationId="{00000000-0000-0000-0000-000000000000}"/>
+          </ac:spMkLst>
+        </pc:spChg>
+        <pc:spChg chg="mod">
+          <ac:chgData name="Miguel Sánchez Linares" userId="S::miguel.s266401@cesurformacion.com::40d2866a-9c2d-416a-9d38-f10bfefc0d69" providerId="AD" clId="Web-{144FF4AF-0893-4A02-AC95-DA26E794A4AA}" dt="2022-01-13T07:56:26.859" v="102" actId="20577"/>
+          <ac:spMkLst>
+            <pc:docMk/>
+            <pc:sldMk cId="0" sldId="260"/>
+            <ac:spMk id="56" creationId="{00000000-0000-0000-0000-000000000000}"/>
+          </ac:spMkLst>
+        </pc:spChg>
+      </pc:sldChg>
+      <pc:sldChg chg="modSp">
+        <pc:chgData name="Miguel Sánchez Linares" userId="S::miguel.s266401@cesurformacion.com::40d2866a-9c2d-416a-9d38-f10bfefc0d69" providerId="AD" clId="Web-{144FF4AF-0893-4A02-AC95-DA26E794A4AA}" dt="2022-01-13T07:55:29.030" v="85" actId="20577"/>
+        <pc:sldMkLst>
+          <pc:docMk/>
+          <pc:sldMk cId="0" sldId="261"/>
+        </pc:sldMkLst>
+        <pc:spChg chg="mod">
+          <ac:chgData name="Miguel Sánchez Linares" userId="S::miguel.s266401@cesurformacion.com::40d2866a-9c2d-416a-9d38-f10bfefc0d69" providerId="AD" clId="Web-{144FF4AF-0893-4A02-AC95-DA26E794A4AA}" dt="2022-01-13T07:54:30.419" v="72" actId="1076"/>
+          <ac:spMkLst>
+            <pc:docMk/>
+            <pc:sldMk cId="0" sldId="261"/>
+            <ac:spMk id="57" creationId="{00000000-0000-0000-0000-000000000000}"/>
+          </ac:spMkLst>
+        </pc:spChg>
+        <pc:spChg chg="mod">
+          <ac:chgData name="Miguel Sánchez Linares" userId="S::miguel.s266401@cesurformacion.com::40d2866a-9c2d-416a-9d38-f10bfefc0d69" providerId="AD" clId="Web-{144FF4AF-0893-4A02-AC95-DA26E794A4AA}" dt="2022-01-13T07:45:22.514" v="1" actId="20577"/>
+          <ac:spMkLst>
+            <pc:docMk/>
+            <pc:sldMk cId="0" sldId="261"/>
+            <ac:spMk id="58" creationId="{00000000-0000-0000-0000-000000000000}"/>
+          </ac:spMkLst>
+        </pc:spChg>
+        <pc:spChg chg="mod">
+          <ac:chgData name="Miguel Sánchez Linares" userId="S::miguel.s266401@cesurformacion.com::40d2866a-9c2d-416a-9d38-f10bfefc0d69" providerId="AD" clId="Web-{144FF4AF-0893-4A02-AC95-DA26E794A4AA}" dt="2022-01-13T07:55:29.030" v="85" actId="20577"/>
+          <ac:spMkLst>
+            <pc:docMk/>
+            <pc:sldMk cId="0" sldId="261"/>
+            <ac:spMk id="59" creationId="{00000000-0000-0000-0000-000000000000}"/>
+          </ac:spMkLst>
+        </pc:spChg>
+      </pc:sldChg>
+    </pc:docChg>
+  </pc:docChgLst>
+</pc:chgInfo>
+</file>
+
 <file path=ppt/slideLayouts/slideLayout1.xml><?xml version="1.0" encoding="utf-8"?>
-<p:sldLayout xmlns:a="http://schemas.openxmlformats.org/drawingml/2006/main" xmlns:p="http://schemas.openxmlformats.org/presentationml/2006/main" xmlns:r="http://schemas.openxmlformats.org/officeDocument/2006/relationships" xmlns:p14="http://schemas.microsoft.com/office/powerpoint/2010/main" xmlns:p15="http://schemas.microsoft.com/office/powerpoint/2012/main" xmlns:mc="http://schemas.openxmlformats.org/markup-compatibility/2006" type="blank" preserve="1">
+<p:sldLayout xmlns:a="http://schemas.openxmlformats.org/drawingml/2006/main" xmlns:r="http://schemas.openxmlformats.org/officeDocument/2006/relationships" xmlns:p="http://schemas.openxmlformats.org/presentationml/2006/main" type="blank" preserve="1">
   <p:cSld name="Blank Slide">
     <p:spTree>
       <p:nvGrpSpPr>
@@ -39,11 +210,14 @@
       </p:grpSpPr>
     </p:spTree>
   </p:cSld>
+  <p:clrMapOvr>
+    <a:masterClrMapping/>
+  </p:clrMapOvr>
 </p:sldLayout>
 </file>
 
 <file path=ppt/slideLayouts/slideLayout10.xml><?xml version="1.0" encoding="utf-8"?>
-<p:sldLayout xmlns:a="http://schemas.openxmlformats.org/drawingml/2006/main" xmlns:p="http://schemas.openxmlformats.org/presentationml/2006/main" xmlns:r="http://schemas.openxmlformats.org/officeDocument/2006/relationships" xmlns:p14="http://schemas.microsoft.com/office/powerpoint/2010/main" xmlns:p15="http://schemas.microsoft.com/office/powerpoint/2012/main" xmlns:mc="http://schemas.openxmlformats.org/markup-compatibility/2006" type="objOverTx" preserve="1">
+<p:sldLayout xmlns:a="http://schemas.openxmlformats.org/drawingml/2006/main" xmlns:r="http://schemas.openxmlformats.org/officeDocument/2006/relationships" xmlns:p="http://schemas.openxmlformats.org/presentationml/2006/main" type="objOverTx" preserve="1">
   <p:cSld name="Title, Content over Content">
     <p:spTree>
       <p:nvGrpSpPr>
@@ -79,13 +253,14 @@
           </a:prstGeom>
         </p:spPr>
         <p:txBody>
-          <a:bodyPr lIns="0" rIns="0" tIns="0" bIns="0" anchor="ctr">
+          <a:bodyPr lIns="0" tIns="0" rIns="0" bIns="0" anchor="ctr">
             <a:noAutofit/>
           </a:bodyPr>
-          <a:p>
-            <a:endParaRPr b="0" lang="es-ES" sz="1800" spc="-1" strike="noStrike">
+          <a:lstStyle/>
+          <a:p>
+            <a:endParaRPr lang="es-ES" sz="1800" b="0" strike="noStrike" spc="-1">
               <a:solidFill>
-                <a:srgbClr val="ffffff"/>
+                <a:srgbClr val="FFFFFF"/>
               </a:solidFill>
               <a:latin typeface="Avenir Next LT Pro Light"/>
             </a:endParaRPr>
@@ -112,13 +287,14 @@
           </a:prstGeom>
         </p:spPr>
         <p:txBody>
-          <a:bodyPr lIns="0" rIns="0" tIns="0" bIns="0">
+          <a:bodyPr lIns="0" tIns="0" rIns="0" bIns="0">
             <a:normAutofit/>
           </a:bodyPr>
-          <a:p>
-            <a:endParaRPr b="0" lang="es-ES" sz="2000" spc="-1" strike="noStrike">
+          <a:lstStyle/>
+          <a:p>
+            <a:endParaRPr lang="es-ES" sz="2000" b="0" strike="noStrike" spc="-1">
               <a:solidFill>
-                <a:srgbClr val="ffffff"/>
+                <a:srgbClr val="FFFFFF"/>
               </a:solidFill>
               <a:latin typeface="Avenir Next LT Pro Light"/>
             </a:endParaRPr>
@@ -145,13 +321,14 @@
           </a:prstGeom>
         </p:spPr>
         <p:txBody>
-          <a:bodyPr lIns="0" rIns="0" tIns="0" bIns="0">
+          <a:bodyPr lIns="0" tIns="0" rIns="0" bIns="0">
             <a:normAutofit/>
           </a:bodyPr>
-          <a:p>
-            <a:endParaRPr b="0" lang="es-ES" sz="2000" spc="-1" strike="noStrike">
+          <a:lstStyle/>
+          <a:p>
+            <a:endParaRPr lang="es-ES" sz="2000" b="0" strike="noStrike" spc="-1">
               <a:solidFill>
-                <a:srgbClr val="ffffff"/>
+                <a:srgbClr val="FFFFFF"/>
               </a:solidFill>
               <a:latin typeface="Avenir Next LT Pro Light"/>
             </a:endParaRPr>
@@ -160,11 +337,14 @@
       </p:sp>
     </p:spTree>
   </p:cSld>
+  <p:clrMapOvr>
+    <a:masterClrMapping/>
+  </p:clrMapOvr>
 </p:sldLayout>
 </file>
 
 <file path=ppt/slideLayouts/slideLayout11.xml><?xml version="1.0" encoding="utf-8"?>
-<p:sldLayout xmlns:a="http://schemas.openxmlformats.org/drawingml/2006/main" xmlns:p="http://schemas.openxmlformats.org/presentationml/2006/main" xmlns:r="http://schemas.openxmlformats.org/officeDocument/2006/relationships" xmlns:p14="http://schemas.microsoft.com/office/powerpoint/2010/main" xmlns:p15="http://schemas.microsoft.com/office/powerpoint/2012/main" xmlns:mc="http://schemas.openxmlformats.org/markup-compatibility/2006" type="fourObj" preserve="1">
+<p:sldLayout xmlns:a="http://schemas.openxmlformats.org/drawingml/2006/main" xmlns:r="http://schemas.openxmlformats.org/officeDocument/2006/relationships" xmlns:p="http://schemas.openxmlformats.org/presentationml/2006/main" type="fourObj" preserve="1">
   <p:cSld name="Title, 4 Content">
     <p:spTree>
       <p:nvGrpSpPr>
@@ -200,13 +380,14 @@
           </a:prstGeom>
         </p:spPr>
         <p:txBody>
-          <a:bodyPr lIns="0" rIns="0" tIns="0" bIns="0" anchor="ctr">
+          <a:bodyPr lIns="0" tIns="0" rIns="0" bIns="0" anchor="ctr">
             <a:noAutofit/>
           </a:bodyPr>
-          <a:p>
-            <a:endParaRPr b="0" lang="es-ES" sz="1800" spc="-1" strike="noStrike">
+          <a:lstStyle/>
+          <a:p>
+            <a:endParaRPr lang="es-ES" sz="1800" b="0" strike="noStrike" spc="-1">
               <a:solidFill>
-                <a:srgbClr val="ffffff"/>
+                <a:srgbClr val="FFFFFF"/>
               </a:solidFill>
               <a:latin typeface="Avenir Next LT Pro Light"/>
             </a:endParaRPr>
@@ -233,13 +414,14 @@
           </a:prstGeom>
         </p:spPr>
         <p:txBody>
-          <a:bodyPr lIns="0" rIns="0" tIns="0" bIns="0">
+          <a:bodyPr lIns="0" tIns="0" rIns="0" bIns="0">
             <a:normAutofit/>
           </a:bodyPr>
-          <a:p>
-            <a:endParaRPr b="0" lang="es-ES" sz="2000" spc="-1" strike="noStrike">
+          <a:lstStyle/>
+          <a:p>
+            <a:endParaRPr lang="es-ES" sz="2000" b="0" strike="noStrike" spc="-1">
               <a:solidFill>
-                <a:srgbClr val="ffffff"/>
+                <a:srgbClr val="FFFFFF"/>
               </a:solidFill>
               <a:latin typeface="Avenir Next LT Pro Light"/>
             </a:endParaRPr>
@@ -266,13 +448,14 @@
           </a:prstGeom>
         </p:spPr>
         <p:txBody>
-          <a:bodyPr lIns="0" rIns="0" tIns="0" bIns="0">
+          <a:bodyPr lIns="0" tIns="0" rIns="0" bIns="0">
             <a:normAutofit/>
           </a:bodyPr>
-          <a:p>
-            <a:endParaRPr b="0" lang="es-ES" sz="2000" spc="-1" strike="noStrike">
+          <a:lstStyle/>
+          <a:p>
+            <a:endParaRPr lang="es-ES" sz="2000" b="0" strike="noStrike" spc="-1">
               <a:solidFill>
-                <a:srgbClr val="ffffff"/>
+                <a:srgbClr val="FFFFFF"/>
               </a:solidFill>
               <a:latin typeface="Avenir Next LT Pro Light"/>
             </a:endParaRPr>
@@ -299,13 +482,14 @@
           </a:prstGeom>
         </p:spPr>
         <p:txBody>
-          <a:bodyPr lIns="0" rIns="0" tIns="0" bIns="0">
+          <a:bodyPr lIns="0" tIns="0" rIns="0" bIns="0">
             <a:normAutofit/>
           </a:bodyPr>
-          <a:p>
-            <a:endParaRPr b="0" lang="es-ES" sz="2000" spc="-1" strike="noStrike">
+          <a:lstStyle/>
+          <a:p>
+            <a:endParaRPr lang="es-ES" sz="2000" b="0" strike="noStrike" spc="-1">
               <a:solidFill>
-                <a:srgbClr val="ffffff"/>
+                <a:srgbClr val="FFFFFF"/>
               </a:solidFill>
               <a:latin typeface="Avenir Next LT Pro Light"/>
             </a:endParaRPr>
@@ -332,13 +516,14 @@
           </a:prstGeom>
         </p:spPr>
         <p:txBody>
-          <a:bodyPr lIns="0" rIns="0" tIns="0" bIns="0">
+          <a:bodyPr lIns="0" tIns="0" rIns="0" bIns="0">
             <a:normAutofit/>
           </a:bodyPr>
-          <a:p>
-            <a:endParaRPr b="0" lang="es-ES" sz="2000" spc="-1" strike="noStrike">
+          <a:lstStyle/>
+          <a:p>
+            <a:endParaRPr lang="es-ES" sz="2000" b="0" strike="noStrike" spc="-1">
               <a:solidFill>
-                <a:srgbClr val="ffffff"/>
+                <a:srgbClr val="FFFFFF"/>
               </a:solidFill>
               <a:latin typeface="Avenir Next LT Pro Light"/>
             </a:endParaRPr>
@@ -347,11 +532,14 @@
       </p:sp>
     </p:spTree>
   </p:cSld>
+  <p:clrMapOvr>
+    <a:masterClrMapping/>
+  </p:clrMapOvr>
 </p:sldLayout>
 </file>
 
 <file path=ppt/slideLayouts/slideLayout12.xml><?xml version="1.0" encoding="utf-8"?>
-<p:sldLayout xmlns:a="http://schemas.openxmlformats.org/drawingml/2006/main" xmlns:p="http://schemas.openxmlformats.org/presentationml/2006/main" xmlns:r="http://schemas.openxmlformats.org/officeDocument/2006/relationships" xmlns:p14="http://schemas.microsoft.com/office/powerpoint/2010/main" xmlns:p15="http://schemas.microsoft.com/office/powerpoint/2012/main" xmlns:mc="http://schemas.openxmlformats.org/markup-compatibility/2006" type="blank" preserve="1">
+<p:sldLayout xmlns:a="http://schemas.openxmlformats.org/drawingml/2006/main" xmlns:r="http://schemas.openxmlformats.org/officeDocument/2006/relationships" xmlns:p="http://schemas.openxmlformats.org/presentationml/2006/main" type="blank" preserve="1">
   <p:cSld name="Title, 6 Content">
     <p:spTree>
       <p:nvGrpSpPr>
@@ -387,13 +575,14 @@
           </a:prstGeom>
         </p:spPr>
         <p:txBody>
-          <a:bodyPr lIns="0" rIns="0" tIns="0" bIns="0" anchor="ctr">
+          <a:bodyPr lIns="0" tIns="0" rIns="0" bIns="0" anchor="ctr">
             <a:noAutofit/>
           </a:bodyPr>
-          <a:p>
-            <a:endParaRPr b="0" lang="es-ES" sz="1800" spc="-1" strike="noStrike">
+          <a:lstStyle/>
+          <a:p>
+            <a:endParaRPr lang="es-ES" sz="1800" b="0" strike="noStrike" spc="-1">
               <a:solidFill>
-                <a:srgbClr val="ffffff"/>
+                <a:srgbClr val="FFFFFF"/>
               </a:solidFill>
               <a:latin typeface="Avenir Next LT Pro Light"/>
             </a:endParaRPr>
@@ -420,13 +609,14 @@
           </a:prstGeom>
         </p:spPr>
         <p:txBody>
-          <a:bodyPr lIns="0" rIns="0" tIns="0" bIns="0">
+          <a:bodyPr lIns="0" tIns="0" rIns="0" bIns="0">
             <a:normAutofit/>
           </a:bodyPr>
-          <a:p>
-            <a:endParaRPr b="0" lang="es-ES" sz="2000" spc="-1" strike="noStrike">
+          <a:lstStyle/>
+          <a:p>
+            <a:endParaRPr lang="es-ES" sz="2000" b="0" strike="noStrike" spc="-1">
               <a:solidFill>
-                <a:srgbClr val="ffffff"/>
+                <a:srgbClr val="FFFFFF"/>
               </a:solidFill>
               <a:latin typeface="Avenir Next LT Pro Light"/>
             </a:endParaRPr>
@@ -453,13 +643,14 @@
           </a:prstGeom>
         </p:spPr>
         <p:txBody>
-          <a:bodyPr lIns="0" rIns="0" tIns="0" bIns="0">
+          <a:bodyPr lIns="0" tIns="0" rIns="0" bIns="0">
             <a:normAutofit/>
           </a:bodyPr>
-          <a:p>
-            <a:endParaRPr b="0" lang="es-ES" sz="2000" spc="-1" strike="noStrike">
+          <a:lstStyle/>
+          <a:p>
+            <a:endParaRPr lang="es-ES" sz="2000" b="0" strike="noStrike" spc="-1">
               <a:solidFill>
-                <a:srgbClr val="ffffff"/>
+                <a:srgbClr val="FFFFFF"/>
               </a:solidFill>
               <a:latin typeface="Avenir Next LT Pro Light"/>
             </a:endParaRPr>
@@ -486,13 +677,14 @@
           </a:prstGeom>
         </p:spPr>
         <p:txBody>
-          <a:bodyPr lIns="0" rIns="0" tIns="0" bIns="0">
+          <a:bodyPr lIns="0" tIns="0" rIns="0" bIns="0">
             <a:normAutofit/>
           </a:bodyPr>
-          <a:p>
-            <a:endParaRPr b="0" lang="es-ES" sz="2000" spc="-1" strike="noStrike">
+          <a:lstStyle/>
+          <a:p>
+            <a:endParaRPr lang="es-ES" sz="2000" b="0" strike="noStrike" spc="-1">
               <a:solidFill>
-                <a:srgbClr val="ffffff"/>
+                <a:srgbClr val="FFFFFF"/>
               </a:solidFill>
               <a:latin typeface="Avenir Next LT Pro Light"/>
             </a:endParaRPr>
@@ -519,13 +711,14 @@
           </a:prstGeom>
         </p:spPr>
         <p:txBody>
-          <a:bodyPr lIns="0" rIns="0" tIns="0" bIns="0">
+          <a:bodyPr lIns="0" tIns="0" rIns="0" bIns="0">
             <a:normAutofit/>
           </a:bodyPr>
-          <a:p>
-            <a:endParaRPr b="0" lang="es-ES" sz="2000" spc="-1" strike="noStrike">
+          <a:lstStyle/>
+          <a:p>
+            <a:endParaRPr lang="es-ES" sz="2000" b="0" strike="noStrike" spc="-1">
               <a:solidFill>
-                <a:srgbClr val="ffffff"/>
+                <a:srgbClr val="FFFFFF"/>
               </a:solidFill>
               <a:latin typeface="Avenir Next LT Pro Light"/>
             </a:endParaRPr>
@@ -552,13 +745,14 @@
           </a:prstGeom>
         </p:spPr>
         <p:txBody>
-          <a:bodyPr lIns="0" rIns="0" tIns="0" bIns="0">
+          <a:bodyPr lIns="0" tIns="0" rIns="0" bIns="0">
             <a:normAutofit/>
           </a:bodyPr>
-          <a:p>
-            <a:endParaRPr b="0" lang="es-ES" sz="2000" spc="-1" strike="noStrike">
+          <a:lstStyle/>
+          <a:p>
+            <a:endParaRPr lang="es-ES" sz="2000" b="0" strike="noStrike" spc="-1">
               <a:solidFill>
-                <a:srgbClr val="ffffff"/>
+                <a:srgbClr val="FFFFFF"/>
               </a:solidFill>
               <a:latin typeface="Avenir Next LT Pro Light"/>
             </a:endParaRPr>
@@ -585,13 +779,14 @@
           </a:prstGeom>
         </p:spPr>
         <p:txBody>
-          <a:bodyPr lIns="0" rIns="0" tIns="0" bIns="0">
+          <a:bodyPr lIns="0" tIns="0" rIns="0" bIns="0">
             <a:normAutofit/>
           </a:bodyPr>
-          <a:p>
-            <a:endParaRPr b="0" lang="es-ES" sz="2000" spc="-1" strike="noStrike">
+          <a:lstStyle/>
+          <a:p>
+            <a:endParaRPr lang="es-ES" sz="2000" b="0" strike="noStrike" spc="-1">
               <a:solidFill>
-                <a:srgbClr val="ffffff"/>
+                <a:srgbClr val="FFFFFF"/>
               </a:solidFill>
               <a:latin typeface="Avenir Next LT Pro Light"/>
             </a:endParaRPr>
@@ -600,11 +795,14 @@
       </p:sp>
     </p:spTree>
   </p:cSld>
+  <p:clrMapOvr>
+    <a:masterClrMapping/>
+  </p:clrMapOvr>
 </p:sldLayout>
 </file>
 
 <file path=ppt/slideLayouts/slideLayout2.xml><?xml version="1.0" encoding="utf-8"?>
-<p:sldLayout xmlns:a="http://schemas.openxmlformats.org/drawingml/2006/main" xmlns:p="http://schemas.openxmlformats.org/presentationml/2006/main" xmlns:r="http://schemas.openxmlformats.org/officeDocument/2006/relationships" xmlns:p14="http://schemas.microsoft.com/office/powerpoint/2010/main" xmlns:p15="http://schemas.microsoft.com/office/powerpoint/2012/main" xmlns:mc="http://schemas.openxmlformats.org/markup-compatibility/2006" type="tx" preserve="1">
+<p:sldLayout xmlns:a="http://schemas.openxmlformats.org/drawingml/2006/main" xmlns:r="http://schemas.openxmlformats.org/officeDocument/2006/relationships" xmlns:p="http://schemas.openxmlformats.org/presentationml/2006/main" type="tx" preserve="1">
   <p:cSld name="Title Slide">
     <p:spTree>
       <p:nvGrpSpPr>
@@ -640,13 +838,14 @@
           </a:prstGeom>
         </p:spPr>
         <p:txBody>
-          <a:bodyPr lIns="0" rIns="0" tIns="0" bIns="0" anchor="ctr">
+          <a:bodyPr lIns="0" tIns="0" rIns="0" bIns="0" anchor="ctr">
             <a:noAutofit/>
           </a:bodyPr>
-          <a:p>
-            <a:endParaRPr b="0" lang="es-ES" sz="1800" spc="-1" strike="noStrike">
+          <a:lstStyle/>
+          <a:p>
+            <a:endParaRPr lang="es-ES" sz="1800" b="0" strike="noStrike" spc="-1">
               <a:solidFill>
-                <a:srgbClr val="ffffff"/>
+                <a:srgbClr val="FFFFFF"/>
               </a:solidFill>
               <a:latin typeface="Avenir Next LT Pro Light"/>
             </a:endParaRPr>
@@ -673,12 +872,13 @@
           </a:prstGeom>
         </p:spPr>
         <p:txBody>
-          <a:bodyPr lIns="0" rIns="0" tIns="0" bIns="0" anchor="ctr">
+          <a:bodyPr lIns="0" tIns="0" rIns="0" bIns="0" anchor="ctr">
             <a:noAutofit/>
           </a:bodyPr>
+          <a:lstStyle/>
           <a:p>
             <a:pPr algn="ctr"/>
-            <a:endParaRPr b="0" lang="es-ES" sz="3200" spc="-1" strike="noStrike">
+            <a:endParaRPr lang="es-ES" sz="3200" b="0" strike="noStrike" spc="-1">
               <a:latin typeface="Arial"/>
             </a:endParaRPr>
           </a:p>
@@ -686,11 +886,14 @@
       </p:sp>
     </p:spTree>
   </p:cSld>
+  <p:clrMapOvr>
+    <a:masterClrMapping/>
+  </p:clrMapOvr>
 </p:sldLayout>
 </file>
 
 <file path=ppt/slideLayouts/slideLayout3.xml><?xml version="1.0" encoding="utf-8"?>
-<p:sldLayout xmlns:a="http://schemas.openxmlformats.org/drawingml/2006/main" xmlns:p="http://schemas.openxmlformats.org/presentationml/2006/main" xmlns:r="http://schemas.openxmlformats.org/officeDocument/2006/relationships" xmlns:p14="http://schemas.microsoft.com/office/powerpoint/2010/main" xmlns:p15="http://schemas.microsoft.com/office/powerpoint/2012/main" xmlns:mc="http://schemas.openxmlformats.org/markup-compatibility/2006" type="obj" preserve="1">
+<p:sldLayout xmlns:a="http://schemas.openxmlformats.org/drawingml/2006/main" xmlns:r="http://schemas.openxmlformats.org/officeDocument/2006/relationships" xmlns:p="http://schemas.openxmlformats.org/presentationml/2006/main" type="obj" preserve="1">
   <p:cSld name="Title, Content">
     <p:spTree>
       <p:nvGrpSpPr>
@@ -726,13 +929,14 @@
           </a:prstGeom>
         </p:spPr>
         <p:txBody>
-          <a:bodyPr lIns="0" rIns="0" tIns="0" bIns="0" anchor="ctr">
+          <a:bodyPr lIns="0" tIns="0" rIns="0" bIns="0" anchor="ctr">
             <a:noAutofit/>
           </a:bodyPr>
-          <a:p>
-            <a:endParaRPr b="0" lang="es-ES" sz="1800" spc="-1" strike="noStrike">
+          <a:lstStyle/>
+          <a:p>
+            <a:endParaRPr lang="es-ES" sz="1800" b="0" strike="noStrike" spc="-1">
               <a:solidFill>
-                <a:srgbClr val="ffffff"/>
+                <a:srgbClr val="FFFFFF"/>
               </a:solidFill>
               <a:latin typeface="Avenir Next LT Pro Light"/>
             </a:endParaRPr>
@@ -759,13 +963,14 @@
           </a:prstGeom>
         </p:spPr>
         <p:txBody>
-          <a:bodyPr lIns="0" rIns="0" tIns="0" bIns="0">
+          <a:bodyPr lIns="0" tIns="0" rIns="0" bIns="0">
             <a:normAutofit/>
           </a:bodyPr>
-          <a:p>
-            <a:endParaRPr b="0" lang="es-ES" sz="2000" spc="-1" strike="noStrike">
+          <a:lstStyle/>
+          <a:p>
+            <a:endParaRPr lang="es-ES" sz="2000" b="0" strike="noStrike" spc="-1">
               <a:solidFill>
-                <a:srgbClr val="ffffff"/>
+                <a:srgbClr val="FFFFFF"/>
               </a:solidFill>
               <a:latin typeface="Avenir Next LT Pro Light"/>
             </a:endParaRPr>
@@ -774,11 +979,14 @@
       </p:sp>
     </p:spTree>
   </p:cSld>
+  <p:clrMapOvr>
+    <a:masterClrMapping/>
+  </p:clrMapOvr>
 </p:sldLayout>
 </file>
 
 <file path=ppt/slideLayouts/slideLayout4.xml><?xml version="1.0" encoding="utf-8"?>
-<p:sldLayout xmlns:a="http://schemas.openxmlformats.org/drawingml/2006/main" xmlns:p="http://schemas.openxmlformats.org/presentationml/2006/main" xmlns:r="http://schemas.openxmlformats.org/officeDocument/2006/relationships" xmlns:p14="http://schemas.microsoft.com/office/powerpoint/2010/main" xmlns:p15="http://schemas.microsoft.com/office/powerpoint/2012/main" xmlns:mc="http://schemas.openxmlformats.org/markup-compatibility/2006" type="twoObj" preserve="1">
+<p:sldLayout xmlns:a="http://schemas.openxmlformats.org/drawingml/2006/main" xmlns:r="http://schemas.openxmlformats.org/officeDocument/2006/relationships" xmlns:p="http://schemas.openxmlformats.org/presentationml/2006/main" type="twoObj" preserve="1">
   <p:cSld name="Title, 2 Content">
     <p:spTree>
       <p:nvGrpSpPr>
@@ -814,13 +1022,14 @@
           </a:prstGeom>
         </p:spPr>
         <p:txBody>
-          <a:bodyPr lIns="0" rIns="0" tIns="0" bIns="0" anchor="ctr">
+          <a:bodyPr lIns="0" tIns="0" rIns="0" bIns="0" anchor="ctr">
             <a:noAutofit/>
           </a:bodyPr>
-          <a:p>
-            <a:endParaRPr b="0" lang="es-ES" sz="1800" spc="-1" strike="noStrike">
+          <a:lstStyle/>
+          <a:p>
+            <a:endParaRPr lang="es-ES" sz="1800" b="0" strike="noStrike" spc="-1">
               <a:solidFill>
-                <a:srgbClr val="ffffff"/>
+                <a:srgbClr val="FFFFFF"/>
               </a:solidFill>
               <a:latin typeface="Avenir Next LT Pro Light"/>
             </a:endParaRPr>
@@ -847,13 +1056,14 @@
           </a:prstGeom>
         </p:spPr>
         <p:txBody>
-          <a:bodyPr lIns="0" rIns="0" tIns="0" bIns="0">
+          <a:bodyPr lIns="0" tIns="0" rIns="0" bIns="0">
             <a:normAutofit/>
           </a:bodyPr>
-          <a:p>
-            <a:endParaRPr b="0" lang="es-ES" sz="2000" spc="-1" strike="noStrike">
+          <a:lstStyle/>
+          <a:p>
+            <a:endParaRPr lang="es-ES" sz="2000" b="0" strike="noStrike" spc="-1">
               <a:solidFill>
-                <a:srgbClr val="ffffff"/>
+                <a:srgbClr val="FFFFFF"/>
               </a:solidFill>
               <a:latin typeface="Avenir Next LT Pro Light"/>
             </a:endParaRPr>
@@ -880,13 +1090,14 @@
           </a:prstGeom>
         </p:spPr>
         <p:txBody>
-          <a:bodyPr lIns="0" rIns="0" tIns="0" bIns="0">
+          <a:bodyPr lIns="0" tIns="0" rIns="0" bIns="0">
             <a:normAutofit/>
           </a:bodyPr>
-          <a:p>
-            <a:endParaRPr b="0" lang="es-ES" sz="2000" spc="-1" strike="noStrike">
+          <a:lstStyle/>
+          <a:p>
+            <a:endParaRPr lang="es-ES" sz="2000" b="0" strike="noStrike" spc="-1">
               <a:solidFill>
-                <a:srgbClr val="ffffff"/>
+                <a:srgbClr val="FFFFFF"/>
               </a:solidFill>
               <a:latin typeface="Avenir Next LT Pro Light"/>
             </a:endParaRPr>
@@ -895,11 +1106,14 @@
       </p:sp>
     </p:spTree>
   </p:cSld>
+  <p:clrMapOvr>
+    <a:masterClrMapping/>
+  </p:clrMapOvr>
 </p:sldLayout>
 </file>
 
 <file path=ppt/slideLayouts/slideLayout5.xml><?xml version="1.0" encoding="utf-8"?>
-<p:sldLayout xmlns:a="http://schemas.openxmlformats.org/drawingml/2006/main" xmlns:p="http://schemas.openxmlformats.org/presentationml/2006/main" xmlns:r="http://schemas.openxmlformats.org/officeDocument/2006/relationships" xmlns:p14="http://schemas.microsoft.com/office/powerpoint/2010/main" xmlns:p15="http://schemas.microsoft.com/office/powerpoint/2012/main" xmlns:mc="http://schemas.openxmlformats.org/markup-compatibility/2006" type="titleOnly" preserve="1">
+<p:sldLayout xmlns:a="http://schemas.openxmlformats.org/drawingml/2006/main" xmlns:r="http://schemas.openxmlformats.org/officeDocument/2006/relationships" xmlns:p="http://schemas.openxmlformats.org/presentationml/2006/main" type="titleOnly" preserve="1">
   <p:cSld name="Title Only">
     <p:spTree>
       <p:nvGrpSpPr>
@@ -935,13 +1149,14 @@
           </a:prstGeom>
         </p:spPr>
         <p:txBody>
-          <a:bodyPr lIns="0" rIns="0" tIns="0" bIns="0" anchor="ctr">
+          <a:bodyPr lIns="0" tIns="0" rIns="0" bIns="0" anchor="ctr">
             <a:noAutofit/>
           </a:bodyPr>
-          <a:p>
-            <a:endParaRPr b="0" lang="es-ES" sz="1800" spc="-1" strike="noStrike">
+          <a:lstStyle/>
+          <a:p>
+            <a:endParaRPr lang="es-ES" sz="1800" b="0" strike="noStrike" spc="-1">
               <a:solidFill>
-                <a:srgbClr val="ffffff"/>
+                <a:srgbClr val="FFFFFF"/>
               </a:solidFill>
               <a:latin typeface="Avenir Next LT Pro Light"/>
             </a:endParaRPr>
@@ -950,11 +1165,14 @@
       </p:sp>
     </p:spTree>
   </p:cSld>
+  <p:clrMapOvr>
+    <a:masterClrMapping/>
+  </p:clrMapOvr>
 </p:sldLayout>
 </file>
 
 <file path=ppt/slideLayouts/slideLayout6.xml><?xml version="1.0" encoding="utf-8"?>
-<p:sldLayout xmlns:a="http://schemas.openxmlformats.org/drawingml/2006/main" xmlns:p="http://schemas.openxmlformats.org/presentationml/2006/main" xmlns:r="http://schemas.openxmlformats.org/officeDocument/2006/relationships" xmlns:p14="http://schemas.microsoft.com/office/powerpoint/2010/main" xmlns:p15="http://schemas.microsoft.com/office/powerpoint/2012/main" xmlns:mc="http://schemas.openxmlformats.org/markup-compatibility/2006" type="objOnly" preserve="1">
+<p:sldLayout xmlns:a="http://schemas.openxmlformats.org/drawingml/2006/main" xmlns:r="http://schemas.openxmlformats.org/officeDocument/2006/relationships" xmlns:p="http://schemas.openxmlformats.org/presentationml/2006/main" type="objOnly" preserve="1">
   <p:cSld name="Centered Text">
     <p:spTree>
       <p:nvGrpSpPr>
@@ -990,12 +1208,13 @@
           </a:prstGeom>
         </p:spPr>
         <p:txBody>
-          <a:bodyPr lIns="0" rIns="0" tIns="0" bIns="0" anchor="ctr">
+          <a:bodyPr lIns="0" tIns="0" rIns="0" bIns="0" anchor="ctr">
             <a:noAutofit/>
           </a:bodyPr>
+          <a:lstStyle/>
           <a:p>
             <a:pPr algn="ctr"/>
-            <a:endParaRPr b="0" lang="es-ES" sz="3200" spc="-1" strike="noStrike">
+            <a:endParaRPr lang="es-ES" sz="3200" b="0" strike="noStrike" spc="-1">
               <a:latin typeface="Arial"/>
             </a:endParaRPr>
           </a:p>
@@ -1003,11 +1222,14 @@
       </p:sp>
     </p:spTree>
   </p:cSld>
+  <p:clrMapOvr>
+    <a:masterClrMapping/>
+  </p:clrMapOvr>
 </p:sldLayout>
 </file>
 
 <file path=ppt/slideLayouts/slideLayout7.xml><?xml version="1.0" encoding="utf-8"?>
-<p:sldLayout xmlns:a="http://schemas.openxmlformats.org/drawingml/2006/main" xmlns:p="http://schemas.openxmlformats.org/presentationml/2006/main" xmlns:r="http://schemas.openxmlformats.org/officeDocument/2006/relationships" xmlns:p14="http://schemas.microsoft.com/office/powerpoint/2010/main" xmlns:p15="http://schemas.microsoft.com/office/powerpoint/2012/main" xmlns:mc="http://schemas.openxmlformats.org/markup-compatibility/2006" type="twoObjAndObj" preserve="1">
+<p:sldLayout xmlns:a="http://schemas.openxmlformats.org/drawingml/2006/main" xmlns:r="http://schemas.openxmlformats.org/officeDocument/2006/relationships" xmlns:p="http://schemas.openxmlformats.org/presentationml/2006/main" type="twoObjAndObj" preserve="1">
   <p:cSld name="Title, 2 Content and Content">
     <p:spTree>
       <p:nvGrpSpPr>
@@ -1043,13 +1265,14 @@
           </a:prstGeom>
         </p:spPr>
         <p:txBody>
-          <a:bodyPr lIns="0" rIns="0" tIns="0" bIns="0" anchor="ctr">
+          <a:bodyPr lIns="0" tIns="0" rIns="0" bIns="0" anchor="ctr">
             <a:noAutofit/>
           </a:bodyPr>
-          <a:p>
-            <a:endParaRPr b="0" lang="es-ES" sz="1800" spc="-1" strike="noStrike">
+          <a:lstStyle/>
+          <a:p>
+            <a:endParaRPr lang="es-ES" sz="1800" b="0" strike="noStrike" spc="-1">
               <a:solidFill>
-                <a:srgbClr val="ffffff"/>
+                <a:srgbClr val="FFFFFF"/>
               </a:solidFill>
               <a:latin typeface="Avenir Next LT Pro Light"/>
             </a:endParaRPr>
@@ -1076,13 +1299,14 @@
           </a:prstGeom>
         </p:spPr>
         <p:txBody>
-          <a:bodyPr lIns="0" rIns="0" tIns="0" bIns="0">
+          <a:bodyPr lIns="0" tIns="0" rIns="0" bIns="0">
             <a:normAutofit/>
           </a:bodyPr>
-          <a:p>
-            <a:endParaRPr b="0" lang="es-ES" sz="2000" spc="-1" strike="noStrike">
+          <a:lstStyle/>
+          <a:p>
+            <a:endParaRPr lang="es-ES" sz="2000" b="0" strike="noStrike" spc="-1">
               <a:solidFill>
-                <a:srgbClr val="ffffff"/>
+                <a:srgbClr val="FFFFFF"/>
               </a:solidFill>
               <a:latin typeface="Avenir Next LT Pro Light"/>
             </a:endParaRPr>
@@ -1109,13 +1333,14 @@
           </a:prstGeom>
         </p:spPr>
         <p:txBody>
-          <a:bodyPr lIns="0" rIns="0" tIns="0" bIns="0">
+          <a:bodyPr lIns="0" tIns="0" rIns="0" bIns="0">
             <a:normAutofit/>
           </a:bodyPr>
-          <a:p>
-            <a:endParaRPr b="0" lang="es-ES" sz="2000" spc="-1" strike="noStrike">
+          <a:lstStyle/>
+          <a:p>
+            <a:endParaRPr lang="es-ES" sz="2000" b="0" strike="noStrike" spc="-1">
               <a:solidFill>
-                <a:srgbClr val="ffffff"/>
+                <a:srgbClr val="FFFFFF"/>
               </a:solidFill>
               <a:latin typeface="Avenir Next LT Pro Light"/>
             </a:endParaRPr>
@@ -1142,13 +1367,14 @@
           </a:prstGeom>
         </p:spPr>
         <p:txBody>
-          <a:bodyPr lIns="0" rIns="0" tIns="0" bIns="0">
+          <a:bodyPr lIns="0" tIns="0" rIns="0" bIns="0">
             <a:normAutofit/>
           </a:bodyPr>
-          <a:p>
-            <a:endParaRPr b="0" lang="es-ES" sz="2000" spc="-1" strike="noStrike">
+          <a:lstStyle/>
+          <a:p>
+            <a:endParaRPr lang="es-ES" sz="2000" b="0" strike="noStrike" spc="-1">
               <a:solidFill>
-                <a:srgbClr val="ffffff"/>
+                <a:srgbClr val="FFFFFF"/>
               </a:solidFill>
               <a:latin typeface="Avenir Next LT Pro Light"/>
             </a:endParaRPr>
@@ -1157,11 +1383,14 @@
       </p:sp>
     </p:spTree>
   </p:cSld>
+  <p:clrMapOvr>
+    <a:masterClrMapping/>
+  </p:clrMapOvr>
 </p:sldLayout>
 </file>
 
 <file path=ppt/slideLayouts/slideLayout8.xml><?xml version="1.0" encoding="utf-8"?>
-<p:sldLayout xmlns:a="http://schemas.openxmlformats.org/drawingml/2006/main" xmlns:p="http://schemas.openxmlformats.org/presentationml/2006/main" xmlns:r="http://schemas.openxmlformats.org/officeDocument/2006/relationships" xmlns:p14="http://schemas.microsoft.com/office/powerpoint/2010/main" xmlns:p15="http://schemas.microsoft.com/office/powerpoint/2012/main" xmlns:mc="http://schemas.openxmlformats.org/markup-compatibility/2006" type="objAndTwoObj" preserve="1">
+<p:sldLayout xmlns:a="http://schemas.openxmlformats.org/drawingml/2006/main" xmlns:r="http://schemas.openxmlformats.org/officeDocument/2006/relationships" xmlns:p="http://schemas.openxmlformats.org/presentationml/2006/main" type="objAndTwoObj" preserve="1">
   <p:cSld name="Title Content and 2 Content">
     <p:spTree>
       <p:nvGrpSpPr>
@@ -1197,13 +1426,14 @@
           </a:prstGeom>
         </p:spPr>
         <p:txBody>
-          <a:bodyPr lIns="0" rIns="0" tIns="0" bIns="0" anchor="ctr">
+          <a:bodyPr lIns="0" tIns="0" rIns="0" bIns="0" anchor="ctr">
             <a:noAutofit/>
           </a:bodyPr>
-          <a:p>
-            <a:endParaRPr b="0" lang="es-ES" sz="1800" spc="-1" strike="noStrike">
+          <a:lstStyle/>
+          <a:p>
+            <a:endParaRPr lang="es-ES" sz="1800" b="0" strike="noStrike" spc="-1">
               <a:solidFill>
-                <a:srgbClr val="ffffff"/>
+                <a:srgbClr val="FFFFFF"/>
               </a:solidFill>
               <a:latin typeface="Avenir Next LT Pro Light"/>
             </a:endParaRPr>
@@ -1230,13 +1460,14 @@
           </a:prstGeom>
         </p:spPr>
         <p:txBody>
-          <a:bodyPr lIns="0" rIns="0" tIns="0" bIns="0">
+          <a:bodyPr lIns="0" tIns="0" rIns="0" bIns="0">
             <a:normAutofit/>
           </a:bodyPr>
-          <a:p>
-            <a:endParaRPr b="0" lang="es-ES" sz="2000" spc="-1" strike="noStrike">
+          <a:lstStyle/>
+          <a:p>
+            <a:endParaRPr lang="es-ES" sz="2000" b="0" strike="noStrike" spc="-1">
               <a:solidFill>
-                <a:srgbClr val="ffffff"/>
+                <a:srgbClr val="FFFFFF"/>
               </a:solidFill>
               <a:latin typeface="Avenir Next LT Pro Light"/>
             </a:endParaRPr>
@@ -1263,13 +1494,14 @@
           </a:prstGeom>
         </p:spPr>
         <p:txBody>
-          <a:bodyPr lIns="0" rIns="0" tIns="0" bIns="0">
+          <a:bodyPr lIns="0" tIns="0" rIns="0" bIns="0">
             <a:normAutofit/>
           </a:bodyPr>
-          <a:p>
-            <a:endParaRPr b="0" lang="es-ES" sz="2000" spc="-1" strike="noStrike">
+          <a:lstStyle/>
+          <a:p>
+            <a:endParaRPr lang="es-ES" sz="2000" b="0" strike="noStrike" spc="-1">
               <a:solidFill>
-                <a:srgbClr val="ffffff"/>
+                <a:srgbClr val="FFFFFF"/>
               </a:solidFill>
               <a:latin typeface="Avenir Next LT Pro Light"/>
             </a:endParaRPr>
@@ -1296,13 +1528,14 @@
           </a:prstGeom>
         </p:spPr>
         <p:txBody>
-          <a:bodyPr lIns="0" rIns="0" tIns="0" bIns="0">
+          <a:bodyPr lIns="0" tIns="0" rIns="0" bIns="0">
             <a:normAutofit/>
           </a:bodyPr>
-          <a:p>
-            <a:endParaRPr b="0" lang="es-ES" sz="2000" spc="-1" strike="noStrike">
+          <a:lstStyle/>
+          <a:p>
+            <a:endParaRPr lang="es-ES" sz="2000" b="0" strike="noStrike" spc="-1">
               <a:solidFill>
-                <a:srgbClr val="ffffff"/>
+                <a:srgbClr val="FFFFFF"/>
               </a:solidFill>
               <a:latin typeface="Avenir Next LT Pro Light"/>
             </a:endParaRPr>
@@ -1311,11 +1544,14 @@
       </p:sp>
     </p:spTree>
   </p:cSld>
+  <p:clrMapOvr>
+    <a:masterClrMapping/>
+  </p:clrMapOvr>
 </p:sldLayout>
 </file>
 
 <file path=ppt/slideLayouts/slideLayout9.xml><?xml version="1.0" encoding="utf-8"?>
-<p:sldLayout xmlns:a="http://schemas.openxmlformats.org/drawingml/2006/main" xmlns:p="http://schemas.openxmlformats.org/presentationml/2006/main" xmlns:r="http://schemas.openxmlformats.org/officeDocument/2006/relationships" xmlns:p14="http://schemas.microsoft.com/office/powerpoint/2010/main" xmlns:p15="http://schemas.microsoft.com/office/powerpoint/2012/main" xmlns:mc="http://schemas.openxmlformats.org/markup-compatibility/2006" type="twoObjOverTx" preserve="1">
+<p:sldLayout xmlns:a="http://schemas.openxmlformats.org/drawingml/2006/main" xmlns:r="http://schemas.openxmlformats.org/officeDocument/2006/relationships" xmlns:p="http://schemas.openxmlformats.org/presentationml/2006/main" type="twoObjOverTx" preserve="1">
   <p:cSld name="Title, 2 Content over Content">
     <p:spTree>
       <p:nvGrpSpPr>
@@ -1351,13 +1587,14 @@
           </a:prstGeom>
         </p:spPr>
         <p:txBody>
-          <a:bodyPr lIns="0" rIns="0" tIns="0" bIns="0" anchor="ctr">
+          <a:bodyPr lIns="0" tIns="0" rIns="0" bIns="0" anchor="ctr">
             <a:noAutofit/>
           </a:bodyPr>
-          <a:p>
-            <a:endParaRPr b="0" lang="es-ES" sz="1800" spc="-1" strike="noStrike">
+          <a:lstStyle/>
+          <a:p>
+            <a:endParaRPr lang="es-ES" sz="1800" b="0" strike="noStrike" spc="-1">
               <a:solidFill>
-                <a:srgbClr val="ffffff"/>
+                <a:srgbClr val="FFFFFF"/>
               </a:solidFill>
               <a:latin typeface="Avenir Next LT Pro Light"/>
             </a:endParaRPr>
@@ -1384,13 +1621,14 @@
           </a:prstGeom>
         </p:spPr>
         <p:txBody>
-          <a:bodyPr lIns="0" rIns="0" tIns="0" bIns="0">
+          <a:bodyPr lIns="0" tIns="0" rIns="0" bIns="0">
             <a:normAutofit/>
           </a:bodyPr>
-          <a:p>
-            <a:endParaRPr b="0" lang="es-ES" sz="2000" spc="-1" strike="noStrike">
+          <a:lstStyle/>
+          <a:p>
+            <a:endParaRPr lang="es-ES" sz="2000" b="0" strike="noStrike" spc="-1">
               <a:solidFill>
-                <a:srgbClr val="ffffff"/>
+                <a:srgbClr val="FFFFFF"/>
               </a:solidFill>
               <a:latin typeface="Avenir Next LT Pro Light"/>
             </a:endParaRPr>
@@ -1417,13 +1655,14 @@
           </a:prstGeom>
         </p:spPr>
         <p:txBody>
-          <a:bodyPr lIns="0" rIns="0" tIns="0" bIns="0">
+          <a:bodyPr lIns="0" tIns="0" rIns="0" bIns="0">
             <a:normAutofit/>
           </a:bodyPr>
-          <a:p>
-            <a:endParaRPr b="0" lang="es-ES" sz="2000" spc="-1" strike="noStrike">
+          <a:lstStyle/>
+          <a:p>
+            <a:endParaRPr lang="es-ES" sz="2000" b="0" strike="noStrike" spc="-1">
               <a:solidFill>
-                <a:srgbClr val="ffffff"/>
+                <a:srgbClr val="FFFFFF"/>
               </a:solidFill>
               <a:latin typeface="Avenir Next LT Pro Light"/>
             </a:endParaRPr>
@@ -1450,13 +1689,14 @@
           </a:prstGeom>
         </p:spPr>
         <p:txBody>
-          <a:bodyPr lIns="0" rIns="0" tIns="0" bIns="0">
+          <a:bodyPr lIns="0" tIns="0" rIns="0" bIns="0">
             <a:normAutofit/>
           </a:bodyPr>
-          <a:p>
-            <a:endParaRPr b="0" lang="es-ES" sz="2000" spc="-1" strike="noStrike">
+          <a:lstStyle/>
+          <a:p>
+            <a:endParaRPr lang="es-ES" sz="2000" b="0" strike="noStrike" spc="-1">
               <a:solidFill>
-                <a:srgbClr val="ffffff"/>
+                <a:srgbClr val="FFFFFF"/>
               </a:solidFill>
               <a:latin typeface="Avenir Next LT Pro Light"/>
             </a:endParaRPr>
@@ -1465,17 +1705,21 @@
       </p:sp>
     </p:spTree>
   </p:cSld>
+  <p:clrMapOvr>
+    <a:masterClrMapping/>
+  </p:clrMapOvr>
 </p:sldLayout>
 </file>
 
 <file path=ppt/slideMasters/slideMaster1.xml><?xml version="1.0" encoding="utf-8"?>
-<p:sldMaster xmlns:a="http://schemas.openxmlformats.org/drawingml/2006/main" xmlns:p="http://schemas.openxmlformats.org/presentationml/2006/main" xmlns:r="http://schemas.openxmlformats.org/officeDocument/2006/relationships" xmlns:p14="http://schemas.microsoft.com/office/powerpoint/2010/main" xmlns:p15="http://schemas.microsoft.com/office/powerpoint/2012/main" xmlns:mc="http://schemas.openxmlformats.org/markup-compatibility/2006">
+<p:sldMaster xmlns:a="http://schemas.openxmlformats.org/drawingml/2006/main" xmlns:r="http://schemas.openxmlformats.org/officeDocument/2006/relationships" xmlns:p="http://schemas.openxmlformats.org/presentationml/2006/main">
   <p:cSld>
     <p:bg>
       <p:bgPr>
         <a:solidFill>
           <a:srgbClr val="732124"/>
         </a:solidFill>
+        <a:effectLst/>
       </p:bgPr>
     </p:bg>
     <p:spTree>
@@ -1494,7 +1738,7 @@
       </p:grpSpPr>
       <p:sp>
         <p:nvSpPr>
-          <p:cNvPr id="0" name="PlaceHolder 1"/>
+          <p:cNvPr id="11" name="PlaceHolder 1"/>
           <p:cNvSpPr>
             <a:spLocks noGrp="1"/>
           </p:cNvSpPr>
@@ -1512,9 +1756,10 @@
           </a:prstGeom>
         </p:spPr>
         <p:txBody>
-          <a:bodyPr lIns="0" rIns="0" tIns="0" bIns="0" anchor="b">
+          <a:bodyPr lIns="0" tIns="0" rIns="0" bIns="0" anchor="b">
             <a:normAutofit/>
           </a:bodyPr>
+          <a:lstStyle/>
           <a:p>
             <a:pPr algn="ctr">
               <a:lnSpc>
@@ -1522,17 +1767,17 @@
               </a:lnSpc>
             </a:pPr>
             <a:r>
-              <a:rPr b="0" lang="en-US" sz="2800" spc="398" strike="noStrike" cap="all">
-                <a:solidFill>
-                  <a:srgbClr val="ffffff"/>
+              <a:rPr lang="en-US" sz="2800" b="0" strike="noStrike" cap="all" spc="398">
+                <a:solidFill>
+                  <a:srgbClr val="FFFFFF"/>
                 </a:solidFill>
                 <a:latin typeface="Rockwell Nova Light"/>
               </a:rPr>
               <a:t>Click to edit Master title style</a:t>
             </a:r>
-            <a:endParaRPr b="0" lang="es-ES" sz="2800" spc="-1" strike="noStrike">
+            <a:endParaRPr lang="es-ES" sz="2800" b="0" strike="noStrike" spc="-1">
               <a:solidFill>
-                <a:srgbClr val="ffffff"/>
+                <a:srgbClr val="FFFFFF"/>
               </a:solidFill>
               <a:latin typeface="Avenir Next LT Pro Light"/>
             </a:endParaRPr>
@@ -1541,7 +1786,7 @@
       </p:sp>
       <p:sp>
         <p:nvSpPr>
-          <p:cNvPr id="1" name="PlaceHolder 2"/>
+          <p:cNvPr id="12" name="PlaceHolder 2"/>
           <p:cNvSpPr>
             <a:spLocks noGrp="1"/>
           </p:cNvSpPr>
@@ -1559,9 +1804,10 @@
           </a:prstGeom>
         </p:spPr>
         <p:txBody>
-          <a:bodyPr lIns="0" rIns="0" tIns="0" bIns="0" anchor="ctr">
+          <a:bodyPr lIns="0" tIns="0" rIns="0" bIns="0" anchor="ctr">
             <a:noAutofit/>
           </a:bodyPr>
+          <a:lstStyle/>
           <a:p>
             <a:pPr>
               <a:lnSpc>
@@ -1569,15 +1815,15 @@
               </a:lnSpc>
             </a:pPr>
             <a:fld id="{A3946FB8-28B7-433F-918E-1B9C752F25F7}" type="datetime">
-              <a:rPr b="0" lang="en-US" sz="1000" spc="299" strike="noStrike" cap="all">
-                <a:solidFill>
-                  <a:srgbClr val="ffffff"/>
+              <a:rPr lang="en-US" sz="1000" b="0" strike="noStrike" cap="all" spc="299">
+                <a:solidFill>
+                  <a:srgbClr val="FFFFFF"/>
                 </a:solidFill>
                 <a:latin typeface="Avenir Next LT Pro Light"/>
               </a:rPr>
-              <a:t>1/13/22</a:t>
+              <a:t>1/12/2022</a:t>
             </a:fld>
-            <a:endParaRPr b="0" lang="es-ES" sz="1000" spc="-1" strike="noStrike">
+            <a:endParaRPr lang="es-ES" sz="1000" b="0" strike="noStrike" spc="-1">
               <a:latin typeface="Times New Roman"/>
             </a:endParaRPr>
           </a:p>
@@ -1603,11 +1849,12 @@
           </a:prstGeom>
         </p:spPr>
         <p:txBody>
-          <a:bodyPr lIns="0" rIns="0" tIns="0" bIns="0" anchor="ctr">
+          <a:bodyPr lIns="0" tIns="0" rIns="0" bIns="0" anchor="ctr">
             <a:noAutofit/>
           </a:bodyPr>
-          <a:p>
-            <a:endParaRPr b="0" lang="es-ES" sz="2400" spc="-1" strike="noStrike">
+          <a:lstStyle/>
+          <a:p>
+            <a:endParaRPr lang="es-ES" sz="2400" b="0" strike="noStrike" spc="-1">
               <a:latin typeface="Times New Roman"/>
             </a:endParaRPr>
           </a:p>
@@ -1633,9 +1880,10 @@
           </a:prstGeom>
         </p:spPr>
         <p:txBody>
-          <a:bodyPr lIns="0" rIns="0" tIns="0" bIns="0" anchor="ctr">
+          <a:bodyPr lIns="0" tIns="0" rIns="0" bIns="0" anchor="ctr">
             <a:noAutofit/>
           </a:bodyPr>
+          <a:lstStyle/>
           <a:p>
             <a:pPr algn="r">
               <a:lnSpc>
@@ -1643,15 +1891,15 @@
               </a:lnSpc>
             </a:pPr>
             <a:fld id="{489C1980-85AE-4B91-8C9A-F07FE6EB7733}" type="slidenum">
-              <a:rPr b="0" lang="en-US" sz="1000" spc="299" strike="noStrike" cap="all">
-                <a:solidFill>
-                  <a:srgbClr val="ffffff"/>
+              <a:rPr lang="en-US" sz="1000" b="0" strike="noStrike" cap="all" spc="299">
+                <a:solidFill>
+                  <a:srgbClr val="FFFFFF"/>
                 </a:solidFill>
                 <a:latin typeface="Avenir Next LT Pro Light"/>
               </a:rPr>
-              <a:t>&lt;número&gt;</a:t>
+              <a:t>‹Nº›</a:t>
             </a:fld>
-            <a:endParaRPr b="0" lang="es-ES" sz="1000" spc="-1" strike="noStrike">
+            <a:endParaRPr lang="es-ES" sz="1000" b="0" strike="noStrike" spc="-1">
               <a:latin typeface="Times New Roman"/>
             </a:endParaRPr>
           </a:p>
@@ -1712,7 +1960,7 @@
             <p:nvPr/>
           </p:nvSpPr>
           <p:spPr>
-            <a:xfrm flipH="1" rot="2700000">
+            <a:xfrm rot="2700000" flipH="1">
               <a:off x="10407240" y="4497120"/>
               <a:ext cx="571320" cy="1316520"/>
             </a:xfrm>
@@ -1720,6 +1968,7 @@
               <a:avLst/>
               <a:gdLst/>
               <a:ahLst/>
+              <a:cxnLst/>
               <a:rect l="l" t="t" r="r" b="b"/>
               <a:pathLst>
                 <a:path w="571820" h="1316717">
@@ -1834,7 +2083,7 @@
               <p:nvPr/>
             </p:nvSpPr>
             <p:spPr>
-              <a:xfrm flipV="1" rot="13500000">
+              <a:xfrm rot="13500000" flipV="1">
                 <a:off x="10359360" y="4451760"/>
                 <a:ext cx="571320" cy="1311480"/>
               </a:xfrm>
@@ -1842,6 +2091,7 @@
                 <a:avLst/>
                 <a:gdLst/>
                 <a:ahLst/>
+                <a:cxnLst/>
                 <a:rect l="l" t="t" r="r" b="b"/>
                 <a:pathLst>
                   <a:path w="571820" h="1311956">
@@ -1963,229 +2213,468 @@
           </a:prstGeom>
         </p:spPr>
         <p:txBody>
-          <a:bodyPr lIns="0" rIns="0" tIns="0" bIns="0">
+          <a:bodyPr lIns="0" tIns="0" rIns="0" bIns="0">
             <a:normAutofit/>
           </a:bodyPr>
+          <a:lstStyle/>
           <a:p>
             <a:pPr marL="432000" indent="-324000">
               <a:spcBef>
                 <a:spcPts val="1417"/>
               </a:spcBef>
               <a:buClr>
-                <a:srgbClr val="ffffff"/>
+                <a:srgbClr val="FFFFFF"/>
               </a:buClr>
               <a:buSzPct val="45000"/>
               <a:buFont typeface="Wingdings" charset="2"/>
               <a:buChar char=""/>
             </a:pPr>
             <a:r>
-              <a:rPr b="0" lang="es-ES" sz="2000" spc="-1" strike="noStrike">
-                <a:solidFill>
-                  <a:srgbClr val="ffffff"/>
+              <a:rPr lang="es-ES" sz="2000" b="0" strike="noStrike" spc="-1">
+                <a:solidFill>
+                  <a:srgbClr val="FFFFFF"/>
                 </a:solidFill>
                 <a:latin typeface="Avenir Next LT Pro Light"/>
               </a:rPr>
               <a:t>Pulse para editar el formato de esquema del texto</a:t>
             </a:r>
-            <a:endParaRPr b="0" lang="es-ES" sz="2000" spc="-1" strike="noStrike">
-              <a:solidFill>
-                <a:srgbClr val="ffffff"/>
-              </a:solidFill>
-              <a:latin typeface="Avenir Next LT Pro Light"/>
-            </a:endParaRPr>
-          </a:p>
-          <a:p>
-            <a:pPr lvl="1" marL="864000" indent="-324000">
+          </a:p>
+          <a:p>
+            <a:pPr marL="864000" lvl="1" indent="-324000">
               <a:spcBef>
                 <a:spcPts val="1134"/>
               </a:spcBef>
               <a:buClr>
-                <a:srgbClr val="ffffff"/>
+                <a:srgbClr val="FFFFFF"/>
               </a:buClr>
               <a:buSzPct val="75000"/>
               <a:buFont typeface="Symbol" charset="2"/>
               <a:buChar char=""/>
             </a:pPr>
             <a:r>
-              <a:rPr b="0" lang="es-ES" sz="2000" spc="-1" strike="noStrike">
-                <a:solidFill>
-                  <a:srgbClr val="ffffff"/>
+              <a:rPr lang="es-ES" sz="2000" b="0" strike="noStrike" spc="-1">
+                <a:solidFill>
+                  <a:srgbClr val="FFFFFF"/>
                 </a:solidFill>
                 <a:latin typeface="Avenir Next LT Pro Light"/>
               </a:rPr>
               <a:t>Segundo nivel del esquema</a:t>
             </a:r>
-            <a:endParaRPr b="0" lang="es-ES" sz="2000" spc="-1" strike="noStrike">
-              <a:solidFill>
-                <a:srgbClr val="ffffff"/>
-              </a:solidFill>
-              <a:latin typeface="Avenir Next LT Pro Light"/>
-            </a:endParaRPr>
-          </a:p>
-          <a:p>
-            <a:pPr lvl="2" marL="1296000" indent="-288000">
+          </a:p>
+          <a:p>
+            <a:pPr marL="1296000" lvl="2" indent="-288000">
               <a:spcBef>
                 <a:spcPts val="850"/>
               </a:spcBef>
               <a:buClr>
-                <a:srgbClr val="ffffff"/>
+                <a:srgbClr val="FFFFFF"/>
               </a:buClr>
               <a:buSzPct val="45000"/>
               <a:buFont typeface="Wingdings" charset="2"/>
               <a:buChar char=""/>
             </a:pPr>
             <a:r>
-              <a:rPr b="0" i="1" lang="es-ES" sz="2000" spc="-1" strike="noStrike">
-                <a:solidFill>
-                  <a:srgbClr val="ffffff"/>
+              <a:rPr lang="es-ES" sz="2000" b="0" i="1" strike="noStrike" spc="-1">
+                <a:solidFill>
+                  <a:srgbClr val="FFFFFF"/>
                 </a:solidFill>
                 <a:latin typeface="Avenir Next LT Pro Light"/>
               </a:rPr>
               <a:t>Tercer nivel del esquema</a:t>
             </a:r>
-            <a:endParaRPr b="0" i="1" lang="es-ES" sz="2000" spc="-1" strike="noStrike">
-              <a:solidFill>
-                <a:srgbClr val="ffffff"/>
-              </a:solidFill>
-              <a:latin typeface="Avenir Next LT Pro Light"/>
-            </a:endParaRPr>
-          </a:p>
-          <a:p>
-            <a:pPr lvl="3" marL="1728000" indent="-216000">
+          </a:p>
+          <a:p>
+            <a:pPr marL="1728000" lvl="3" indent="-216000">
               <a:spcBef>
                 <a:spcPts val="567"/>
               </a:spcBef>
               <a:buClr>
-                <a:srgbClr val="ffffff"/>
+                <a:srgbClr val="FFFFFF"/>
               </a:buClr>
               <a:buSzPct val="75000"/>
               <a:buFont typeface="Symbol" charset="2"/>
               <a:buChar char=""/>
             </a:pPr>
             <a:r>
-              <a:rPr b="0" lang="es-ES" sz="2000" spc="-1" strike="noStrike">
-                <a:solidFill>
-                  <a:srgbClr val="ffffff"/>
+              <a:rPr lang="es-ES" sz="2000" b="0" strike="noStrike" spc="-1">
+                <a:solidFill>
+                  <a:srgbClr val="FFFFFF"/>
                 </a:solidFill>
                 <a:latin typeface="Avenir Next LT Pro Light"/>
               </a:rPr>
               <a:t>Cuarto nivel del esquema</a:t>
             </a:r>
-            <a:endParaRPr b="0" lang="es-ES" sz="2000" spc="-1" strike="noStrike">
-              <a:solidFill>
-                <a:srgbClr val="ffffff"/>
-              </a:solidFill>
-              <a:latin typeface="Avenir Next LT Pro Light"/>
-            </a:endParaRPr>
-          </a:p>
-          <a:p>
-            <a:pPr lvl="4" marL="2160000" indent="-216000">
+          </a:p>
+          <a:p>
+            <a:pPr marL="2160000" lvl="4" indent="-216000">
               <a:spcBef>
                 <a:spcPts val="283"/>
               </a:spcBef>
               <a:buClr>
-                <a:srgbClr val="ffffff"/>
+                <a:srgbClr val="FFFFFF"/>
               </a:buClr>
               <a:buSzPct val="45000"/>
               <a:buFont typeface="Wingdings" charset="2"/>
               <a:buChar char=""/>
             </a:pPr>
             <a:r>
-              <a:rPr b="0" lang="es-ES" sz="2000" spc="-1" strike="noStrike">
-                <a:solidFill>
-                  <a:srgbClr val="ffffff"/>
+              <a:rPr lang="es-ES" sz="2000" b="0" strike="noStrike" spc="-1">
+                <a:solidFill>
+                  <a:srgbClr val="FFFFFF"/>
                 </a:solidFill>
                 <a:latin typeface="Avenir Next LT Pro Light"/>
               </a:rPr>
               <a:t>Quinto nivel del esquema</a:t>
             </a:r>
-            <a:endParaRPr b="0" lang="es-ES" sz="2000" spc="-1" strike="noStrike">
-              <a:solidFill>
-                <a:srgbClr val="ffffff"/>
-              </a:solidFill>
-              <a:latin typeface="Avenir Next LT Pro Light"/>
-            </a:endParaRPr>
-          </a:p>
-          <a:p>
-            <a:pPr lvl="5" marL="2592000" indent="-216000">
+          </a:p>
+          <a:p>
+            <a:pPr marL="2592000" lvl="5" indent="-216000">
               <a:spcBef>
                 <a:spcPts val="283"/>
               </a:spcBef>
               <a:buClr>
-                <a:srgbClr val="ffffff"/>
+                <a:srgbClr val="FFFFFF"/>
               </a:buClr>
               <a:buSzPct val="45000"/>
               <a:buFont typeface="Wingdings" charset="2"/>
               <a:buChar char=""/>
             </a:pPr>
             <a:r>
-              <a:rPr b="0" lang="es-ES" sz="2000" spc="-1" strike="noStrike">
-                <a:solidFill>
-                  <a:srgbClr val="ffffff"/>
+              <a:rPr lang="es-ES" sz="2000" b="0" strike="noStrike" spc="-1">
+                <a:solidFill>
+                  <a:srgbClr val="FFFFFF"/>
                 </a:solidFill>
                 <a:latin typeface="Avenir Next LT Pro Light"/>
               </a:rPr>
               <a:t>Sexto nivel del esquema</a:t>
             </a:r>
-            <a:endParaRPr b="0" lang="es-ES" sz="2000" spc="-1" strike="noStrike">
-              <a:solidFill>
-                <a:srgbClr val="ffffff"/>
-              </a:solidFill>
-              <a:latin typeface="Avenir Next LT Pro Light"/>
-            </a:endParaRPr>
-          </a:p>
-          <a:p>
-            <a:pPr lvl="6" marL="3024000" indent="-216000">
+          </a:p>
+          <a:p>
+            <a:pPr marL="3024000" lvl="6" indent="-216000">
               <a:spcBef>
                 <a:spcPts val="283"/>
               </a:spcBef>
               <a:buClr>
-                <a:srgbClr val="ffffff"/>
+                <a:srgbClr val="FFFFFF"/>
               </a:buClr>
               <a:buSzPct val="45000"/>
               <a:buFont typeface="Wingdings" charset="2"/>
               <a:buChar char=""/>
             </a:pPr>
             <a:r>
-              <a:rPr b="0" lang="es-ES" sz="2000" spc="-1" strike="noStrike">
-                <a:solidFill>
-                  <a:srgbClr val="ffffff"/>
+              <a:rPr lang="es-ES" sz="2000" b="0" strike="noStrike" spc="-1">
+                <a:solidFill>
+                  <a:srgbClr val="FFFFFF"/>
                 </a:solidFill>
                 <a:latin typeface="Avenir Next LT Pro Light"/>
               </a:rPr>
               <a:t>Séptimo nivel del esquema</a:t>
             </a:r>
-            <a:endParaRPr b="0" lang="es-ES" sz="2000" spc="-1" strike="noStrike">
-              <a:solidFill>
-                <a:srgbClr val="ffffff"/>
-              </a:solidFill>
-              <a:latin typeface="Avenir Next LT Pro Light"/>
-            </a:endParaRPr>
           </a:p>
         </p:txBody>
       </p:sp>
     </p:spTree>
   </p:cSld>
-  <p:clrMap bg1="lt1" bg2="lt2" tx1="dk1" tx2="dk2" accent1="accent1" accent2="accent2" accent3="accent3" accent4="accent4" accent5="accent5" accent6="accent6" hlink="hlink" folHlink="folHlink"/>
+  <p:clrMap bg1="lt1" tx1="dk1" bg2="lt2" tx2="dk2" accent1="accent1" accent2="accent2" accent3="accent3" accent4="accent4" accent5="accent5" accent6="accent6" hlink="hlink" folHlink="folHlink"/>
   <p:sldLayoutIdLst>
-    <p:sldLayoutId id="2147483649" r:id="rId2"/>
-    <p:sldLayoutId id="2147483650" r:id="rId3"/>
-    <p:sldLayoutId id="2147483651" r:id="rId4"/>
-    <p:sldLayoutId id="2147483652" r:id="rId5"/>
-    <p:sldLayoutId id="2147483653" r:id="rId6"/>
-    <p:sldLayoutId id="2147483654" r:id="rId7"/>
-    <p:sldLayoutId id="2147483655" r:id="rId8"/>
-    <p:sldLayoutId id="2147483656" r:id="rId9"/>
-    <p:sldLayoutId id="2147483657" r:id="rId10"/>
-    <p:sldLayoutId id="2147483658" r:id="rId11"/>
-    <p:sldLayoutId id="2147483659" r:id="rId12"/>
-    <p:sldLayoutId id="2147483660" r:id="rId13"/>
+    <p:sldLayoutId id="2147483649" r:id="rId1"/>
+    <p:sldLayoutId id="2147483650" r:id="rId2"/>
+    <p:sldLayoutId id="2147483651" r:id="rId3"/>
+    <p:sldLayoutId id="2147483652" r:id="rId4"/>
+    <p:sldLayoutId id="2147483653" r:id="rId5"/>
+    <p:sldLayoutId id="2147483654" r:id="rId6"/>
+    <p:sldLayoutId id="2147483655" r:id="rId7"/>
+    <p:sldLayoutId id="2147483656" r:id="rId8"/>
+    <p:sldLayoutId id="2147483657" r:id="rId9"/>
+    <p:sldLayoutId id="2147483658" r:id="rId10"/>
+    <p:sldLayoutId id="2147483659" r:id="rId11"/>
+    <p:sldLayoutId id="2147483660" r:id="rId12"/>
   </p:sldLayoutIdLst>
+  <p:txStyles>
+    <p:titleStyle>
+      <a:lvl1pPr algn="l" defTabSz="914400" rtl="0" eaLnBrk="1" latinLnBrk="0" hangingPunct="1">
+        <a:lnSpc>
+          <a:spcPct val="90000"/>
+        </a:lnSpc>
+        <a:spcBef>
+          <a:spcPct val="0"/>
+        </a:spcBef>
+        <a:buNone/>
+        <a:defRPr sz="4400" kern="1200">
+          <a:solidFill>
+            <a:schemeClr val="tx1"/>
+          </a:solidFill>
+          <a:latin typeface="+mj-lt"/>
+          <a:ea typeface="+mj-ea"/>
+          <a:cs typeface="+mj-cs"/>
+        </a:defRPr>
+      </a:lvl1pPr>
+    </p:titleStyle>
+    <p:bodyStyle>
+      <a:lvl1pPr marL="228600" indent="-228600" algn="l" defTabSz="914400" rtl="0" eaLnBrk="1" latinLnBrk="0" hangingPunct="1">
+        <a:lnSpc>
+          <a:spcPct val="90000"/>
+        </a:lnSpc>
+        <a:spcBef>
+          <a:spcPts val="1000"/>
+        </a:spcBef>
+        <a:buFont typeface="Arial" panose="020B0604020202020204" pitchFamily="34" charset="0"/>
+        <a:buChar char="•"/>
+        <a:defRPr sz="2800" kern="1200">
+          <a:solidFill>
+            <a:schemeClr val="tx1"/>
+          </a:solidFill>
+          <a:latin typeface="+mn-lt"/>
+          <a:ea typeface="+mn-ea"/>
+          <a:cs typeface="+mn-cs"/>
+        </a:defRPr>
+      </a:lvl1pPr>
+      <a:lvl2pPr marL="685800" indent="-228600" algn="l" defTabSz="914400" rtl="0" eaLnBrk="1" latinLnBrk="0" hangingPunct="1">
+        <a:lnSpc>
+          <a:spcPct val="90000"/>
+        </a:lnSpc>
+        <a:spcBef>
+          <a:spcPts val="500"/>
+        </a:spcBef>
+        <a:buFont typeface="Arial" panose="020B0604020202020204" pitchFamily="34" charset="0"/>
+        <a:buChar char="•"/>
+        <a:defRPr sz="2400" kern="1200">
+          <a:solidFill>
+            <a:schemeClr val="tx1"/>
+          </a:solidFill>
+          <a:latin typeface="+mn-lt"/>
+          <a:ea typeface="+mn-ea"/>
+          <a:cs typeface="+mn-cs"/>
+        </a:defRPr>
+      </a:lvl2pPr>
+      <a:lvl3pPr marL="1143000" indent="-228600" algn="l" defTabSz="914400" rtl="0" eaLnBrk="1" latinLnBrk="0" hangingPunct="1">
+        <a:lnSpc>
+          <a:spcPct val="90000"/>
+        </a:lnSpc>
+        <a:spcBef>
+          <a:spcPts val="500"/>
+        </a:spcBef>
+        <a:buFont typeface="Arial" panose="020B0604020202020204" pitchFamily="34" charset="0"/>
+        <a:buChar char="•"/>
+        <a:defRPr sz="2000" kern="1200">
+          <a:solidFill>
+            <a:schemeClr val="tx1"/>
+          </a:solidFill>
+          <a:latin typeface="+mn-lt"/>
+          <a:ea typeface="+mn-ea"/>
+          <a:cs typeface="+mn-cs"/>
+        </a:defRPr>
+      </a:lvl3pPr>
+      <a:lvl4pPr marL="1600200" indent="-228600" algn="l" defTabSz="914400" rtl="0" eaLnBrk="1" latinLnBrk="0" hangingPunct="1">
+        <a:lnSpc>
+          <a:spcPct val="90000"/>
+        </a:lnSpc>
+        <a:spcBef>
+          <a:spcPts val="500"/>
+        </a:spcBef>
+        <a:buFont typeface="Arial" panose="020B0604020202020204" pitchFamily="34" charset="0"/>
+        <a:buChar char="•"/>
+        <a:defRPr sz="1800" kern="1200">
+          <a:solidFill>
+            <a:schemeClr val="tx1"/>
+          </a:solidFill>
+          <a:latin typeface="+mn-lt"/>
+          <a:ea typeface="+mn-ea"/>
+          <a:cs typeface="+mn-cs"/>
+        </a:defRPr>
+      </a:lvl4pPr>
+      <a:lvl5pPr marL="2057400" indent="-228600" algn="l" defTabSz="914400" rtl="0" eaLnBrk="1" latinLnBrk="0" hangingPunct="1">
+        <a:lnSpc>
+          <a:spcPct val="90000"/>
+        </a:lnSpc>
+        <a:spcBef>
+          <a:spcPts val="500"/>
+        </a:spcBef>
+        <a:buFont typeface="Arial" panose="020B0604020202020204" pitchFamily="34" charset="0"/>
+        <a:buChar char="•"/>
+        <a:defRPr sz="1800" kern="1200">
+          <a:solidFill>
+            <a:schemeClr val="tx1"/>
+          </a:solidFill>
+          <a:latin typeface="+mn-lt"/>
+          <a:ea typeface="+mn-ea"/>
+          <a:cs typeface="+mn-cs"/>
+        </a:defRPr>
+      </a:lvl5pPr>
+      <a:lvl6pPr marL="2514600" indent="-228600" algn="l" defTabSz="914400" rtl="0" eaLnBrk="1" latinLnBrk="0" hangingPunct="1">
+        <a:lnSpc>
+          <a:spcPct val="90000"/>
+        </a:lnSpc>
+        <a:spcBef>
+          <a:spcPts val="500"/>
+        </a:spcBef>
+        <a:buFont typeface="Arial" panose="020B0604020202020204" pitchFamily="34" charset="0"/>
+        <a:buChar char="•"/>
+        <a:defRPr sz="1800" kern="1200">
+          <a:solidFill>
+            <a:schemeClr val="tx1"/>
+          </a:solidFill>
+          <a:latin typeface="+mn-lt"/>
+          <a:ea typeface="+mn-ea"/>
+          <a:cs typeface="+mn-cs"/>
+        </a:defRPr>
+      </a:lvl6pPr>
+      <a:lvl7pPr marL="2971800" indent="-228600" algn="l" defTabSz="914400" rtl="0" eaLnBrk="1" latinLnBrk="0" hangingPunct="1">
+        <a:lnSpc>
+          <a:spcPct val="90000"/>
+        </a:lnSpc>
+        <a:spcBef>
+          <a:spcPts val="500"/>
+        </a:spcBef>
+        <a:buFont typeface="Arial" panose="020B0604020202020204" pitchFamily="34" charset="0"/>
+        <a:buChar char="•"/>
+        <a:defRPr sz="1800" kern="1200">
+          <a:solidFill>
+            <a:schemeClr val="tx1"/>
+          </a:solidFill>
+          <a:latin typeface="+mn-lt"/>
+          <a:ea typeface="+mn-ea"/>
+          <a:cs typeface="+mn-cs"/>
+        </a:defRPr>
+      </a:lvl7pPr>
+      <a:lvl8pPr marL="3429000" indent="-228600" algn="l" defTabSz="914400" rtl="0" eaLnBrk="1" latinLnBrk="0" hangingPunct="1">
+        <a:lnSpc>
+          <a:spcPct val="90000"/>
+        </a:lnSpc>
+        <a:spcBef>
+          <a:spcPts val="500"/>
+        </a:spcBef>
+        <a:buFont typeface="Arial" panose="020B0604020202020204" pitchFamily="34" charset="0"/>
+        <a:buChar char="•"/>
+        <a:defRPr sz="1800" kern="1200">
+          <a:solidFill>
+            <a:schemeClr val="tx1"/>
+          </a:solidFill>
+          <a:latin typeface="+mn-lt"/>
+          <a:ea typeface="+mn-ea"/>
+          <a:cs typeface="+mn-cs"/>
+        </a:defRPr>
+      </a:lvl8pPr>
+      <a:lvl9pPr marL="3886200" indent="-228600" algn="l" defTabSz="914400" rtl="0" eaLnBrk="1" latinLnBrk="0" hangingPunct="1">
+        <a:lnSpc>
+          <a:spcPct val="90000"/>
+        </a:lnSpc>
+        <a:spcBef>
+          <a:spcPts val="500"/>
+        </a:spcBef>
+        <a:buFont typeface="Arial" panose="020B0604020202020204" pitchFamily="34" charset="0"/>
+        <a:buChar char="•"/>
+        <a:defRPr sz="1800" kern="1200">
+          <a:solidFill>
+            <a:schemeClr val="tx1"/>
+          </a:solidFill>
+          <a:latin typeface="+mn-lt"/>
+          <a:ea typeface="+mn-ea"/>
+          <a:cs typeface="+mn-cs"/>
+        </a:defRPr>
+      </a:lvl9pPr>
+    </p:bodyStyle>
+    <p:otherStyle>
+      <a:defPPr>
+        <a:defRPr lang="es-ES"/>
+      </a:defPPr>
+      <a:lvl1pPr marL="0" algn="l" defTabSz="914400" rtl="0" eaLnBrk="1" latinLnBrk="0" hangingPunct="1">
+        <a:defRPr sz="1800" kern="1200">
+          <a:solidFill>
+            <a:schemeClr val="tx1"/>
+          </a:solidFill>
+          <a:latin typeface="+mn-lt"/>
+          <a:ea typeface="+mn-ea"/>
+          <a:cs typeface="+mn-cs"/>
+        </a:defRPr>
+      </a:lvl1pPr>
+      <a:lvl2pPr marL="457200" algn="l" defTabSz="914400" rtl="0" eaLnBrk="1" latinLnBrk="0" hangingPunct="1">
+        <a:defRPr sz="1800" kern="1200">
+          <a:solidFill>
+            <a:schemeClr val="tx1"/>
+          </a:solidFill>
+          <a:latin typeface="+mn-lt"/>
+          <a:ea typeface="+mn-ea"/>
+          <a:cs typeface="+mn-cs"/>
+        </a:defRPr>
+      </a:lvl2pPr>
+      <a:lvl3pPr marL="914400" algn="l" defTabSz="914400" rtl="0" eaLnBrk="1" latinLnBrk="0" hangingPunct="1">
+        <a:defRPr sz="1800" kern="1200">
+          <a:solidFill>
+            <a:schemeClr val="tx1"/>
+          </a:solidFill>
+          <a:latin typeface="+mn-lt"/>
+          <a:ea typeface="+mn-ea"/>
+          <a:cs typeface="+mn-cs"/>
+        </a:defRPr>
+      </a:lvl3pPr>
+      <a:lvl4pPr marL="1371600" algn="l" defTabSz="914400" rtl="0" eaLnBrk="1" latinLnBrk="0" hangingPunct="1">
+        <a:defRPr sz="1800" kern="1200">
+          <a:solidFill>
+            <a:schemeClr val="tx1"/>
+          </a:solidFill>
+          <a:latin typeface="+mn-lt"/>
+          <a:ea typeface="+mn-ea"/>
+          <a:cs typeface="+mn-cs"/>
+        </a:defRPr>
+      </a:lvl4pPr>
+      <a:lvl5pPr marL="1828800" algn="l" defTabSz="914400" rtl="0" eaLnBrk="1" latinLnBrk="0" hangingPunct="1">
+        <a:defRPr sz="1800" kern="1200">
+          <a:solidFill>
+            <a:schemeClr val="tx1"/>
+          </a:solidFill>
+          <a:latin typeface="+mn-lt"/>
+          <a:ea typeface="+mn-ea"/>
+          <a:cs typeface="+mn-cs"/>
+        </a:defRPr>
+      </a:lvl5pPr>
+      <a:lvl6pPr marL="2286000" algn="l" defTabSz="914400" rtl="0" eaLnBrk="1" latinLnBrk="0" hangingPunct="1">
+        <a:defRPr sz="1800" kern="1200">
+          <a:solidFill>
+            <a:schemeClr val="tx1"/>
+          </a:solidFill>
+          <a:latin typeface="+mn-lt"/>
+          <a:ea typeface="+mn-ea"/>
+          <a:cs typeface="+mn-cs"/>
+        </a:defRPr>
+      </a:lvl6pPr>
+      <a:lvl7pPr marL="2743200" algn="l" defTabSz="914400" rtl="0" eaLnBrk="1" latinLnBrk="0" hangingPunct="1">
+        <a:defRPr sz="1800" kern="1200">
+          <a:solidFill>
+            <a:schemeClr val="tx1"/>
+          </a:solidFill>
+          <a:latin typeface="+mn-lt"/>
+          <a:ea typeface="+mn-ea"/>
+          <a:cs typeface="+mn-cs"/>
+        </a:defRPr>
+      </a:lvl7pPr>
+      <a:lvl8pPr marL="3200400" algn="l" defTabSz="914400" rtl="0" eaLnBrk="1" latinLnBrk="0" hangingPunct="1">
+        <a:defRPr sz="1800" kern="1200">
+          <a:solidFill>
+            <a:schemeClr val="tx1"/>
+          </a:solidFill>
+          <a:latin typeface="+mn-lt"/>
+          <a:ea typeface="+mn-ea"/>
+          <a:cs typeface="+mn-cs"/>
+        </a:defRPr>
+      </a:lvl8pPr>
+      <a:lvl9pPr marL="3657600" algn="l" defTabSz="914400" rtl="0" eaLnBrk="1" latinLnBrk="0" hangingPunct="1">
+        <a:defRPr sz="1800" kern="1200">
+          <a:solidFill>
+            <a:schemeClr val="tx1"/>
+          </a:solidFill>
+          <a:latin typeface="+mn-lt"/>
+          <a:ea typeface="+mn-ea"/>
+          <a:cs typeface="+mn-cs"/>
+        </a:defRPr>
+      </a:lvl9pPr>
+    </p:otherStyle>
+  </p:txStyles>
 </p:sldMaster>
 </file>
 
 <file path=ppt/slides/slide1.xml><?xml version="1.0" encoding="utf-8"?>
-<p:sld xmlns:a="http://schemas.openxmlformats.org/drawingml/2006/main" xmlns:p="http://schemas.openxmlformats.org/presentationml/2006/main" xmlns:r="http://schemas.openxmlformats.org/officeDocument/2006/relationships" xmlns:p14="http://schemas.microsoft.com/office/powerpoint/2010/main" xmlns:p15="http://schemas.microsoft.com/office/powerpoint/2012/main" xmlns:mc="http://schemas.openxmlformats.org/markup-compatibility/2006">
+<p:sld xmlns:a="http://schemas.openxmlformats.org/drawingml/2006/main" xmlns:r="http://schemas.openxmlformats.org/officeDocument/2006/relationships" xmlns:p="http://schemas.openxmlformats.org/presentationml/2006/main">
   <p:cSld>
     <p:spTree>
       <p:nvGrpSpPr>
@@ -2221,9 +2710,10 @@
           </a:ln>
         </p:spPr>
         <p:txBody>
-          <a:bodyPr lIns="0" rIns="0" tIns="0" bIns="0" anchor="b">
+          <a:bodyPr lIns="0" tIns="0" rIns="0" bIns="0" anchor="b">
             <a:normAutofit/>
           </a:bodyPr>
+          <a:lstStyle/>
           <a:p>
             <a:pPr algn="ctr">
               <a:lnSpc>
@@ -2231,17 +2721,17 @@
               </a:lnSpc>
             </a:pPr>
             <a:r>
-              <a:rPr b="0" lang="es-ES" sz="4800" spc="398" strike="noStrike" cap="all">
-                <a:solidFill>
-                  <a:srgbClr val="ffffff"/>
+              <a:rPr lang="es-ES" sz="4800" b="0" strike="noStrike" cap="all" spc="398">
+                <a:solidFill>
+                  <a:srgbClr val="FFFFFF"/>
                 </a:solidFill>
                 <a:latin typeface="Rockwell Nova Light"/>
               </a:rPr>
               <a:t>Tipos de pruebas de software</a:t>
             </a:r>
-            <a:endParaRPr b="0" lang="es-ES" sz="4800" spc="-1" strike="noStrike">
+            <a:endParaRPr lang="es-ES" sz="4800" b="0" strike="noStrike" spc="-1">
               <a:solidFill>
-                <a:srgbClr val="ffffff"/>
+                <a:srgbClr val="FFFFFF"/>
               </a:solidFill>
               <a:latin typeface="Avenir Next LT Pro Light"/>
             </a:endParaRPr>
@@ -2250,19 +2740,14 @@
       </p:sp>
     </p:spTree>
   </p:cSld>
-  <mc:AlternateContent>
-    <mc:Choice Requires="p14">
-      <p:transition spd="slow" p14:dur="2000"/>
-    </mc:Choice>
-    <mc:Fallback>
-      <p:transition spd="slow"/>
-    </mc:Fallback>
-  </mc:AlternateContent>
+  <p:clrMapOvr>
+    <a:masterClrMapping/>
+  </p:clrMapOvr>
 </p:sld>
 </file>
 
 <file path=ppt/slides/slide2.xml><?xml version="1.0" encoding="utf-8"?>
-<p:sld xmlns:a="http://schemas.openxmlformats.org/drawingml/2006/main" xmlns:p="http://schemas.openxmlformats.org/presentationml/2006/main" xmlns:r="http://schemas.openxmlformats.org/officeDocument/2006/relationships" xmlns:p14="http://schemas.microsoft.com/office/powerpoint/2010/main" xmlns:p15="http://schemas.microsoft.com/office/powerpoint/2012/main" xmlns:mc="http://schemas.openxmlformats.org/markup-compatibility/2006">
+<p:sld xmlns:a="http://schemas.openxmlformats.org/drawingml/2006/main" xmlns:r="http://schemas.openxmlformats.org/officeDocument/2006/relationships" xmlns:p="http://schemas.openxmlformats.org/presentationml/2006/main">
   <p:cSld>
     <p:spTree>
       <p:nvGrpSpPr>
@@ -2298,9 +2783,10 @@
           </a:ln>
         </p:spPr>
         <p:txBody>
-          <a:bodyPr lIns="0" rIns="0" tIns="0" bIns="0" anchor="b">
+          <a:bodyPr lIns="0" tIns="0" rIns="0" bIns="0" anchor="b">
             <a:normAutofit/>
           </a:bodyPr>
+          <a:lstStyle/>
           <a:p>
             <a:pPr algn="ctr">
               <a:lnSpc>
@@ -2308,17 +2794,17 @@
               </a:lnSpc>
             </a:pPr>
             <a:r>
-              <a:rPr b="0" lang="es-ES" sz="4800" spc="398" strike="noStrike" cap="all">
-                <a:solidFill>
-                  <a:srgbClr val="ffffff"/>
+              <a:rPr lang="es-ES" sz="4800" b="0" strike="noStrike" cap="all" spc="398">
+                <a:solidFill>
+                  <a:srgbClr val="FFFFFF"/>
                 </a:solidFill>
                 <a:latin typeface="Rockwell Nova Light"/>
               </a:rPr>
               <a:t>Pruebas funcionales</a:t>
             </a:r>
-            <a:endParaRPr b="0" lang="es-ES" sz="4800" spc="-1" strike="noStrike">
+            <a:endParaRPr lang="es-ES" sz="4800" b="0" strike="noStrike" spc="-1">
               <a:solidFill>
-                <a:srgbClr val="ffffff"/>
+                <a:srgbClr val="FFFFFF"/>
               </a:solidFill>
               <a:latin typeface="Avenir Next LT Pro Light"/>
             </a:endParaRPr>
@@ -2345,9 +2831,10 @@
           </a:ln>
         </p:spPr>
         <p:txBody>
-          <a:bodyPr lIns="0" rIns="0" tIns="0" bIns="0">
+          <a:bodyPr lIns="0" tIns="0" rIns="0" bIns="0">
             <a:normAutofit/>
           </a:bodyPr>
+          <a:lstStyle/>
           <a:p>
             <a:pPr algn="ctr">
               <a:lnSpc>
@@ -2358,15 +2845,15 @@
               </a:spcBef>
             </a:pPr>
             <a:r>
-              <a:rPr b="0" i="1" lang="es-ES" sz="2400" spc="-1" strike="noStrike">
-                <a:solidFill>
-                  <a:srgbClr val="ffffff"/>
+              <a:rPr lang="es-ES" sz="2400" b="0" i="1" strike="noStrike" spc="-1">
+                <a:solidFill>
+                  <a:srgbClr val="FFFFFF"/>
                 </a:solidFill>
                 <a:latin typeface="Avenir Next LT Pro Light"/>
               </a:rPr>
               <a:t>Son pruebas conocidas como pruebas de caja negra. Analizan los datos de entrada y salida para obtener un caso de prueba antes del inicio de este</a:t>
             </a:r>
-            <a:endParaRPr b="0" lang="es-ES" sz="2400" spc="-1" strike="noStrike">
+            <a:endParaRPr lang="es-ES" sz="2400" b="0" strike="noStrike" spc="-1">
               <a:latin typeface="Arial"/>
             </a:endParaRPr>
           </a:p>
@@ -2374,19 +2861,14 @@
       </p:sp>
     </p:spTree>
   </p:cSld>
-  <mc:AlternateContent>
-    <mc:Choice Requires="p14">
-      <p:transition spd="slow" p14:dur="2000"/>
-    </mc:Choice>
-    <mc:Fallback>
-      <p:transition spd="slow"/>
-    </mc:Fallback>
-  </mc:AlternateContent>
+  <p:clrMapOvr>
+    <a:masterClrMapping/>
+  </p:clrMapOvr>
 </p:sld>
 </file>
 
 <file path=ppt/slides/slide3.xml><?xml version="1.0" encoding="utf-8"?>
-<p:sld xmlns:a="http://schemas.openxmlformats.org/drawingml/2006/main" xmlns:p="http://schemas.openxmlformats.org/presentationml/2006/main" xmlns:r="http://schemas.openxmlformats.org/officeDocument/2006/relationships" xmlns:p14="http://schemas.microsoft.com/office/powerpoint/2010/main" xmlns:p15="http://schemas.microsoft.com/office/powerpoint/2012/main" xmlns:mc="http://schemas.openxmlformats.org/markup-compatibility/2006">
+<p:sld xmlns:a="http://schemas.openxmlformats.org/drawingml/2006/main" xmlns:r="http://schemas.openxmlformats.org/officeDocument/2006/relationships" xmlns:p="http://schemas.openxmlformats.org/presentationml/2006/main">
   <p:cSld>
     <p:spTree>
       <p:nvGrpSpPr>
@@ -2422,9 +2904,10 @@
           </a:ln>
         </p:spPr>
         <p:txBody>
-          <a:bodyPr lIns="0" rIns="0" tIns="0" bIns="0" anchor="b">
+          <a:bodyPr lIns="0" tIns="0" rIns="0" bIns="0" anchor="b">
             <a:normAutofit/>
           </a:bodyPr>
+          <a:lstStyle/>
           <a:p>
             <a:pPr algn="ctr">
               <a:lnSpc>
@@ -2432,17 +2915,17 @@
               </a:lnSpc>
             </a:pPr>
             <a:r>
-              <a:rPr b="0" lang="es-ES" sz="4800" spc="398" strike="noStrike" cap="all">
-                <a:solidFill>
-                  <a:srgbClr val="ffffff"/>
+              <a:rPr lang="es-ES" sz="4800" b="0" strike="noStrike" cap="all" spc="398">
+                <a:solidFill>
+                  <a:srgbClr val="FFFFFF"/>
                 </a:solidFill>
                 <a:latin typeface="Rockwell Nova Light"/>
               </a:rPr>
               <a:t>Pruebas no funcionales</a:t>
             </a:r>
-            <a:endParaRPr b="0" lang="es-ES" sz="4800" spc="-1" strike="noStrike">
+            <a:endParaRPr lang="es-ES" sz="4800" b="0" strike="noStrike" spc="-1">
               <a:solidFill>
-                <a:srgbClr val="ffffff"/>
+                <a:srgbClr val="FFFFFF"/>
               </a:solidFill>
               <a:latin typeface="Avenir Next LT Pro Light"/>
             </a:endParaRPr>
@@ -2469,9 +2952,10 @@
           </a:ln>
         </p:spPr>
         <p:txBody>
-          <a:bodyPr lIns="0" rIns="0" tIns="0" bIns="0">
+          <a:bodyPr lIns="0" tIns="0" rIns="0" bIns="0">
             <a:normAutofit/>
           </a:bodyPr>
+          <a:lstStyle/>
           <a:p>
             <a:pPr algn="ctr">
               <a:lnSpc>
@@ -2482,15 +2966,15 @@
               </a:spcBef>
             </a:pPr>
             <a:r>
-              <a:rPr b="0" i="1" lang="es-ES" sz="2400" spc="-1" strike="noStrike">
-                <a:solidFill>
-                  <a:srgbClr val="ffffff"/>
+              <a:rPr lang="es-ES" sz="2400" b="0" i="1" strike="noStrike" spc="-1">
+                <a:solidFill>
+                  <a:srgbClr val="FFFFFF"/>
                 </a:solidFill>
                 <a:latin typeface="Avenir Next LT Pro Light"/>
               </a:rPr>
               <a:t>Prueban los atributos de un componente o de un sistema que no se refieren a la funcionalidad</a:t>
             </a:r>
-            <a:endParaRPr b="0" lang="es-ES" sz="2400" spc="-1" strike="noStrike">
+            <a:endParaRPr lang="es-ES" sz="2400" b="0" strike="noStrike" spc="-1">
               <a:latin typeface="Arial"/>
             </a:endParaRPr>
           </a:p>
@@ -2498,19 +2982,14 @@
       </p:sp>
     </p:spTree>
   </p:cSld>
-  <mc:AlternateContent>
-    <mc:Choice Requires="p14">
-      <p:transition spd="slow" p14:dur="2000"/>
-    </mc:Choice>
-    <mc:Fallback>
-      <p:transition spd="slow"/>
-    </mc:Fallback>
-  </mc:AlternateContent>
+  <p:clrMapOvr>
+    <a:masterClrMapping/>
+  </p:clrMapOvr>
 </p:sld>
 </file>
 
 <file path=ppt/slides/slide4.xml><?xml version="1.0" encoding="utf-8"?>
-<p:sld xmlns:a="http://schemas.openxmlformats.org/drawingml/2006/main" xmlns:p="http://schemas.openxmlformats.org/presentationml/2006/main" xmlns:r="http://schemas.openxmlformats.org/officeDocument/2006/relationships" xmlns:p14="http://schemas.microsoft.com/office/powerpoint/2010/main" xmlns:p15="http://schemas.microsoft.com/office/powerpoint/2012/main" xmlns:mc="http://schemas.openxmlformats.org/markup-compatibility/2006">
+<p:sld xmlns:a="http://schemas.openxmlformats.org/drawingml/2006/main" xmlns:r="http://schemas.openxmlformats.org/officeDocument/2006/relationships" xmlns:p="http://schemas.openxmlformats.org/presentationml/2006/main">
   <p:cSld>
     <p:spTree>
       <p:nvGrpSpPr>
@@ -2546,9 +3025,10 @@
           </a:ln>
         </p:spPr>
         <p:txBody>
-          <a:bodyPr lIns="0" rIns="0" tIns="0" bIns="0" anchor="b">
+          <a:bodyPr lIns="0" tIns="0" rIns="0" bIns="0" anchor="b">
             <a:normAutofit/>
           </a:bodyPr>
+          <a:lstStyle/>
           <a:p>
             <a:pPr algn="ctr">
               <a:lnSpc>
@@ -2556,17 +3036,17 @@
               </a:lnSpc>
             </a:pPr>
             <a:r>
-              <a:rPr b="0" lang="es-ES" sz="4800" spc="398" strike="noStrike" cap="all">
-                <a:solidFill>
-                  <a:srgbClr val="ffffff"/>
+              <a:rPr lang="es-ES" sz="4800" b="0" strike="noStrike" cap="all" spc="398">
+                <a:solidFill>
+                  <a:srgbClr val="FFFFFF"/>
                 </a:solidFill>
                 <a:latin typeface="Rockwell Nova Light"/>
               </a:rPr>
               <a:t>Tipos de pruebas funcionales</a:t>
             </a:r>
-            <a:endParaRPr b="0" lang="es-ES" sz="4800" spc="-1" strike="noStrike">
+            <a:endParaRPr lang="es-ES" sz="4800" b="0" strike="noStrike" spc="-1">
               <a:solidFill>
-                <a:srgbClr val="ffffff"/>
+                <a:srgbClr val="FFFFFF"/>
               </a:solidFill>
               <a:latin typeface="Avenir Next LT Pro Light"/>
             </a:endParaRPr>
@@ -2593,9 +3073,10 @@
           </a:ln>
         </p:spPr>
         <p:txBody>
-          <a:bodyPr lIns="0" rIns="0" tIns="0" bIns="0">
+          <a:bodyPr lIns="0" tIns="0" rIns="0" bIns="0">
             <a:normAutofit fontScale="80000"/>
           </a:bodyPr>
+          <a:lstStyle/>
           <a:p>
             <a:pPr marL="343080" indent="-342720" algn="ctr">
               <a:lnSpc>
@@ -2605,21 +3086,21 @@
                 <a:spcPts val="1001"/>
               </a:spcBef>
               <a:buClr>
-                <a:srgbClr val="ef8c6a"/>
+                <a:srgbClr val="EF8C6A"/>
               </a:buClr>
               <a:buFont typeface="Wingdings" charset="2"/>
               <a:buChar char=""/>
             </a:pPr>
             <a:r>
-              <a:rPr b="0" i="1" lang="es-ES" sz="2400" spc="-1" strike="noStrike">
-                <a:solidFill>
-                  <a:srgbClr val="ffffff"/>
+              <a:rPr lang="es-ES" sz="2400" b="0" i="1" strike="noStrike" spc="-1">
+                <a:solidFill>
+                  <a:srgbClr val="FFFFFF"/>
                 </a:solidFill>
                 <a:latin typeface="Avenir Next LT Pro Light"/>
               </a:rPr>
               <a:t>Pruebas unitarias</a:t>
             </a:r>
-            <a:endParaRPr b="0" lang="es-ES" sz="2400" spc="-1" strike="noStrike">
+            <a:endParaRPr lang="es-ES" sz="2400" b="0" strike="noStrike" spc="-1">
               <a:latin typeface="Arial"/>
             </a:endParaRPr>
           </a:p>
@@ -2632,21 +3113,21 @@
                 <a:spcPts val="1001"/>
               </a:spcBef>
               <a:buClr>
-                <a:srgbClr val="ef8c6a"/>
+                <a:srgbClr val="EF8C6A"/>
               </a:buClr>
               <a:buFont typeface="Wingdings" charset="2"/>
               <a:buChar char=""/>
             </a:pPr>
             <a:r>
-              <a:rPr b="0" i="1" lang="es-ES" sz="2400" spc="-1" strike="noStrike">
-                <a:solidFill>
-                  <a:srgbClr val="ffffff"/>
+              <a:rPr lang="es-ES" sz="2400" b="0" i="1" strike="noStrike" spc="-1">
+                <a:solidFill>
+                  <a:srgbClr val="FFFFFF"/>
                 </a:solidFill>
                 <a:latin typeface="Avenir Next LT Pro Light"/>
               </a:rPr>
               <a:t>Pruebas de integración</a:t>
             </a:r>
-            <a:endParaRPr b="0" lang="es-ES" sz="2400" spc="-1" strike="noStrike">
+            <a:endParaRPr lang="es-ES" sz="2400" b="0" strike="noStrike" spc="-1">
               <a:latin typeface="Arial"/>
             </a:endParaRPr>
           </a:p>
@@ -2659,21 +3140,21 @@
                 <a:spcPts val="1001"/>
               </a:spcBef>
               <a:buClr>
-                <a:srgbClr val="ef8c6a"/>
+                <a:srgbClr val="EF8C6A"/>
               </a:buClr>
               <a:buFont typeface="Wingdings" charset="2"/>
               <a:buChar char=""/>
             </a:pPr>
             <a:r>
-              <a:rPr b="0" i="1" lang="es-ES" sz="2400" spc="-1" strike="noStrike">
-                <a:solidFill>
-                  <a:srgbClr val="ffffff"/>
+              <a:rPr lang="es-ES" sz="2400" b="0" i="1" strike="noStrike" spc="-1">
+                <a:solidFill>
+                  <a:srgbClr val="FFFFFF"/>
                 </a:solidFill>
                 <a:latin typeface="Avenir Next LT Pro Light"/>
               </a:rPr>
               <a:t>Pruebas de regresión</a:t>
             </a:r>
-            <a:endParaRPr b="0" lang="es-ES" sz="2400" spc="-1" strike="noStrike">
+            <a:endParaRPr lang="es-ES" sz="2400" b="0" strike="noStrike" spc="-1">
               <a:latin typeface="Arial"/>
             </a:endParaRPr>
           </a:p>
@@ -2686,21 +3167,21 @@
                 <a:spcPts val="1001"/>
               </a:spcBef>
               <a:buClr>
-                <a:srgbClr val="ef8c6a"/>
+                <a:srgbClr val="EF8C6A"/>
               </a:buClr>
               <a:buFont typeface="Wingdings" charset="2"/>
               <a:buChar char=""/>
             </a:pPr>
             <a:r>
-              <a:rPr b="0" i="1" lang="es-ES" sz="2400" spc="-1" strike="noStrike">
-                <a:solidFill>
-                  <a:srgbClr val="ffffff"/>
+              <a:rPr lang="es-ES" sz="2400" b="0" i="1" strike="noStrike" spc="-1">
+                <a:solidFill>
+                  <a:srgbClr val="FFFFFF"/>
                 </a:solidFill>
                 <a:latin typeface="Avenir Next LT Pro Light"/>
               </a:rPr>
               <a:t>Pruebas de aceptación</a:t>
             </a:r>
-            <a:endParaRPr b="0" lang="es-ES" sz="2400" spc="-1" strike="noStrike">
+            <a:endParaRPr lang="es-ES" sz="2400" b="0" strike="noStrike" spc="-1">
               <a:latin typeface="Arial"/>
             </a:endParaRPr>
           </a:p>
@@ -2708,19 +3189,14 @@
       </p:sp>
     </p:spTree>
   </p:cSld>
-  <mc:AlternateContent>
-    <mc:Choice Requires="p14">
-      <p:transition spd="slow" p14:dur="2000"/>
-    </mc:Choice>
-    <mc:Fallback>
-      <p:transition spd="slow"/>
-    </mc:Fallback>
-  </mc:AlternateContent>
+  <p:clrMapOvr>
+    <a:masterClrMapping/>
+  </p:clrMapOvr>
 </p:sld>
 </file>
 
 <file path=ppt/slides/slide5.xml><?xml version="1.0" encoding="utf-8"?>
-<p:sld xmlns:a="http://schemas.openxmlformats.org/drawingml/2006/main" xmlns:p="http://schemas.openxmlformats.org/presentationml/2006/main" xmlns:r="http://schemas.openxmlformats.org/officeDocument/2006/relationships" xmlns:p14="http://schemas.microsoft.com/office/powerpoint/2010/main" xmlns:p15="http://schemas.microsoft.com/office/powerpoint/2012/main" xmlns:mc="http://schemas.openxmlformats.org/markup-compatibility/2006">
+<p:sld xmlns:a="http://schemas.openxmlformats.org/drawingml/2006/main" xmlns:r="http://schemas.openxmlformats.org/officeDocument/2006/relationships" xmlns:p="http://schemas.openxmlformats.org/presentationml/2006/main">
   <p:cSld>
     <p:spTree>
       <p:nvGrpSpPr>
@@ -2756,9 +3232,10 @@
           </a:ln>
         </p:spPr>
         <p:txBody>
-          <a:bodyPr lIns="0" rIns="0" tIns="0" bIns="0" anchor="b">
+          <a:bodyPr lIns="0" tIns="0" rIns="0" bIns="0" anchor="b">
             <a:normAutofit/>
           </a:bodyPr>
+          <a:lstStyle/>
           <a:p>
             <a:pPr algn="ctr">
               <a:lnSpc>
@@ -2766,9 +3243,9 @@
               </a:lnSpc>
             </a:pPr>
             <a:r>
-              <a:rPr b="0" lang="es-ES" sz="4800" spc="398" strike="noStrike" cap="all">
-                <a:solidFill>
-                  <a:srgbClr val="ffffff"/>
+              <a:rPr lang="es-ES" sz="4800" b="0" strike="noStrike" cap="all" spc="398">
+                <a:solidFill>
+                  <a:srgbClr val="FFFFFF"/>
                 </a:solidFill>
                 <a:latin typeface="Rockwell Nova Light"/>
               </a:rPr>
@@ -2776,17 +3253,17 @@
             </a:r>
             <a:br/>
             <a:r>
-              <a:rPr b="0" lang="es-ES" sz="4800" spc="398" strike="noStrike" cap="all">
-                <a:solidFill>
-                  <a:srgbClr val="ffffff"/>
+              <a:rPr lang="es-ES" sz="4800" b="0" strike="noStrike" cap="all" spc="398">
+                <a:solidFill>
+                  <a:srgbClr val="FFFFFF"/>
                 </a:solidFill>
                 <a:latin typeface="Rockwell Nova Light"/>
               </a:rPr>
               <a:t> no funcionales</a:t>
             </a:r>
-            <a:endParaRPr b="0" lang="es-ES" sz="4800" spc="-1" strike="noStrike">
+            <a:endParaRPr lang="es-ES" sz="4800" b="0" strike="noStrike" spc="-1">
               <a:solidFill>
-                <a:srgbClr val="ffffff"/>
+                <a:srgbClr val="FFFFFF"/>
               </a:solidFill>
               <a:latin typeface="Avenir Next LT Pro Light"/>
             </a:endParaRPr>
@@ -2813,11 +3290,12 @@
           </a:ln>
         </p:spPr>
         <p:txBody>
-          <a:bodyPr lIns="0" rIns="0" tIns="0" bIns="0">
-            <a:normAutofit fontScale="37000"/>
-          </a:bodyPr>
-          <a:p>
-            <a:pPr marL="343080" indent="-342720">
+          <a:bodyPr lIns="0" tIns="0" rIns="0" bIns="0" anchor="t">
+            <a:normAutofit fontScale="67000" lnSpcReduction="20000"/>
+          </a:bodyPr>
+          <a:lstStyle/>
+          <a:p>
+            <a:pPr marL="342900" indent="-342265">
               <a:lnSpc>
                 <a:spcPct val="125000"/>
               </a:lnSpc>
@@ -2825,26 +3303,26 @@
                 <a:spcPts val="1001"/>
               </a:spcBef>
               <a:buClr>
-                <a:srgbClr val="ef8c6a"/>
+                <a:srgbClr val="EF8C6A"/>
               </a:buClr>
               <a:buFont typeface="Wingdings" charset="2"/>
               <a:buChar char=""/>
             </a:pPr>
             <a:r>
-              <a:rPr b="1" i="1" lang="es-ES" sz="5100" spc="-1" strike="noStrike">
-                <a:solidFill>
-                  <a:srgbClr val="ffffff"/>
+              <a:rPr lang="es-ES" sz="3500" b="1" i="1" strike="noStrike" spc="-1" dirty="0">
+                <a:solidFill>
+                  <a:srgbClr val="FFFFFF"/>
                 </a:solidFill>
                 <a:latin typeface="Avenir Next LT Pro Light"/>
               </a:rPr>
               <a:t>Pruebas de rendimiento</a:t>
             </a:r>
-            <a:endParaRPr b="0" lang="es-ES" sz="5100" spc="-1" strike="noStrike">
+            <a:endParaRPr lang="es-ES" sz="3500" b="0" strike="noStrike" spc="-1">
               <a:latin typeface="Arial"/>
             </a:endParaRPr>
           </a:p>
           <a:p>
-            <a:pPr marL="343080" indent="-342720">
+            <a:pPr marL="342900" indent="-342265">
               <a:lnSpc>
                 <a:spcPct val="125000"/>
               </a:lnSpc>
@@ -2852,26 +3330,26 @@
                 <a:spcPts val="1001"/>
               </a:spcBef>
               <a:buClr>
-                <a:srgbClr val="ef8c6a"/>
+                <a:srgbClr val="EF8C6A"/>
               </a:buClr>
               <a:buFont typeface="Wingdings" charset="2"/>
               <a:buChar char=""/>
             </a:pPr>
             <a:r>
-              <a:rPr b="0" i="1" lang="es-ES" sz="2900" spc="-1" strike="noStrike">
-                <a:solidFill>
-                  <a:srgbClr val="ffffff"/>
+              <a:rPr lang="es-ES" sz="3500" b="0" i="1" strike="noStrike" spc="-1" dirty="0">
+                <a:solidFill>
+                  <a:srgbClr val="FFFFFF"/>
                 </a:solidFill>
                 <a:latin typeface="Avenir Next LT Pro Light"/>
               </a:rPr>
               <a:t>Pruebas de Carga</a:t>
             </a:r>
-            <a:endParaRPr b="0" lang="es-ES" sz="2900" spc="-1" strike="noStrike">
+            <a:endParaRPr lang="es-ES" sz="3500" b="0" strike="noStrike" spc="-1">
               <a:latin typeface="Arial"/>
             </a:endParaRPr>
           </a:p>
           <a:p>
-            <a:pPr marL="343080" indent="-342720">
+            <a:pPr marL="342900" indent="-342265">
               <a:lnSpc>
                 <a:spcPct val="125000"/>
               </a:lnSpc>
@@ -2879,26 +3357,26 @@
                 <a:spcPts val="1001"/>
               </a:spcBef>
               <a:buClr>
-                <a:srgbClr val="ef8c6a"/>
+                <a:srgbClr val="EF8C6A"/>
               </a:buClr>
               <a:buFont typeface="Wingdings" charset="2"/>
               <a:buChar char=""/>
             </a:pPr>
             <a:r>
-              <a:rPr b="0" i="1" lang="es-ES" sz="2900" spc="-1" strike="noStrike">
-                <a:solidFill>
-                  <a:srgbClr val="ffffff"/>
+              <a:rPr lang="es-ES" sz="2900" b="0" i="1" strike="noStrike" spc="-1" dirty="0">
+                <a:solidFill>
+                  <a:srgbClr val="FFFFFF"/>
                 </a:solidFill>
                 <a:latin typeface="Avenir Next LT Pro Light"/>
               </a:rPr>
               <a:t>Pruebas de Estrés</a:t>
             </a:r>
-            <a:endParaRPr b="0" lang="es-ES" sz="2900" spc="-1" strike="noStrike">
+            <a:endParaRPr lang="es-ES" sz="2900" b="0" strike="noStrike" spc="-1" dirty="0">
               <a:latin typeface="Arial"/>
             </a:endParaRPr>
           </a:p>
           <a:p>
-            <a:pPr marL="343080" indent="-342720">
+            <a:pPr marL="342900" indent="-342265">
               <a:lnSpc>
                 <a:spcPct val="125000"/>
               </a:lnSpc>
@@ -2906,26 +3384,26 @@
                 <a:spcPts val="1001"/>
               </a:spcBef>
               <a:buClr>
-                <a:srgbClr val="ef8c6a"/>
+                <a:srgbClr val="EF8C6A"/>
               </a:buClr>
               <a:buFont typeface="Wingdings" charset="2"/>
               <a:buChar char=""/>
             </a:pPr>
             <a:r>
-              <a:rPr b="0" i="1" lang="es-ES" sz="2900" spc="-1" strike="noStrike">
-                <a:solidFill>
-                  <a:srgbClr val="ffffff"/>
+              <a:rPr lang="es-ES" sz="2900" b="0" i="1" strike="noStrike" spc="-1" dirty="0">
+                <a:solidFill>
+                  <a:srgbClr val="FFFFFF"/>
                 </a:solidFill>
                 <a:latin typeface="Avenir Next LT Pro Light"/>
               </a:rPr>
               <a:t>Pruebas de Escalabilidad</a:t>
             </a:r>
-            <a:endParaRPr b="0" lang="es-ES" sz="2900" spc="-1" strike="noStrike">
+            <a:endParaRPr lang="es-ES" sz="2900" b="0" strike="noStrike" spc="-1" dirty="0">
               <a:latin typeface="Arial"/>
             </a:endParaRPr>
           </a:p>
           <a:p>
-            <a:pPr marL="343080" indent="-342720">
+            <a:pPr marL="342900" indent="-342265">
               <a:lnSpc>
                 <a:spcPct val="125000"/>
               </a:lnSpc>
@@ -2933,21 +3411,21 @@
                 <a:spcPts val="1001"/>
               </a:spcBef>
               <a:buClr>
-                <a:srgbClr val="ef8c6a"/>
+                <a:srgbClr val="EF8C6A"/>
               </a:buClr>
               <a:buFont typeface="Wingdings" charset="2"/>
               <a:buChar char=""/>
             </a:pPr>
             <a:r>
-              <a:rPr b="0" i="1" lang="es-ES" sz="2900" spc="-1" strike="noStrike">
-                <a:solidFill>
-                  <a:srgbClr val="ffffff"/>
+              <a:rPr lang="es-ES" sz="2900" b="0" i="1" strike="noStrike" spc="-1" dirty="0">
+                <a:solidFill>
+                  <a:srgbClr val="FFFFFF"/>
                 </a:solidFill>
                 <a:latin typeface="Avenir Next LT Pro Light"/>
               </a:rPr>
               <a:t>Pruebas de Volumen</a:t>
             </a:r>
-            <a:endParaRPr b="0" lang="es-ES" sz="2900" spc="-1" strike="noStrike">
+            <a:endParaRPr lang="es-ES" sz="2900" b="0" strike="noStrike" spc="-1" dirty="0">
               <a:latin typeface="Arial"/>
             </a:endParaRPr>
           </a:p>
@@ -2973,17 +3451,24 @@
           </a:ln>
         </p:spPr>
         <p:style>
-          <a:lnRef idx="0"/>
-          <a:fillRef idx="0"/>
-          <a:effectRef idx="0"/>
+          <a:lnRef idx="0">
+            <a:scrgbClr r="0" g="0" b="0"/>
+          </a:lnRef>
+          <a:fillRef idx="0">
+            <a:scrgbClr r="0" g="0" b="0"/>
+          </a:fillRef>
+          <a:effectRef idx="0">
+            <a:scrgbClr r="0" g="0" b="0"/>
+          </a:effectRef>
           <a:fontRef idx="minor"/>
         </p:style>
         <p:txBody>
-          <a:bodyPr lIns="0" rIns="0" tIns="0" bIns="0">
-            <a:normAutofit fontScale="22000"/>
-          </a:bodyPr>
-          <a:p>
-            <a:pPr marL="343080" indent="-342720">
+          <a:bodyPr lIns="0" tIns="0" rIns="0" bIns="0" anchor="t">
+            <a:noAutofit/>
+          </a:bodyPr>
+          <a:lstStyle/>
+          <a:p>
+            <a:pPr marL="342900" indent="-342265">
               <a:lnSpc>
                 <a:spcPct val="125000"/>
               </a:lnSpc>
@@ -2991,26 +3476,26 @@
                 <a:spcPts val="1001"/>
               </a:spcBef>
               <a:buClr>
-                <a:srgbClr val="ef8c6a"/>
+                <a:srgbClr val="EF8C6A"/>
               </a:buClr>
               <a:buFont typeface="Wingdings" charset="2"/>
               <a:buChar char=""/>
             </a:pPr>
             <a:r>
-              <a:rPr b="1" i="1" lang="es-ES" sz="3800" spc="-1" strike="noStrike">
-                <a:solidFill>
-                  <a:srgbClr val="ffffff"/>
+              <a:rPr lang="es-ES" b="1" i="1" strike="noStrike" spc="-1" dirty="0">
+                <a:solidFill>
+                  <a:srgbClr val="FFFFFF"/>
                 </a:solidFill>
                 <a:latin typeface="Avenir Next LT Pro Light"/>
               </a:rPr>
               <a:t>Pruebas de seguridad</a:t>
             </a:r>
-            <a:endParaRPr b="0" lang="es-ES" sz="3800" spc="-1" strike="noStrike">
+            <a:endParaRPr lang="es-ES" b="0" strike="noStrike" spc="-1">
               <a:latin typeface="Arial"/>
             </a:endParaRPr>
           </a:p>
           <a:p>
-            <a:pPr marL="343080" indent="-342720">
+            <a:pPr marL="342900" indent="-342265">
               <a:lnSpc>
                 <a:spcPct val="125000"/>
               </a:lnSpc>
@@ -3018,26 +3503,26 @@
                 <a:spcPts val="1001"/>
               </a:spcBef>
               <a:buClr>
-                <a:srgbClr val="ef8c6a"/>
+                <a:srgbClr val="EF8C6A"/>
               </a:buClr>
               <a:buFont typeface="Wingdings" charset="2"/>
               <a:buChar char=""/>
             </a:pPr>
             <a:r>
-              <a:rPr b="1" i="1" lang="es-ES" sz="3800" spc="-1" strike="noStrike">
-                <a:solidFill>
-                  <a:srgbClr val="ffffff"/>
+              <a:rPr lang="es-ES" b="1" i="1" strike="noStrike" spc="-1" dirty="0">
+                <a:solidFill>
+                  <a:srgbClr val="FFFFFF"/>
                 </a:solidFill>
                 <a:latin typeface="Avenir Next LT Pro Light"/>
               </a:rPr>
               <a:t>Pruebas de documentación</a:t>
             </a:r>
-            <a:endParaRPr b="0" lang="es-ES" sz="3800" spc="-1" strike="noStrike">
+            <a:endParaRPr lang="es-ES" b="0" strike="noStrike" spc="-1">
               <a:latin typeface="Arial"/>
             </a:endParaRPr>
           </a:p>
           <a:p>
-            <a:pPr marL="343080" indent="-342720">
+            <a:pPr marL="342900" indent="-342265">
               <a:lnSpc>
                 <a:spcPct val="125000"/>
               </a:lnSpc>
@@ -3045,26 +3530,26 @@
                 <a:spcPts val="1001"/>
               </a:spcBef>
               <a:buClr>
-                <a:srgbClr val="ef8c6a"/>
+                <a:srgbClr val="EF8C6A"/>
               </a:buClr>
               <a:buFont typeface="Wingdings" charset="2"/>
               <a:buChar char=""/>
             </a:pPr>
             <a:r>
-              <a:rPr b="1" i="1" lang="es-ES" sz="3800" spc="-1" strike="noStrike">
-                <a:solidFill>
-                  <a:srgbClr val="ffffff"/>
+              <a:rPr lang="es-ES" b="1" i="1" strike="noStrike" spc="-1" dirty="0">
+                <a:solidFill>
+                  <a:srgbClr val="FFFFFF"/>
                 </a:solidFill>
                 <a:latin typeface="Avenir Next LT Pro Light"/>
               </a:rPr>
               <a:t>Pruebas de instalación</a:t>
             </a:r>
-            <a:endParaRPr b="0" lang="es-ES" sz="3800" spc="-1" strike="noStrike">
+            <a:endParaRPr lang="es-ES" b="0" strike="noStrike" spc="-1">
               <a:latin typeface="Arial"/>
             </a:endParaRPr>
           </a:p>
           <a:p>
-            <a:pPr marL="343080" indent="-342720">
+            <a:pPr marL="342900" indent="-342265">
               <a:lnSpc>
                 <a:spcPct val="125000"/>
               </a:lnSpc>
@@ -3072,21 +3557,21 @@
                 <a:spcPts val="1001"/>
               </a:spcBef>
               <a:buClr>
-                <a:srgbClr val="ef8c6a"/>
+                <a:srgbClr val="EF8C6A"/>
               </a:buClr>
               <a:buFont typeface="Wingdings" charset="2"/>
               <a:buChar char=""/>
             </a:pPr>
             <a:r>
-              <a:rPr b="1" i="1" lang="es-ES" sz="3800" spc="-1" strike="noStrike">
-                <a:solidFill>
-                  <a:srgbClr val="ffffff"/>
+              <a:rPr lang="es-ES" b="1" i="1" strike="noStrike" spc="-1" dirty="0">
+                <a:solidFill>
+                  <a:srgbClr val="FFFFFF"/>
                 </a:solidFill>
                 <a:latin typeface="Avenir Next LT Pro Light"/>
               </a:rPr>
               <a:t>Pruebas de Confiabilidad</a:t>
             </a:r>
-            <a:endParaRPr b="0" lang="es-ES" sz="3800" spc="-1" strike="noStrike">
+            <a:endParaRPr lang="es-ES" b="0" strike="noStrike" spc="-1" dirty="0">
               <a:latin typeface="Arial"/>
             </a:endParaRPr>
           </a:p>
@@ -3094,19 +3579,14 @@
       </p:sp>
     </p:spTree>
   </p:cSld>
-  <mc:AlternateContent>
-    <mc:Choice Requires="p14">
-      <p:transition spd="slow" p14:dur="2000"/>
-    </mc:Choice>
-    <mc:Fallback>
-      <p:transition spd="slow"/>
-    </mc:Fallback>
-  </mc:AlternateContent>
+  <p:clrMapOvr>
+    <a:masterClrMapping/>
+  </p:clrMapOvr>
 </p:sld>
 </file>
 
 <file path=ppt/slides/slide6.xml><?xml version="1.0" encoding="utf-8"?>
-<p:sld xmlns:a="http://schemas.openxmlformats.org/drawingml/2006/main" xmlns:p="http://schemas.openxmlformats.org/presentationml/2006/main" xmlns:r="http://schemas.openxmlformats.org/officeDocument/2006/relationships" xmlns:p14="http://schemas.microsoft.com/office/powerpoint/2010/main" xmlns:p15="http://schemas.microsoft.com/office/powerpoint/2012/main" xmlns:mc="http://schemas.openxmlformats.org/markup-compatibility/2006">
+<p:sld xmlns:a="http://schemas.openxmlformats.org/drawingml/2006/main" xmlns:r="http://schemas.openxmlformats.org/officeDocument/2006/relationships" xmlns:p="http://schemas.openxmlformats.org/presentationml/2006/main">
   <p:cSld>
     <p:spTree>
       <p:nvGrpSpPr>
@@ -3130,8 +3610,8 @@
         </p:nvSpPr>
         <p:spPr>
           <a:xfrm>
-            <a:off x="2197080" y="1079640"/>
-            <a:ext cx="8294040" cy="2138040"/>
+            <a:off x="1807613" y="275308"/>
+            <a:ext cx="7836840" cy="3052439"/>
           </a:xfrm>
           <a:prstGeom prst="rect">
             <a:avLst/>
@@ -3142,15 +3622,200 @@
           </a:ln>
         </p:spPr>
         <p:txBody>
-          <a:bodyPr lIns="0" rIns="0" tIns="0" bIns="0" anchor="b">
-            <a:normAutofit/>
-          </a:bodyPr>
-          <a:p>
-            <a:endParaRPr b="0" lang="es-ES" sz="1800" spc="-1" strike="noStrike">
+          <a:bodyPr lIns="0" tIns="0" rIns="0" bIns="0" anchor="b">
+            <a:noAutofit/>
+          </a:bodyPr>
+          <a:lstStyle/>
+          <a:p>
+            <a:pPr marL="342900" indent="-342265">
+              <a:lnSpc>
+                <a:spcPct val="125000"/>
+              </a:lnSpc>
+              <a:spcBef>
+                <a:spcPts val="1001"/>
+              </a:spcBef>
+              <a:buFont typeface="Wingdings,Sans-Serif"/>
+              <a:buChar char=""/>
+            </a:pPr>
+            <a:r>
+              <a:rPr lang="es-ES" sz="1200" i="1" u="sng" spc="-1" dirty="0">
+                <a:solidFill>
+                  <a:srgbClr val="FFFFFF"/>
+                </a:solidFill>
+                <a:ea typeface="+mn-lt"/>
+                <a:cs typeface="+mn-lt"/>
+              </a:rPr>
+              <a:t>Pruebas de rendimiento: </a:t>
+            </a:r>
+            <a:r>
+              <a:rPr lang="es-ES" sz="1200" spc="-1" dirty="0">
+                <a:solidFill>
+                  <a:schemeClr val="bg1"/>
+                </a:solidFill>
+                <a:ea typeface="+mn-lt"/>
+                <a:cs typeface="+mn-lt"/>
+              </a:rPr>
+              <a:t>el objetivo de estas pruebas es garantizar el funcionamiento bajo una carga de trabajo esperada.</a:t>
+            </a:r>
+          </a:p>
+          <a:p>
+            <a:pPr marL="342900" indent="-342265">
+              <a:lnSpc>
+                <a:spcPct val="125000"/>
+              </a:lnSpc>
+              <a:spcBef>
+                <a:spcPts val="1001"/>
+              </a:spcBef>
+              <a:buFont typeface="Wingdings,Sans-Serif"/>
+              <a:buChar char=""/>
+            </a:pPr>
+            <a:r>
+              <a:rPr lang="es-ES" sz="1200" i="1" u="sng" spc="-1" dirty="0">
+                <a:solidFill>
+                  <a:srgbClr val="FFFFFF"/>
+                </a:solidFill>
+                <a:ea typeface="+mn-lt"/>
+                <a:cs typeface="+mn-lt"/>
+              </a:rPr>
+              <a:t>Pruebas de Carga:</a:t>
+            </a:r>
+            <a:r>
+              <a:rPr lang="es-ES" sz="1200" i="1" u="sng" spc="-1" dirty="0">
+                <a:solidFill>
+                  <a:schemeClr val="bg1"/>
+                </a:solidFill>
+                <a:ea typeface="+mn-lt"/>
+                <a:cs typeface="+mn-lt"/>
+              </a:rPr>
+              <a:t> </a:t>
+            </a:r>
+            <a:r>
+              <a:rPr lang="es-ES" sz="1200" spc="-1" dirty="0">
+                <a:solidFill>
+                  <a:schemeClr val="bg1"/>
+                </a:solidFill>
+                <a:ea typeface="+mn-lt"/>
+                <a:cs typeface="+mn-lt"/>
+              </a:rPr>
+              <a:t>el objetivo de estas pruebas es testear la capacidad de la aplicación bajo cargas previstas por el cliente.</a:t>
+            </a:r>
+          </a:p>
+          <a:p>
+            <a:pPr marL="342900" indent="-342265">
+              <a:lnSpc>
+                <a:spcPct val="125000"/>
+              </a:lnSpc>
+              <a:spcBef>
+                <a:spcPts val="1001"/>
+              </a:spcBef>
+              <a:buFont typeface="Wingdings,Sans-Serif"/>
+              <a:buChar char=""/>
+            </a:pPr>
+            <a:r>
+              <a:rPr lang="es-ES" sz="1200" i="1" u="sng" spc="-1" dirty="0">
+                <a:solidFill>
+                  <a:srgbClr val="FFFFFF"/>
+                </a:solidFill>
+                <a:ea typeface="+mn-lt"/>
+                <a:cs typeface="+mn-lt"/>
+              </a:rPr>
+              <a:t>Pruebas de Estrés: </a:t>
+            </a:r>
+            <a:r>
+              <a:rPr lang="es-ES" sz="1200" spc="-1" dirty="0">
+                <a:solidFill>
+                  <a:schemeClr val="bg1"/>
+                </a:solidFill>
+                <a:ea typeface="+mn-lt"/>
+                <a:cs typeface="+mn-lt"/>
+              </a:rPr>
+              <a:t>el objetivo de estas pruebas es testear cómo reacciona la aplicación a cargas de trabajo extremas, como son: un tráfico elevado o una gran cantidad de procesamiento de datos.</a:t>
+            </a:r>
+          </a:p>
+          <a:p>
+            <a:pPr marL="342900" indent="-342265">
+              <a:lnSpc>
+                <a:spcPct val="125000"/>
+              </a:lnSpc>
+              <a:spcBef>
+                <a:spcPts val="1001"/>
+              </a:spcBef>
+              <a:buFont typeface="Wingdings,Sans-Serif"/>
+              <a:buChar char=""/>
+            </a:pPr>
+            <a:r>
+              <a:rPr lang="es-ES" sz="1200" i="1" u="sng" spc="-1" dirty="0">
+                <a:solidFill>
+                  <a:srgbClr val="FFFFFF"/>
+                </a:solidFill>
+                <a:ea typeface="+mn-lt"/>
+                <a:cs typeface="+mn-lt"/>
+              </a:rPr>
+              <a:t>Pruebas de Escalabilidad:</a:t>
+            </a:r>
+            <a:r>
+              <a:rPr lang="es-ES" sz="1200" i="1" u="sng" spc="-1" dirty="0">
+                <a:solidFill>
+                  <a:schemeClr val="bg1"/>
+                </a:solidFill>
+                <a:ea typeface="+mn-lt"/>
+                <a:cs typeface="+mn-lt"/>
+              </a:rPr>
+              <a:t> </a:t>
+            </a:r>
+            <a:r>
+              <a:rPr lang="es-ES" sz="1200" spc="-1" dirty="0">
+                <a:solidFill>
+                  <a:schemeClr val="bg1"/>
+                </a:solidFill>
+                <a:ea typeface="+mn-lt"/>
+                <a:cs typeface="+mn-lt"/>
+              </a:rPr>
+              <a:t>el objetivo de estas pruebas es determinar la capacidad de adaptación de la aplicación al aumento de carga de usuarios (escalabilidad)</a:t>
+            </a:r>
+            <a:r>
+              <a:rPr lang="es-ES" sz="1200" spc="-1" dirty="0">
+                <a:ea typeface="+mn-lt"/>
+                <a:cs typeface="+mn-lt"/>
+              </a:rPr>
+              <a:t>.</a:t>
+            </a:r>
+          </a:p>
+          <a:p>
+            <a:pPr marL="342900" indent="-342265">
+              <a:lnSpc>
+                <a:spcPct val="125000"/>
+              </a:lnSpc>
+              <a:spcBef>
+                <a:spcPts val="1001"/>
+              </a:spcBef>
+              <a:buFont typeface="Wingdings,Sans-Serif"/>
+              <a:buChar char=""/>
+            </a:pPr>
+            <a:r>
+              <a:rPr lang="es-ES" sz="1200" i="1" u="sng" spc="-1" dirty="0">
+                <a:solidFill>
+                  <a:srgbClr val="FFFFFF"/>
+                </a:solidFill>
+                <a:ea typeface="+mn-lt"/>
+                <a:cs typeface="+mn-lt"/>
+              </a:rPr>
+              <a:t>Pruebas de Volumen: </a:t>
+            </a:r>
+            <a:r>
+              <a:rPr lang="es-ES" sz="1200" spc="-1" dirty="0">
+                <a:solidFill>
+                  <a:schemeClr val="bg1"/>
+                </a:solidFill>
+                <a:ea typeface="+mn-lt"/>
+                <a:cs typeface="+mn-lt"/>
+              </a:rPr>
+              <a:t>el objetivo de estas pruebas es determinar el rendimiento de la aplicación según el volumen de datos que contiene la BBDD.</a:t>
+            </a:r>
+            <a:endParaRPr lang="es-ES" sz="1200">
               <a:solidFill>
-                <a:srgbClr val="ffffff"/>
+                <a:schemeClr val="bg1"/>
               </a:solidFill>
-              <a:latin typeface="Avenir Next LT Pro Light"/>
             </a:endParaRPr>
           </a:p>
         </p:txBody>
@@ -3175,11 +3840,12 @@
           </a:ln>
         </p:spPr>
         <p:txBody>
-          <a:bodyPr lIns="0" rIns="0" tIns="0" bIns="0">
-            <a:normAutofit fontScale="37000"/>
-          </a:bodyPr>
-          <a:p>
-            <a:pPr marL="343080" indent="-342720">
+          <a:bodyPr lIns="0" tIns="0" rIns="0" bIns="0" anchor="t">
+            <a:normAutofit fontScale="97000"/>
+          </a:bodyPr>
+          <a:lstStyle/>
+          <a:p>
+            <a:pPr marL="342900" indent="-342265">
               <a:lnSpc>
                 <a:spcPct val="125000"/>
               </a:lnSpc>
@@ -3187,28 +3853,59 @@
                 <a:spcPts val="1001"/>
               </a:spcBef>
               <a:buClr>
-                <a:srgbClr val="ef8c6a"/>
+                <a:srgbClr val="EF8C6A"/>
               </a:buClr>
               <a:buFont typeface="Wingdings" charset="2"/>
               <a:buChar char=""/>
             </a:pPr>
-            <a:r>
-              <a:rPr b="1" i="1" lang="es-ES" sz="5100" spc="-1" strike="noStrike" u="sng">
-                <a:solidFill>
-                  <a:srgbClr val="ffffff"/>
-                </a:solidFill>
-                <a:uFillTx/>
-                <a:latin typeface="Avenir Next LT Pro Light"/>
-              </a:rPr>
-              <a:t>Pruebas de rendimiento</a:t>
-            </a:r>
-            <a:endParaRPr b="0" lang="es-ES" sz="5100" spc="-1" strike="noStrike" u="sng">
+            <a:endParaRPr lang="es-ES" sz="5100" b="1" i="1" u="sng" strike="noStrike" spc="-1" dirty="0">
+              <a:solidFill>
+                <a:srgbClr val="FFFFFF"/>
+              </a:solidFill>
               <a:uFillTx/>
-              <a:latin typeface="Arial"/>
-            </a:endParaRPr>
-          </a:p>
-          <a:p>
-            <a:pPr marL="343080" indent="-342720">
+              <a:latin typeface="Avenir Next LT Pro Light"/>
+            </a:endParaRPr>
+          </a:p>
+        </p:txBody>
+      </p:sp>
+      <p:sp>
+        <p:nvSpPr>
+          <p:cNvPr id="59" name="CustomShape 3"/>
+          <p:cNvSpPr/>
+          <p:nvPr/>
+        </p:nvSpPr>
+        <p:spPr>
+          <a:xfrm>
+            <a:off x="1693213" y="4039840"/>
+            <a:ext cx="8816786" cy="2662973"/>
+          </a:xfrm>
+          <a:prstGeom prst="rect">
+            <a:avLst/>
+          </a:prstGeom>
+          <a:noFill/>
+          <a:ln>
+            <a:noFill/>
+          </a:ln>
+        </p:spPr>
+        <p:style>
+          <a:lnRef idx="0">
+            <a:scrgbClr r="0" g="0" b="0"/>
+          </a:lnRef>
+          <a:fillRef idx="0">
+            <a:scrgbClr r="0" g="0" b="0"/>
+          </a:fillRef>
+          <a:effectRef idx="0">
+            <a:scrgbClr r="0" g="0" b="0"/>
+          </a:effectRef>
+          <a:fontRef idx="minor"/>
+        </p:style>
+        <p:txBody>
+          <a:bodyPr lIns="0" tIns="0" rIns="0" bIns="0" anchor="t">
+            <a:normAutofit/>
+          </a:bodyPr>
+          <a:lstStyle/>
+          <a:p>
+            <a:pPr marL="342900" indent="-342265">
               <a:lnSpc>
                 <a:spcPct val="125000"/>
               </a:lnSpc>
@@ -3216,28 +3913,57 @@
                 <a:spcPts val="1001"/>
               </a:spcBef>
               <a:buClr>
-                <a:srgbClr val="ef8c6a"/>
+                <a:srgbClr val="EF8C6A"/>
               </a:buClr>
               <a:buFont typeface="Wingdings" charset="2"/>
               <a:buChar char=""/>
             </a:pPr>
             <a:r>
-              <a:rPr b="0" i="1" lang="es-ES" sz="2900" spc="-1" strike="noStrike" u="sng">
-                <a:solidFill>
-                  <a:srgbClr val="ffffff"/>
-                </a:solidFill>
-                <a:uFillTx/>
-                <a:latin typeface="Avenir Next LT Pro Light"/>
-              </a:rPr>
-              <a:t>Pruebas de Carga</a:t>
-            </a:r>
-            <a:endParaRPr b="0" lang="es-ES" sz="2900" spc="-1" strike="noStrike" u="sng">
-              <a:uFillTx/>
+              <a:rPr lang="es-ES" sz="1200" b="1" u="sng" spc="-1" dirty="0">
+                <a:solidFill>
+                  <a:srgbClr val="FFFFFF"/>
+                </a:solidFill>
+                <a:latin typeface="Arial"/>
+              </a:rPr>
+              <a:t>Pruebas</a:t>
+            </a:r>
+            <a:r>
+              <a:rPr lang="es-ES" sz="1200" b="1" u="sng" strike="noStrike" spc="-1" dirty="0">
+                <a:solidFill>
+                  <a:srgbClr val="FFFFFF"/>
+                </a:solidFill>
+                <a:latin typeface="Arial"/>
+              </a:rPr>
+              <a:t> de seguridad</a:t>
+            </a:r>
+            <a:r>
+              <a:rPr lang="es-ES" sz="1200" b="1" u="sng" spc="-1" dirty="0">
+                <a:solidFill>
+                  <a:srgbClr val="FFFFFF"/>
+                </a:solidFill>
+                <a:latin typeface="Arial"/>
+              </a:rPr>
+              <a:t>: </a:t>
+            </a:r>
+            <a:r>
+              <a:rPr lang="es-ES" sz="1200" spc="-1" dirty="0">
+                <a:solidFill>
+                  <a:schemeClr val="bg1"/>
+                </a:solidFill>
+                <a:ea typeface="+mn-lt"/>
+                <a:cs typeface="+mn-lt"/>
+              </a:rPr>
+              <a:t>el objetivo de estas pruebas es tratar de descubrir vulnerabilidades, tanto de la aplicación, como de los datos que contenga el sistema.</a:t>
+            </a:r>
+            <a:endParaRPr lang="es-ES" sz="1200" b="0" u="sng" strike="noStrike" spc="-1">
+              <a:solidFill>
+                <a:schemeClr val="bg1"/>
+              </a:solidFill>
               <a:latin typeface="Arial"/>
             </a:endParaRPr>
           </a:p>
           <a:p>
-            <a:pPr marL="343080" indent="-342720">
+            <a:pPr marL="342900" indent="-342265">
               <a:lnSpc>
                 <a:spcPct val="125000"/>
               </a:lnSpc>
@@ -3245,28 +3971,48 @@
                 <a:spcPts val="1001"/>
               </a:spcBef>
               <a:buClr>
-                <a:srgbClr val="ef8c6a"/>
+                <a:srgbClr val="EF8C6A"/>
               </a:buClr>
               <a:buFont typeface="Wingdings" charset="2"/>
               <a:buChar char=""/>
             </a:pPr>
             <a:r>
-              <a:rPr b="0" i="1" lang="es-ES" sz="2900" spc="-1" strike="noStrike" u="sng">
-                <a:solidFill>
-                  <a:srgbClr val="ffffff"/>
-                </a:solidFill>
-                <a:uFillTx/>
-                <a:latin typeface="Avenir Next LT Pro Light"/>
-              </a:rPr>
-              <a:t>Pruebas de Estrés</a:t>
-            </a:r>
-            <a:endParaRPr b="0" lang="es-ES" sz="2900" spc="-1" strike="noStrike" u="sng">
-              <a:uFillTx/>
+              <a:rPr lang="es-ES" sz="1200" b="1" u="sng" strike="noStrike" spc="-1" dirty="0">
+                <a:solidFill>
+                  <a:srgbClr val="FFFFFF"/>
+                </a:solidFill>
+                <a:latin typeface="Arial"/>
+              </a:rPr>
+              <a:t>Pruebas de documentación</a:t>
+            </a:r>
+            <a:r>
+              <a:rPr lang="es-ES" sz="1200" b="1" u="sng" spc="-1" dirty="0">
+                <a:solidFill>
+                  <a:srgbClr val="FFFFFF"/>
+                </a:solidFill>
+                <a:latin typeface="Arial"/>
+              </a:rPr>
+              <a:t>: </a:t>
+            </a:r>
+            <a:r>
+              <a:rPr lang="es-ES" sz="1200" spc="-1" dirty="0">
+                <a:solidFill>
+                  <a:schemeClr val="bg1"/>
+                </a:solidFill>
+                <a:ea typeface="+mn-lt"/>
+                <a:cs typeface="+mn-lt"/>
+              </a:rPr>
+              <a:t>el objetivo de estas pruebas es almacenar cualquier información (escrita o ilustrativa) que describa o defina procedimientos o resultados.</a:t>
+            </a:r>
+            <a:endParaRPr lang="es-ES" sz="1200" b="0" u="sng" strike="noStrike" spc="-1" dirty="0">
+              <a:solidFill>
+                <a:schemeClr val="bg1"/>
+              </a:solidFill>
               <a:latin typeface="Arial"/>
             </a:endParaRPr>
           </a:p>
           <a:p>
-            <a:pPr marL="343080" indent="-342720">
+            <a:pPr marL="342900" indent="-342265">
               <a:lnSpc>
                 <a:spcPct val="125000"/>
               </a:lnSpc>
@@ -3274,28 +4020,58 @@
                 <a:spcPts val="1001"/>
               </a:spcBef>
               <a:buClr>
-                <a:srgbClr val="ef8c6a"/>
+                <a:srgbClr val="EF8C6A"/>
               </a:buClr>
               <a:buFont typeface="Wingdings" charset="2"/>
               <a:buChar char=""/>
             </a:pPr>
             <a:r>
-              <a:rPr b="0" i="1" lang="es-ES" sz="2900" spc="-1" strike="noStrike" u="sng">
-                <a:solidFill>
-                  <a:srgbClr val="ffffff"/>
-                </a:solidFill>
-                <a:uFillTx/>
-                <a:latin typeface="Avenir Next LT Pro Light"/>
-              </a:rPr>
-              <a:t>Pruebas de Escalabilidad</a:t>
-            </a:r>
-            <a:endParaRPr b="0" lang="es-ES" sz="2900" spc="-1" strike="noStrike" u="sng">
-              <a:uFillTx/>
+              <a:rPr lang="es-ES" sz="1200" b="1" u="sng" strike="noStrike" spc="-1" dirty="0">
+                <a:solidFill>
+                  <a:srgbClr val="FFFFFF"/>
+                </a:solidFill>
+                <a:latin typeface="Arial"/>
+              </a:rPr>
+              <a:t>Pruebas de instalación</a:t>
+            </a:r>
+            <a:r>
+              <a:rPr lang="es-ES" sz="1200" b="1" u="sng" spc="-1" dirty="0">
+                <a:solidFill>
+                  <a:srgbClr val="FFFFFF"/>
+                </a:solidFill>
+                <a:latin typeface="Arial"/>
+              </a:rPr>
+              <a:t>:</a:t>
+            </a:r>
+            <a:r>
+              <a:rPr lang="es-ES" sz="1200" b="1" u="sng" spc="-1" dirty="0">
+                <a:solidFill>
+                  <a:srgbClr val="FFFFFF"/>
+                </a:solidFill>
+                <a:ea typeface="+mn-lt"/>
+                <a:cs typeface="+mn-lt"/>
+              </a:rPr>
+              <a:t> </a:t>
+            </a:r>
+            <a:r>
+              <a:rPr lang="es-ES" sz="1200" spc="-1" dirty="0">
+                <a:solidFill>
+                  <a:schemeClr val="bg1"/>
+                </a:solidFill>
+                <a:ea typeface="+mn-lt"/>
+                <a:cs typeface="+mn-lt"/>
+              </a:rPr>
+              <a:t>el objetivo de estas pruebas es verificar que la instalación de la aplicación se realice satisfactoriamente.</a:t>
+            </a:r>
+            <a:endParaRPr lang="es-ES" sz="1200" b="0" u="sng" strike="noStrike" spc="-1">
+              <a:solidFill>
+                <a:schemeClr val="bg1"/>
+              </a:solidFill>
               <a:latin typeface="Arial"/>
             </a:endParaRPr>
           </a:p>
           <a:p>
-            <a:pPr marL="343080" indent="-342720">
+            <a:pPr marL="342900" indent="-342265">
               <a:lnSpc>
                 <a:spcPct val="125000"/>
               </a:lnSpc>
@@ -3303,162 +4079,50 @@
                 <a:spcPts val="1001"/>
               </a:spcBef>
               <a:buClr>
-                <a:srgbClr val="ef8c6a"/>
+                <a:srgbClr val="EF8C6A"/>
               </a:buClr>
               <a:buFont typeface="Wingdings" charset="2"/>
               <a:buChar char=""/>
             </a:pPr>
             <a:r>
-              <a:rPr b="0" i="1" lang="es-ES" sz="2900" spc="-1" strike="noStrike" u="sng">
-                <a:solidFill>
-                  <a:srgbClr val="ffffff"/>
-                </a:solidFill>
-                <a:uFillTx/>
-                <a:latin typeface="Avenir Next LT Pro Light"/>
-              </a:rPr>
-              <a:t>Pruebas de Volumen</a:t>
-            </a:r>
-            <a:endParaRPr b="0" lang="es-ES" sz="2900" spc="-1" strike="noStrike" u="sng">
-              <a:uFillTx/>
-              <a:latin typeface="Arial"/>
-            </a:endParaRPr>
-          </a:p>
-        </p:txBody>
-      </p:sp>
-      <p:sp>
-        <p:nvSpPr>
-          <p:cNvPr id="59" name="CustomShape 3"/>
-          <p:cNvSpPr/>
-          <p:nvPr/>
-        </p:nvSpPr>
-        <p:spPr>
-          <a:xfrm>
-            <a:off x="6095880" y="4370040"/>
-            <a:ext cx="5125320" cy="2138040"/>
-          </a:xfrm>
-          <a:prstGeom prst="rect">
-            <a:avLst/>
-          </a:prstGeom>
-          <a:noFill/>
-          <a:ln>
-            <a:noFill/>
-          </a:ln>
-        </p:spPr>
-        <p:style>
-          <a:lnRef idx="0"/>
-          <a:fillRef idx="0"/>
-          <a:effectRef idx="0"/>
-          <a:fontRef idx="minor"/>
-        </p:style>
-        <p:txBody>
-          <a:bodyPr lIns="0" rIns="0" tIns="0" bIns="0">
-            <a:normAutofit fontScale="22000"/>
-          </a:bodyPr>
-          <a:p>
-            <a:pPr marL="343080" indent="-342720">
-              <a:lnSpc>
-                <a:spcPct val="125000"/>
-              </a:lnSpc>
-              <a:spcBef>
-                <a:spcPts val="1001"/>
-              </a:spcBef>
-              <a:buClr>
-                <a:srgbClr val="ef8c6a"/>
-              </a:buClr>
-              <a:buFont typeface="Wingdings" charset="2"/>
-              <a:buChar char=""/>
-            </a:pPr>
-            <a:r>
-              <a:rPr b="1" i="1" lang="es-ES" sz="3800" spc="-1" strike="noStrike">
-                <a:solidFill>
-                  <a:srgbClr val="ffffff"/>
-                </a:solidFill>
-                <a:latin typeface="Avenir Next LT Pro Light"/>
-              </a:rPr>
-              <a:t>Pruebas de seguridad</a:t>
-            </a:r>
-            <a:endParaRPr b="0" lang="es-ES" sz="3800" spc="-1" strike="noStrike">
-              <a:latin typeface="Arial"/>
-            </a:endParaRPr>
-          </a:p>
-          <a:p>
-            <a:pPr marL="343080" indent="-342720">
-              <a:lnSpc>
-                <a:spcPct val="125000"/>
-              </a:lnSpc>
-              <a:spcBef>
-                <a:spcPts val="1001"/>
-              </a:spcBef>
-              <a:buClr>
-                <a:srgbClr val="ef8c6a"/>
-              </a:buClr>
-              <a:buFont typeface="Wingdings" charset="2"/>
-              <a:buChar char=""/>
-            </a:pPr>
-            <a:r>
-              <a:rPr b="1" i="1" lang="es-ES" sz="3800" spc="-1" strike="noStrike">
-                <a:solidFill>
-                  <a:srgbClr val="ffffff"/>
-                </a:solidFill>
-                <a:latin typeface="Avenir Next LT Pro Light"/>
-              </a:rPr>
-              <a:t>Pruebas de documentación</a:t>
-            </a:r>
-            <a:endParaRPr b="0" lang="es-ES" sz="3800" spc="-1" strike="noStrike">
-              <a:latin typeface="Arial"/>
-            </a:endParaRPr>
-          </a:p>
-          <a:p>
-            <a:pPr marL="343080" indent="-342720">
-              <a:lnSpc>
-                <a:spcPct val="125000"/>
-              </a:lnSpc>
-              <a:spcBef>
-                <a:spcPts val="1001"/>
-              </a:spcBef>
-              <a:buClr>
-                <a:srgbClr val="ef8c6a"/>
-              </a:buClr>
-              <a:buFont typeface="Wingdings" charset="2"/>
-              <a:buChar char=""/>
-            </a:pPr>
-            <a:r>
-              <a:rPr b="1" i="1" lang="es-ES" sz="3800" spc="-1" strike="noStrike">
-                <a:solidFill>
-                  <a:srgbClr val="ffffff"/>
-                </a:solidFill>
-                <a:latin typeface="Avenir Next LT Pro Light"/>
-              </a:rPr>
-              <a:t>Pruebas de instalación</a:t>
-            </a:r>
-            <a:endParaRPr b="0" lang="es-ES" sz="3800" spc="-1" strike="noStrike">
-              <a:latin typeface="Arial"/>
-            </a:endParaRPr>
-          </a:p>
-          <a:p>
-            <a:pPr marL="343080" indent="-342720">
-              <a:lnSpc>
-                <a:spcPct val="125000"/>
-              </a:lnSpc>
-              <a:spcBef>
-                <a:spcPts val="1001"/>
-              </a:spcBef>
-              <a:buClr>
-                <a:srgbClr val="ef8c6a"/>
-              </a:buClr>
-              <a:buFont typeface="Wingdings" charset="2"/>
-              <a:buChar char=""/>
-            </a:pPr>
-            <a:r>
-              <a:rPr b="1" i="1" lang="es-ES" sz="3800" spc="-1" strike="noStrike">
-                <a:solidFill>
-                  <a:srgbClr val="ffffff"/>
-                </a:solidFill>
-                <a:latin typeface="Avenir Next LT Pro Light"/>
+              <a:rPr lang="es-ES" sz="1200" b="1" u="sng" strike="noStrike" spc="-1" dirty="0">
+                <a:solidFill>
+                  <a:srgbClr val="FFFFFF"/>
+                </a:solidFill>
+                <a:latin typeface="Arial"/>
               </a:rPr>
               <a:t>Pruebas de Confiabilidad</a:t>
             </a:r>
-            <a:endParaRPr b="0" lang="es-ES" sz="3800" spc="-1" strike="noStrike">
+            <a:r>
+              <a:rPr lang="es-ES" sz="1200" b="1" u="sng" spc="-1" dirty="0">
+                <a:solidFill>
+                  <a:srgbClr val="FFFFFF"/>
+                </a:solidFill>
+                <a:latin typeface="Arial"/>
+              </a:rPr>
+              <a:t>: </a:t>
+            </a:r>
+            <a:r>
+              <a:rPr lang="es-ES" sz="1200" spc="-1" dirty="0">
+                <a:ea typeface="+mn-lt"/>
+                <a:cs typeface="+mn-lt"/>
+              </a:rPr>
+              <a:t> </a:t>
+            </a:r>
+            <a:r>
+              <a:rPr lang="es-ES" sz="1200" u="sng" spc="-1" dirty="0">
+                <a:solidFill>
+                  <a:schemeClr val="bg1"/>
+                </a:solidFill>
+                <a:ea typeface="+mn-lt"/>
+                <a:cs typeface="+mn-lt"/>
+              </a:rPr>
+              <a:t>el objetivo de estas pruebas es determinar el grado de confiabilidad que ofrecerá la aplicación durante un período determinado en un entorno específico.</a:t>
+            </a:r>
+            <a:endParaRPr lang="es-ES" sz="1200" b="0" u="sng" strike="noStrike" spc="-1">
+              <a:solidFill>
+                <a:schemeClr val="bg1"/>
+              </a:solidFill>
               <a:latin typeface="Arial"/>
             </a:endParaRPr>
           </a:p>
@@ -3466,19 +4130,14 @@
       </p:sp>
     </p:spTree>
   </p:cSld>
-  <mc:AlternateContent>
-    <mc:Choice Requires="p14">
-      <p:transition spd="slow" p14:dur="2000"/>
-    </mc:Choice>
-    <mc:Fallback>
-      <p:transition spd="slow"/>
-    </mc:Fallback>
-  </mc:AlternateContent>
+  <p:clrMapOvr>
+    <a:masterClrMapping/>
+  </p:clrMapOvr>
 </p:sld>
 </file>
 
 <file path=ppt/slides/slide7.xml><?xml version="1.0" encoding="utf-8"?>
-<p:sld xmlns:a="http://schemas.openxmlformats.org/drawingml/2006/main" xmlns:p="http://schemas.openxmlformats.org/presentationml/2006/main" xmlns:r="http://schemas.openxmlformats.org/officeDocument/2006/relationships" xmlns:p14="http://schemas.microsoft.com/office/powerpoint/2010/main" xmlns:p15="http://schemas.microsoft.com/office/powerpoint/2012/main" xmlns:mc="http://schemas.openxmlformats.org/markup-compatibility/2006">
+<p:sld xmlns:a="http://schemas.openxmlformats.org/drawingml/2006/main" xmlns:r="http://schemas.openxmlformats.org/officeDocument/2006/relationships" xmlns:p="http://schemas.openxmlformats.org/presentationml/2006/main">
   <p:cSld>
     <p:spTree>
       <p:nvGrpSpPr>
@@ -3514,9 +4173,10 @@
           </a:ln>
         </p:spPr>
         <p:txBody>
-          <a:bodyPr lIns="0" rIns="0" tIns="0" bIns="0" anchor="b">
+          <a:bodyPr lIns="0" tIns="0" rIns="0" bIns="0" anchor="b">
             <a:normAutofit/>
           </a:bodyPr>
+          <a:lstStyle/>
           <a:p>
             <a:pPr algn="ctr">
               <a:lnSpc>
@@ -3524,17 +4184,17 @@
               </a:lnSpc>
             </a:pPr>
             <a:r>
-              <a:rPr b="0" lang="es-ES" sz="4800" spc="398" strike="noStrike" cap="all">
-                <a:solidFill>
-                  <a:srgbClr val="ffffff"/>
+              <a:rPr lang="es-ES" sz="4800" b="0" strike="noStrike" cap="all" spc="398">
+                <a:solidFill>
+                  <a:srgbClr val="FFFFFF"/>
                 </a:solidFill>
                 <a:latin typeface="Rockwell Nova Light"/>
               </a:rPr>
               <a:t>COSTE DE LAS PRUEBAS POR NIVEL</a:t>
             </a:r>
-            <a:endParaRPr b="0" lang="es-ES" sz="4800" spc="-1" strike="noStrike">
+            <a:endParaRPr lang="es-ES" sz="4800" b="0" strike="noStrike" spc="-1">
               <a:solidFill>
-                <a:srgbClr val="ffffff"/>
+                <a:srgbClr val="FFFFFF"/>
               </a:solidFill>
               <a:latin typeface="Avenir Next LT Pro Light"/>
             </a:endParaRPr>
@@ -3548,7 +4208,7 @@
           <p:nvPr/>
         </p:nvPicPr>
         <p:blipFill>
-          <a:blip r:embed="rId1"/>
+          <a:blip r:embed="rId2"/>
           <a:stretch/>
         </p:blipFill>
         <p:spPr>
@@ -3566,19 +4226,14 @@
       </p:pic>
     </p:spTree>
   </p:cSld>
-  <mc:AlternateContent>
-    <mc:Choice Requires="p14">
-      <p:transition spd="slow" p14:dur="2000"/>
-    </mc:Choice>
-    <mc:Fallback>
-      <p:transition spd="slow"/>
-    </mc:Fallback>
-  </mc:AlternateContent>
+  <p:clrMapOvr>
+    <a:masterClrMapping/>
+  </p:clrMapOvr>
 </p:sld>
 </file>
 
 <file path=ppt/slides/slide8.xml><?xml version="1.0" encoding="utf-8"?>
-<p:sld xmlns:a="http://schemas.openxmlformats.org/drawingml/2006/main" xmlns:p="http://schemas.openxmlformats.org/presentationml/2006/main" xmlns:r="http://schemas.openxmlformats.org/officeDocument/2006/relationships" xmlns:p14="http://schemas.microsoft.com/office/powerpoint/2010/main" xmlns:p15="http://schemas.microsoft.com/office/powerpoint/2012/main" xmlns:mc="http://schemas.openxmlformats.org/markup-compatibility/2006">
+<p:sld xmlns:a="http://schemas.openxmlformats.org/drawingml/2006/main" xmlns:r="http://schemas.openxmlformats.org/officeDocument/2006/relationships" xmlns:p="http://schemas.openxmlformats.org/presentationml/2006/main">
   <p:cSld>
     <p:spTree>
       <p:nvGrpSpPr>
@@ -3614,9 +4269,10 @@
           </a:ln>
         </p:spPr>
         <p:txBody>
-          <a:bodyPr lIns="0" rIns="0" tIns="0" bIns="0" anchor="b">
+          <a:bodyPr lIns="0" tIns="0" rIns="0" bIns="0" anchor="b">
             <a:normAutofit/>
           </a:bodyPr>
+          <a:lstStyle/>
           <a:p>
             <a:pPr algn="ctr">
               <a:lnSpc>
@@ -3624,17 +4280,17 @@
               </a:lnSpc>
             </a:pPr>
             <a:r>
-              <a:rPr b="0" lang="es-ES" sz="4800" spc="398" strike="noStrike" cap="all">
-                <a:solidFill>
-                  <a:srgbClr val="ffffff"/>
+              <a:rPr lang="es-ES" sz="4800" b="0" strike="noStrike" cap="all" spc="398">
+                <a:solidFill>
+                  <a:srgbClr val="FFFFFF"/>
                 </a:solidFill>
                 <a:latin typeface="Rockwell Nova Light"/>
               </a:rPr>
               <a:t>COSTE De los errores en fase de detección</a:t>
             </a:r>
-            <a:endParaRPr b="0" lang="es-ES" sz="4800" spc="-1" strike="noStrike">
+            <a:endParaRPr lang="es-ES" sz="4800" b="0" strike="noStrike" spc="-1">
               <a:solidFill>
-                <a:srgbClr val="ffffff"/>
+                <a:srgbClr val="FFFFFF"/>
               </a:solidFill>
               <a:latin typeface="Avenir Next LT Pro Light"/>
             </a:endParaRPr>
@@ -3661,15 +4317,22 @@
           </a:ln>
         </p:spPr>
         <p:style>
-          <a:lnRef idx="0"/>
-          <a:fillRef idx="0"/>
-          <a:effectRef idx="0"/>
+          <a:lnRef idx="0">
+            <a:scrgbClr r="0" g="0" b="0"/>
+          </a:lnRef>
+          <a:fillRef idx="0">
+            <a:scrgbClr r="0" g="0" b="0"/>
+          </a:fillRef>
+          <a:effectRef idx="0">
+            <a:scrgbClr r="0" g="0" b="0"/>
+          </a:effectRef>
           <a:fontRef idx="minor"/>
         </p:style>
         <p:txBody>
-          <a:bodyPr lIns="90000" rIns="90000" tIns="45000" bIns="45000">
+          <a:bodyPr lIns="90000" tIns="45000" rIns="90000" bIns="45000">
             <a:spAutoFit/>
           </a:bodyPr>
+          <a:lstStyle/>
           <a:p>
             <a:pPr>
               <a:lnSpc>
@@ -3677,33 +4340,33 @@
               </a:lnSpc>
             </a:pPr>
             <a:r>
-              <a:rPr b="0" lang="es-ES" sz="1800" spc="-1" strike="noStrike">
-                <a:solidFill>
-                  <a:srgbClr val="ffffff"/>
+              <a:rPr lang="es-ES" sz="1800" b="0" strike="noStrike" spc="-1">
+                <a:solidFill>
+                  <a:srgbClr val="FFFFFF"/>
                 </a:solidFill>
                 <a:latin typeface="Avenir Next LT Pro Light"/>
               </a:rPr>
               <a:t>El coste de </a:t>
             </a:r>
             <a:r>
-              <a:rPr b="0" lang="es-ES" sz="1800" spc="-1" strike="noStrike">
-                <a:solidFill>
-                  <a:srgbClr val="f2f2f2"/>
+              <a:rPr lang="es-ES" sz="1800" b="0" strike="noStrike" spc="-1">
+                <a:solidFill>
+                  <a:srgbClr val="F2F2F2"/>
                 </a:solidFill>
                 <a:latin typeface="Avenir Next LT Pro Light"/>
               </a:rPr>
               <a:t>los </a:t>
             </a:r>
             <a:r>
-              <a:rPr b="0" lang="es-ES" sz="1800" spc="-1" strike="noStrike">
-                <a:solidFill>
-                  <a:srgbClr val="f2f2f2"/>
+              <a:rPr lang="es-ES" sz="1800" b="0" strike="noStrike" spc="-1">
+                <a:solidFill>
+                  <a:srgbClr val="F2F2F2"/>
                 </a:solidFill>
                 <a:latin typeface="Lato"/>
               </a:rPr>
               <a:t>errores depende sobre todo del momento en el que se detectan. Un error detectado en el momento en el que ocurre, tiene un coste muy bajo. El coste crece cuando pasa más tiempo entre que se produce y se detecta. El peor escenario posible es un error introducido al comenzar el proyecto y detectado una vez ya entregado.</a:t>
             </a:r>
-            <a:endParaRPr b="0" lang="es-ES" sz="1800" spc="-1" strike="noStrike">
+            <a:endParaRPr lang="es-ES" sz="1800" b="0" strike="noStrike" spc="-1">
               <a:latin typeface="Arial"/>
             </a:endParaRPr>
           </a:p>
@@ -3711,19 +4374,14 @@
       </p:sp>
     </p:spTree>
   </p:cSld>
-  <mc:AlternateContent>
-    <mc:Choice Requires="p14">
-      <p:transition spd="slow" p14:dur="2000"/>
-    </mc:Choice>
-    <mc:Fallback>
-      <p:transition spd="slow"/>
-    </mc:Fallback>
-  </mc:AlternateContent>
+  <p:clrMapOvr>
+    <a:masterClrMapping/>
+  </p:clrMapOvr>
 </p:sld>
 </file>
 
 <file path=ppt/slides/slide9.xml><?xml version="1.0" encoding="utf-8"?>
-<p:sld xmlns:a="http://schemas.openxmlformats.org/drawingml/2006/main" xmlns:p="http://schemas.openxmlformats.org/presentationml/2006/main" xmlns:r="http://schemas.openxmlformats.org/officeDocument/2006/relationships" xmlns:p14="http://schemas.microsoft.com/office/powerpoint/2010/main" xmlns:p15="http://schemas.microsoft.com/office/powerpoint/2012/main" xmlns:mc="http://schemas.openxmlformats.org/markup-compatibility/2006">
+<p:sld xmlns:a="http://schemas.openxmlformats.org/drawingml/2006/main" xmlns:r="http://schemas.openxmlformats.org/officeDocument/2006/relationships" xmlns:p="http://schemas.openxmlformats.org/presentationml/2006/main">
   <p:cSld>
     <p:spTree>
       <p:nvGrpSpPr>
@@ -3759,9 +4417,10 @@
           </a:ln>
         </p:spPr>
         <p:txBody>
-          <a:bodyPr lIns="0" rIns="0" tIns="0" bIns="0" anchor="b">
+          <a:bodyPr lIns="0" tIns="0" rIns="0" bIns="0" anchor="b">
             <a:normAutofit/>
           </a:bodyPr>
+          <a:lstStyle/>
           <a:p>
             <a:pPr algn="ctr">
               <a:lnSpc>
@@ -3769,17 +4428,17 @@
               </a:lnSpc>
             </a:pPr>
             <a:r>
-              <a:rPr b="0" lang="es-ES" sz="1800" spc="398" strike="noStrike" cap="all">
-                <a:solidFill>
-                  <a:srgbClr val="f2f2f2"/>
+              <a:rPr lang="es-ES" sz="1800" b="0" strike="noStrike" cap="all" spc="398">
+                <a:solidFill>
+                  <a:srgbClr val="F2F2F2"/>
                 </a:solidFill>
                 <a:latin typeface="Lato"/>
               </a:rPr>
               <a:t>Hay dos caminos para reducir el coste de estos errores:</a:t>
             </a:r>
-            <a:endParaRPr b="0" lang="es-ES" sz="1800" spc="-1" strike="noStrike">
+            <a:endParaRPr lang="es-ES" sz="1800" b="0" strike="noStrike" spc="-1">
               <a:solidFill>
-                <a:srgbClr val="ffffff"/>
+                <a:srgbClr val="FFFFFF"/>
               </a:solidFill>
               <a:latin typeface="Avenir Next LT Pro Light"/>
             </a:endParaRPr>
@@ -3806,15 +4465,22 @@
           </a:ln>
         </p:spPr>
         <p:style>
-          <a:lnRef idx="0"/>
-          <a:fillRef idx="0"/>
-          <a:effectRef idx="0"/>
+          <a:lnRef idx="0">
+            <a:scrgbClr r="0" g="0" b="0"/>
+          </a:lnRef>
+          <a:fillRef idx="0">
+            <a:scrgbClr r="0" g="0" b="0"/>
+          </a:fillRef>
+          <a:effectRef idx="0">
+            <a:scrgbClr r="0" g="0" b="0"/>
+          </a:effectRef>
           <a:fontRef idx="minor"/>
         </p:style>
         <p:txBody>
-          <a:bodyPr lIns="90000" rIns="90000" tIns="45000" bIns="45000">
+          <a:bodyPr lIns="90000" tIns="45000" rIns="90000" bIns="45000">
             <a:spAutoFit/>
           </a:bodyPr>
+          <a:lstStyle/>
           <a:p>
             <a:pPr>
               <a:lnSpc>
@@ -3822,15 +4488,15 @@
               </a:lnSpc>
             </a:pPr>
             <a:r>
-              <a:rPr b="0" lang="es-ES" sz="1800" spc="-1" strike="noStrike">
-                <a:solidFill>
-                  <a:srgbClr val="f2f2f2"/>
+              <a:rPr lang="es-ES" sz="1800" b="0" strike="noStrike" spc="-1">
+                <a:solidFill>
+                  <a:srgbClr val="F2F2F2"/>
                 </a:solidFill>
                 <a:latin typeface="Lato"/>
               </a:rPr>
               <a:t>- Dedicar más tiempo a la toma de requisitos. Esto es importante para reducir los fallos en esta etapa ya que estos suponen un coste altísimo debido a que se suelen detectar al final del proyecto.</a:t>
             </a:r>
-            <a:endParaRPr b="0" lang="es-ES" sz="1800" spc="-1" strike="noStrike">
+            <a:endParaRPr lang="es-ES" sz="1800" b="0" strike="noStrike" spc="-1">
               <a:latin typeface="Arial"/>
             </a:endParaRPr>
           </a:p>
@@ -3840,7 +4506,7 @@
                 <a:spcPct val="100000"/>
               </a:lnSpc>
             </a:pPr>
-            <a:endParaRPr b="0" lang="es-ES" sz="1800" spc="-1" strike="noStrike">
+            <a:endParaRPr lang="es-ES" sz="1800" b="0" strike="noStrike" spc="-1">
               <a:latin typeface="Arial"/>
             </a:endParaRPr>
           </a:p>
@@ -3866,15 +4532,22 @@
           </a:ln>
         </p:spPr>
         <p:style>
-          <a:lnRef idx="0"/>
-          <a:fillRef idx="0"/>
-          <a:effectRef idx="0"/>
+          <a:lnRef idx="0">
+            <a:scrgbClr r="0" g="0" b="0"/>
+          </a:lnRef>
+          <a:fillRef idx="0">
+            <a:scrgbClr r="0" g="0" b="0"/>
+          </a:fillRef>
+          <a:effectRef idx="0">
+            <a:scrgbClr r="0" g="0" b="0"/>
+          </a:effectRef>
           <a:fontRef idx="minor"/>
         </p:style>
         <p:txBody>
-          <a:bodyPr lIns="90000" rIns="90000" tIns="45000" bIns="45000">
+          <a:bodyPr lIns="90000" tIns="45000" rIns="90000" bIns="45000">
             <a:spAutoFit/>
           </a:bodyPr>
+          <a:lstStyle/>
           <a:p>
             <a:pPr>
               <a:lnSpc>
@@ -3882,15 +4555,15 @@
               </a:lnSpc>
             </a:pPr>
             <a:r>
-              <a:rPr b="0" lang="es-ES" sz="1800" spc="-1" strike="noStrike">
-                <a:solidFill>
-                  <a:srgbClr val="f2f2f2"/>
+              <a:rPr lang="es-ES" sz="1800" b="0" strike="noStrike" spc="-1">
+                <a:solidFill>
+                  <a:srgbClr val="F2F2F2"/>
                 </a:solidFill>
                 <a:latin typeface="Lato"/>
               </a:rPr>
               <a:t>Detectar antes los errores. Aquí las metodologías ágiles, las entregas iterativas, o las estrategias de Shift Left, pueden ser de utilidad. Esta es la tendencia actual. Es decir, asumimos que se cometerán errores en las primeras fases, pero en vez de invertir en evitarlos, invertimos en detectarlos lo antes posible.</a:t>
             </a:r>
-            <a:endParaRPr b="0" lang="es-ES" sz="1800" spc="-1" strike="noStrike">
+            <a:endParaRPr lang="es-ES" sz="1800" b="0" strike="noStrike" spc="-1">
               <a:latin typeface="Arial"/>
             </a:endParaRPr>
           </a:p>
@@ -3900,7 +4573,7 @@
                 <a:spcPct val="100000"/>
               </a:lnSpc>
             </a:pPr>
-            <a:endParaRPr b="0" lang="es-ES" sz="1800" spc="-1" strike="noStrike">
+            <a:endParaRPr lang="es-ES" sz="1800" b="0" strike="noStrike" spc="-1">
               <a:latin typeface="Arial"/>
             </a:endParaRPr>
           </a:p>
@@ -3908,14 +4581,9 @@
       </p:sp>
     </p:spTree>
   </p:cSld>
-  <mc:AlternateContent>
-    <mc:Choice Requires="p14">
-      <p:transition spd="slow" p14:dur="2000"/>
-    </mc:Choice>
-    <mc:Fallback>
-      <p:transition spd="slow"/>
-    </mc:Fallback>
-  </mc:AlternateContent>
+  <p:clrMapOvr>
+    <a:masterClrMapping/>
+  </p:clrMapOvr>
 </p:sld>
 </file>
 
@@ -3933,31 +4601,31 @@
         <a:srgbClr val="732124"/>
       </a:dk2>
       <a:lt2>
-        <a:srgbClr val="f0ede5"/>
+        <a:srgbClr val="F0EDE5"/>
       </a:lt2>
       <a:accent1>
-        <a:srgbClr val="d34817"/>
+        <a:srgbClr val="D34817"/>
       </a:accent1>
       <a:accent2>
-        <a:srgbClr val="a68d65"/>
+        <a:srgbClr val="A68D65"/>
       </a:accent2>
       <a:accent3>
         <a:srgbClr val="728377"/>
       </a:accent3>
       <a:accent4>
-        <a:srgbClr val="b4797b"/>
+        <a:srgbClr val="B4797B"/>
       </a:accent4>
       <a:accent5>
-        <a:srgbClr val="ce8439"/>
+        <a:srgbClr val="CE8439"/>
       </a:accent5>
       <a:accent6>
-        <a:srgbClr val="cf3a2a"/>
+        <a:srgbClr val="CF3A2A"/>
       </a:accent6>
       <a:hlink>
-        <a:srgbClr val="d06853"/>
+        <a:srgbClr val="D06853"/>
       </a:hlink>
       <a:folHlink>
-        <a:srgbClr val="b67779"/>
+        <a:srgbClr val="B67779"/>
       </a:folHlink>
     </a:clrScheme>
     <a:fontScheme name="Office">
@@ -4142,5 +4810,7 @@
       </a:bgFillStyleLst>
     </a:fmtScheme>
   </a:themeElements>
+  <a:objectDefaults/>
+  <a:extraClrSchemeLst/>
 </a:theme>
 </file>
--- a/Sprint 3 - Story2.pptx
+++ b/Sprint 3 - Story2.pptx
@@ -1,198 +1,27 @@
 
 <file path=ppt/presentation.xml><?xml version="1.0" encoding="utf-8"?>
-<p:presentation xmlns:a="http://schemas.openxmlformats.org/drawingml/2006/main" xmlns:r="http://schemas.openxmlformats.org/officeDocument/2006/relationships" xmlns:p="http://schemas.openxmlformats.org/presentationml/2006/main">
+<p:presentation xmlns:a="http://schemas.openxmlformats.org/drawingml/2006/main" xmlns:p="http://schemas.openxmlformats.org/presentationml/2006/main" xmlns:r="http://schemas.openxmlformats.org/officeDocument/2006/relationships" xmlns:p14="http://schemas.microsoft.com/office/powerpoint/2010/main" xmlns:p15="http://schemas.microsoft.com/office/powerpoint/2012/main" xmlns:mc="http://schemas.openxmlformats.org/markup-compatibility/2006">
   <p:sldMasterIdLst>
-    <p:sldMasterId id="2147483648" r:id="rId1"/>
+    <p:sldMasterId id="2147483648" r:id="rId2"/>
   </p:sldMasterIdLst>
   <p:sldIdLst>
-    <p:sldId id="256" r:id="rId2"/>
-    <p:sldId id="257" r:id="rId3"/>
-    <p:sldId id="258" r:id="rId4"/>
-    <p:sldId id="259" r:id="rId5"/>
-    <p:sldId id="260" r:id="rId6"/>
-    <p:sldId id="261" r:id="rId7"/>
-    <p:sldId id="262" r:id="rId8"/>
-    <p:sldId id="263" r:id="rId9"/>
-    <p:sldId id="264" r:id="rId10"/>
+    <p:sldId id="256" r:id="rId3"/>
+    <p:sldId id="257" r:id="rId4"/>
+    <p:sldId id="258" r:id="rId5"/>
+    <p:sldId id="259" r:id="rId6"/>
+    <p:sldId id="260" r:id="rId7"/>
+    <p:sldId id="261" r:id="rId8"/>
+    <p:sldId id="262" r:id="rId9"/>
+    <p:sldId id="263" r:id="rId10"/>
+    <p:sldId id="264" r:id="rId11"/>
   </p:sldIdLst>
   <p:sldSz cx="12192000" cy="6858000"/>
-  <p:notesSz cx="7559675" cy="10691813"/>
-  <p:defaultTextStyle>
-    <a:defPPr>
-      <a:defRPr lang="es-ES"/>
-    </a:defPPr>
-    <a:lvl1pPr marL="0" algn="l" defTabSz="914400" rtl="0" eaLnBrk="1" latinLnBrk="0" hangingPunct="1">
-      <a:defRPr sz="1800" kern="1200">
-        <a:solidFill>
-          <a:schemeClr val="tx1"/>
-        </a:solidFill>
-        <a:latin typeface="+mn-lt"/>
-        <a:ea typeface="+mn-ea"/>
-        <a:cs typeface="+mn-cs"/>
-      </a:defRPr>
-    </a:lvl1pPr>
-    <a:lvl2pPr marL="457200" algn="l" defTabSz="914400" rtl="0" eaLnBrk="1" latinLnBrk="0" hangingPunct="1">
-      <a:defRPr sz="1800" kern="1200">
-        <a:solidFill>
-          <a:schemeClr val="tx1"/>
-        </a:solidFill>
-        <a:latin typeface="+mn-lt"/>
-        <a:ea typeface="+mn-ea"/>
-        <a:cs typeface="+mn-cs"/>
-      </a:defRPr>
-    </a:lvl2pPr>
-    <a:lvl3pPr marL="914400" algn="l" defTabSz="914400" rtl="0" eaLnBrk="1" latinLnBrk="0" hangingPunct="1">
-      <a:defRPr sz="1800" kern="1200">
-        <a:solidFill>
-          <a:schemeClr val="tx1"/>
-        </a:solidFill>
-        <a:latin typeface="+mn-lt"/>
-        <a:ea typeface="+mn-ea"/>
-        <a:cs typeface="+mn-cs"/>
-      </a:defRPr>
-    </a:lvl3pPr>
-    <a:lvl4pPr marL="1371600" algn="l" defTabSz="914400" rtl="0" eaLnBrk="1" latinLnBrk="0" hangingPunct="1">
-      <a:defRPr sz="1800" kern="1200">
-        <a:solidFill>
-          <a:schemeClr val="tx1"/>
-        </a:solidFill>
-        <a:latin typeface="+mn-lt"/>
-        <a:ea typeface="+mn-ea"/>
-        <a:cs typeface="+mn-cs"/>
-      </a:defRPr>
-    </a:lvl4pPr>
-    <a:lvl5pPr marL="1828800" algn="l" defTabSz="914400" rtl="0" eaLnBrk="1" latinLnBrk="0" hangingPunct="1">
-      <a:defRPr sz="1800" kern="1200">
-        <a:solidFill>
-          <a:schemeClr val="tx1"/>
-        </a:solidFill>
-        <a:latin typeface="+mn-lt"/>
-        <a:ea typeface="+mn-ea"/>
-        <a:cs typeface="+mn-cs"/>
-      </a:defRPr>
-    </a:lvl5pPr>
-    <a:lvl6pPr marL="2286000" algn="l" defTabSz="914400" rtl="0" eaLnBrk="1" latinLnBrk="0" hangingPunct="1">
-      <a:defRPr sz="1800" kern="1200">
-        <a:solidFill>
-          <a:schemeClr val="tx1"/>
-        </a:solidFill>
-        <a:latin typeface="+mn-lt"/>
-        <a:ea typeface="+mn-ea"/>
-        <a:cs typeface="+mn-cs"/>
-      </a:defRPr>
-    </a:lvl6pPr>
-    <a:lvl7pPr marL="2743200" algn="l" defTabSz="914400" rtl="0" eaLnBrk="1" latinLnBrk="0" hangingPunct="1">
-      <a:defRPr sz="1800" kern="1200">
-        <a:solidFill>
-          <a:schemeClr val="tx1"/>
-        </a:solidFill>
-        <a:latin typeface="+mn-lt"/>
-        <a:ea typeface="+mn-ea"/>
-        <a:cs typeface="+mn-cs"/>
-      </a:defRPr>
-    </a:lvl7pPr>
-    <a:lvl8pPr marL="3200400" algn="l" defTabSz="914400" rtl="0" eaLnBrk="1" latinLnBrk="0" hangingPunct="1">
-      <a:defRPr sz="1800" kern="1200">
-        <a:solidFill>
-          <a:schemeClr val="tx1"/>
-        </a:solidFill>
-        <a:latin typeface="+mn-lt"/>
-        <a:ea typeface="+mn-ea"/>
-        <a:cs typeface="+mn-cs"/>
-      </a:defRPr>
-    </a:lvl8pPr>
-    <a:lvl9pPr marL="3657600" algn="l" defTabSz="914400" rtl="0" eaLnBrk="1" latinLnBrk="0" hangingPunct="1">
-      <a:defRPr sz="1800" kern="1200">
-        <a:solidFill>
-          <a:schemeClr val="tx1"/>
-        </a:solidFill>
-        <a:latin typeface="+mn-lt"/>
-        <a:ea typeface="+mn-ea"/>
-        <a:cs typeface="+mn-cs"/>
-      </a:defRPr>
-    </a:lvl9pPr>
-  </p:defaultTextStyle>
+  <p:notesSz cx="7559675" cy="10691812"/>
 </p:presentation>
 </file>
 
-<file path=ppt/revisionInfo.xml><?xml version="1.0" encoding="utf-8"?>
-<p1510:revInfo xmlns:a="http://schemas.openxmlformats.org/drawingml/2006/main" xmlns:r="http://schemas.openxmlformats.org/officeDocument/2006/relationships" xmlns:p1510="http://schemas.microsoft.com/office/powerpoint/2015/10/main">
-  <p1510:revLst>
-    <p1510:client id="{144FF4AF-0893-4A02-AC95-DA26E794A4AA}" v="98" dt="2022-01-13T07:56:26.859"/>
-  </p1510:revLst>
-</p1510:revInfo>
-</file>
-
-<file path=ppt/changesInfos/changesInfo1.xml><?xml version="1.0" encoding="utf-8"?>
-<pc:chgInfo xmlns:a="http://schemas.openxmlformats.org/drawingml/2006/main" xmlns:r="http://schemas.openxmlformats.org/officeDocument/2006/relationships" xmlns:ac="http://schemas.microsoft.com/office/drawing/2013/main/command" xmlns:pc="http://schemas.microsoft.com/office/powerpoint/2013/main/command">
-  <pc:docChgLst>
-    <pc:chgData name="Miguel Sánchez Linares" userId="S::miguel.s266401@cesurformacion.com::40d2866a-9c2d-416a-9d38-f10bfefc0d69" providerId="AD" clId="Web-{144FF4AF-0893-4A02-AC95-DA26E794A4AA}"/>
-    <pc:docChg chg="modSld">
-      <pc:chgData name="Miguel Sánchez Linares" userId="S::miguel.s266401@cesurformacion.com::40d2866a-9c2d-416a-9d38-f10bfefc0d69" providerId="AD" clId="Web-{144FF4AF-0893-4A02-AC95-DA26E794A4AA}" dt="2022-01-13T07:56:26.859" v="102" actId="20577"/>
-      <pc:docMkLst>
-        <pc:docMk/>
-      </pc:docMkLst>
-      <pc:sldChg chg="modSp">
-        <pc:chgData name="Miguel Sánchez Linares" userId="S::miguel.s266401@cesurformacion.com::40d2866a-9c2d-416a-9d38-f10bfefc0d69" providerId="AD" clId="Web-{144FF4AF-0893-4A02-AC95-DA26E794A4AA}" dt="2022-01-13T07:56:26.859" v="102" actId="20577"/>
-        <pc:sldMkLst>
-          <pc:docMk/>
-          <pc:sldMk cId="0" sldId="260"/>
-        </pc:sldMkLst>
-        <pc:spChg chg="mod">
-          <ac:chgData name="Miguel Sánchez Linares" userId="S::miguel.s266401@cesurformacion.com::40d2866a-9c2d-416a-9d38-f10bfefc0d69" providerId="AD" clId="Web-{144FF4AF-0893-4A02-AC95-DA26E794A4AA}" dt="2022-01-13T07:56:14.640" v="98" actId="20577"/>
-          <ac:spMkLst>
-            <pc:docMk/>
-            <pc:sldMk cId="0" sldId="260"/>
-            <ac:spMk id="55" creationId="{00000000-0000-0000-0000-000000000000}"/>
-          </ac:spMkLst>
-        </pc:spChg>
-        <pc:spChg chg="mod">
-          <ac:chgData name="Miguel Sánchez Linares" userId="S::miguel.s266401@cesurformacion.com::40d2866a-9c2d-416a-9d38-f10bfefc0d69" providerId="AD" clId="Web-{144FF4AF-0893-4A02-AC95-DA26E794A4AA}" dt="2022-01-13T07:56:26.859" v="102" actId="20577"/>
-          <ac:spMkLst>
-            <pc:docMk/>
-            <pc:sldMk cId="0" sldId="260"/>
-            <ac:spMk id="56" creationId="{00000000-0000-0000-0000-000000000000}"/>
-          </ac:spMkLst>
-        </pc:spChg>
-      </pc:sldChg>
-      <pc:sldChg chg="modSp">
-        <pc:chgData name="Miguel Sánchez Linares" userId="S::miguel.s266401@cesurformacion.com::40d2866a-9c2d-416a-9d38-f10bfefc0d69" providerId="AD" clId="Web-{144FF4AF-0893-4A02-AC95-DA26E794A4AA}" dt="2022-01-13T07:55:29.030" v="85" actId="20577"/>
-        <pc:sldMkLst>
-          <pc:docMk/>
-          <pc:sldMk cId="0" sldId="261"/>
-        </pc:sldMkLst>
-        <pc:spChg chg="mod">
-          <ac:chgData name="Miguel Sánchez Linares" userId="S::miguel.s266401@cesurformacion.com::40d2866a-9c2d-416a-9d38-f10bfefc0d69" providerId="AD" clId="Web-{144FF4AF-0893-4A02-AC95-DA26E794A4AA}" dt="2022-01-13T07:54:30.419" v="72" actId="1076"/>
-          <ac:spMkLst>
-            <pc:docMk/>
-            <pc:sldMk cId="0" sldId="261"/>
-            <ac:spMk id="57" creationId="{00000000-0000-0000-0000-000000000000}"/>
-          </ac:spMkLst>
-        </pc:spChg>
-        <pc:spChg chg="mod">
-          <ac:chgData name="Miguel Sánchez Linares" userId="S::miguel.s266401@cesurformacion.com::40d2866a-9c2d-416a-9d38-f10bfefc0d69" providerId="AD" clId="Web-{144FF4AF-0893-4A02-AC95-DA26E794A4AA}" dt="2022-01-13T07:45:22.514" v="1" actId="20577"/>
-          <ac:spMkLst>
-            <pc:docMk/>
-            <pc:sldMk cId="0" sldId="261"/>
-            <ac:spMk id="58" creationId="{00000000-0000-0000-0000-000000000000}"/>
-          </ac:spMkLst>
-        </pc:spChg>
-        <pc:spChg chg="mod">
-          <ac:chgData name="Miguel Sánchez Linares" userId="S::miguel.s266401@cesurformacion.com::40d2866a-9c2d-416a-9d38-f10bfefc0d69" providerId="AD" clId="Web-{144FF4AF-0893-4A02-AC95-DA26E794A4AA}" dt="2022-01-13T07:55:29.030" v="85" actId="20577"/>
-          <ac:spMkLst>
-            <pc:docMk/>
-            <pc:sldMk cId="0" sldId="261"/>
-            <ac:spMk id="59" creationId="{00000000-0000-0000-0000-000000000000}"/>
-          </ac:spMkLst>
-        </pc:spChg>
-      </pc:sldChg>
-    </pc:docChg>
-  </pc:docChgLst>
-</pc:chgInfo>
-</file>
-
 <file path=ppt/slideLayouts/slideLayout1.xml><?xml version="1.0" encoding="utf-8"?>
-<p:sldLayout xmlns:a="http://schemas.openxmlformats.org/drawingml/2006/main" xmlns:r="http://schemas.openxmlformats.org/officeDocument/2006/relationships" xmlns:p="http://schemas.openxmlformats.org/presentationml/2006/main" type="blank" preserve="1">
+<p:sldLayout xmlns:a="http://schemas.openxmlformats.org/drawingml/2006/main" xmlns:p="http://schemas.openxmlformats.org/presentationml/2006/main" xmlns:r="http://schemas.openxmlformats.org/officeDocument/2006/relationships" xmlns:p14="http://schemas.microsoft.com/office/powerpoint/2010/main" xmlns:p15="http://schemas.microsoft.com/office/powerpoint/2012/main" xmlns:mc="http://schemas.openxmlformats.org/markup-compatibility/2006" type="blank" preserve="1">
   <p:cSld name="Blank Slide">
     <p:spTree>
       <p:nvGrpSpPr>
@@ -210,14 +39,11 @@
       </p:grpSpPr>
     </p:spTree>
   </p:cSld>
-  <p:clrMapOvr>
-    <a:masterClrMapping/>
-  </p:clrMapOvr>
 </p:sldLayout>
 </file>
 
 <file path=ppt/slideLayouts/slideLayout10.xml><?xml version="1.0" encoding="utf-8"?>
-<p:sldLayout xmlns:a="http://schemas.openxmlformats.org/drawingml/2006/main" xmlns:r="http://schemas.openxmlformats.org/officeDocument/2006/relationships" xmlns:p="http://schemas.openxmlformats.org/presentationml/2006/main" type="objOverTx" preserve="1">
+<p:sldLayout xmlns:a="http://schemas.openxmlformats.org/drawingml/2006/main" xmlns:p="http://schemas.openxmlformats.org/presentationml/2006/main" xmlns:r="http://schemas.openxmlformats.org/officeDocument/2006/relationships" xmlns:p14="http://schemas.microsoft.com/office/powerpoint/2010/main" xmlns:p15="http://schemas.microsoft.com/office/powerpoint/2012/main" xmlns:mc="http://schemas.openxmlformats.org/markup-compatibility/2006" type="objOverTx" preserve="1">
   <p:cSld name="Title, Content over Content">
     <p:spTree>
       <p:nvGrpSpPr>
@@ -235,7 +61,7 @@
       </p:grpSpPr>
       <p:sp>
         <p:nvSpPr>
-          <p:cNvPr id="32" name="PlaceHolder 1"/>
+          <p:cNvPr id="29" name="PlaceHolder 1"/>
           <p:cNvSpPr>
             <a:spLocks noGrp="1"/>
           </p:cNvSpPr>
@@ -246,30 +72,29 @@
         <p:spPr>
           <a:xfrm>
             <a:off x="2197080" y="1079640"/>
-            <a:ext cx="7797600" cy="2138040"/>
-          </a:xfrm>
-          <a:prstGeom prst="rect">
-            <a:avLst/>
-          </a:prstGeom>
-        </p:spPr>
-        <p:txBody>
-          <a:bodyPr lIns="0" tIns="0" rIns="0" bIns="0" anchor="ctr">
+            <a:ext cx="7797240" cy="2137680"/>
+          </a:xfrm>
+          <a:prstGeom prst="rect">
+            <a:avLst/>
+          </a:prstGeom>
+        </p:spPr>
+        <p:txBody>
+          <a:bodyPr lIns="0" rIns="0" tIns="0" bIns="0" anchor="ctr">
             <a:noAutofit/>
           </a:bodyPr>
-          <a:lstStyle/>
-          <a:p>
-            <a:endParaRPr lang="es-ES" sz="1800" b="0" strike="noStrike" spc="-1">
+          <a:p>
+            <a:endParaRPr b="0" lang="es-ES" sz="1800" spc="-1" strike="noStrike">
               <a:solidFill>
-                <a:srgbClr val="FFFFFF"/>
+                <a:srgbClr val="000000"/>
               </a:solidFill>
-              <a:latin typeface="Avenir Next LT Pro Light"/>
-            </a:endParaRPr>
-          </a:p>
-        </p:txBody>
-      </p:sp>
-      <p:sp>
-        <p:nvSpPr>
-          <p:cNvPr id="33" name="PlaceHolder 2"/>
+              <a:latin typeface="Arial"/>
+            </a:endParaRPr>
+          </a:p>
+        </p:txBody>
+      </p:sp>
+      <p:sp>
+        <p:nvSpPr>
+          <p:cNvPr id="30" name="PlaceHolder 2"/>
           <p:cNvSpPr>
             <a:spLocks noGrp="1"/>
           </p:cNvSpPr>
@@ -287,23 +112,22 @@
           </a:prstGeom>
         </p:spPr>
         <p:txBody>
-          <a:bodyPr lIns="0" tIns="0" rIns="0" bIns="0">
+          <a:bodyPr lIns="0" rIns="0" tIns="0" bIns="0">
             <a:normAutofit/>
           </a:bodyPr>
-          <a:lstStyle/>
-          <a:p>
-            <a:endParaRPr lang="es-ES" sz="2000" b="0" strike="noStrike" spc="-1">
+          <a:p>
+            <a:endParaRPr b="0" lang="es-ES" sz="2800" spc="-1" strike="noStrike">
               <a:solidFill>
-                <a:srgbClr val="FFFFFF"/>
+                <a:srgbClr val="000000"/>
               </a:solidFill>
-              <a:latin typeface="Avenir Next LT Pro Light"/>
-            </a:endParaRPr>
-          </a:p>
-        </p:txBody>
-      </p:sp>
-      <p:sp>
-        <p:nvSpPr>
-          <p:cNvPr id="34" name="PlaceHolder 3"/>
+              <a:latin typeface="Arial"/>
+            </a:endParaRPr>
+          </a:p>
+        </p:txBody>
+      </p:sp>
+      <p:sp>
+        <p:nvSpPr>
+          <p:cNvPr id="31" name="PlaceHolder 3"/>
           <p:cNvSpPr>
             <a:spLocks noGrp="1"/>
           </p:cNvSpPr>
@@ -321,30 +145,26 @@
           </a:prstGeom>
         </p:spPr>
         <p:txBody>
-          <a:bodyPr lIns="0" tIns="0" rIns="0" bIns="0">
+          <a:bodyPr lIns="0" rIns="0" tIns="0" bIns="0">
             <a:normAutofit/>
           </a:bodyPr>
-          <a:lstStyle/>
-          <a:p>
-            <a:endParaRPr lang="es-ES" sz="2000" b="0" strike="noStrike" spc="-1">
+          <a:p>
+            <a:endParaRPr b="0" lang="es-ES" sz="2800" spc="-1" strike="noStrike">
               <a:solidFill>
-                <a:srgbClr val="FFFFFF"/>
+                <a:srgbClr val="000000"/>
               </a:solidFill>
-              <a:latin typeface="Avenir Next LT Pro Light"/>
+              <a:latin typeface="Arial"/>
             </a:endParaRPr>
           </a:p>
         </p:txBody>
       </p:sp>
     </p:spTree>
   </p:cSld>
-  <p:clrMapOvr>
-    <a:masterClrMapping/>
-  </p:clrMapOvr>
 </p:sldLayout>
 </file>
 
 <file path=ppt/slideLayouts/slideLayout11.xml><?xml version="1.0" encoding="utf-8"?>
-<p:sldLayout xmlns:a="http://schemas.openxmlformats.org/drawingml/2006/main" xmlns:r="http://schemas.openxmlformats.org/officeDocument/2006/relationships" xmlns:p="http://schemas.openxmlformats.org/presentationml/2006/main" type="fourObj" preserve="1">
+<p:sldLayout xmlns:a="http://schemas.openxmlformats.org/drawingml/2006/main" xmlns:p="http://schemas.openxmlformats.org/presentationml/2006/main" xmlns:r="http://schemas.openxmlformats.org/officeDocument/2006/relationships" xmlns:p14="http://schemas.microsoft.com/office/powerpoint/2010/main" xmlns:p15="http://schemas.microsoft.com/office/powerpoint/2012/main" xmlns:mc="http://schemas.openxmlformats.org/markup-compatibility/2006" type="fourObj" preserve="1">
   <p:cSld name="Title, 4 Content">
     <p:spTree>
       <p:nvGrpSpPr>
@@ -362,7 +182,7 @@
       </p:grpSpPr>
       <p:sp>
         <p:nvSpPr>
-          <p:cNvPr id="35" name="PlaceHolder 1"/>
+          <p:cNvPr id="32" name="PlaceHolder 1"/>
           <p:cNvSpPr>
             <a:spLocks noGrp="1"/>
           </p:cNvSpPr>
@@ -373,30 +193,29 @@
         <p:spPr>
           <a:xfrm>
             <a:off x="2197080" y="1079640"/>
-            <a:ext cx="7797600" cy="2138040"/>
-          </a:xfrm>
-          <a:prstGeom prst="rect">
-            <a:avLst/>
-          </a:prstGeom>
-        </p:spPr>
-        <p:txBody>
-          <a:bodyPr lIns="0" tIns="0" rIns="0" bIns="0" anchor="ctr">
+            <a:ext cx="7797240" cy="2137680"/>
+          </a:xfrm>
+          <a:prstGeom prst="rect">
+            <a:avLst/>
+          </a:prstGeom>
+        </p:spPr>
+        <p:txBody>
+          <a:bodyPr lIns="0" rIns="0" tIns="0" bIns="0" anchor="ctr">
             <a:noAutofit/>
           </a:bodyPr>
-          <a:lstStyle/>
-          <a:p>
-            <a:endParaRPr lang="es-ES" sz="1800" b="0" strike="noStrike" spc="-1">
+          <a:p>
+            <a:endParaRPr b="0" lang="es-ES" sz="1800" spc="-1" strike="noStrike">
               <a:solidFill>
-                <a:srgbClr val="FFFFFF"/>
+                <a:srgbClr val="000000"/>
               </a:solidFill>
-              <a:latin typeface="Avenir Next LT Pro Light"/>
-            </a:endParaRPr>
-          </a:p>
-        </p:txBody>
-      </p:sp>
-      <p:sp>
-        <p:nvSpPr>
-          <p:cNvPr id="36" name="PlaceHolder 2"/>
+              <a:latin typeface="Arial"/>
+            </a:endParaRPr>
+          </a:p>
+        </p:txBody>
+      </p:sp>
+      <p:sp>
+        <p:nvSpPr>
+          <p:cNvPr id="33" name="PlaceHolder 2"/>
           <p:cNvSpPr>
             <a:spLocks noGrp="1"/>
           </p:cNvSpPr>
@@ -414,23 +233,22 @@
           </a:prstGeom>
         </p:spPr>
         <p:txBody>
-          <a:bodyPr lIns="0" tIns="0" rIns="0" bIns="0">
+          <a:bodyPr lIns="0" rIns="0" tIns="0" bIns="0">
             <a:normAutofit/>
           </a:bodyPr>
-          <a:lstStyle/>
-          <a:p>
-            <a:endParaRPr lang="es-ES" sz="2000" b="0" strike="noStrike" spc="-1">
+          <a:p>
+            <a:endParaRPr b="0" lang="es-ES" sz="2800" spc="-1" strike="noStrike">
               <a:solidFill>
-                <a:srgbClr val="FFFFFF"/>
+                <a:srgbClr val="000000"/>
               </a:solidFill>
-              <a:latin typeface="Avenir Next LT Pro Light"/>
-            </a:endParaRPr>
-          </a:p>
-        </p:txBody>
-      </p:sp>
-      <p:sp>
-        <p:nvSpPr>
-          <p:cNvPr id="37" name="PlaceHolder 3"/>
+              <a:latin typeface="Arial"/>
+            </a:endParaRPr>
+          </a:p>
+        </p:txBody>
+      </p:sp>
+      <p:sp>
+        <p:nvSpPr>
+          <p:cNvPr id="34" name="PlaceHolder 3"/>
           <p:cNvSpPr>
             <a:spLocks noGrp="1"/>
           </p:cNvSpPr>
@@ -448,23 +266,22 @@
           </a:prstGeom>
         </p:spPr>
         <p:txBody>
-          <a:bodyPr lIns="0" tIns="0" rIns="0" bIns="0">
+          <a:bodyPr lIns="0" rIns="0" tIns="0" bIns="0">
             <a:normAutofit/>
           </a:bodyPr>
-          <a:lstStyle/>
-          <a:p>
-            <a:endParaRPr lang="es-ES" sz="2000" b="0" strike="noStrike" spc="-1">
+          <a:p>
+            <a:endParaRPr b="0" lang="es-ES" sz="2800" spc="-1" strike="noStrike">
               <a:solidFill>
-                <a:srgbClr val="FFFFFF"/>
+                <a:srgbClr val="000000"/>
               </a:solidFill>
-              <a:latin typeface="Avenir Next LT Pro Light"/>
-            </a:endParaRPr>
-          </a:p>
-        </p:txBody>
-      </p:sp>
-      <p:sp>
-        <p:nvSpPr>
-          <p:cNvPr id="38" name="PlaceHolder 4"/>
+              <a:latin typeface="Arial"/>
+            </a:endParaRPr>
+          </a:p>
+        </p:txBody>
+      </p:sp>
+      <p:sp>
+        <p:nvSpPr>
+          <p:cNvPr id="35" name="PlaceHolder 4"/>
           <p:cNvSpPr>
             <a:spLocks noGrp="1"/>
           </p:cNvSpPr>
@@ -482,23 +299,22 @@
           </a:prstGeom>
         </p:spPr>
         <p:txBody>
-          <a:bodyPr lIns="0" tIns="0" rIns="0" bIns="0">
+          <a:bodyPr lIns="0" rIns="0" tIns="0" bIns="0">
             <a:normAutofit/>
           </a:bodyPr>
-          <a:lstStyle/>
-          <a:p>
-            <a:endParaRPr lang="es-ES" sz="2000" b="0" strike="noStrike" spc="-1">
+          <a:p>
+            <a:endParaRPr b="0" lang="es-ES" sz="2800" spc="-1" strike="noStrike">
               <a:solidFill>
-                <a:srgbClr val="FFFFFF"/>
+                <a:srgbClr val="000000"/>
               </a:solidFill>
-              <a:latin typeface="Avenir Next LT Pro Light"/>
-            </a:endParaRPr>
-          </a:p>
-        </p:txBody>
-      </p:sp>
-      <p:sp>
-        <p:nvSpPr>
-          <p:cNvPr id="39" name="PlaceHolder 5"/>
+              <a:latin typeface="Arial"/>
+            </a:endParaRPr>
+          </a:p>
+        </p:txBody>
+      </p:sp>
+      <p:sp>
+        <p:nvSpPr>
+          <p:cNvPr id="36" name="PlaceHolder 5"/>
           <p:cNvSpPr>
             <a:spLocks noGrp="1"/>
           </p:cNvSpPr>
@@ -516,30 +332,26 @@
           </a:prstGeom>
         </p:spPr>
         <p:txBody>
-          <a:bodyPr lIns="0" tIns="0" rIns="0" bIns="0">
+          <a:bodyPr lIns="0" rIns="0" tIns="0" bIns="0">
             <a:normAutofit/>
           </a:bodyPr>
-          <a:lstStyle/>
-          <a:p>
-            <a:endParaRPr lang="es-ES" sz="2000" b="0" strike="noStrike" spc="-1">
+          <a:p>
+            <a:endParaRPr b="0" lang="es-ES" sz="2800" spc="-1" strike="noStrike">
               <a:solidFill>
-                <a:srgbClr val="FFFFFF"/>
+                <a:srgbClr val="000000"/>
               </a:solidFill>
-              <a:latin typeface="Avenir Next LT Pro Light"/>
+              <a:latin typeface="Arial"/>
             </a:endParaRPr>
           </a:p>
         </p:txBody>
       </p:sp>
     </p:spTree>
   </p:cSld>
-  <p:clrMapOvr>
-    <a:masterClrMapping/>
-  </p:clrMapOvr>
 </p:sldLayout>
 </file>
 
 <file path=ppt/slideLayouts/slideLayout12.xml><?xml version="1.0" encoding="utf-8"?>
-<p:sldLayout xmlns:a="http://schemas.openxmlformats.org/drawingml/2006/main" xmlns:r="http://schemas.openxmlformats.org/officeDocument/2006/relationships" xmlns:p="http://schemas.openxmlformats.org/presentationml/2006/main" type="blank" preserve="1">
+<p:sldLayout xmlns:a="http://schemas.openxmlformats.org/drawingml/2006/main" xmlns:p="http://schemas.openxmlformats.org/presentationml/2006/main" xmlns:r="http://schemas.openxmlformats.org/officeDocument/2006/relationships" xmlns:p14="http://schemas.microsoft.com/office/powerpoint/2010/main" xmlns:p15="http://schemas.microsoft.com/office/powerpoint/2012/main" xmlns:mc="http://schemas.openxmlformats.org/markup-compatibility/2006" type="blank" preserve="1">
   <p:cSld name="Title, 6 Content">
     <p:spTree>
       <p:nvGrpSpPr>
@@ -557,7 +369,7 @@
       </p:grpSpPr>
       <p:sp>
         <p:nvSpPr>
-          <p:cNvPr id="40" name="PlaceHolder 1"/>
+          <p:cNvPr id="37" name="PlaceHolder 1"/>
           <p:cNvSpPr>
             <a:spLocks noGrp="1"/>
           </p:cNvSpPr>
@@ -568,30 +380,29 @@
         <p:spPr>
           <a:xfrm>
             <a:off x="2197080" y="1079640"/>
-            <a:ext cx="7797600" cy="2138040"/>
-          </a:xfrm>
-          <a:prstGeom prst="rect">
-            <a:avLst/>
-          </a:prstGeom>
-        </p:spPr>
-        <p:txBody>
-          <a:bodyPr lIns="0" tIns="0" rIns="0" bIns="0" anchor="ctr">
+            <a:ext cx="7797240" cy="2137680"/>
+          </a:xfrm>
+          <a:prstGeom prst="rect">
+            <a:avLst/>
+          </a:prstGeom>
+        </p:spPr>
+        <p:txBody>
+          <a:bodyPr lIns="0" rIns="0" tIns="0" bIns="0" anchor="ctr">
             <a:noAutofit/>
           </a:bodyPr>
-          <a:lstStyle/>
-          <a:p>
-            <a:endParaRPr lang="es-ES" sz="1800" b="0" strike="noStrike" spc="-1">
+          <a:p>
+            <a:endParaRPr b="0" lang="es-ES" sz="1800" spc="-1" strike="noStrike">
               <a:solidFill>
-                <a:srgbClr val="FFFFFF"/>
+                <a:srgbClr val="000000"/>
               </a:solidFill>
-              <a:latin typeface="Avenir Next LT Pro Light"/>
-            </a:endParaRPr>
-          </a:p>
-        </p:txBody>
-      </p:sp>
-      <p:sp>
-        <p:nvSpPr>
-          <p:cNvPr id="41" name="PlaceHolder 2"/>
+              <a:latin typeface="Arial"/>
+            </a:endParaRPr>
+          </a:p>
+        </p:txBody>
+      </p:sp>
+      <p:sp>
+        <p:nvSpPr>
+          <p:cNvPr id="38" name="PlaceHolder 2"/>
           <p:cNvSpPr>
             <a:spLocks noGrp="1"/>
           </p:cNvSpPr>
@@ -609,23 +420,22 @@
           </a:prstGeom>
         </p:spPr>
         <p:txBody>
-          <a:bodyPr lIns="0" tIns="0" rIns="0" bIns="0">
+          <a:bodyPr lIns="0" rIns="0" tIns="0" bIns="0">
             <a:normAutofit/>
           </a:bodyPr>
-          <a:lstStyle/>
-          <a:p>
-            <a:endParaRPr lang="es-ES" sz="2000" b="0" strike="noStrike" spc="-1">
+          <a:p>
+            <a:endParaRPr b="0" lang="es-ES" sz="2800" spc="-1" strike="noStrike">
               <a:solidFill>
-                <a:srgbClr val="FFFFFF"/>
+                <a:srgbClr val="000000"/>
               </a:solidFill>
-              <a:latin typeface="Avenir Next LT Pro Light"/>
-            </a:endParaRPr>
-          </a:p>
-        </p:txBody>
-      </p:sp>
-      <p:sp>
-        <p:nvSpPr>
-          <p:cNvPr id="42" name="PlaceHolder 3"/>
+              <a:latin typeface="Arial"/>
+            </a:endParaRPr>
+          </a:p>
+        </p:txBody>
+      </p:sp>
+      <p:sp>
+        <p:nvSpPr>
+          <p:cNvPr id="39" name="PlaceHolder 3"/>
           <p:cNvSpPr>
             <a:spLocks noGrp="1"/>
           </p:cNvSpPr>
@@ -643,23 +453,22 @@
           </a:prstGeom>
         </p:spPr>
         <p:txBody>
-          <a:bodyPr lIns="0" tIns="0" rIns="0" bIns="0">
+          <a:bodyPr lIns="0" rIns="0" tIns="0" bIns="0">
             <a:normAutofit/>
           </a:bodyPr>
-          <a:lstStyle/>
-          <a:p>
-            <a:endParaRPr lang="es-ES" sz="2000" b="0" strike="noStrike" spc="-1">
+          <a:p>
+            <a:endParaRPr b="0" lang="es-ES" sz="2800" spc="-1" strike="noStrike">
               <a:solidFill>
-                <a:srgbClr val="FFFFFF"/>
+                <a:srgbClr val="000000"/>
               </a:solidFill>
-              <a:latin typeface="Avenir Next LT Pro Light"/>
-            </a:endParaRPr>
-          </a:p>
-        </p:txBody>
-      </p:sp>
-      <p:sp>
-        <p:nvSpPr>
-          <p:cNvPr id="43" name="PlaceHolder 4"/>
+              <a:latin typeface="Arial"/>
+            </a:endParaRPr>
+          </a:p>
+        </p:txBody>
+      </p:sp>
+      <p:sp>
+        <p:nvSpPr>
+          <p:cNvPr id="40" name="PlaceHolder 4"/>
           <p:cNvSpPr>
             <a:spLocks noGrp="1"/>
           </p:cNvSpPr>
@@ -677,23 +486,22 @@
           </a:prstGeom>
         </p:spPr>
         <p:txBody>
-          <a:bodyPr lIns="0" tIns="0" rIns="0" bIns="0">
+          <a:bodyPr lIns="0" rIns="0" tIns="0" bIns="0">
             <a:normAutofit/>
           </a:bodyPr>
-          <a:lstStyle/>
-          <a:p>
-            <a:endParaRPr lang="es-ES" sz="2000" b="0" strike="noStrike" spc="-1">
+          <a:p>
+            <a:endParaRPr b="0" lang="es-ES" sz="2800" spc="-1" strike="noStrike">
               <a:solidFill>
-                <a:srgbClr val="FFFFFF"/>
+                <a:srgbClr val="000000"/>
               </a:solidFill>
-              <a:latin typeface="Avenir Next LT Pro Light"/>
-            </a:endParaRPr>
-          </a:p>
-        </p:txBody>
-      </p:sp>
-      <p:sp>
-        <p:nvSpPr>
-          <p:cNvPr id="44" name="PlaceHolder 5"/>
+              <a:latin typeface="Arial"/>
+            </a:endParaRPr>
+          </a:p>
+        </p:txBody>
+      </p:sp>
+      <p:sp>
+        <p:nvSpPr>
+          <p:cNvPr id="41" name="PlaceHolder 5"/>
           <p:cNvSpPr>
             <a:spLocks noGrp="1"/>
           </p:cNvSpPr>
@@ -711,23 +519,22 @@
           </a:prstGeom>
         </p:spPr>
         <p:txBody>
-          <a:bodyPr lIns="0" tIns="0" rIns="0" bIns="0">
+          <a:bodyPr lIns="0" rIns="0" tIns="0" bIns="0">
             <a:normAutofit/>
           </a:bodyPr>
-          <a:lstStyle/>
-          <a:p>
-            <a:endParaRPr lang="es-ES" sz="2000" b="0" strike="noStrike" spc="-1">
+          <a:p>
+            <a:endParaRPr b="0" lang="es-ES" sz="2800" spc="-1" strike="noStrike">
               <a:solidFill>
-                <a:srgbClr val="FFFFFF"/>
+                <a:srgbClr val="000000"/>
               </a:solidFill>
-              <a:latin typeface="Avenir Next LT Pro Light"/>
-            </a:endParaRPr>
-          </a:p>
-        </p:txBody>
-      </p:sp>
-      <p:sp>
-        <p:nvSpPr>
-          <p:cNvPr id="45" name="PlaceHolder 6"/>
+              <a:latin typeface="Arial"/>
+            </a:endParaRPr>
+          </a:p>
+        </p:txBody>
+      </p:sp>
+      <p:sp>
+        <p:nvSpPr>
+          <p:cNvPr id="42" name="PlaceHolder 6"/>
           <p:cNvSpPr>
             <a:spLocks noGrp="1"/>
           </p:cNvSpPr>
@@ -745,23 +552,22 @@
           </a:prstGeom>
         </p:spPr>
         <p:txBody>
-          <a:bodyPr lIns="0" tIns="0" rIns="0" bIns="0">
+          <a:bodyPr lIns="0" rIns="0" tIns="0" bIns="0">
             <a:normAutofit/>
           </a:bodyPr>
-          <a:lstStyle/>
-          <a:p>
-            <a:endParaRPr lang="es-ES" sz="2000" b="0" strike="noStrike" spc="-1">
+          <a:p>
+            <a:endParaRPr b="0" lang="es-ES" sz="2800" spc="-1" strike="noStrike">
               <a:solidFill>
-                <a:srgbClr val="FFFFFF"/>
+                <a:srgbClr val="000000"/>
               </a:solidFill>
-              <a:latin typeface="Avenir Next LT Pro Light"/>
-            </a:endParaRPr>
-          </a:p>
-        </p:txBody>
-      </p:sp>
-      <p:sp>
-        <p:nvSpPr>
-          <p:cNvPr id="46" name="PlaceHolder 7"/>
+              <a:latin typeface="Arial"/>
+            </a:endParaRPr>
+          </a:p>
+        </p:txBody>
+      </p:sp>
+      <p:sp>
+        <p:nvSpPr>
+          <p:cNvPr id="43" name="PlaceHolder 7"/>
           <p:cNvSpPr>
             <a:spLocks noGrp="1"/>
           </p:cNvSpPr>
@@ -779,30 +585,26 @@
           </a:prstGeom>
         </p:spPr>
         <p:txBody>
-          <a:bodyPr lIns="0" tIns="0" rIns="0" bIns="0">
+          <a:bodyPr lIns="0" rIns="0" tIns="0" bIns="0">
             <a:normAutofit/>
           </a:bodyPr>
-          <a:lstStyle/>
-          <a:p>
-            <a:endParaRPr lang="es-ES" sz="2000" b="0" strike="noStrike" spc="-1">
+          <a:p>
+            <a:endParaRPr b="0" lang="es-ES" sz="2800" spc="-1" strike="noStrike">
               <a:solidFill>
-                <a:srgbClr val="FFFFFF"/>
+                <a:srgbClr val="000000"/>
               </a:solidFill>
-              <a:latin typeface="Avenir Next LT Pro Light"/>
+              <a:latin typeface="Arial"/>
             </a:endParaRPr>
           </a:p>
         </p:txBody>
       </p:sp>
     </p:spTree>
   </p:cSld>
-  <p:clrMapOvr>
-    <a:masterClrMapping/>
-  </p:clrMapOvr>
 </p:sldLayout>
 </file>
 
 <file path=ppt/slideLayouts/slideLayout2.xml><?xml version="1.0" encoding="utf-8"?>
-<p:sldLayout xmlns:a="http://schemas.openxmlformats.org/drawingml/2006/main" xmlns:r="http://schemas.openxmlformats.org/officeDocument/2006/relationships" xmlns:p="http://schemas.openxmlformats.org/presentationml/2006/main" type="tx" preserve="1">
+<p:sldLayout xmlns:a="http://schemas.openxmlformats.org/drawingml/2006/main" xmlns:p="http://schemas.openxmlformats.org/presentationml/2006/main" xmlns:r="http://schemas.openxmlformats.org/officeDocument/2006/relationships" xmlns:p14="http://schemas.microsoft.com/office/powerpoint/2010/main" xmlns:p15="http://schemas.microsoft.com/office/powerpoint/2012/main" xmlns:mc="http://schemas.openxmlformats.org/markup-compatibility/2006" type="tx" preserve="1">
   <p:cSld name="Title Slide">
     <p:spTree>
       <p:nvGrpSpPr>
@@ -820,7 +622,7 @@
       </p:grpSpPr>
       <p:sp>
         <p:nvSpPr>
-          <p:cNvPr id="11" name="PlaceHolder 1"/>
+          <p:cNvPr id="8" name="PlaceHolder 1"/>
           <p:cNvSpPr>
             <a:spLocks noGrp="1"/>
           </p:cNvSpPr>
@@ -831,30 +633,29 @@
         <p:spPr>
           <a:xfrm>
             <a:off x="2197080" y="1079640"/>
-            <a:ext cx="7797600" cy="2138040"/>
-          </a:xfrm>
-          <a:prstGeom prst="rect">
-            <a:avLst/>
-          </a:prstGeom>
-        </p:spPr>
-        <p:txBody>
-          <a:bodyPr lIns="0" tIns="0" rIns="0" bIns="0" anchor="ctr">
+            <a:ext cx="7797240" cy="2137680"/>
+          </a:xfrm>
+          <a:prstGeom prst="rect">
+            <a:avLst/>
+          </a:prstGeom>
+        </p:spPr>
+        <p:txBody>
+          <a:bodyPr lIns="0" rIns="0" tIns="0" bIns="0" anchor="ctr">
             <a:noAutofit/>
           </a:bodyPr>
-          <a:lstStyle/>
-          <a:p>
-            <a:endParaRPr lang="es-ES" sz="1800" b="0" strike="noStrike" spc="-1">
+          <a:p>
+            <a:endParaRPr b="0" lang="es-ES" sz="1800" spc="-1" strike="noStrike">
               <a:solidFill>
-                <a:srgbClr val="FFFFFF"/>
+                <a:srgbClr val="000000"/>
               </a:solidFill>
-              <a:latin typeface="Avenir Next LT Pro Light"/>
-            </a:endParaRPr>
-          </a:p>
-        </p:txBody>
-      </p:sp>
-      <p:sp>
-        <p:nvSpPr>
-          <p:cNvPr id="12" name="PlaceHolder 2"/>
+              <a:latin typeface="Arial"/>
+            </a:endParaRPr>
+          </a:p>
+        </p:txBody>
+      </p:sp>
+      <p:sp>
+        <p:nvSpPr>
+          <p:cNvPr id="9" name="PlaceHolder 2"/>
           <p:cNvSpPr>
             <a:spLocks noGrp="1"/>
           </p:cNvSpPr>
@@ -872,13 +673,12 @@
           </a:prstGeom>
         </p:spPr>
         <p:txBody>
-          <a:bodyPr lIns="0" tIns="0" rIns="0" bIns="0" anchor="ctr">
+          <a:bodyPr lIns="0" rIns="0" tIns="0" bIns="0" anchor="ctr">
             <a:noAutofit/>
           </a:bodyPr>
-          <a:lstStyle/>
           <a:p>
             <a:pPr algn="ctr"/>
-            <a:endParaRPr lang="es-ES" sz="3200" b="0" strike="noStrike" spc="-1">
+            <a:endParaRPr b="0" lang="es-ES" sz="3200" spc="-1" strike="noStrike">
               <a:latin typeface="Arial"/>
             </a:endParaRPr>
           </a:p>
@@ -886,14 +686,11 @@
       </p:sp>
     </p:spTree>
   </p:cSld>
-  <p:clrMapOvr>
-    <a:masterClrMapping/>
-  </p:clrMapOvr>
 </p:sldLayout>
 </file>
 
 <file path=ppt/slideLayouts/slideLayout3.xml><?xml version="1.0" encoding="utf-8"?>
-<p:sldLayout xmlns:a="http://schemas.openxmlformats.org/drawingml/2006/main" xmlns:r="http://schemas.openxmlformats.org/officeDocument/2006/relationships" xmlns:p="http://schemas.openxmlformats.org/presentationml/2006/main" type="obj" preserve="1">
+<p:sldLayout xmlns:a="http://schemas.openxmlformats.org/drawingml/2006/main" xmlns:p="http://schemas.openxmlformats.org/presentationml/2006/main" xmlns:r="http://schemas.openxmlformats.org/officeDocument/2006/relationships" xmlns:p14="http://schemas.microsoft.com/office/powerpoint/2010/main" xmlns:p15="http://schemas.microsoft.com/office/powerpoint/2012/main" xmlns:mc="http://schemas.openxmlformats.org/markup-compatibility/2006" type="obj" preserve="1">
   <p:cSld name="Title, Content">
     <p:spTree>
       <p:nvGrpSpPr>
@@ -911,7 +708,7 @@
       </p:grpSpPr>
       <p:sp>
         <p:nvSpPr>
-          <p:cNvPr id="13" name="PlaceHolder 1"/>
+          <p:cNvPr id="10" name="PlaceHolder 1"/>
           <p:cNvSpPr>
             <a:spLocks noGrp="1"/>
           </p:cNvSpPr>
@@ -922,30 +719,29 @@
         <p:spPr>
           <a:xfrm>
             <a:off x="2197080" y="1079640"/>
-            <a:ext cx="7797600" cy="2138040"/>
-          </a:xfrm>
-          <a:prstGeom prst="rect">
-            <a:avLst/>
-          </a:prstGeom>
-        </p:spPr>
-        <p:txBody>
-          <a:bodyPr lIns="0" tIns="0" rIns="0" bIns="0" anchor="ctr">
+            <a:ext cx="7797240" cy="2137680"/>
+          </a:xfrm>
+          <a:prstGeom prst="rect">
+            <a:avLst/>
+          </a:prstGeom>
+        </p:spPr>
+        <p:txBody>
+          <a:bodyPr lIns="0" rIns="0" tIns="0" bIns="0" anchor="ctr">
             <a:noAutofit/>
           </a:bodyPr>
-          <a:lstStyle/>
-          <a:p>
-            <a:endParaRPr lang="es-ES" sz="1800" b="0" strike="noStrike" spc="-1">
+          <a:p>
+            <a:endParaRPr b="0" lang="es-ES" sz="1800" spc="-1" strike="noStrike">
               <a:solidFill>
-                <a:srgbClr val="FFFFFF"/>
+                <a:srgbClr val="000000"/>
               </a:solidFill>
-              <a:latin typeface="Avenir Next LT Pro Light"/>
-            </a:endParaRPr>
-          </a:p>
-        </p:txBody>
-      </p:sp>
-      <p:sp>
-        <p:nvSpPr>
-          <p:cNvPr id="14" name="PlaceHolder 2"/>
+              <a:latin typeface="Arial"/>
+            </a:endParaRPr>
+          </a:p>
+        </p:txBody>
+      </p:sp>
+      <p:sp>
+        <p:nvSpPr>
+          <p:cNvPr id="11" name="PlaceHolder 2"/>
           <p:cNvSpPr>
             <a:spLocks noGrp="1"/>
           </p:cNvSpPr>
@@ -963,30 +759,26 @@
           </a:prstGeom>
         </p:spPr>
         <p:txBody>
-          <a:bodyPr lIns="0" tIns="0" rIns="0" bIns="0">
+          <a:bodyPr lIns="0" rIns="0" tIns="0" bIns="0">
             <a:normAutofit/>
           </a:bodyPr>
-          <a:lstStyle/>
-          <a:p>
-            <a:endParaRPr lang="es-ES" sz="2000" b="0" strike="noStrike" spc="-1">
+          <a:p>
+            <a:endParaRPr b="0" lang="es-ES" sz="2800" spc="-1" strike="noStrike">
               <a:solidFill>
-                <a:srgbClr val="FFFFFF"/>
+                <a:srgbClr val="000000"/>
               </a:solidFill>
-              <a:latin typeface="Avenir Next LT Pro Light"/>
+              <a:latin typeface="Arial"/>
             </a:endParaRPr>
           </a:p>
         </p:txBody>
       </p:sp>
     </p:spTree>
   </p:cSld>
-  <p:clrMapOvr>
-    <a:masterClrMapping/>
-  </p:clrMapOvr>
 </p:sldLayout>
 </file>
 
 <file path=ppt/slideLayouts/slideLayout4.xml><?xml version="1.0" encoding="utf-8"?>
-<p:sldLayout xmlns:a="http://schemas.openxmlformats.org/drawingml/2006/main" xmlns:r="http://schemas.openxmlformats.org/officeDocument/2006/relationships" xmlns:p="http://schemas.openxmlformats.org/presentationml/2006/main" type="twoObj" preserve="1">
+<p:sldLayout xmlns:a="http://schemas.openxmlformats.org/drawingml/2006/main" xmlns:p="http://schemas.openxmlformats.org/presentationml/2006/main" xmlns:r="http://schemas.openxmlformats.org/officeDocument/2006/relationships" xmlns:p14="http://schemas.microsoft.com/office/powerpoint/2010/main" xmlns:p15="http://schemas.microsoft.com/office/powerpoint/2012/main" xmlns:mc="http://schemas.openxmlformats.org/markup-compatibility/2006" type="twoObj" preserve="1">
   <p:cSld name="Title, 2 Content">
     <p:spTree>
       <p:nvGrpSpPr>
@@ -1004,7 +796,7 @@
       </p:grpSpPr>
       <p:sp>
         <p:nvSpPr>
-          <p:cNvPr id="15" name="PlaceHolder 1"/>
+          <p:cNvPr id="12" name="PlaceHolder 1"/>
           <p:cNvSpPr>
             <a:spLocks noGrp="1"/>
           </p:cNvSpPr>
@@ -1015,30 +807,29 @@
         <p:spPr>
           <a:xfrm>
             <a:off x="2197080" y="1079640"/>
-            <a:ext cx="7797600" cy="2138040"/>
-          </a:xfrm>
-          <a:prstGeom prst="rect">
-            <a:avLst/>
-          </a:prstGeom>
-        </p:spPr>
-        <p:txBody>
-          <a:bodyPr lIns="0" tIns="0" rIns="0" bIns="0" anchor="ctr">
+            <a:ext cx="7797240" cy="2137680"/>
+          </a:xfrm>
+          <a:prstGeom prst="rect">
+            <a:avLst/>
+          </a:prstGeom>
+        </p:spPr>
+        <p:txBody>
+          <a:bodyPr lIns="0" rIns="0" tIns="0" bIns="0" anchor="ctr">
             <a:noAutofit/>
           </a:bodyPr>
-          <a:lstStyle/>
-          <a:p>
-            <a:endParaRPr lang="es-ES" sz="1800" b="0" strike="noStrike" spc="-1">
+          <a:p>
+            <a:endParaRPr b="0" lang="es-ES" sz="1800" spc="-1" strike="noStrike">
               <a:solidFill>
-                <a:srgbClr val="FFFFFF"/>
+                <a:srgbClr val="000000"/>
               </a:solidFill>
-              <a:latin typeface="Avenir Next LT Pro Light"/>
-            </a:endParaRPr>
-          </a:p>
-        </p:txBody>
-      </p:sp>
-      <p:sp>
-        <p:nvSpPr>
-          <p:cNvPr id="16" name="PlaceHolder 2"/>
+              <a:latin typeface="Arial"/>
+            </a:endParaRPr>
+          </a:p>
+        </p:txBody>
+      </p:sp>
+      <p:sp>
+        <p:nvSpPr>
+          <p:cNvPr id="13" name="PlaceHolder 2"/>
           <p:cNvSpPr>
             <a:spLocks noGrp="1"/>
           </p:cNvSpPr>
@@ -1056,23 +847,22 @@
           </a:prstGeom>
         </p:spPr>
         <p:txBody>
-          <a:bodyPr lIns="0" tIns="0" rIns="0" bIns="0">
+          <a:bodyPr lIns="0" rIns="0" tIns="0" bIns="0">
             <a:normAutofit/>
           </a:bodyPr>
-          <a:lstStyle/>
-          <a:p>
-            <a:endParaRPr lang="es-ES" sz="2000" b="0" strike="noStrike" spc="-1">
+          <a:p>
+            <a:endParaRPr b="0" lang="es-ES" sz="2800" spc="-1" strike="noStrike">
               <a:solidFill>
-                <a:srgbClr val="FFFFFF"/>
+                <a:srgbClr val="000000"/>
               </a:solidFill>
-              <a:latin typeface="Avenir Next LT Pro Light"/>
-            </a:endParaRPr>
-          </a:p>
-        </p:txBody>
-      </p:sp>
-      <p:sp>
-        <p:nvSpPr>
-          <p:cNvPr id="17" name="PlaceHolder 3"/>
+              <a:latin typeface="Arial"/>
+            </a:endParaRPr>
+          </a:p>
+        </p:txBody>
+      </p:sp>
+      <p:sp>
+        <p:nvSpPr>
+          <p:cNvPr id="14" name="PlaceHolder 3"/>
           <p:cNvSpPr>
             <a:spLocks noGrp="1"/>
           </p:cNvSpPr>
@@ -1090,30 +880,26 @@
           </a:prstGeom>
         </p:spPr>
         <p:txBody>
-          <a:bodyPr lIns="0" tIns="0" rIns="0" bIns="0">
+          <a:bodyPr lIns="0" rIns="0" tIns="0" bIns="0">
             <a:normAutofit/>
           </a:bodyPr>
-          <a:lstStyle/>
-          <a:p>
-            <a:endParaRPr lang="es-ES" sz="2000" b="0" strike="noStrike" spc="-1">
+          <a:p>
+            <a:endParaRPr b="0" lang="es-ES" sz="2800" spc="-1" strike="noStrike">
               <a:solidFill>
-                <a:srgbClr val="FFFFFF"/>
+                <a:srgbClr val="000000"/>
               </a:solidFill>
-              <a:latin typeface="Avenir Next LT Pro Light"/>
+              <a:latin typeface="Arial"/>
             </a:endParaRPr>
           </a:p>
         </p:txBody>
       </p:sp>
     </p:spTree>
   </p:cSld>
-  <p:clrMapOvr>
-    <a:masterClrMapping/>
-  </p:clrMapOvr>
 </p:sldLayout>
 </file>
 
 <file path=ppt/slideLayouts/slideLayout5.xml><?xml version="1.0" encoding="utf-8"?>
-<p:sldLayout xmlns:a="http://schemas.openxmlformats.org/drawingml/2006/main" xmlns:r="http://schemas.openxmlformats.org/officeDocument/2006/relationships" xmlns:p="http://schemas.openxmlformats.org/presentationml/2006/main" type="titleOnly" preserve="1">
+<p:sldLayout xmlns:a="http://schemas.openxmlformats.org/drawingml/2006/main" xmlns:p="http://schemas.openxmlformats.org/presentationml/2006/main" xmlns:r="http://schemas.openxmlformats.org/officeDocument/2006/relationships" xmlns:p14="http://schemas.microsoft.com/office/powerpoint/2010/main" xmlns:p15="http://schemas.microsoft.com/office/powerpoint/2012/main" xmlns:mc="http://schemas.openxmlformats.org/markup-compatibility/2006" type="titleOnly" preserve="1">
   <p:cSld name="Title Only">
     <p:spTree>
       <p:nvGrpSpPr>
@@ -1131,7 +917,7 @@
       </p:grpSpPr>
       <p:sp>
         <p:nvSpPr>
-          <p:cNvPr id="18" name="PlaceHolder 1"/>
+          <p:cNvPr id="15" name="PlaceHolder 1"/>
           <p:cNvSpPr>
             <a:spLocks noGrp="1"/>
           </p:cNvSpPr>
@@ -1142,37 +928,33 @@
         <p:spPr>
           <a:xfrm>
             <a:off x="2197080" y="1079640"/>
-            <a:ext cx="7797600" cy="2138040"/>
-          </a:xfrm>
-          <a:prstGeom prst="rect">
-            <a:avLst/>
-          </a:prstGeom>
-        </p:spPr>
-        <p:txBody>
-          <a:bodyPr lIns="0" tIns="0" rIns="0" bIns="0" anchor="ctr">
+            <a:ext cx="7797240" cy="2137680"/>
+          </a:xfrm>
+          <a:prstGeom prst="rect">
+            <a:avLst/>
+          </a:prstGeom>
+        </p:spPr>
+        <p:txBody>
+          <a:bodyPr lIns="0" rIns="0" tIns="0" bIns="0" anchor="ctr">
             <a:noAutofit/>
           </a:bodyPr>
-          <a:lstStyle/>
-          <a:p>
-            <a:endParaRPr lang="es-ES" sz="1800" b="0" strike="noStrike" spc="-1">
+          <a:p>
+            <a:endParaRPr b="0" lang="es-ES" sz="1800" spc="-1" strike="noStrike">
               <a:solidFill>
-                <a:srgbClr val="FFFFFF"/>
+                <a:srgbClr val="000000"/>
               </a:solidFill>
-              <a:latin typeface="Avenir Next LT Pro Light"/>
+              <a:latin typeface="Arial"/>
             </a:endParaRPr>
           </a:p>
         </p:txBody>
       </p:sp>
     </p:spTree>
   </p:cSld>
-  <p:clrMapOvr>
-    <a:masterClrMapping/>
-  </p:clrMapOvr>
 </p:sldLayout>
 </file>
 
 <file path=ppt/slideLayouts/slideLayout6.xml><?xml version="1.0" encoding="utf-8"?>
-<p:sldLayout xmlns:a="http://schemas.openxmlformats.org/drawingml/2006/main" xmlns:r="http://schemas.openxmlformats.org/officeDocument/2006/relationships" xmlns:p="http://schemas.openxmlformats.org/presentationml/2006/main" type="objOnly" preserve="1">
+<p:sldLayout xmlns:a="http://schemas.openxmlformats.org/drawingml/2006/main" xmlns:p="http://schemas.openxmlformats.org/presentationml/2006/main" xmlns:r="http://schemas.openxmlformats.org/officeDocument/2006/relationships" xmlns:p14="http://schemas.microsoft.com/office/powerpoint/2010/main" xmlns:p15="http://schemas.microsoft.com/office/powerpoint/2012/main" xmlns:mc="http://schemas.openxmlformats.org/markup-compatibility/2006" type="objOnly" preserve="1">
   <p:cSld name="Centered Text">
     <p:spTree>
       <p:nvGrpSpPr>
@@ -1190,7 +972,7 @@
       </p:grpSpPr>
       <p:sp>
         <p:nvSpPr>
-          <p:cNvPr id="19" name="PlaceHolder 1"/>
+          <p:cNvPr id="16" name="PlaceHolder 1"/>
           <p:cNvSpPr>
             <a:spLocks noGrp="1"/>
           </p:cNvSpPr>
@@ -1201,20 +983,19 @@
         <p:spPr>
           <a:xfrm>
             <a:off x="2197080" y="1079640"/>
-            <a:ext cx="7797600" cy="9911880"/>
-          </a:xfrm>
-          <a:prstGeom prst="rect">
-            <a:avLst/>
-          </a:prstGeom>
-        </p:spPr>
-        <p:txBody>
-          <a:bodyPr lIns="0" tIns="0" rIns="0" bIns="0" anchor="ctr">
+            <a:ext cx="7797240" cy="9910440"/>
+          </a:xfrm>
+          <a:prstGeom prst="rect">
+            <a:avLst/>
+          </a:prstGeom>
+        </p:spPr>
+        <p:txBody>
+          <a:bodyPr lIns="0" rIns="0" tIns="0" bIns="0" anchor="ctr">
             <a:noAutofit/>
           </a:bodyPr>
-          <a:lstStyle/>
           <a:p>
             <a:pPr algn="ctr"/>
-            <a:endParaRPr lang="es-ES" sz="3200" b="0" strike="noStrike" spc="-1">
+            <a:endParaRPr b="0" lang="es-ES" sz="3200" spc="-1" strike="noStrike">
               <a:latin typeface="Arial"/>
             </a:endParaRPr>
           </a:p>
@@ -1222,14 +1003,11 @@
       </p:sp>
     </p:spTree>
   </p:cSld>
-  <p:clrMapOvr>
-    <a:masterClrMapping/>
-  </p:clrMapOvr>
 </p:sldLayout>
 </file>
 
 <file path=ppt/slideLayouts/slideLayout7.xml><?xml version="1.0" encoding="utf-8"?>
-<p:sldLayout xmlns:a="http://schemas.openxmlformats.org/drawingml/2006/main" xmlns:r="http://schemas.openxmlformats.org/officeDocument/2006/relationships" xmlns:p="http://schemas.openxmlformats.org/presentationml/2006/main" type="twoObjAndObj" preserve="1">
+<p:sldLayout xmlns:a="http://schemas.openxmlformats.org/drawingml/2006/main" xmlns:p="http://schemas.openxmlformats.org/presentationml/2006/main" xmlns:r="http://schemas.openxmlformats.org/officeDocument/2006/relationships" xmlns:p14="http://schemas.microsoft.com/office/powerpoint/2010/main" xmlns:p15="http://schemas.microsoft.com/office/powerpoint/2012/main" xmlns:mc="http://schemas.openxmlformats.org/markup-compatibility/2006" type="twoObjAndObj" preserve="1">
   <p:cSld name="Title, 2 Content and Content">
     <p:spTree>
       <p:nvGrpSpPr>
@@ -1247,7 +1025,7 @@
       </p:grpSpPr>
       <p:sp>
         <p:nvSpPr>
-          <p:cNvPr id="20" name="PlaceHolder 1"/>
+          <p:cNvPr id="17" name="PlaceHolder 1"/>
           <p:cNvSpPr>
             <a:spLocks noGrp="1"/>
           </p:cNvSpPr>
@@ -1258,30 +1036,29 @@
         <p:spPr>
           <a:xfrm>
             <a:off x="2197080" y="1079640"/>
-            <a:ext cx="7797600" cy="2138040"/>
-          </a:xfrm>
-          <a:prstGeom prst="rect">
-            <a:avLst/>
-          </a:prstGeom>
-        </p:spPr>
-        <p:txBody>
-          <a:bodyPr lIns="0" tIns="0" rIns="0" bIns="0" anchor="ctr">
+            <a:ext cx="7797240" cy="2137680"/>
+          </a:xfrm>
+          <a:prstGeom prst="rect">
+            <a:avLst/>
+          </a:prstGeom>
+        </p:spPr>
+        <p:txBody>
+          <a:bodyPr lIns="0" rIns="0" tIns="0" bIns="0" anchor="ctr">
             <a:noAutofit/>
           </a:bodyPr>
-          <a:lstStyle/>
-          <a:p>
-            <a:endParaRPr lang="es-ES" sz="1800" b="0" strike="noStrike" spc="-1">
+          <a:p>
+            <a:endParaRPr b="0" lang="es-ES" sz="1800" spc="-1" strike="noStrike">
               <a:solidFill>
-                <a:srgbClr val="FFFFFF"/>
+                <a:srgbClr val="000000"/>
               </a:solidFill>
-              <a:latin typeface="Avenir Next LT Pro Light"/>
-            </a:endParaRPr>
-          </a:p>
-        </p:txBody>
-      </p:sp>
-      <p:sp>
-        <p:nvSpPr>
-          <p:cNvPr id="21" name="PlaceHolder 2"/>
+              <a:latin typeface="Arial"/>
+            </a:endParaRPr>
+          </a:p>
+        </p:txBody>
+      </p:sp>
+      <p:sp>
+        <p:nvSpPr>
+          <p:cNvPr id="18" name="PlaceHolder 2"/>
           <p:cNvSpPr>
             <a:spLocks noGrp="1"/>
           </p:cNvSpPr>
@@ -1299,23 +1076,22 @@
           </a:prstGeom>
         </p:spPr>
         <p:txBody>
-          <a:bodyPr lIns="0" tIns="0" rIns="0" bIns="0">
+          <a:bodyPr lIns="0" rIns="0" tIns="0" bIns="0">
             <a:normAutofit/>
           </a:bodyPr>
-          <a:lstStyle/>
-          <a:p>
-            <a:endParaRPr lang="es-ES" sz="2000" b="0" strike="noStrike" spc="-1">
+          <a:p>
+            <a:endParaRPr b="0" lang="es-ES" sz="2800" spc="-1" strike="noStrike">
               <a:solidFill>
-                <a:srgbClr val="FFFFFF"/>
+                <a:srgbClr val="000000"/>
               </a:solidFill>
-              <a:latin typeface="Avenir Next LT Pro Light"/>
-            </a:endParaRPr>
-          </a:p>
-        </p:txBody>
-      </p:sp>
-      <p:sp>
-        <p:nvSpPr>
-          <p:cNvPr id="22" name="PlaceHolder 3"/>
+              <a:latin typeface="Arial"/>
+            </a:endParaRPr>
+          </a:p>
+        </p:txBody>
+      </p:sp>
+      <p:sp>
+        <p:nvSpPr>
+          <p:cNvPr id="19" name="PlaceHolder 3"/>
           <p:cNvSpPr>
             <a:spLocks noGrp="1"/>
           </p:cNvSpPr>
@@ -1333,23 +1109,22 @@
           </a:prstGeom>
         </p:spPr>
         <p:txBody>
-          <a:bodyPr lIns="0" tIns="0" rIns="0" bIns="0">
+          <a:bodyPr lIns="0" rIns="0" tIns="0" bIns="0">
             <a:normAutofit/>
           </a:bodyPr>
-          <a:lstStyle/>
-          <a:p>
-            <a:endParaRPr lang="es-ES" sz="2000" b="0" strike="noStrike" spc="-1">
+          <a:p>
+            <a:endParaRPr b="0" lang="es-ES" sz="2800" spc="-1" strike="noStrike">
               <a:solidFill>
-                <a:srgbClr val="FFFFFF"/>
+                <a:srgbClr val="000000"/>
               </a:solidFill>
-              <a:latin typeface="Avenir Next LT Pro Light"/>
-            </a:endParaRPr>
-          </a:p>
-        </p:txBody>
-      </p:sp>
-      <p:sp>
-        <p:nvSpPr>
-          <p:cNvPr id="23" name="PlaceHolder 4"/>
+              <a:latin typeface="Arial"/>
+            </a:endParaRPr>
+          </a:p>
+        </p:txBody>
+      </p:sp>
+      <p:sp>
+        <p:nvSpPr>
+          <p:cNvPr id="20" name="PlaceHolder 4"/>
           <p:cNvSpPr>
             <a:spLocks noGrp="1"/>
           </p:cNvSpPr>
@@ -1367,30 +1142,26 @@
           </a:prstGeom>
         </p:spPr>
         <p:txBody>
-          <a:bodyPr lIns="0" tIns="0" rIns="0" bIns="0">
+          <a:bodyPr lIns="0" rIns="0" tIns="0" bIns="0">
             <a:normAutofit/>
           </a:bodyPr>
-          <a:lstStyle/>
-          <a:p>
-            <a:endParaRPr lang="es-ES" sz="2000" b="0" strike="noStrike" spc="-1">
+          <a:p>
+            <a:endParaRPr b="0" lang="es-ES" sz="2800" spc="-1" strike="noStrike">
               <a:solidFill>
-                <a:srgbClr val="FFFFFF"/>
+                <a:srgbClr val="000000"/>
               </a:solidFill>
-              <a:latin typeface="Avenir Next LT Pro Light"/>
+              <a:latin typeface="Arial"/>
             </a:endParaRPr>
           </a:p>
         </p:txBody>
       </p:sp>
     </p:spTree>
   </p:cSld>
-  <p:clrMapOvr>
-    <a:masterClrMapping/>
-  </p:clrMapOvr>
 </p:sldLayout>
 </file>
 
 <file path=ppt/slideLayouts/slideLayout8.xml><?xml version="1.0" encoding="utf-8"?>
-<p:sldLayout xmlns:a="http://schemas.openxmlformats.org/drawingml/2006/main" xmlns:r="http://schemas.openxmlformats.org/officeDocument/2006/relationships" xmlns:p="http://schemas.openxmlformats.org/presentationml/2006/main" type="objAndTwoObj" preserve="1">
+<p:sldLayout xmlns:a="http://schemas.openxmlformats.org/drawingml/2006/main" xmlns:p="http://schemas.openxmlformats.org/presentationml/2006/main" xmlns:r="http://schemas.openxmlformats.org/officeDocument/2006/relationships" xmlns:p14="http://schemas.microsoft.com/office/powerpoint/2010/main" xmlns:p15="http://schemas.microsoft.com/office/powerpoint/2012/main" xmlns:mc="http://schemas.openxmlformats.org/markup-compatibility/2006" type="objAndTwoObj" preserve="1">
   <p:cSld name="Title Content and 2 Content">
     <p:spTree>
       <p:nvGrpSpPr>
@@ -1408,7 +1179,7 @@
       </p:grpSpPr>
       <p:sp>
         <p:nvSpPr>
-          <p:cNvPr id="24" name="PlaceHolder 1"/>
+          <p:cNvPr id="21" name="PlaceHolder 1"/>
           <p:cNvSpPr>
             <a:spLocks noGrp="1"/>
           </p:cNvSpPr>
@@ -1419,30 +1190,29 @@
         <p:spPr>
           <a:xfrm>
             <a:off x="2197080" y="1079640"/>
-            <a:ext cx="7797600" cy="2138040"/>
-          </a:xfrm>
-          <a:prstGeom prst="rect">
-            <a:avLst/>
-          </a:prstGeom>
-        </p:spPr>
-        <p:txBody>
-          <a:bodyPr lIns="0" tIns="0" rIns="0" bIns="0" anchor="ctr">
+            <a:ext cx="7797240" cy="2137680"/>
+          </a:xfrm>
+          <a:prstGeom prst="rect">
+            <a:avLst/>
+          </a:prstGeom>
+        </p:spPr>
+        <p:txBody>
+          <a:bodyPr lIns="0" rIns="0" tIns="0" bIns="0" anchor="ctr">
             <a:noAutofit/>
           </a:bodyPr>
-          <a:lstStyle/>
-          <a:p>
-            <a:endParaRPr lang="es-ES" sz="1800" b="0" strike="noStrike" spc="-1">
+          <a:p>
+            <a:endParaRPr b="0" lang="es-ES" sz="1800" spc="-1" strike="noStrike">
               <a:solidFill>
-                <a:srgbClr val="FFFFFF"/>
+                <a:srgbClr val="000000"/>
               </a:solidFill>
-              <a:latin typeface="Avenir Next LT Pro Light"/>
-            </a:endParaRPr>
-          </a:p>
-        </p:txBody>
-      </p:sp>
-      <p:sp>
-        <p:nvSpPr>
-          <p:cNvPr id="25" name="PlaceHolder 2"/>
+              <a:latin typeface="Arial"/>
+            </a:endParaRPr>
+          </a:p>
+        </p:txBody>
+      </p:sp>
+      <p:sp>
+        <p:nvSpPr>
+          <p:cNvPr id="22" name="PlaceHolder 2"/>
           <p:cNvSpPr>
             <a:spLocks noGrp="1"/>
           </p:cNvSpPr>
@@ -1460,23 +1230,22 @@
           </a:prstGeom>
         </p:spPr>
         <p:txBody>
-          <a:bodyPr lIns="0" tIns="0" rIns="0" bIns="0">
+          <a:bodyPr lIns="0" rIns="0" tIns="0" bIns="0">
             <a:normAutofit/>
           </a:bodyPr>
-          <a:lstStyle/>
-          <a:p>
-            <a:endParaRPr lang="es-ES" sz="2000" b="0" strike="noStrike" spc="-1">
+          <a:p>
+            <a:endParaRPr b="0" lang="es-ES" sz="2800" spc="-1" strike="noStrike">
               <a:solidFill>
-                <a:srgbClr val="FFFFFF"/>
+                <a:srgbClr val="000000"/>
               </a:solidFill>
-              <a:latin typeface="Avenir Next LT Pro Light"/>
-            </a:endParaRPr>
-          </a:p>
-        </p:txBody>
-      </p:sp>
-      <p:sp>
-        <p:nvSpPr>
-          <p:cNvPr id="26" name="PlaceHolder 3"/>
+              <a:latin typeface="Arial"/>
+            </a:endParaRPr>
+          </a:p>
+        </p:txBody>
+      </p:sp>
+      <p:sp>
+        <p:nvSpPr>
+          <p:cNvPr id="23" name="PlaceHolder 3"/>
           <p:cNvSpPr>
             <a:spLocks noGrp="1"/>
           </p:cNvSpPr>
@@ -1494,23 +1263,22 @@
           </a:prstGeom>
         </p:spPr>
         <p:txBody>
-          <a:bodyPr lIns="0" tIns="0" rIns="0" bIns="0">
+          <a:bodyPr lIns="0" rIns="0" tIns="0" bIns="0">
             <a:normAutofit/>
           </a:bodyPr>
-          <a:lstStyle/>
-          <a:p>
-            <a:endParaRPr lang="es-ES" sz="2000" b="0" strike="noStrike" spc="-1">
+          <a:p>
+            <a:endParaRPr b="0" lang="es-ES" sz="2800" spc="-1" strike="noStrike">
               <a:solidFill>
-                <a:srgbClr val="FFFFFF"/>
+                <a:srgbClr val="000000"/>
               </a:solidFill>
-              <a:latin typeface="Avenir Next LT Pro Light"/>
-            </a:endParaRPr>
-          </a:p>
-        </p:txBody>
-      </p:sp>
-      <p:sp>
-        <p:nvSpPr>
-          <p:cNvPr id="27" name="PlaceHolder 4"/>
+              <a:latin typeface="Arial"/>
+            </a:endParaRPr>
+          </a:p>
+        </p:txBody>
+      </p:sp>
+      <p:sp>
+        <p:nvSpPr>
+          <p:cNvPr id="24" name="PlaceHolder 4"/>
           <p:cNvSpPr>
             <a:spLocks noGrp="1"/>
           </p:cNvSpPr>
@@ -1528,30 +1296,26 @@
           </a:prstGeom>
         </p:spPr>
         <p:txBody>
-          <a:bodyPr lIns="0" tIns="0" rIns="0" bIns="0">
+          <a:bodyPr lIns="0" rIns="0" tIns="0" bIns="0">
             <a:normAutofit/>
           </a:bodyPr>
-          <a:lstStyle/>
-          <a:p>
-            <a:endParaRPr lang="es-ES" sz="2000" b="0" strike="noStrike" spc="-1">
+          <a:p>
+            <a:endParaRPr b="0" lang="es-ES" sz="2800" spc="-1" strike="noStrike">
               <a:solidFill>
-                <a:srgbClr val="FFFFFF"/>
+                <a:srgbClr val="000000"/>
               </a:solidFill>
-              <a:latin typeface="Avenir Next LT Pro Light"/>
+              <a:latin typeface="Arial"/>
             </a:endParaRPr>
           </a:p>
         </p:txBody>
       </p:sp>
     </p:spTree>
   </p:cSld>
-  <p:clrMapOvr>
-    <a:masterClrMapping/>
-  </p:clrMapOvr>
 </p:sldLayout>
 </file>
 
 <file path=ppt/slideLayouts/slideLayout9.xml><?xml version="1.0" encoding="utf-8"?>
-<p:sldLayout xmlns:a="http://schemas.openxmlformats.org/drawingml/2006/main" xmlns:r="http://schemas.openxmlformats.org/officeDocument/2006/relationships" xmlns:p="http://schemas.openxmlformats.org/presentationml/2006/main" type="twoObjOverTx" preserve="1">
+<p:sldLayout xmlns:a="http://schemas.openxmlformats.org/drawingml/2006/main" xmlns:p="http://schemas.openxmlformats.org/presentationml/2006/main" xmlns:r="http://schemas.openxmlformats.org/officeDocument/2006/relationships" xmlns:p14="http://schemas.microsoft.com/office/powerpoint/2010/main" xmlns:p15="http://schemas.microsoft.com/office/powerpoint/2012/main" xmlns:mc="http://schemas.openxmlformats.org/markup-compatibility/2006" type="twoObjOverTx" preserve="1">
   <p:cSld name="Title, 2 Content over Content">
     <p:spTree>
       <p:nvGrpSpPr>
@@ -1569,7 +1333,7 @@
       </p:grpSpPr>
       <p:sp>
         <p:nvSpPr>
-          <p:cNvPr id="28" name="PlaceHolder 1"/>
+          <p:cNvPr id="25" name="PlaceHolder 1"/>
           <p:cNvSpPr>
             <a:spLocks noGrp="1"/>
           </p:cNvSpPr>
@@ -1580,30 +1344,29 @@
         <p:spPr>
           <a:xfrm>
             <a:off x="2197080" y="1079640"/>
-            <a:ext cx="7797600" cy="2138040"/>
-          </a:xfrm>
-          <a:prstGeom prst="rect">
-            <a:avLst/>
-          </a:prstGeom>
-        </p:spPr>
-        <p:txBody>
-          <a:bodyPr lIns="0" tIns="0" rIns="0" bIns="0" anchor="ctr">
+            <a:ext cx="7797240" cy="2137680"/>
+          </a:xfrm>
+          <a:prstGeom prst="rect">
+            <a:avLst/>
+          </a:prstGeom>
+        </p:spPr>
+        <p:txBody>
+          <a:bodyPr lIns="0" rIns="0" tIns="0" bIns="0" anchor="ctr">
             <a:noAutofit/>
           </a:bodyPr>
-          <a:lstStyle/>
-          <a:p>
-            <a:endParaRPr lang="es-ES" sz="1800" b="0" strike="noStrike" spc="-1">
+          <a:p>
+            <a:endParaRPr b="0" lang="es-ES" sz="1800" spc="-1" strike="noStrike">
               <a:solidFill>
-                <a:srgbClr val="FFFFFF"/>
+                <a:srgbClr val="000000"/>
               </a:solidFill>
-              <a:latin typeface="Avenir Next LT Pro Light"/>
-            </a:endParaRPr>
-          </a:p>
-        </p:txBody>
-      </p:sp>
-      <p:sp>
-        <p:nvSpPr>
-          <p:cNvPr id="29" name="PlaceHolder 2"/>
+              <a:latin typeface="Arial"/>
+            </a:endParaRPr>
+          </a:p>
+        </p:txBody>
+      </p:sp>
+      <p:sp>
+        <p:nvSpPr>
+          <p:cNvPr id="26" name="PlaceHolder 2"/>
           <p:cNvSpPr>
             <a:spLocks noGrp="1"/>
           </p:cNvSpPr>
@@ -1621,23 +1384,22 @@
           </a:prstGeom>
         </p:spPr>
         <p:txBody>
-          <a:bodyPr lIns="0" tIns="0" rIns="0" bIns="0">
+          <a:bodyPr lIns="0" rIns="0" tIns="0" bIns="0">
             <a:normAutofit/>
           </a:bodyPr>
-          <a:lstStyle/>
-          <a:p>
-            <a:endParaRPr lang="es-ES" sz="2000" b="0" strike="noStrike" spc="-1">
+          <a:p>
+            <a:endParaRPr b="0" lang="es-ES" sz="2800" spc="-1" strike="noStrike">
               <a:solidFill>
-                <a:srgbClr val="FFFFFF"/>
+                <a:srgbClr val="000000"/>
               </a:solidFill>
-              <a:latin typeface="Avenir Next LT Pro Light"/>
-            </a:endParaRPr>
-          </a:p>
-        </p:txBody>
-      </p:sp>
-      <p:sp>
-        <p:nvSpPr>
-          <p:cNvPr id="30" name="PlaceHolder 3"/>
+              <a:latin typeface="Arial"/>
+            </a:endParaRPr>
+          </a:p>
+        </p:txBody>
+      </p:sp>
+      <p:sp>
+        <p:nvSpPr>
+          <p:cNvPr id="27" name="PlaceHolder 3"/>
           <p:cNvSpPr>
             <a:spLocks noGrp="1"/>
           </p:cNvSpPr>
@@ -1655,23 +1417,22 @@
           </a:prstGeom>
         </p:spPr>
         <p:txBody>
-          <a:bodyPr lIns="0" tIns="0" rIns="0" bIns="0">
+          <a:bodyPr lIns="0" rIns="0" tIns="0" bIns="0">
             <a:normAutofit/>
           </a:bodyPr>
-          <a:lstStyle/>
-          <a:p>
-            <a:endParaRPr lang="es-ES" sz="2000" b="0" strike="noStrike" spc="-1">
+          <a:p>
+            <a:endParaRPr b="0" lang="es-ES" sz="2800" spc="-1" strike="noStrike">
               <a:solidFill>
-                <a:srgbClr val="FFFFFF"/>
+                <a:srgbClr val="000000"/>
               </a:solidFill>
-              <a:latin typeface="Avenir Next LT Pro Light"/>
-            </a:endParaRPr>
-          </a:p>
-        </p:txBody>
-      </p:sp>
-      <p:sp>
-        <p:nvSpPr>
-          <p:cNvPr id="31" name="PlaceHolder 4"/>
+              <a:latin typeface="Arial"/>
+            </a:endParaRPr>
+          </a:p>
+        </p:txBody>
+      </p:sp>
+      <p:sp>
+        <p:nvSpPr>
+          <p:cNvPr id="28" name="PlaceHolder 4"/>
           <p:cNvSpPr>
             <a:spLocks noGrp="1"/>
           </p:cNvSpPr>
@@ -1689,37 +1450,32 @@
           </a:prstGeom>
         </p:spPr>
         <p:txBody>
-          <a:bodyPr lIns="0" tIns="0" rIns="0" bIns="0">
+          <a:bodyPr lIns="0" rIns="0" tIns="0" bIns="0">
             <a:normAutofit/>
           </a:bodyPr>
-          <a:lstStyle/>
-          <a:p>
-            <a:endParaRPr lang="es-ES" sz="2000" b="0" strike="noStrike" spc="-1">
+          <a:p>
+            <a:endParaRPr b="0" lang="es-ES" sz="2800" spc="-1" strike="noStrike">
               <a:solidFill>
-                <a:srgbClr val="FFFFFF"/>
+                <a:srgbClr val="000000"/>
               </a:solidFill>
-              <a:latin typeface="Avenir Next LT Pro Light"/>
+              <a:latin typeface="Arial"/>
             </a:endParaRPr>
           </a:p>
         </p:txBody>
       </p:sp>
     </p:spTree>
   </p:cSld>
-  <p:clrMapOvr>
-    <a:masterClrMapping/>
-  </p:clrMapOvr>
 </p:sldLayout>
 </file>
 
 <file path=ppt/slideMasters/slideMaster1.xml><?xml version="1.0" encoding="utf-8"?>
-<p:sldMaster xmlns:a="http://schemas.openxmlformats.org/drawingml/2006/main" xmlns:r="http://schemas.openxmlformats.org/officeDocument/2006/relationships" xmlns:p="http://schemas.openxmlformats.org/presentationml/2006/main">
+<p:sldMaster xmlns:a="http://schemas.openxmlformats.org/drawingml/2006/main" xmlns:p="http://schemas.openxmlformats.org/presentationml/2006/main" xmlns:r="http://schemas.openxmlformats.org/officeDocument/2006/relationships" xmlns:p14="http://schemas.microsoft.com/office/powerpoint/2010/main" xmlns:p15="http://schemas.microsoft.com/office/powerpoint/2012/main" xmlns:mc="http://schemas.openxmlformats.org/markup-compatibility/2006">
   <p:cSld>
     <p:bg>
       <p:bgPr>
         <a:solidFill>
           <a:srgbClr val="732124"/>
         </a:solidFill>
-        <a:effectLst/>
       </p:bgPr>
     </p:bg>
     <p:spTree>
@@ -1738,176 +1494,7 @@
       </p:grpSpPr>
       <p:sp>
         <p:nvSpPr>
-          <p:cNvPr id="11" name="PlaceHolder 1"/>
-          <p:cNvSpPr>
-            <a:spLocks noGrp="1"/>
-          </p:cNvSpPr>
-          <p:nvPr>
-            <p:ph type="title"/>
-          </p:nvPr>
-        </p:nvSpPr>
-        <p:spPr>
-          <a:xfrm>
-            <a:off x="2197080" y="1079640"/>
-            <a:ext cx="7797600" cy="2138040"/>
-          </a:xfrm>
-          <a:prstGeom prst="rect">
-            <a:avLst/>
-          </a:prstGeom>
-        </p:spPr>
-        <p:txBody>
-          <a:bodyPr lIns="0" tIns="0" rIns="0" bIns="0" anchor="b">
-            <a:normAutofit/>
-          </a:bodyPr>
-          <a:lstStyle/>
-          <a:p>
-            <a:pPr algn="ctr">
-              <a:lnSpc>
-                <a:spcPct val="100000"/>
-              </a:lnSpc>
-            </a:pPr>
-            <a:r>
-              <a:rPr lang="en-US" sz="2800" b="0" strike="noStrike" cap="all" spc="398">
-                <a:solidFill>
-                  <a:srgbClr val="FFFFFF"/>
-                </a:solidFill>
-                <a:latin typeface="Rockwell Nova Light"/>
-              </a:rPr>
-              <a:t>Click to edit Master title style</a:t>
-            </a:r>
-            <a:endParaRPr lang="es-ES" sz="2800" b="0" strike="noStrike" spc="-1">
-              <a:solidFill>
-                <a:srgbClr val="FFFFFF"/>
-              </a:solidFill>
-              <a:latin typeface="Avenir Next LT Pro Light"/>
-            </a:endParaRPr>
-          </a:p>
-        </p:txBody>
-      </p:sp>
-      <p:sp>
-        <p:nvSpPr>
-          <p:cNvPr id="12" name="PlaceHolder 2"/>
-          <p:cNvSpPr>
-            <a:spLocks noGrp="1"/>
-          </p:cNvSpPr>
-          <p:nvPr>
-            <p:ph type="dt"/>
-          </p:nvPr>
-        </p:nvSpPr>
-        <p:spPr>
-          <a:xfrm>
-            <a:off x="541440" y="6401880"/>
-            <a:ext cx="2206440" cy="369000"/>
-          </a:xfrm>
-          <a:prstGeom prst="rect">
-            <a:avLst/>
-          </a:prstGeom>
-        </p:spPr>
-        <p:txBody>
-          <a:bodyPr lIns="0" tIns="0" rIns="0" bIns="0" anchor="ctr">
-            <a:noAutofit/>
-          </a:bodyPr>
-          <a:lstStyle/>
-          <a:p>
-            <a:pPr>
-              <a:lnSpc>
-                <a:spcPct val="100000"/>
-              </a:lnSpc>
-            </a:pPr>
-            <a:fld id="{A3946FB8-28B7-433F-918E-1B9C752F25F7}" type="datetime">
-              <a:rPr lang="en-US" sz="1000" b="0" strike="noStrike" cap="all" spc="299">
-                <a:solidFill>
-                  <a:srgbClr val="FFFFFF"/>
-                </a:solidFill>
-                <a:latin typeface="Avenir Next LT Pro Light"/>
-              </a:rPr>
-              <a:t>1/12/2022</a:t>
-            </a:fld>
-            <a:endParaRPr lang="es-ES" sz="1000" b="0" strike="noStrike" spc="-1">
-              <a:latin typeface="Times New Roman"/>
-            </a:endParaRPr>
-          </a:p>
-        </p:txBody>
-      </p:sp>
-      <p:sp>
-        <p:nvSpPr>
-          <p:cNvPr id="2" name="PlaceHolder 3"/>
-          <p:cNvSpPr>
-            <a:spLocks noGrp="1"/>
-          </p:cNvSpPr>
-          <p:nvPr>
-            <p:ph type="ftr"/>
-          </p:nvPr>
-        </p:nvSpPr>
-        <p:spPr>
-          <a:xfrm>
-            <a:off x="3308400" y="6401880"/>
-            <a:ext cx="5574960" cy="369000"/>
-          </a:xfrm>
-          <a:prstGeom prst="rect">
-            <a:avLst/>
-          </a:prstGeom>
-        </p:spPr>
-        <p:txBody>
-          <a:bodyPr lIns="0" tIns="0" rIns="0" bIns="0" anchor="ctr">
-            <a:noAutofit/>
-          </a:bodyPr>
-          <a:lstStyle/>
-          <a:p>
-            <a:endParaRPr lang="es-ES" sz="2400" b="0" strike="noStrike" spc="-1">
-              <a:latin typeface="Times New Roman"/>
-            </a:endParaRPr>
-          </a:p>
-        </p:txBody>
-      </p:sp>
-      <p:sp>
-        <p:nvSpPr>
-          <p:cNvPr id="3" name="PlaceHolder 4"/>
-          <p:cNvSpPr>
-            <a:spLocks noGrp="1"/>
-          </p:cNvSpPr>
-          <p:nvPr>
-            <p:ph type="sldNum"/>
-          </p:nvPr>
-        </p:nvSpPr>
-        <p:spPr>
-          <a:xfrm>
-            <a:off x="9442800" y="6401880"/>
-            <a:ext cx="2207880" cy="369000"/>
-          </a:xfrm>
-          <a:prstGeom prst="rect">
-            <a:avLst/>
-          </a:prstGeom>
-        </p:spPr>
-        <p:txBody>
-          <a:bodyPr lIns="0" tIns="0" rIns="0" bIns="0" anchor="ctr">
-            <a:noAutofit/>
-          </a:bodyPr>
-          <a:lstStyle/>
-          <a:p>
-            <a:pPr algn="r">
-              <a:lnSpc>
-                <a:spcPct val="100000"/>
-              </a:lnSpc>
-            </a:pPr>
-            <a:fld id="{489C1980-85AE-4B91-8C9A-F07FE6EB7733}" type="slidenum">
-              <a:rPr lang="en-US" sz="1000" b="0" strike="noStrike" cap="all" spc="299">
-                <a:solidFill>
-                  <a:srgbClr val="FFFFFF"/>
-                </a:solidFill>
-                <a:latin typeface="Avenir Next LT Pro Light"/>
-              </a:rPr>
-              <a:t>‹Nº›</a:t>
-            </a:fld>
-            <a:endParaRPr lang="es-ES" sz="1000" b="0" strike="noStrike" spc="-1">
-              <a:latin typeface="Times New Roman"/>
-            </a:endParaRPr>
-          </a:p>
-        </p:txBody>
-      </p:sp>
-      <p:sp>
-        <p:nvSpPr>
-          <p:cNvPr id="4" name="Line 5"/>
+          <p:cNvPr id="0" name="Line 1"/>
           <p:cNvSpPr/>
           <p:nvPr/>
         </p:nvSpPr>
@@ -1941,34 +1528,33 @@
       </p:sp>
       <p:grpSp>
         <p:nvGrpSpPr>
-          <p:cNvPr id="5" name="Group 6"/>
+          <p:cNvPr id="1" name="Group 2"/>
           <p:cNvGrpSpPr/>
           <p:nvPr/>
         </p:nvGrpSpPr>
         <p:grpSpPr>
           <a:xfrm>
             <a:off x="9965160" y="4442040"/>
-            <a:ext cx="1395360" cy="1380960"/>
+            <a:ext cx="1394280" cy="1380600"/>
             <a:chOff x="9965160" y="4442040"/>
-            <a:chExt cx="1395360" cy="1380960"/>
+            <a:chExt cx="1394280" cy="1380600"/>
           </a:xfrm>
         </p:grpSpPr>
         <p:sp>
           <p:nvSpPr>
-            <p:cNvPr id="6" name="CustomShape 7"/>
+            <p:cNvPr id="2" name="CustomShape 3"/>
             <p:cNvSpPr/>
             <p:nvPr/>
           </p:nvSpPr>
           <p:spPr>
-            <a:xfrm rot="2700000" flipH="1">
-              <a:off x="10407240" y="4497120"/>
-              <a:ext cx="571320" cy="1316520"/>
+            <a:xfrm flipH="1" rot="2700000">
+              <a:off x="10406880" y="4497480"/>
+              <a:ext cx="570600" cy="1316160"/>
             </a:xfrm>
             <a:custGeom>
               <a:avLst/>
               <a:gdLst/>
               <a:ahLst/>
-              <a:cxnLst/>
               <a:rect l="l" t="t" r="r" b="b"/>
               <a:pathLst>
                 <a:path w="571820" h="1316717">
@@ -2064,7 +1650,7 @@
         </p:sp>
         <p:grpSp>
           <p:nvGrpSpPr>
-            <p:cNvPr id="7" name="Group 8"/>
+            <p:cNvPr id="3" name="Group 4"/>
             <p:cNvGrpSpPr/>
             <p:nvPr/>
           </p:nvGrpSpPr>
@@ -2078,20 +1664,19 @@
           </p:grpSpPr>
           <p:sp>
             <p:nvSpPr>
-              <p:cNvPr id="8" name="CustomShape 9"/>
+              <p:cNvPr id="4" name="CustomShape 5"/>
               <p:cNvSpPr/>
               <p:nvPr/>
             </p:nvSpPr>
             <p:spPr>
-              <a:xfrm rot="13500000" flipV="1">
-                <a:off x="10359360" y="4451760"/>
-                <a:ext cx="571320" cy="1311480"/>
+              <a:xfrm flipV="1" rot="13500000">
+                <a:off x="10360080" y="4451400"/>
+                <a:ext cx="570600" cy="1311120"/>
               </a:xfrm>
               <a:custGeom>
                 <a:avLst/>
                 <a:gdLst/>
                 <a:ahLst/>
-                <a:cxnLst/>
                 <a:rect l="l" t="t" r="r" b="b"/>
                 <a:pathLst>
                   <a:path w="571820" h="1311956">
@@ -2159,7 +1744,7 @@
           </p:sp>
           <p:sp>
             <p:nvSpPr>
-              <p:cNvPr id="9" name="Line 10"/>
+              <p:cNvPr id="5" name="Line 6"/>
               <p:cNvSpPr/>
               <p:nvPr/>
             </p:nvSpPr>
@@ -2195,7 +1780,50 @@
       </p:grpSp>
       <p:sp>
         <p:nvSpPr>
-          <p:cNvPr id="10" name="PlaceHolder 11"/>
+          <p:cNvPr id="6" name="PlaceHolder 7"/>
+          <p:cNvSpPr>
+            <a:spLocks noGrp="1"/>
+          </p:cNvSpPr>
+          <p:nvPr>
+            <p:ph type="title"/>
+          </p:nvPr>
+        </p:nvSpPr>
+        <p:spPr>
+          <a:xfrm>
+            <a:off x="2197080" y="1079640"/>
+            <a:ext cx="7797240" cy="2137680"/>
+          </a:xfrm>
+          <a:prstGeom prst="rect">
+            <a:avLst/>
+          </a:prstGeom>
+        </p:spPr>
+        <p:txBody>
+          <a:bodyPr lIns="0" rIns="0" tIns="0" bIns="0" anchor="ctr">
+            <a:noAutofit/>
+          </a:bodyPr>
+          <a:p>
+            <a:pPr algn="ctr"/>
+            <a:r>
+              <a:rPr b="0" lang="es-ES" sz="4400" spc="-1" strike="noStrike">
+                <a:solidFill>
+                  <a:srgbClr val="000000"/>
+                </a:solidFill>
+                <a:latin typeface="Arial"/>
+              </a:rPr>
+              <a:t>Pulse para editar el formato del texto de título</a:t>
+            </a:r>
+            <a:endParaRPr b="0" lang="es-ES" sz="4400" spc="-1" strike="noStrike">
+              <a:solidFill>
+                <a:srgbClr val="000000"/>
+              </a:solidFill>
+              <a:latin typeface="Arial"/>
+            </a:endParaRPr>
+          </a:p>
+        </p:txBody>
+      </p:sp>
+      <p:sp>
+        <p:nvSpPr>
+          <p:cNvPr id="7" name="PlaceHolder 8"/>
           <p:cNvSpPr>
             <a:spLocks noGrp="1"/>
           </p:cNvSpPr>
@@ -2213,468 +1841,229 @@
           </a:prstGeom>
         </p:spPr>
         <p:txBody>
-          <a:bodyPr lIns="0" tIns="0" rIns="0" bIns="0">
+          <a:bodyPr lIns="0" rIns="0" tIns="0" bIns="0">
             <a:normAutofit/>
           </a:bodyPr>
-          <a:lstStyle/>
           <a:p>
             <a:pPr marL="432000" indent="-324000">
               <a:spcBef>
                 <a:spcPts val="1417"/>
               </a:spcBef>
               <a:buClr>
-                <a:srgbClr val="FFFFFF"/>
+                <a:srgbClr val="ffffff"/>
               </a:buClr>
               <a:buSzPct val="45000"/>
               <a:buFont typeface="Wingdings" charset="2"/>
               <a:buChar char=""/>
             </a:pPr>
             <a:r>
-              <a:rPr lang="es-ES" sz="2000" b="0" strike="noStrike" spc="-1">
-                <a:solidFill>
-                  <a:srgbClr val="FFFFFF"/>
-                </a:solidFill>
-                <a:latin typeface="Avenir Next LT Pro Light"/>
+              <a:rPr b="0" lang="es-ES" sz="2800" spc="-1" strike="noStrike">
+                <a:solidFill>
+                  <a:srgbClr val="000000"/>
+                </a:solidFill>
+                <a:latin typeface="Arial"/>
               </a:rPr>
               <a:t>Pulse para editar el formato de esquema del texto</a:t>
             </a:r>
-          </a:p>
-          <a:p>
-            <a:pPr marL="864000" lvl="1" indent="-324000">
+            <a:endParaRPr b="0" lang="es-ES" sz="2800" spc="-1" strike="noStrike">
+              <a:solidFill>
+                <a:srgbClr val="000000"/>
+              </a:solidFill>
+              <a:latin typeface="Arial"/>
+            </a:endParaRPr>
+          </a:p>
+          <a:p>
+            <a:pPr lvl="1" marL="864000" indent="-324000">
               <a:spcBef>
                 <a:spcPts val="1134"/>
               </a:spcBef>
               <a:buClr>
-                <a:srgbClr val="FFFFFF"/>
+                <a:srgbClr val="ffffff"/>
               </a:buClr>
               <a:buSzPct val="75000"/>
               <a:buFont typeface="Symbol" charset="2"/>
               <a:buChar char=""/>
             </a:pPr>
             <a:r>
-              <a:rPr lang="es-ES" sz="2000" b="0" strike="noStrike" spc="-1">
-                <a:solidFill>
-                  <a:srgbClr val="FFFFFF"/>
-                </a:solidFill>
-                <a:latin typeface="Avenir Next LT Pro Light"/>
+              <a:rPr b="0" lang="es-ES" sz="2000" spc="-1" strike="noStrike">
+                <a:solidFill>
+                  <a:srgbClr val="000000"/>
+                </a:solidFill>
+                <a:latin typeface="Arial"/>
               </a:rPr>
               <a:t>Segundo nivel del esquema</a:t>
             </a:r>
-          </a:p>
-          <a:p>
-            <a:pPr marL="1296000" lvl="2" indent="-288000">
+            <a:endParaRPr b="0" lang="es-ES" sz="2000" spc="-1" strike="noStrike">
+              <a:solidFill>
+                <a:srgbClr val="000000"/>
+              </a:solidFill>
+              <a:latin typeface="Arial"/>
+            </a:endParaRPr>
+          </a:p>
+          <a:p>
+            <a:pPr lvl="2" marL="1296000" indent="-288000">
               <a:spcBef>
                 <a:spcPts val="850"/>
               </a:spcBef>
               <a:buClr>
-                <a:srgbClr val="FFFFFF"/>
+                <a:srgbClr val="ffffff"/>
               </a:buClr>
               <a:buSzPct val="45000"/>
               <a:buFont typeface="Wingdings" charset="2"/>
               <a:buChar char=""/>
             </a:pPr>
             <a:r>
-              <a:rPr lang="es-ES" sz="2000" b="0" i="1" strike="noStrike" spc="-1">
-                <a:solidFill>
-                  <a:srgbClr val="FFFFFF"/>
-                </a:solidFill>
-                <a:latin typeface="Avenir Next LT Pro Light"/>
+              <a:rPr b="0" lang="es-ES" sz="1800" spc="-1" strike="noStrike">
+                <a:solidFill>
+                  <a:srgbClr val="000000"/>
+                </a:solidFill>
+                <a:latin typeface="Arial"/>
               </a:rPr>
               <a:t>Tercer nivel del esquema</a:t>
             </a:r>
-          </a:p>
-          <a:p>
-            <a:pPr marL="1728000" lvl="3" indent="-216000">
+            <a:endParaRPr b="0" lang="es-ES" sz="1800" spc="-1" strike="noStrike">
+              <a:solidFill>
+                <a:srgbClr val="000000"/>
+              </a:solidFill>
+              <a:latin typeface="Arial"/>
+            </a:endParaRPr>
+          </a:p>
+          <a:p>
+            <a:pPr lvl="3" marL="1728000" indent="-216000">
               <a:spcBef>
                 <a:spcPts val="567"/>
               </a:spcBef>
               <a:buClr>
-                <a:srgbClr val="FFFFFF"/>
+                <a:srgbClr val="ffffff"/>
               </a:buClr>
               <a:buSzPct val="75000"/>
               <a:buFont typeface="Symbol" charset="2"/>
               <a:buChar char=""/>
             </a:pPr>
             <a:r>
-              <a:rPr lang="es-ES" sz="2000" b="0" strike="noStrike" spc="-1">
-                <a:solidFill>
-                  <a:srgbClr val="FFFFFF"/>
-                </a:solidFill>
-                <a:latin typeface="Avenir Next LT Pro Light"/>
+              <a:rPr b="0" lang="es-ES" sz="1800" spc="-1" strike="noStrike">
+                <a:solidFill>
+                  <a:srgbClr val="000000"/>
+                </a:solidFill>
+                <a:latin typeface="Arial"/>
               </a:rPr>
               <a:t>Cuarto nivel del esquema</a:t>
             </a:r>
-          </a:p>
-          <a:p>
-            <a:pPr marL="2160000" lvl="4" indent="-216000">
+            <a:endParaRPr b="0" lang="es-ES" sz="1800" spc="-1" strike="noStrike">
+              <a:solidFill>
+                <a:srgbClr val="000000"/>
+              </a:solidFill>
+              <a:latin typeface="Arial"/>
+            </a:endParaRPr>
+          </a:p>
+          <a:p>
+            <a:pPr lvl="4" marL="2160000" indent="-216000">
               <a:spcBef>
                 <a:spcPts val="283"/>
               </a:spcBef>
               <a:buClr>
-                <a:srgbClr val="FFFFFF"/>
+                <a:srgbClr val="ffffff"/>
               </a:buClr>
               <a:buSzPct val="45000"/>
               <a:buFont typeface="Wingdings" charset="2"/>
               <a:buChar char=""/>
             </a:pPr>
             <a:r>
-              <a:rPr lang="es-ES" sz="2000" b="0" strike="noStrike" spc="-1">
-                <a:solidFill>
-                  <a:srgbClr val="FFFFFF"/>
-                </a:solidFill>
-                <a:latin typeface="Avenir Next LT Pro Light"/>
+              <a:rPr b="0" lang="es-ES" sz="2000" spc="-1" strike="noStrike">
+                <a:solidFill>
+                  <a:srgbClr val="000000"/>
+                </a:solidFill>
+                <a:latin typeface="Arial"/>
               </a:rPr>
               <a:t>Quinto nivel del esquema</a:t>
             </a:r>
-          </a:p>
-          <a:p>
-            <a:pPr marL="2592000" lvl="5" indent="-216000">
+            <a:endParaRPr b="0" lang="es-ES" sz="2000" spc="-1" strike="noStrike">
+              <a:solidFill>
+                <a:srgbClr val="000000"/>
+              </a:solidFill>
+              <a:latin typeface="Arial"/>
+            </a:endParaRPr>
+          </a:p>
+          <a:p>
+            <a:pPr lvl="5" marL="2592000" indent="-216000">
               <a:spcBef>
                 <a:spcPts val="283"/>
               </a:spcBef>
               <a:buClr>
-                <a:srgbClr val="FFFFFF"/>
+                <a:srgbClr val="ffffff"/>
               </a:buClr>
               <a:buSzPct val="45000"/>
               <a:buFont typeface="Wingdings" charset="2"/>
               <a:buChar char=""/>
             </a:pPr>
             <a:r>
-              <a:rPr lang="es-ES" sz="2000" b="0" strike="noStrike" spc="-1">
-                <a:solidFill>
-                  <a:srgbClr val="FFFFFF"/>
-                </a:solidFill>
-                <a:latin typeface="Avenir Next LT Pro Light"/>
+              <a:rPr b="0" lang="es-ES" sz="2000" spc="-1" strike="noStrike">
+                <a:solidFill>
+                  <a:srgbClr val="000000"/>
+                </a:solidFill>
+                <a:latin typeface="Arial"/>
               </a:rPr>
               <a:t>Sexto nivel del esquema</a:t>
             </a:r>
-          </a:p>
-          <a:p>
-            <a:pPr marL="3024000" lvl="6" indent="-216000">
+            <a:endParaRPr b="0" lang="es-ES" sz="2000" spc="-1" strike="noStrike">
+              <a:solidFill>
+                <a:srgbClr val="000000"/>
+              </a:solidFill>
+              <a:latin typeface="Arial"/>
+            </a:endParaRPr>
+          </a:p>
+          <a:p>
+            <a:pPr lvl="6" marL="3024000" indent="-216000">
               <a:spcBef>
                 <a:spcPts val="283"/>
               </a:spcBef>
               <a:buClr>
-                <a:srgbClr val="FFFFFF"/>
+                <a:srgbClr val="ffffff"/>
               </a:buClr>
               <a:buSzPct val="45000"/>
               <a:buFont typeface="Wingdings" charset="2"/>
               <a:buChar char=""/>
             </a:pPr>
             <a:r>
-              <a:rPr lang="es-ES" sz="2000" b="0" strike="noStrike" spc="-1">
-                <a:solidFill>
-                  <a:srgbClr val="FFFFFF"/>
-                </a:solidFill>
-                <a:latin typeface="Avenir Next LT Pro Light"/>
+              <a:rPr b="0" lang="es-ES" sz="2000" spc="-1" strike="noStrike">
+                <a:solidFill>
+                  <a:srgbClr val="000000"/>
+                </a:solidFill>
+                <a:latin typeface="Arial"/>
               </a:rPr>
               <a:t>Séptimo nivel del esquema</a:t>
             </a:r>
+            <a:endParaRPr b="0" lang="es-ES" sz="2000" spc="-1" strike="noStrike">
+              <a:solidFill>
+                <a:srgbClr val="000000"/>
+              </a:solidFill>
+              <a:latin typeface="Arial"/>
+            </a:endParaRPr>
           </a:p>
         </p:txBody>
       </p:sp>
     </p:spTree>
   </p:cSld>
-  <p:clrMap bg1="lt1" tx1="dk1" bg2="lt2" tx2="dk2" accent1="accent1" accent2="accent2" accent3="accent3" accent4="accent4" accent5="accent5" accent6="accent6" hlink="hlink" folHlink="folHlink"/>
+  <p:clrMap bg1="lt1" bg2="lt2" tx1="dk1" tx2="dk2" accent1="accent1" accent2="accent2" accent3="accent3" accent4="accent4" accent5="accent5" accent6="accent6" hlink="hlink" folHlink="folHlink"/>
   <p:sldLayoutIdLst>
-    <p:sldLayoutId id="2147483649" r:id="rId1"/>
-    <p:sldLayoutId id="2147483650" r:id="rId2"/>
-    <p:sldLayoutId id="2147483651" r:id="rId3"/>
-    <p:sldLayoutId id="2147483652" r:id="rId4"/>
-    <p:sldLayoutId id="2147483653" r:id="rId5"/>
-    <p:sldLayoutId id="2147483654" r:id="rId6"/>
-    <p:sldLayoutId id="2147483655" r:id="rId7"/>
-    <p:sldLayoutId id="2147483656" r:id="rId8"/>
-    <p:sldLayoutId id="2147483657" r:id="rId9"/>
-    <p:sldLayoutId id="2147483658" r:id="rId10"/>
-    <p:sldLayoutId id="2147483659" r:id="rId11"/>
-    <p:sldLayoutId id="2147483660" r:id="rId12"/>
+    <p:sldLayoutId id="2147483649" r:id="rId2"/>
+    <p:sldLayoutId id="2147483650" r:id="rId3"/>
+    <p:sldLayoutId id="2147483651" r:id="rId4"/>
+    <p:sldLayoutId id="2147483652" r:id="rId5"/>
+    <p:sldLayoutId id="2147483653" r:id="rId6"/>
+    <p:sldLayoutId id="2147483654" r:id="rId7"/>
+    <p:sldLayoutId id="2147483655" r:id="rId8"/>
+    <p:sldLayoutId id="2147483656" r:id="rId9"/>
+    <p:sldLayoutId id="2147483657" r:id="rId10"/>
+    <p:sldLayoutId id="2147483658" r:id="rId11"/>
+    <p:sldLayoutId id="2147483659" r:id="rId12"/>
+    <p:sldLayoutId id="2147483660" r:id="rId13"/>
   </p:sldLayoutIdLst>
-  <p:txStyles>
-    <p:titleStyle>
-      <a:lvl1pPr algn="l" defTabSz="914400" rtl="0" eaLnBrk="1" latinLnBrk="0" hangingPunct="1">
-        <a:lnSpc>
-          <a:spcPct val="90000"/>
-        </a:lnSpc>
-        <a:spcBef>
-          <a:spcPct val="0"/>
-        </a:spcBef>
-        <a:buNone/>
-        <a:defRPr sz="4400" kern="1200">
-          <a:solidFill>
-            <a:schemeClr val="tx1"/>
-          </a:solidFill>
-          <a:latin typeface="+mj-lt"/>
-          <a:ea typeface="+mj-ea"/>
-          <a:cs typeface="+mj-cs"/>
-        </a:defRPr>
-      </a:lvl1pPr>
-    </p:titleStyle>
-    <p:bodyStyle>
-      <a:lvl1pPr marL="228600" indent="-228600" algn="l" defTabSz="914400" rtl="0" eaLnBrk="1" latinLnBrk="0" hangingPunct="1">
-        <a:lnSpc>
-          <a:spcPct val="90000"/>
-        </a:lnSpc>
-        <a:spcBef>
-          <a:spcPts val="1000"/>
-        </a:spcBef>
-        <a:buFont typeface="Arial" panose="020B0604020202020204" pitchFamily="34" charset="0"/>
-        <a:buChar char="•"/>
-        <a:defRPr sz="2800" kern="1200">
-          <a:solidFill>
-            <a:schemeClr val="tx1"/>
-          </a:solidFill>
-          <a:latin typeface="+mn-lt"/>
-          <a:ea typeface="+mn-ea"/>
-          <a:cs typeface="+mn-cs"/>
-        </a:defRPr>
-      </a:lvl1pPr>
-      <a:lvl2pPr marL="685800" indent="-228600" algn="l" defTabSz="914400" rtl="0" eaLnBrk="1" latinLnBrk="0" hangingPunct="1">
-        <a:lnSpc>
-          <a:spcPct val="90000"/>
-        </a:lnSpc>
-        <a:spcBef>
-          <a:spcPts val="500"/>
-        </a:spcBef>
-        <a:buFont typeface="Arial" panose="020B0604020202020204" pitchFamily="34" charset="0"/>
-        <a:buChar char="•"/>
-        <a:defRPr sz="2400" kern="1200">
-          <a:solidFill>
-            <a:schemeClr val="tx1"/>
-          </a:solidFill>
-          <a:latin typeface="+mn-lt"/>
-          <a:ea typeface="+mn-ea"/>
-          <a:cs typeface="+mn-cs"/>
-        </a:defRPr>
-      </a:lvl2pPr>
-      <a:lvl3pPr marL="1143000" indent="-228600" algn="l" defTabSz="914400" rtl="0" eaLnBrk="1" latinLnBrk="0" hangingPunct="1">
-        <a:lnSpc>
-          <a:spcPct val="90000"/>
-        </a:lnSpc>
-        <a:spcBef>
-          <a:spcPts val="500"/>
-        </a:spcBef>
-        <a:buFont typeface="Arial" panose="020B0604020202020204" pitchFamily="34" charset="0"/>
-        <a:buChar char="•"/>
-        <a:defRPr sz="2000" kern="1200">
-          <a:solidFill>
-            <a:schemeClr val="tx1"/>
-          </a:solidFill>
-          <a:latin typeface="+mn-lt"/>
-          <a:ea typeface="+mn-ea"/>
-          <a:cs typeface="+mn-cs"/>
-        </a:defRPr>
-      </a:lvl3pPr>
-      <a:lvl4pPr marL="1600200" indent="-228600" algn="l" defTabSz="914400" rtl="0" eaLnBrk="1" latinLnBrk="0" hangingPunct="1">
-        <a:lnSpc>
-          <a:spcPct val="90000"/>
-        </a:lnSpc>
-        <a:spcBef>
-          <a:spcPts val="500"/>
-        </a:spcBef>
-        <a:buFont typeface="Arial" panose="020B0604020202020204" pitchFamily="34" charset="0"/>
-        <a:buChar char="•"/>
-        <a:defRPr sz="1800" kern="1200">
-          <a:solidFill>
-            <a:schemeClr val="tx1"/>
-          </a:solidFill>
-          <a:latin typeface="+mn-lt"/>
-          <a:ea typeface="+mn-ea"/>
-          <a:cs typeface="+mn-cs"/>
-        </a:defRPr>
-      </a:lvl4pPr>
-      <a:lvl5pPr marL="2057400" indent="-228600" algn="l" defTabSz="914400" rtl="0" eaLnBrk="1" latinLnBrk="0" hangingPunct="1">
-        <a:lnSpc>
-          <a:spcPct val="90000"/>
-        </a:lnSpc>
-        <a:spcBef>
-          <a:spcPts val="500"/>
-        </a:spcBef>
-        <a:buFont typeface="Arial" panose="020B0604020202020204" pitchFamily="34" charset="0"/>
-        <a:buChar char="•"/>
-        <a:defRPr sz="1800" kern="1200">
-          <a:solidFill>
-            <a:schemeClr val="tx1"/>
-          </a:solidFill>
-          <a:latin typeface="+mn-lt"/>
-          <a:ea typeface="+mn-ea"/>
-          <a:cs typeface="+mn-cs"/>
-        </a:defRPr>
-      </a:lvl5pPr>
-      <a:lvl6pPr marL="2514600" indent="-228600" algn="l" defTabSz="914400" rtl="0" eaLnBrk="1" latinLnBrk="0" hangingPunct="1">
-        <a:lnSpc>
-          <a:spcPct val="90000"/>
-        </a:lnSpc>
-        <a:spcBef>
-          <a:spcPts val="500"/>
-        </a:spcBef>
-        <a:buFont typeface="Arial" panose="020B0604020202020204" pitchFamily="34" charset="0"/>
-        <a:buChar char="•"/>
-        <a:defRPr sz="1800" kern="1200">
-          <a:solidFill>
-            <a:schemeClr val="tx1"/>
-          </a:solidFill>
-          <a:latin typeface="+mn-lt"/>
-          <a:ea typeface="+mn-ea"/>
-          <a:cs typeface="+mn-cs"/>
-        </a:defRPr>
-      </a:lvl6pPr>
-      <a:lvl7pPr marL="2971800" indent="-228600" algn="l" defTabSz="914400" rtl="0" eaLnBrk="1" latinLnBrk="0" hangingPunct="1">
-        <a:lnSpc>
-          <a:spcPct val="90000"/>
-        </a:lnSpc>
-        <a:spcBef>
-          <a:spcPts val="500"/>
-        </a:spcBef>
-        <a:buFont typeface="Arial" panose="020B0604020202020204" pitchFamily="34" charset="0"/>
-        <a:buChar char="•"/>
-        <a:defRPr sz="1800" kern="1200">
-          <a:solidFill>
-            <a:schemeClr val="tx1"/>
-          </a:solidFill>
-          <a:latin typeface="+mn-lt"/>
-          <a:ea typeface="+mn-ea"/>
-          <a:cs typeface="+mn-cs"/>
-        </a:defRPr>
-      </a:lvl7pPr>
-      <a:lvl8pPr marL="3429000" indent="-228600" algn="l" defTabSz="914400" rtl="0" eaLnBrk="1" latinLnBrk="0" hangingPunct="1">
-        <a:lnSpc>
-          <a:spcPct val="90000"/>
-        </a:lnSpc>
-        <a:spcBef>
-          <a:spcPts val="500"/>
-        </a:spcBef>
-        <a:buFont typeface="Arial" panose="020B0604020202020204" pitchFamily="34" charset="0"/>
-        <a:buChar char="•"/>
-        <a:defRPr sz="1800" kern="1200">
-          <a:solidFill>
-            <a:schemeClr val="tx1"/>
-          </a:solidFill>
-          <a:latin typeface="+mn-lt"/>
-          <a:ea typeface="+mn-ea"/>
-          <a:cs typeface="+mn-cs"/>
-        </a:defRPr>
-      </a:lvl8pPr>
-      <a:lvl9pPr marL="3886200" indent="-228600" algn="l" defTabSz="914400" rtl="0" eaLnBrk="1" latinLnBrk="0" hangingPunct="1">
-        <a:lnSpc>
-          <a:spcPct val="90000"/>
-        </a:lnSpc>
-        <a:spcBef>
-          <a:spcPts val="500"/>
-        </a:spcBef>
-        <a:buFont typeface="Arial" panose="020B0604020202020204" pitchFamily="34" charset="0"/>
-        <a:buChar char="•"/>
-        <a:defRPr sz="1800" kern="1200">
-          <a:solidFill>
-            <a:schemeClr val="tx1"/>
-          </a:solidFill>
-          <a:latin typeface="+mn-lt"/>
-          <a:ea typeface="+mn-ea"/>
-          <a:cs typeface="+mn-cs"/>
-        </a:defRPr>
-      </a:lvl9pPr>
-    </p:bodyStyle>
-    <p:otherStyle>
-      <a:defPPr>
-        <a:defRPr lang="es-ES"/>
-      </a:defPPr>
-      <a:lvl1pPr marL="0" algn="l" defTabSz="914400" rtl="0" eaLnBrk="1" latinLnBrk="0" hangingPunct="1">
-        <a:defRPr sz="1800" kern="1200">
-          <a:solidFill>
-            <a:schemeClr val="tx1"/>
-          </a:solidFill>
-          <a:latin typeface="+mn-lt"/>
-          <a:ea typeface="+mn-ea"/>
-          <a:cs typeface="+mn-cs"/>
-        </a:defRPr>
-      </a:lvl1pPr>
-      <a:lvl2pPr marL="457200" algn="l" defTabSz="914400" rtl="0" eaLnBrk="1" latinLnBrk="0" hangingPunct="1">
-        <a:defRPr sz="1800" kern="1200">
-          <a:solidFill>
-            <a:schemeClr val="tx1"/>
-          </a:solidFill>
-          <a:latin typeface="+mn-lt"/>
-          <a:ea typeface="+mn-ea"/>
-          <a:cs typeface="+mn-cs"/>
-        </a:defRPr>
-      </a:lvl2pPr>
-      <a:lvl3pPr marL="914400" algn="l" defTabSz="914400" rtl="0" eaLnBrk="1" latinLnBrk="0" hangingPunct="1">
-        <a:defRPr sz="1800" kern="1200">
-          <a:solidFill>
-            <a:schemeClr val="tx1"/>
-          </a:solidFill>
-          <a:latin typeface="+mn-lt"/>
-          <a:ea typeface="+mn-ea"/>
-          <a:cs typeface="+mn-cs"/>
-        </a:defRPr>
-      </a:lvl3pPr>
-      <a:lvl4pPr marL="1371600" algn="l" defTabSz="914400" rtl="0" eaLnBrk="1" latinLnBrk="0" hangingPunct="1">
-        <a:defRPr sz="1800" kern="1200">
-          <a:solidFill>
-            <a:schemeClr val="tx1"/>
-          </a:solidFill>
-          <a:latin typeface="+mn-lt"/>
-          <a:ea typeface="+mn-ea"/>
-          <a:cs typeface="+mn-cs"/>
-        </a:defRPr>
-      </a:lvl4pPr>
-      <a:lvl5pPr marL="1828800" algn="l" defTabSz="914400" rtl="0" eaLnBrk="1" latinLnBrk="0" hangingPunct="1">
-        <a:defRPr sz="1800" kern="1200">
-          <a:solidFill>
-            <a:schemeClr val="tx1"/>
-          </a:solidFill>
-          <a:latin typeface="+mn-lt"/>
-          <a:ea typeface="+mn-ea"/>
-          <a:cs typeface="+mn-cs"/>
-        </a:defRPr>
-      </a:lvl5pPr>
-      <a:lvl6pPr marL="2286000" algn="l" defTabSz="914400" rtl="0" eaLnBrk="1" latinLnBrk="0" hangingPunct="1">
-        <a:defRPr sz="1800" kern="1200">
-          <a:solidFill>
-            <a:schemeClr val="tx1"/>
-          </a:solidFill>
-          <a:latin typeface="+mn-lt"/>
-          <a:ea typeface="+mn-ea"/>
-          <a:cs typeface="+mn-cs"/>
-        </a:defRPr>
-      </a:lvl6pPr>
-      <a:lvl7pPr marL="2743200" algn="l" defTabSz="914400" rtl="0" eaLnBrk="1" latinLnBrk="0" hangingPunct="1">
-        <a:defRPr sz="1800" kern="1200">
-          <a:solidFill>
-            <a:schemeClr val="tx1"/>
-          </a:solidFill>
-          <a:latin typeface="+mn-lt"/>
-          <a:ea typeface="+mn-ea"/>
-          <a:cs typeface="+mn-cs"/>
-        </a:defRPr>
-      </a:lvl7pPr>
-      <a:lvl8pPr marL="3200400" algn="l" defTabSz="914400" rtl="0" eaLnBrk="1" latinLnBrk="0" hangingPunct="1">
-        <a:defRPr sz="1800" kern="1200">
-          <a:solidFill>
-            <a:schemeClr val="tx1"/>
-          </a:solidFill>
-          <a:latin typeface="+mn-lt"/>
-          <a:ea typeface="+mn-ea"/>
-          <a:cs typeface="+mn-cs"/>
-        </a:defRPr>
-      </a:lvl8pPr>
-      <a:lvl9pPr marL="3657600" algn="l" defTabSz="914400" rtl="0" eaLnBrk="1" latinLnBrk="0" hangingPunct="1">
-        <a:defRPr sz="1800" kern="1200">
-          <a:solidFill>
-            <a:schemeClr val="tx1"/>
-          </a:solidFill>
-          <a:latin typeface="+mn-lt"/>
-          <a:ea typeface="+mn-ea"/>
-          <a:cs typeface="+mn-cs"/>
-        </a:defRPr>
-      </a:lvl9pPr>
-    </p:otherStyle>
-  </p:txStyles>
 </p:sldMaster>
 </file>
 
 <file path=ppt/slides/slide1.xml><?xml version="1.0" encoding="utf-8"?>
-<p:sld xmlns:a="http://schemas.openxmlformats.org/drawingml/2006/main" xmlns:r="http://schemas.openxmlformats.org/officeDocument/2006/relationships" xmlns:p="http://schemas.openxmlformats.org/presentationml/2006/main">
+<p:sld xmlns:a="http://schemas.openxmlformats.org/drawingml/2006/main" xmlns:p="http://schemas.openxmlformats.org/presentationml/2006/main" xmlns:r="http://schemas.openxmlformats.org/officeDocument/2006/relationships" xmlns:p14="http://schemas.microsoft.com/office/powerpoint/2010/main" xmlns:p15="http://schemas.microsoft.com/office/powerpoint/2012/main" xmlns:mc="http://schemas.openxmlformats.org/markup-compatibility/2006">
   <p:cSld>
     <p:spTree>
       <p:nvGrpSpPr>
@@ -2692,14 +2081,14 @@
       </p:grpSpPr>
       <p:sp>
         <p:nvSpPr>
-          <p:cNvPr id="47" name="TextShape 1"/>
-          <p:cNvSpPr txBox="1"/>
+          <p:cNvPr id="44" name="CustomShape 1"/>
+          <p:cNvSpPr/>
           <p:nvPr/>
         </p:nvSpPr>
         <p:spPr>
           <a:xfrm>
             <a:off x="2197080" y="1079640"/>
-            <a:ext cx="7797600" cy="2138040"/>
+            <a:ext cx="7797240" cy="2137680"/>
           </a:xfrm>
           <a:prstGeom prst="rect">
             <a:avLst/>
@@ -2709,11 +2098,16 @@
             <a:noFill/>
           </a:ln>
         </p:spPr>
-        <p:txBody>
-          <a:bodyPr lIns="0" tIns="0" rIns="0" bIns="0" anchor="b">
+        <p:style>
+          <a:lnRef idx="0"/>
+          <a:fillRef idx="0"/>
+          <a:effectRef idx="0"/>
+          <a:fontRef idx="minor"/>
+        </p:style>
+        <p:txBody>
+          <a:bodyPr lIns="0" rIns="0" tIns="0" bIns="0" anchor="b">
             <a:normAutofit/>
           </a:bodyPr>
-          <a:lstStyle/>
           <a:p>
             <a:pPr algn="ctr">
               <a:lnSpc>
@@ -2721,33 +2115,36 @@
               </a:lnSpc>
             </a:pPr>
             <a:r>
-              <a:rPr lang="es-ES" sz="4800" b="0" strike="noStrike" cap="all" spc="398">
-                <a:solidFill>
-                  <a:srgbClr val="FFFFFF"/>
+              <a:rPr b="0" lang="es-ES" sz="4800" spc="395" strike="noStrike" cap="all">
+                <a:solidFill>
+                  <a:srgbClr val="ffffff"/>
                 </a:solidFill>
                 <a:latin typeface="Rockwell Nova Light"/>
+                <a:ea typeface="DejaVu Sans"/>
               </a:rPr>
               <a:t>Tipos de pruebas de software</a:t>
             </a:r>
-            <a:endParaRPr lang="es-ES" sz="4800" b="0" strike="noStrike" spc="-1">
-              <a:solidFill>
-                <a:srgbClr val="FFFFFF"/>
-              </a:solidFill>
-              <a:latin typeface="Avenir Next LT Pro Light"/>
+            <a:endParaRPr b="0" lang="es-ES" sz="4800" spc="-1" strike="noStrike">
+              <a:latin typeface="Arial"/>
             </a:endParaRPr>
           </a:p>
         </p:txBody>
       </p:sp>
     </p:spTree>
   </p:cSld>
-  <p:clrMapOvr>
-    <a:masterClrMapping/>
-  </p:clrMapOvr>
+  <mc:AlternateContent>
+    <mc:Choice Requires="p14">
+      <p:transition spd="slow" p14:dur="2000"/>
+    </mc:Choice>
+    <mc:Fallback>
+      <p:transition spd="slow"/>
+    </mc:Fallback>
+  </mc:AlternateContent>
 </p:sld>
 </file>
 
 <file path=ppt/slides/slide2.xml><?xml version="1.0" encoding="utf-8"?>
-<p:sld xmlns:a="http://schemas.openxmlformats.org/drawingml/2006/main" xmlns:r="http://schemas.openxmlformats.org/officeDocument/2006/relationships" xmlns:p="http://schemas.openxmlformats.org/presentationml/2006/main">
+<p:sld xmlns:a="http://schemas.openxmlformats.org/drawingml/2006/main" xmlns:p="http://schemas.openxmlformats.org/presentationml/2006/main" xmlns:r="http://schemas.openxmlformats.org/officeDocument/2006/relationships" xmlns:p14="http://schemas.microsoft.com/office/powerpoint/2010/main" xmlns:p15="http://schemas.microsoft.com/office/powerpoint/2012/main" xmlns:mc="http://schemas.openxmlformats.org/markup-compatibility/2006">
   <p:cSld>
     <p:spTree>
       <p:nvGrpSpPr>
@@ -2765,14 +2162,14 @@
       </p:grpSpPr>
       <p:sp>
         <p:nvSpPr>
-          <p:cNvPr id="48" name="TextShape 1"/>
-          <p:cNvSpPr txBox="1"/>
+          <p:cNvPr id="45" name="CustomShape 1"/>
+          <p:cNvSpPr/>
           <p:nvPr/>
         </p:nvSpPr>
         <p:spPr>
           <a:xfrm>
             <a:off x="2197080" y="1079640"/>
-            <a:ext cx="7797600" cy="2138040"/>
+            <a:ext cx="7797240" cy="2137680"/>
           </a:xfrm>
           <a:prstGeom prst="rect">
             <a:avLst/>
@@ -2782,11 +2179,16 @@
             <a:noFill/>
           </a:ln>
         </p:spPr>
-        <p:txBody>
-          <a:bodyPr lIns="0" tIns="0" rIns="0" bIns="0" anchor="b">
+        <p:style>
+          <a:lnRef idx="0"/>
+          <a:fillRef idx="0"/>
+          <a:effectRef idx="0"/>
+          <a:fontRef idx="minor"/>
+        </p:style>
+        <p:txBody>
+          <a:bodyPr lIns="0" rIns="0" tIns="0" bIns="0" anchor="b">
             <a:normAutofit/>
           </a:bodyPr>
-          <a:lstStyle/>
           <a:p>
             <a:pPr algn="ctr">
               <a:lnSpc>
@@ -2794,33 +2196,31 @@
               </a:lnSpc>
             </a:pPr>
             <a:r>
-              <a:rPr lang="es-ES" sz="4800" b="0" strike="noStrike" cap="all" spc="398">
-                <a:solidFill>
-                  <a:srgbClr val="FFFFFF"/>
+              <a:rPr b="0" lang="es-ES" sz="4800" spc="395" strike="noStrike" cap="all">
+                <a:solidFill>
+                  <a:srgbClr val="ffffff"/>
                 </a:solidFill>
                 <a:latin typeface="Rockwell Nova Light"/>
+                <a:ea typeface="DejaVu Sans"/>
               </a:rPr>
               <a:t>Pruebas funcionales</a:t>
             </a:r>
-            <a:endParaRPr lang="es-ES" sz="4800" b="0" strike="noStrike" spc="-1">
-              <a:solidFill>
-                <a:srgbClr val="FFFFFF"/>
-              </a:solidFill>
-              <a:latin typeface="Avenir Next LT Pro Light"/>
-            </a:endParaRPr>
-          </a:p>
-        </p:txBody>
-      </p:sp>
-      <p:sp>
-        <p:nvSpPr>
-          <p:cNvPr id="49" name="TextShape 2"/>
-          <p:cNvSpPr txBox="1"/>
+            <a:endParaRPr b="0" lang="es-ES" sz="4800" spc="-1" strike="noStrike">
+              <a:latin typeface="Arial"/>
+            </a:endParaRPr>
+          </a:p>
+        </p:txBody>
+      </p:sp>
+      <p:sp>
+        <p:nvSpPr>
+          <p:cNvPr id="46" name="CustomShape 2"/>
+          <p:cNvSpPr/>
           <p:nvPr/>
         </p:nvSpPr>
         <p:spPr>
           <a:xfrm>
             <a:off x="3308400" y="4113360"/>
-            <a:ext cx="5574960" cy="1655280"/>
+            <a:ext cx="5574600" cy="1654920"/>
           </a:xfrm>
           <a:prstGeom prst="rect">
             <a:avLst/>
@@ -2830,11 +2230,16 @@
             <a:noFill/>
           </a:ln>
         </p:spPr>
-        <p:txBody>
-          <a:bodyPr lIns="0" tIns="0" rIns="0" bIns="0">
+        <p:style>
+          <a:lnRef idx="0"/>
+          <a:fillRef idx="0"/>
+          <a:effectRef idx="0"/>
+          <a:fontRef idx="minor"/>
+        </p:style>
+        <p:txBody>
+          <a:bodyPr lIns="0" rIns="0" tIns="0" bIns="0">
             <a:normAutofit/>
           </a:bodyPr>
-          <a:lstStyle/>
           <a:p>
             <a:pPr algn="ctr">
               <a:lnSpc>
@@ -2845,15 +2250,16 @@
               </a:spcBef>
             </a:pPr>
             <a:r>
-              <a:rPr lang="es-ES" sz="2400" b="0" i="1" strike="noStrike" spc="-1">
-                <a:solidFill>
-                  <a:srgbClr val="FFFFFF"/>
+              <a:rPr b="0" i="1" lang="es-ES" sz="2400" spc="-1" strike="noStrike">
+                <a:solidFill>
+                  <a:srgbClr val="ffffff"/>
                 </a:solidFill>
                 <a:latin typeface="Avenir Next LT Pro Light"/>
+                <a:ea typeface="DejaVu Sans"/>
               </a:rPr>
               <a:t>Son pruebas conocidas como pruebas de caja negra. Analizan los datos de entrada y salida para obtener un caso de prueba antes del inicio de este</a:t>
             </a:r>
-            <a:endParaRPr lang="es-ES" sz="2400" b="0" strike="noStrike" spc="-1">
+            <a:endParaRPr b="0" lang="es-ES" sz="2400" spc="-1" strike="noStrike">
               <a:latin typeface="Arial"/>
             </a:endParaRPr>
           </a:p>
@@ -2861,14 +2267,19 @@
       </p:sp>
     </p:spTree>
   </p:cSld>
-  <p:clrMapOvr>
-    <a:masterClrMapping/>
-  </p:clrMapOvr>
+  <mc:AlternateContent>
+    <mc:Choice Requires="p14">
+      <p:transition spd="slow" p14:dur="2000"/>
+    </mc:Choice>
+    <mc:Fallback>
+      <p:transition spd="slow"/>
+    </mc:Fallback>
+  </mc:AlternateContent>
 </p:sld>
 </file>
 
 <file path=ppt/slides/slide3.xml><?xml version="1.0" encoding="utf-8"?>
-<p:sld xmlns:a="http://schemas.openxmlformats.org/drawingml/2006/main" xmlns:r="http://schemas.openxmlformats.org/officeDocument/2006/relationships" xmlns:p="http://schemas.openxmlformats.org/presentationml/2006/main">
+<p:sld xmlns:a="http://schemas.openxmlformats.org/drawingml/2006/main" xmlns:p="http://schemas.openxmlformats.org/presentationml/2006/main" xmlns:r="http://schemas.openxmlformats.org/officeDocument/2006/relationships" xmlns:p14="http://schemas.microsoft.com/office/powerpoint/2010/main" xmlns:p15="http://schemas.microsoft.com/office/powerpoint/2012/main" xmlns:mc="http://schemas.openxmlformats.org/markup-compatibility/2006">
   <p:cSld>
     <p:spTree>
       <p:nvGrpSpPr>
@@ -2886,14 +2297,14 @@
       </p:grpSpPr>
       <p:sp>
         <p:nvSpPr>
-          <p:cNvPr id="50" name="TextShape 1"/>
-          <p:cNvSpPr txBox="1"/>
+          <p:cNvPr id="47" name="CustomShape 1"/>
+          <p:cNvSpPr/>
           <p:nvPr/>
         </p:nvSpPr>
         <p:spPr>
           <a:xfrm>
             <a:off x="2197080" y="1079640"/>
-            <a:ext cx="8294040" cy="2138040"/>
+            <a:ext cx="8293680" cy="2137680"/>
           </a:xfrm>
           <a:prstGeom prst="rect">
             <a:avLst/>
@@ -2903,11 +2314,16 @@
             <a:noFill/>
           </a:ln>
         </p:spPr>
-        <p:txBody>
-          <a:bodyPr lIns="0" tIns="0" rIns="0" bIns="0" anchor="b">
+        <p:style>
+          <a:lnRef idx="0"/>
+          <a:fillRef idx="0"/>
+          <a:effectRef idx="0"/>
+          <a:fontRef idx="minor"/>
+        </p:style>
+        <p:txBody>
+          <a:bodyPr lIns="0" rIns="0" tIns="0" bIns="0" anchor="b">
             <a:normAutofit/>
           </a:bodyPr>
-          <a:lstStyle/>
           <a:p>
             <a:pPr algn="ctr">
               <a:lnSpc>
@@ -2915,33 +2331,31 @@
               </a:lnSpc>
             </a:pPr>
             <a:r>
-              <a:rPr lang="es-ES" sz="4800" b="0" strike="noStrike" cap="all" spc="398">
-                <a:solidFill>
-                  <a:srgbClr val="FFFFFF"/>
+              <a:rPr b="0" lang="es-ES" sz="4800" spc="395" strike="noStrike" cap="all">
+                <a:solidFill>
+                  <a:srgbClr val="ffffff"/>
                 </a:solidFill>
                 <a:latin typeface="Rockwell Nova Light"/>
+                <a:ea typeface="DejaVu Sans"/>
               </a:rPr>
               <a:t>Pruebas no funcionales</a:t>
             </a:r>
-            <a:endParaRPr lang="es-ES" sz="4800" b="0" strike="noStrike" spc="-1">
-              <a:solidFill>
-                <a:srgbClr val="FFFFFF"/>
-              </a:solidFill>
-              <a:latin typeface="Avenir Next LT Pro Light"/>
-            </a:endParaRPr>
-          </a:p>
-        </p:txBody>
-      </p:sp>
-      <p:sp>
-        <p:nvSpPr>
-          <p:cNvPr id="51" name="TextShape 2"/>
-          <p:cNvSpPr txBox="1"/>
+            <a:endParaRPr b="0" lang="es-ES" sz="4800" spc="-1" strike="noStrike">
+              <a:latin typeface="Arial"/>
+            </a:endParaRPr>
+          </a:p>
+        </p:txBody>
+      </p:sp>
+      <p:sp>
+        <p:nvSpPr>
+          <p:cNvPr id="48" name="CustomShape 2"/>
+          <p:cNvSpPr/>
           <p:nvPr/>
         </p:nvSpPr>
         <p:spPr>
           <a:xfrm>
             <a:off x="3308400" y="4113360"/>
-            <a:ext cx="5574960" cy="1655280"/>
+            <a:ext cx="5574600" cy="1654920"/>
           </a:xfrm>
           <a:prstGeom prst="rect">
             <a:avLst/>
@@ -2951,11 +2365,16 @@
             <a:noFill/>
           </a:ln>
         </p:spPr>
-        <p:txBody>
-          <a:bodyPr lIns="0" tIns="0" rIns="0" bIns="0">
+        <p:style>
+          <a:lnRef idx="0"/>
+          <a:fillRef idx="0"/>
+          <a:effectRef idx="0"/>
+          <a:fontRef idx="minor"/>
+        </p:style>
+        <p:txBody>
+          <a:bodyPr lIns="0" rIns="0" tIns="0" bIns="0">
             <a:normAutofit/>
           </a:bodyPr>
-          <a:lstStyle/>
           <a:p>
             <a:pPr algn="ctr">
               <a:lnSpc>
@@ -2966,15 +2385,16 @@
               </a:spcBef>
             </a:pPr>
             <a:r>
-              <a:rPr lang="es-ES" sz="2400" b="0" i="1" strike="noStrike" spc="-1">
-                <a:solidFill>
-                  <a:srgbClr val="FFFFFF"/>
+              <a:rPr b="0" i="1" lang="es-ES" sz="2400" spc="-1" strike="noStrike">
+                <a:solidFill>
+                  <a:srgbClr val="ffffff"/>
                 </a:solidFill>
                 <a:latin typeface="Avenir Next LT Pro Light"/>
+                <a:ea typeface="DejaVu Sans"/>
               </a:rPr>
               <a:t>Prueban los atributos de un componente o de un sistema que no se refieren a la funcionalidad</a:t>
             </a:r>
-            <a:endParaRPr lang="es-ES" sz="2400" b="0" strike="noStrike" spc="-1">
+            <a:endParaRPr b="0" lang="es-ES" sz="2400" spc="-1" strike="noStrike">
               <a:latin typeface="Arial"/>
             </a:endParaRPr>
           </a:p>
@@ -2982,14 +2402,19 @@
       </p:sp>
     </p:spTree>
   </p:cSld>
-  <p:clrMapOvr>
-    <a:masterClrMapping/>
-  </p:clrMapOvr>
+  <mc:AlternateContent>
+    <mc:Choice Requires="p14">
+      <p:transition spd="slow" p14:dur="2000"/>
+    </mc:Choice>
+    <mc:Fallback>
+      <p:transition spd="slow"/>
+    </mc:Fallback>
+  </mc:AlternateContent>
 </p:sld>
 </file>
 
 <file path=ppt/slides/slide4.xml><?xml version="1.0" encoding="utf-8"?>
-<p:sld xmlns:a="http://schemas.openxmlformats.org/drawingml/2006/main" xmlns:r="http://schemas.openxmlformats.org/officeDocument/2006/relationships" xmlns:p="http://schemas.openxmlformats.org/presentationml/2006/main">
+<p:sld xmlns:a="http://schemas.openxmlformats.org/drawingml/2006/main" xmlns:p="http://schemas.openxmlformats.org/presentationml/2006/main" xmlns:r="http://schemas.openxmlformats.org/officeDocument/2006/relationships" xmlns:p14="http://schemas.microsoft.com/office/powerpoint/2010/main" xmlns:p15="http://schemas.microsoft.com/office/powerpoint/2012/main" xmlns:mc="http://schemas.openxmlformats.org/markup-compatibility/2006">
   <p:cSld>
     <p:spTree>
       <p:nvGrpSpPr>
@@ -3007,14 +2432,14 @@
       </p:grpSpPr>
       <p:sp>
         <p:nvSpPr>
-          <p:cNvPr id="52" name="TextShape 1"/>
-          <p:cNvSpPr txBox="1"/>
+          <p:cNvPr id="49" name="CustomShape 1"/>
+          <p:cNvSpPr/>
           <p:nvPr/>
         </p:nvSpPr>
         <p:spPr>
           <a:xfrm>
             <a:off x="2197080" y="1079640"/>
-            <a:ext cx="8294040" cy="2138040"/>
+            <a:ext cx="8293680" cy="2137680"/>
           </a:xfrm>
           <a:prstGeom prst="rect">
             <a:avLst/>
@@ -3024,11 +2449,16 @@
             <a:noFill/>
           </a:ln>
         </p:spPr>
-        <p:txBody>
-          <a:bodyPr lIns="0" tIns="0" rIns="0" bIns="0" anchor="b">
+        <p:style>
+          <a:lnRef idx="0"/>
+          <a:fillRef idx="0"/>
+          <a:effectRef idx="0"/>
+          <a:fontRef idx="minor"/>
+        </p:style>
+        <p:txBody>
+          <a:bodyPr lIns="0" rIns="0" tIns="0" bIns="0" anchor="b">
             <a:normAutofit/>
           </a:bodyPr>
-          <a:lstStyle/>
           <a:p>
             <a:pPr algn="ctr">
               <a:lnSpc>
@@ -3036,33 +2466,31 @@
               </a:lnSpc>
             </a:pPr>
             <a:r>
-              <a:rPr lang="es-ES" sz="4800" b="0" strike="noStrike" cap="all" spc="398">
-                <a:solidFill>
-                  <a:srgbClr val="FFFFFF"/>
+              <a:rPr b="0" lang="es-ES" sz="4800" spc="395" strike="noStrike" cap="all">
+                <a:solidFill>
+                  <a:srgbClr val="ffffff"/>
                 </a:solidFill>
                 <a:latin typeface="Rockwell Nova Light"/>
+                <a:ea typeface="DejaVu Sans"/>
               </a:rPr>
               <a:t>Tipos de pruebas funcionales</a:t>
             </a:r>
-            <a:endParaRPr lang="es-ES" sz="4800" b="0" strike="noStrike" spc="-1">
-              <a:solidFill>
-                <a:srgbClr val="FFFFFF"/>
-              </a:solidFill>
-              <a:latin typeface="Avenir Next LT Pro Light"/>
-            </a:endParaRPr>
-          </a:p>
-        </p:txBody>
-      </p:sp>
-      <p:sp>
-        <p:nvSpPr>
-          <p:cNvPr id="53" name="TextShape 2"/>
-          <p:cNvSpPr txBox="1"/>
+            <a:endParaRPr b="0" lang="es-ES" sz="4800" spc="-1" strike="noStrike">
+              <a:latin typeface="Arial"/>
+            </a:endParaRPr>
+          </a:p>
+        </p:txBody>
+      </p:sp>
+      <p:sp>
+        <p:nvSpPr>
+          <p:cNvPr id="50" name="CustomShape 2"/>
+          <p:cNvSpPr/>
           <p:nvPr/>
         </p:nvSpPr>
         <p:spPr>
           <a:xfrm>
             <a:off x="3465000" y="4402080"/>
-            <a:ext cx="5261400" cy="1655280"/>
+            <a:ext cx="5261040" cy="1654920"/>
           </a:xfrm>
           <a:prstGeom prst="rect">
             <a:avLst/>
@@ -3072,13 +2500,18 @@
             <a:noFill/>
           </a:ln>
         </p:spPr>
-        <p:txBody>
-          <a:bodyPr lIns="0" tIns="0" rIns="0" bIns="0">
+        <p:style>
+          <a:lnRef idx="0"/>
+          <a:fillRef idx="0"/>
+          <a:effectRef idx="0"/>
+          <a:fontRef idx="minor"/>
+        </p:style>
+        <p:txBody>
+          <a:bodyPr lIns="0" rIns="0" tIns="0" bIns="0">
             <a:normAutofit fontScale="80000"/>
           </a:bodyPr>
-          <a:lstStyle/>
-          <a:p>
-            <a:pPr marL="343080" indent="-342720" algn="ctr">
+          <a:p>
+            <a:pPr marL="343080" indent="-342360" algn="ctr">
               <a:lnSpc>
                 <a:spcPct val="125000"/>
               </a:lnSpc>
@@ -3086,26 +2519,27 @@
                 <a:spcPts val="1001"/>
               </a:spcBef>
               <a:buClr>
-                <a:srgbClr val="EF8C6A"/>
+                <a:srgbClr val="ef8c6a"/>
               </a:buClr>
               <a:buFont typeface="Wingdings" charset="2"/>
               <a:buChar char=""/>
             </a:pPr>
             <a:r>
-              <a:rPr lang="es-ES" sz="2400" b="0" i="1" strike="noStrike" spc="-1">
-                <a:solidFill>
-                  <a:srgbClr val="FFFFFF"/>
+              <a:rPr b="0" i="1" lang="es-ES" sz="2400" spc="-1" strike="noStrike">
+                <a:solidFill>
+                  <a:srgbClr val="ffffff"/>
                 </a:solidFill>
                 <a:latin typeface="Avenir Next LT Pro Light"/>
+                <a:ea typeface="DejaVu Sans"/>
               </a:rPr>
               <a:t>Pruebas unitarias</a:t>
             </a:r>
-            <a:endParaRPr lang="es-ES" sz="2400" b="0" strike="noStrike" spc="-1">
-              <a:latin typeface="Arial"/>
-            </a:endParaRPr>
-          </a:p>
-          <a:p>
-            <a:pPr marL="343080" indent="-342720" algn="ctr">
+            <a:endParaRPr b="0" lang="es-ES" sz="2400" spc="-1" strike="noStrike">
+              <a:latin typeface="Arial"/>
+            </a:endParaRPr>
+          </a:p>
+          <a:p>
+            <a:pPr marL="343080" indent="-342360" algn="ctr">
               <a:lnSpc>
                 <a:spcPct val="125000"/>
               </a:lnSpc>
@@ -3113,26 +2547,27 @@
                 <a:spcPts val="1001"/>
               </a:spcBef>
               <a:buClr>
-                <a:srgbClr val="EF8C6A"/>
+                <a:srgbClr val="ef8c6a"/>
               </a:buClr>
               <a:buFont typeface="Wingdings" charset="2"/>
               <a:buChar char=""/>
             </a:pPr>
             <a:r>
-              <a:rPr lang="es-ES" sz="2400" b="0" i="1" strike="noStrike" spc="-1">
-                <a:solidFill>
-                  <a:srgbClr val="FFFFFF"/>
+              <a:rPr b="0" i="1" lang="es-ES" sz="2400" spc="-1" strike="noStrike">
+                <a:solidFill>
+                  <a:srgbClr val="ffffff"/>
                 </a:solidFill>
                 <a:latin typeface="Avenir Next LT Pro Light"/>
+                <a:ea typeface="DejaVu Sans"/>
               </a:rPr>
               <a:t>Pruebas de integración</a:t>
             </a:r>
-            <a:endParaRPr lang="es-ES" sz="2400" b="0" strike="noStrike" spc="-1">
-              <a:latin typeface="Arial"/>
-            </a:endParaRPr>
-          </a:p>
-          <a:p>
-            <a:pPr marL="343080" indent="-342720" algn="ctr">
+            <a:endParaRPr b="0" lang="es-ES" sz="2400" spc="-1" strike="noStrike">
+              <a:latin typeface="Arial"/>
+            </a:endParaRPr>
+          </a:p>
+          <a:p>
+            <a:pPr marL="343080" indent="-342360" algn="ctr">
               <a:lnSpc>
                 <a:spcPct val="125000"/>
               </a:lnSpc>
@@ -3140,26 +2575,27 @@
                 <a:spcPts val="1001"/>
               </a:spcBef>
               <a:buClr>
-                <a:srgbClr val="EF8C6A"/>
+                <a:srgbClr val="ef8c6a"/>
               </a:buClr>
               <a:buFont typeface="Wingdings" charset="2"/>
               <a:buChar char=""/>
             </a:pPr>
             <a:r>
-              <a:rPr lang="es-ES" sz="2400" b="0" i="1" strike="noStrike" spc="-1">
-                <a:solidFill>
-                  <a:srgbClr val="FFFFFF"/>
+              <a:rPr b="0" i="1" lang="es-ES" sz="2400" spc="-1" strike="noStrike">
+                <a:solidFill>
+                  <a:srgbClr val="ffffff"/>
                 </a:solidFill>
                 <a:latin typeface="Avenir Next LT Pro Light"/>
+                <a:ea typeface="DejaVu Sans"/>
               </a:rPr>
               <a:t>Pruebas de regresión</a:t>
             </a:r>
-            <a:endParaRPr lang="es-ES" sz="2400" b="0" strike="noStrike" spc="-1">
-              <a:latin typeface="Arial"/>
-            </a:endParaRPr>
-          </a:p>
-          <a:p>
-            <a:pPr marL="343080" indent="-342720" algn="ctr">
+            <a:endParaRPr b="0" lang="es-ES" sz="2400" spc="-1" strike="noStrike">
+              <a:latin typeface="Arial"/>
+            </a:endParaRPr>
+          </a:p>
+          <a:p>
+            <a:pPr marL="343080" indent="-342360" algn="ctr">
               <a:lnSpc>
                 <a:spcPct val="125000"/>
               </a:lnSpc>
@@ -3167,21 +2603,22 @@
                 <a:spcPts val="1001"/>
               </a:spcBef>
               <a:buClr>
-                <a:srgbClr val="EF8C6A"/>
+                <a:srgbClr val="ef8c6a"/>
               </a:buClr>
               <a:buFont typeface="Wingdings" charset="2"/>
               <a:buChar char=""/>
             </a:pPr>
             <a:r>
-              <a:rPr lang="es-ES" sz="2400" b="0" i="1" strike="noStrike" spc="-1">
-                <a:solidFill>
-                  <a:srgbClr val="FFFFFF"/>
+              <a:rPr b="0" i="1" lang="es-ES" sz="2400" spc="-1" strike="noStrike">
+                <a:solidFill>
+                  <a:srgbClr val="ffffff"/>
                 </a:solidFill>
                 <a:latin typeface="Avenir Next LT Pro Light"/>
+                <a:ea typeface="DejaVu Sans"/>
               </a:rPr>
               <a:t>Pruebas de aceptación</a:t>
             </a:r>
-            <a:endParaRPr lang="es-ES" sz="2400" b="0" strike="noStrike" spc="-1">
+            <a:endParaRPr b="0" lang="es-ES" sz="2400" spc="-1" strike="noStrike">
               <a:latin typeface="Arial"/>
             </a:endParaRPr>
           </a:p>
@@ -3189,14 +2626,19 @@
       </p:sp>
     </p:spTree>
   </p:cSld>
-  <p:clrMapOvr>
-    <a:masterClrMapping/>
-  </p:clrMapOvr>
+  <mc:AlternateContent>
+    <mc:Choice Requires="p14">
+      <p:transition spd="slow" p14:dur="2000"/>
+    </mc:Choice>
+    <mc:Fallback>
+      <p:transition spd="slow"/>
+    </mc:Fallback>
+  </mc:AlternateContent>
 </p:sld>
 </file>
 
 <file path=ppt/slides/slide5.xml><?xml version="1.0" encoding="utf-8"?>
-<p:sld xmlns:a="http://schemas.openxmlformats.org/drawingml/2006/main" xmlns:r="http://schemas.openxmlformats.org/officeDocument/2006/relationships" xmlns:p="http://schemas.openxmlformats.org/presentationml/2006/main">
+<p:sld xmlns:a="http://schemas.openxmlformats.org/drawingml/2006/main" xmlns:p="http://schemas.openxmlformats.org/presentationml/2006/main" xmlns:r="http://schemas.openxmlformats.org/officeDocument/2006/relationships" xmlns:p14="http://schemas.microsoft.com/office/powerpoint/2010/main" xmlns:p15="http://schemas.microsoft.com/office/powerpoint/2012/main" xmlns:mc="http://schemas.openxmlformats.org/markup-compatibility/2006">
   <p:cSld>
     <p:spTree>
       <p:nvGrpSpPr>
@@ -3214,14 +2656,14 @@
       </p:grpSpPr>
       <p:sp>
         <p:nvSpPr>
-          <p:cNvPr id="54" name="TextShape 1"/>
-          <p:cNvSpPr txBox="1"/>
+          <p:cNvPr id="51" name="CustomShape 1"/>
+          <p:cNvSpPr/>
           <p:nvPr/>
         </p:nvSpPr>
         <p:spPr>
           <a:xfrm>
             <a:off x="2197080" y="1079640"/>
-            <a:ext cx="8294040" cy="2138040"/>
+            <a:ext cx="8293680" cy="2137680"/>
           </a:xfrm>
           <a:prstGeom prst="rect">
             <a:avLst/>
@@ -3231,11 +2673,16 @@
             <a:noFill/>
           </a:ln>
         </p:spPr>
-        <p:txBody>
-          <a:bodyPr lIns="0" tIns="0" rIns="0" bIns="0" anchor="b">
+        <p:style>
+          <a:lnRef idx="0"/>
+          <a:fillRef idx="0"/>
+          <a:effectRef idx="0"/>
+          <a:fontRef idx="minor"/>
+        </p:style>
+        <p:txBody>
+          <a:bodyPr lIns="0" rIns="0" tIns="0" bIns="0" anchor="b">
             <a:normAutofit/>
           </a:bodyPr>
-          <a:lstStyle/>
           <a:p>
             <a:pPr algn="ctr">
               <a:lnSpc>
@@ -3243,43 +2690,42 @@
               </a:lnSpc>
             </a:pPr>
             <a:r>
-              <a:rPr lang="es-ES" sz="4800" b="0" strike="noStrike" cap="all" spc="398">
-                <a:solidFill>
-                  <a:srgbClr val="FFFFFF"/>
+              <a:rPr b="0" lang="es-ES" sz="4800" spc="395" strike="noStrike" cap="all">
+                <a:solidFill>
+                  <a:srgbClr val="ffffff"/>
                 </a:solidFill>
                 <a:latin typeface="Rockwell Nova Light"/>
+                <a:ea typeface="DejaVu Sans"/>
               </a:rPr>
               <a:t>Tipos de pruebas</a:t>
             </a:r>
             <a:br/>
             <a:r>
-              <a:rPr lang="es-ES" sz="4800" b="0" strike="noStrike" cap="all" spc="398">
-                <a:solidFill>
-                  <a:srgbClr val="FFFFFF"/>
+              <a:rPr b="0" lang="es-ES" sz="4800" spc="395" strike="noStrike" cap="all">
+                <a:solidFill>
+                  <a:srgbClr val="ffffff"/>
                 </a:solidFill>
                 <a:latin typeface="Rockwell Nova Light"/>
+                <a:ea typeface="DejaVu Sans"/>
               </a:rPr>
               <a:t> no funcionales</a:t>
             </a:r>
-            <a:endParaRPr lang="es-ES" sz="4800" b="0" strike="noStrike" spc="-1">
-              <a:solidFill>
-                <a:srgbClr val="FFFFFF"/>
-              </a:solidFill>
-              <a:latin typeface="Avenir Next LT Pro Light"/>
-            </a:endParaRPr>
-          </a:p>
-        </p:txBody>
-      </p:sp>
-      <p:sp>
-        <p:nvSpPr>
-          <p:cNvPr id="55" name="TextShape 2"/>
-          <p:cNvSpPr txBox="1"/>
+            <a:endParaRPr b="0" lang="es-ES" sz="4800" spc="-1" strike="noStrike">
+              <a:latin typeface="Arial"/>
+            </a:endParaRPr>
+          </a:p>
+        </p:txBody>
+      </p:sp>
+      <p:sp>
+        <p:nvSpPr>
+          <p:cNvPr id="52" name="CustomShape 2"/>
+          <p:cNvSpPr/>
           <p:nvPr/>
         </p:nvSpPr>
         <p:spPr>
           <a:xfrm>
             <a:off x="1082520" y="4370040"/>
-            <a:ext cx="5125320" cy="2335320"/>
+            <a:ext cx="5124960" cy="2334960"/>
           </a:xfrm>
           <a:prstGeom prst="rect">
             <a:avLst/>
@@ -3289,13 +2735,18 @@
             <a:noFill/>
           </a:ln>
         </p:spPr>
-        <p:txBody>
-          <a:bodyPr lIns="0" tIns="0" rIns="0" bIns="0" anchor="t">
-            <a:normAutofit fontScale="67000" lnSpcReduction="20000"/>
-          </a:bodyPr>
-          <a:lstStyle/>
-          <a:p>
-            <a:pPr marL="342900" indent="-342265">
+        <p:style>
+          <a:lnRef idx="0"/>
+          <a:fillRef idx="0"/>
+          <a:effectRef idx="0"/>
+          <a:fontRef idx="minor"/>
+        </p:style>
+        <p:txBody>
+          <a:bodyPr lIns="0" rIns="0" tIns="0" bIns="0">
+            <a:normAutofit fontScale="45000"/>
+          </a:bodyPr>
+          <a:p>
+            <a:pPr marL="343080" indent="-342000">
               <a:lnSpc>
                 <a:spcPct val="125000"/>
               </a:lnSpc>
@@ -3303,26 +2754,27 @@
                 <a:spcPts val="1001"/>
               </a:spcBef>
               <a:buClr>
-                <a:srgbClr val="EF8C6A"/>
+                <a:srgbClr val="ef8c6a"/>
               </a:buClr>
               <a:buFont typeface="Wingdings" charset="2"/>
               <a:buChar char=""/>
             </a:pPr>
             <a:r>
-              <a:rPr lang="es-ES" sz="3500" b="1" i="1" strike="noStrike" spc="-1" dirty="0">
-                <a:solidFill>
-                  <a:srgbClr val="FFFFFF"/>
+              <a:rPr b="1" i="1" lang="es-ES" sz="3500" spc="-1" strike="noStrike">
+                <a:solidFill>
+                  <a:srgbClr val="ffffff"/>
                 </a:solidFill>
                 <a:latin typeface="Avenir Next LT Pro Light"/>
+                <a:ea typeface="DejaVu Sans"/>
               </a:rPr>
               <a:t>Pruebas de rendimiento</a:t>
             </a:r>
-            <a:endParaRPr lang="es-ES" sz="3500" b="0" strike="noStrike" spc="-1">
-              <a:latin typeface="Arial"/>
-            </a:endParaRPr>
-          </a:p>
-          <a:p>
-            <a:pPr marL="342900" indent="-342265">
+            <a:endParaRPr b="0" lang="es-ES" sz="3500" spc="-1" strike="noStrike">
+              <a:latin typeface="Arial"/>
+            </a:endParaRPr>
+          </a:p>
+          <a:p>
+            <a:pPr marL="343080" indent="-342000">
               <a:lnSpc>
                 <a:spcPct val="125000"/>
               </a:lnSpc>
@@ -3330,26 +2782,27 @@
                 <a:spcPts val="1001"/>
               </a:spcBef>
               <a:buClr>
-                <a:srgbClr val="EF8C6A"/>
+                <a:srgbClr val="ef8c6a"/>
               </a:buClr>
               <a:buFont typeface="Wingdings" charset="2"/>
               <a:buChar char=""/>
             </a:pPr>
             <a:r>
-              <a:rPr lang="es-ES" sz="3500" b="0" i="1" strike="noStrike" spc="-1" dirty="0">
-                <a:solidFill>
-                  <a:srgbClr val="FFFFFF"/>
+              <a:rPr b="0" i="1" lang="es-ES" sz="3500" spc="-1" strike="noStrike">
+                <a:solidFill>
+                  <a:srgbClr val="ffffff"/>
                 </a:solidFill>
                 <a:latin typeface="Avenir Next LT Pro Light"/>
+                <a:ea typeface="DejaVu Sans"/>
               </a:rPr>
               <a:t>Pruebas de Carga</a:t>
             </a:r>
-            <a:endParaRPr lang="es-ES" sz="3500" b="0" strike="noStrike" spc="-1">
-              <a:latin typeface="Arial"/>
-            </a:endParaRPr>
-          </a:p>
-          <a:p>
-            <a:pPr marL="342900" indent="-342265">
+            <a:endParaRPr b="0" lang="es-ES" sz="3500" spc="-1" strike="noStrike">
+              <a:latin typeface="Arial"/>
+            </a:endParaRPr>
+          </a:p>
+          <a:p>
+            <a:pPr marL="343080" indent="-342000">
               <a:lnSpc>
                 <a:spcPct val="125000"/>
               </a:lnSpc>
@@ -3357,26 +2810,27 @@
                 <a:spcPts val="1001"/>
               </a:spcBef>
               <a:buClr>
-                <a:srgbClr val="EF8C6A"/>
+                <a:srgbClr val="ef8c6a"/>
               </a:buClr>
               <a:buFont typeface="Wingdings" charset="2"/>
               <a:buChar char=""/>
             </a:pPr>
             <a:r>
-              <a:rPr lang="es-ES" sz="2900" b="0" i="1" strike="noStrike" spc="-1" dirty="0">
-                <a:solidFill>
-                  <a:srgbClr val="FFFFFF"/>
+              <a:rPr b="0" i="1" lang="es-ES" sz="2900" spc="-1" strike="noStrike">
+                <a:solidFill>
+                  <a:srgbClr val="ffffff"/>
                 </a:solidFill>
                 <a:latin typeface="Avenir Next LT Pro Light"/>
+                <a:ea typeface="DejaVu Sans"/>
               </a:rPr>
               <a:t>Pruebas de Estrés</a:t>
             </a:r>
-            <a:endParaRPr lang="es-ES" sz="2900" b="0" strike="noStrike" spc="-1" dirty="0">
-              <a:latin typeface="Arial"/>
-            </a:endParaRPr>
-          </a:p>
-          <a:p>
-            <a:pPr marL="342900" indent="-342265">
+            <a:endParaRPr b="0" lang="es-ES" sz="2900" spc="-1" strike="noStrike">
+              <a:latin typeface="Arial"/>
+            </a:endParaRPr>
+          </a:p>
+          <a:p>
+            <a:pPr marL="343080" indent="-342000">
               <a:lnSpc>
                 <a:spcPct val="125000"/>
               </a:lnSpc>
@@ -3384,26 +2838,27 @@
                 <a:spcPts val="1001"/>
               </a:spcBef>
               <a:buClr>
-                <a:srgbClr val="EF8C6A"/>
+                <a:srgbClr val="ef8c6a"/>
               </a:buClr>
               <a:buFont typeface="Wingdings" charset="2"/>
               <a:buChar char=""/>
             </a:pPr>
             <a:r>
-              <a:rPr lang="es-ES" sz="2900" b="0" i="1" strike="noStrike" spc="-1" dirty="0">
-                <a:solidFill>
-                  <a:srgbClr val="FFFFFF"/>
+              <a:rPr b="0" i="1" lang="es-ES" sz="2900" spc="-1" strike="noStrike">
+                <a:solidFill>
+                  <a:srgbClr val="ffffff"/>
                 </a:solidFill>
                 <a:latin typeface="Avenir Next LT Pro Light"/>
+                <a:ea typeface="DejaVu Sans"/>
               </a:rPr>
               <a:t>Pruebas de Escalabilidad</a:t>
             </a:r>
-            <a:endParaRPr lang="es-ES" sz="2900" b="0" strike="noStrike" spc="-1" dirty="0">
-              <a:latin typeface="Arial"/>
-            </a:endParaRPr>
-          </a:p>
-          <a:p>
-            <a:pPr marL="342900" indent="-342265">
+            <a:endParaRPr b="0" lang="es-ES" sz="2900" spc="-1" strike="noStrike">
+              <a:latin typeface="Arial"/>
+            </a:endParaRPr>
+          </a:p>
+          <a:p>
+            <a:pPr marL="343080" indent="-342000">
               <a:lnSpc>
                 <a:spcPct val="125000"/>
               </a:lnSpc>
@@ -3411,36 +2866,37 @@
                 <a:spcPts val="1001"/>
               </a:spcBef>
               <a:buClr>
-                <a:srgbClr val="EF8C6A"/>
+                <a:srgbClr val="ef8c6a"/>
               </a:buClr>
               <a:buFont typeface="Wingdings" charset="2"/>
               <a:buChar char=""/>
             </a:pPr>
             <a:r>
-              <a:rPr lang="es-ES" sz="2900" b="0" i="1" strike="noStrike" spc="-1" dirty="0">
-                <a:solidFill>
-                  <a:srgbClr val="FFFFFF"/>
+              <a:rPr b="0" i="1" lang="es-ES" sz="2900" spc="-1" strike="noStrike">
+                <a:solidFill>
+                  <a:srgbClr val="ffffff"/>
                 </a:solidFill>
                 <a:latin typeface="Avenir Next LT Pro Light"/>
+                <a:ea typeface="DejaVu Sans"/>
               </a:rPr>
               <a:t>Pruebas de Volumen</a:t>
             </a:r>
-            <a:endParaRPr lang="es-ES" sz="2900" b="0" strike="noStrike" spc="-1" dirty="0">
-              <a:latin typeface="Arial"/>
-            </a:endParaRPr>
-          </a:p>
-        </p:txBody>
-      </p:sp>
-      <p:sp>
-        <p:nvSpPr>
-          <p:cNvPr id="56" name="CustomShape 3"/>
+            <a:endParaRPr b="0" lang="es-ES" sz="2900" spc="-1" strike="noStrike">
+              <a:latin typeface="Arial"/>
+            </a:endParaRPr>
+          </a:p>
+        </p:txBody>
+      </p:sp>
+      <p:sp>
+        <p:nvSpPr>
+          <p:cNvPr id="53" name="CustomShape 3"/>
           <p:cNvSpPr/>
           <p:nvPr/>
         </p:nvSpPr>
         <p:spPr>
           <a:xfrm>
             <a:off x="6095880" y="4370040"/>
-            <a:ext cx="5125320" cy="2138040"/>
+            <a:ext cx="5124960" cy="2137680"/>
           </a:xfrm>
           <a:prstGeom prst="rect">
             <a:avLst/>
@@ -3451,24 +2907,17 @@
           </a:ln>
         </p:spPr>
         <p:style>
-          <a:lnRef idx="0">
-            <a:scrgbClr r="0" g="0" b="0"/>
-          </a:lnRef>
-          <a:fillRef idx="0">
-            <a:scrgbClr r="0" g="0" b="0"/>
-          </a:fillRef>
-          <a:effectRef idx="0">
-            <a:scrgbClr r="0" g="0" b="0"/>
-          </a:effectRef>
+          <a:lnRef idx="0"/>
+          <a:fillRef idx="0"/>
+          <a:effectRef idx="0"/>
           <a:fontRef idx="minor"/>
         </p:style>
         <p:txBody>
-          <a:bodyPr lIns="0" tIns="0" rIns="0" bIns="0" anchor="t">
+          <a:bodyPr lIns="0" rIns="0" tIns="0" bIns="0">
             <a:noAutofit/>
           </a:bodyPr>
-          <a:lstStyle/>
-          <a:p>
-            <a:pPr marL="342900" indent="-342265">
+          <a:p>
+            <a:pPr marL="343080" indent="-342000">
               <a:lnSpc>
                 <a:spcPct val="125000"/>
               </a:lnSpc>
@@ -3476,26 +2925,27 @@
                 <a:spcPts val="1001"/>
               </a:spcBef>
               <a:buClr>
-                <a:srgbClr val="EF8C6A"/>
+                <a:srgbClr val="ef8c6a"/>
               </a:buClr>
               <a:buFont typeface="Wingdings" charset="2"/>
               <a:buChar char=""/>
             </a:pPr>
             <a:r>
-              <a:rPr lang="es-ES" b="1" i="1" strike="noStrike" spc="-1" dirty="0">
-                <a:solidFill>
-                  <a:srgbClr val="FFFFFF"/>
+              <a:rPr b="1" i="1" lang="es-ES" sz="1800" spc="-1" strike="noStrike">
+                <a:solidFill>
+                  <a:srgbClr val="ffffff"/>
                 </a:solidFill>
                 <a:latin typeface="Avenir Next LT Pro Light"/>
+                <a:ea typeface="DejaVu Sans"/>
               </a:rPr>
               <a:t>Pruebas de seguridad</a:t>
             </a:r>
-            <a:endParaRPr lang="es-ES" b="0" strike="noStrike" spc="-1">
-              <a:latin typeface="Arial"/>
-            </a:endParaRPr>
-          </a:p>
-          <a:p>
-            <a:pPr marL="342900" indent="-342265">
+            <a:endParaRPr b="0" lang="es-ES" sz="1800" spc="-1" strike="noStrike">
+              <a:latin typeface="Arial"/>
+            </a:endParaRPr>
+          </a:p>
+          <a:p>
+            <a:pPr marL="343080" indent="-342000">
               <a:lnSpc>
                 <a:spcPct val="125000"/>
               </a:lnSpc>
@@ -3503,26 +2953,27 @@
                 <a:spcPts val="1001"/>
               </a:spcBef>
               <a:buClr>
-                <a:srgbClr val="EF8C6A"/>
+                <a:srgbClr val="ef8c6a"/>
               </a:buClr>
               <a:buFont typeface="Wingdings" charset="2"/>
               <a:buChar char=""/>
             </a:pPr>
             <a:r>
-              <a:rPr lang="es-ES" b="1" i="1" strike="noStrike" spc="-1" dirty="0">
-                <a:solidFill>
-                  <a:srgbClr val="FFFFFF"/>
+              <a:rPr b="1" i="1" lang="es-ES" sz="1800" spc="-1" strike="noStrike">
+                <a:solidFill>
+                  <a:srgbClr val="ffffff"/>
                 </a:solidFill>
                 <a:latin typeface="Avenir Next LT Pro Light"/>
+                <a:ea typeface="DejaVu Sans"/>
               </a:rPr>
               <a:t>Pruebas de documentación</a:t>
             </a:r>
-            <a:endParaRPr lang="es-ES" b="0" strike="noStrike" spc="-1">
-              <a:latin typeface="Arial"/>
-            </a:endParaRPr>
-          </a:p>
-          <a:p>
-            <a:pPr marL="342900" indent="-342265">
+            <a:endParaRPr b="0" lang="es-ES" sz="1800" spc="-1" strike="noStrike">
+              <a:latin typeface="Arial"/>
+            </a:endParaRPr>
+          </a:p>
+          <a:p>
+            <a:pPr marL="343080" indent="-342000">
               <a:lnSpc>
                 <a:spcPct val="125000"/>
               </a:lnSpc>
@@ -3530,26 +2981,27 @@
                 <a:spcPts val="1001"/>
               </a:spcBef>
               <a:buClr>
-                <a:srgbClr val="EF8C6A"/>
+                <a:srgbClr val="ef8c6a"/>
               </a:buClr>
               <a:buFont typeface="Wingdings" charset="2"/>
               <a:buChar char=""/>
             </a:pPr>
             <a:r>
-              <a:rPr lang="es-ES" b="1" i="1" strike="noStrike" spc="-1" dirty="0">
-                <a:solidFill>
-                  <a:srgbClr val="FFFFFF"/>
+              <a:rPr b="1" i="1" lang="es-ES" sz="1800" spc="-1" strike="noStrike">
+                <a:solidFill>
+                  <a:srgbClr val="ffffff"/>
                 </a:solidFill>
                 <a:latin typeface="Avenir Next LT Pro Light"/>
+                <a:ea typeface="DejaVu Sans"/>
               </a:rPr>
               <a:t>Pruebas de instalación</a:t>
             </a:r>
-            <a:endParaRPr lang="es-ES" b="0" strike="noStrike" spc="-1">
-              <a:latin typeface="Arial"/>
-            </a:endParaRPr>
-          </a:p>
-          <a:p>
-            <a:pPr marL="342900" indent="-342265">
+            <a:endParaRPr b="0" lang="es-ES" sz="1800" spc="-1" strike="noStrike">
+              <a:latin typeface="Arial"/>
+            </a:endParaRPr>
+          </a:p>
+          <a:p>
+            <a:pPr marL="343080" indent="-342000">
               <a:lnSpc>
                 <a:spcPct val="125000"/>
               </a:lnSpc>
@@ -3557,21 +3009,22 @@
                 <a:spcPts val="1001"/>
               </a:spcBef>
               <a:buClr>
-                <a:srgbClr val="EF8C6A"/>
+                <a:srgbClr val="ef8c6a"/>
               </a:buClr>
               <a:buFont typeface="Wingdings" charset="2"/>
               <a:buChar char=""/>
             </a:pPr>
             <a:r>
-              <a:rPr lang="es-ES" b="1" i="1" strike="noStrike" spc="-1" dirty="0">
-                <a:solidFill>
-                  <a:srgbClr val="FFFFFF"/>
+              <a:rPr b="1" i="1" lang="es-ES" sz="1800" spc="-1" strike="noStrike">
+                <a:solidFill>
+                  <a:srgbClr val="ffffff"/>
                 </a:solidFill>
                 <a:latin typeface="Avenir Next LT Pro Light"/>
+                <a:ea typeface="DejaVu Sans"/>
               </a:rPr>
               <a:t>Pruebas de Confiabilidad</a:t>
             </a:r>
-            <a:endParaRPr lang="es-ES" b="0" strike="noStrike" spc="-1" dirty="0">
+            <a:endParaRPr b="0" lang="es-ES" sz="1800" spc="-1" strike="noStrike">
               <a:latin typeface="Arial"/>
             </a:endParaRPr>
           </a:p>
@@ -3579,14 +3032,19 @@
       </p:sp>
     </p:spTree>
   </p:cSld>
-  <p:clrMapOvr>
-    <a:masterClrMapping/>
-  </p:clrMapOvr>
+  <mc:AlternateContent>
+    <mc:Choice Requires="p14">
+      <p:transition spd="slow" p14:dur="2000"/>
+    </mc:Choice>
+    <mc:Fallback>
+      <p:transition spd="slow"/>
+    </mc:Fallback>
+  </mc:AlternateContent>
 </p:sld>
 </file>
 
 <file path=ppt/slides/slide6.xml><?xml version="1.0" encoding="utf-8"?>
-<p:sld xmlns:a="http://schemas.openxmlformats.org/drawingml/2006/main" xmlns:r="http://schemas.openxmlformats.org/officeDocument/2006/relationships" xmlns:p="http://schemas.openxmlformats.org/presentationml/2006/main">
+<p:sld xmlns:a="http://schemas.openxmlformats.org/drawingml/2006/main" xmlns:p="http://schemas.openxmlformats.org/presentationml/2006/main" xmlns:r="http://schemas.openxmlformats.org/officeDocument/2006/relationships" xmlns:p14="http://schemas.microsoft.com/office/powerpoint/2010/main" xmlns:p15="http://schemas.microsoft.com/office/powerpoint/2012/main" xmlns:mc="http://schemas.openxmlformats.org/markup-compatibility/2006">
   <p:cSld>
     <p:spTree>
       <p:nvGrpSpPr>
@@ -3604,14 +3062,14 @@
       </p:grpSpPr>
       <p:sp>
         <p:nvSpPr>
-          <p:cNvPr id="57" name="TextShape 1"/>
-          <p:cNvSpPr txBox="1"/>
+          <p:cNvPr id="54" name="CustomShape 1"/>
+          <p:cNvSpPr/>
           <p:nvPr/>
         </p:nvSpPr>
         <p:spPr>
           <a:xfrm>
-            <a:off x="1807613" y="275308"/>
-            <a:ext cx="7836840" cy="3052439"/>
+            <a:off x="1807560" y="275400"/>
+            <a:ext cx="7836480" cy="3052080"/>
           </a:xfrm>
           <a:prstGeom prst="rect">
             <a:avLst/>
@@ -3621,231 +3079,18 @@
             <a:noFill/>
           </a:ln>
         </p:spPr>
-        <p:txBody>
-          <a:bodyPr lIns="0" tIns="0" rIns="0" bIns="0" anchor="b">
+        <p:style>
+          <a:lnRef idx="0"/>
+          <a:fillRef idx="0"/>
+          <a:effectRef idx="0"/>
+          <a:fontRef idx="minor"/>
+        </p:style>
+        <p:txBody>
+          <a:bodyPr lIns="0" rIns="0" tIns="0" bIns="0" anchor="b">
             <a:noAutofit/>
           </a:bodyPr>
-          <a:lstStyle/>
-          <a:p>
-            <a:pPr marL="342900" indent="-342265">
-              <a:lnSpc>
-                <a:spcPct val="125000"/>
-              </a:lnSpc>
-              <a:spcBef>
-                <a:spcPts val="1001"/>
-              </a:spcBef>
-              <a:buFont typeface="Wingdings,Sans-Serif"/>
-              <a:buChar char=""/>
-            </a:pPr>
-            <a:r>
-              <a:rPr lang="es-ES" sz="1200" i="1" u="sng" spc="-1" dirty="0">
-                <a:solidFill>
-                  <a:srgbClr val="FFFFFF"/>
-                </a:solidFill>
-                <a:ea typeface="+mn-lt"/>
-                <a:cs typeface="+mn-lt"/>
-              </a:rPr>
-              <a:t>Pruebas de rendimiento: </a:t>
-            </a:r>
-            <a:r>
-              <a:rPr lang="es-ES" sz="1200" spc="-1" dirty="0">
-                <a:solidFill>
-                  <a:schemeClr val="bg1"/>
-                </a:solidFill>
-                <a:ea typeface="+mn-lt"/>
-                <a:cs typeface="+mn-lt"/>
-              </a:rPr>
-              <a:t>el objetivo de estas pruebas es garantizar el funcionamiento bajo una carga de trabajo esperada.</a:t>
-            </a:r>
-          </a:p>
-          <a:p>
-            <a:pPr marL="342900" indent="-342265">
-              <a:lnSpc>
-                <a:spcPct val="125000"/>
-              </a:lnSpc>
-              <a:spcBef>
-                <a:spcPts val="1001"/>
-              </a:spcBef>
-              <a:buFont typeface="Wingdings,Sans-Serif"/>
-              <a:buChar char=""/>
-            </a:pPr>
-            <a:r>
-              <a:rPr lang="es-ES" sz="1200" i="1" u="sng" spc="-1" dirty="0">
-                <a:solidFill>
-                  <a:srgbClr val="FFFFFF"/>
-                </a:solidFill>
-                <a:ea typeface="+mn-lt"/>
-                <a:cs typeface="+mn-lt"/>
-              </a:rPr>
-              <a:t>Pruebas de Carga:</a:t>
-            </a:r>
-            <a:r>
-              <a:rPr lang="es-ES" sz="1200" i="1" u="sng" spc="-1" dirty="0">
-                <a:solidFill>
-                  <a:schemeClr val="bg1"/>
-                </a:solidFill>
-                <a:ea typeface="+mn-lt"/>
-                <a:cs typeface="+mn-lt"/>
-              </a:rPr>
-              <a:t> </a:t>
-            </a:r>
-            <a:r>
-              <a:rPr lang="es-ES" sz="1200" spc="-1" dirty="0">
-                <a:solidFill>
-                  <a:schemeClr val="bg1"/>
-                </a:solidFill>
-                <a:ea typeface="+mn-lt"/>
-                <a:cs typeface="+mn-lt"/>
-              </a:rPr>
-              <a:t>el objetivo de estas pruebas es testear la capacidad de la aplicación bajo cargas previstas por el cliente.</a:t>
-            </a:r>
-          </a:p>
-          <a:p>
-            <a:pPr marL="342900" indent="-342265">
-              <a:lnSpc>
-                <a:spcPct val="125000"/>
-              </a:lnSpc>
-              <a:spcBef>
-                <a:spcPts val="1001"/>
-              </a:spcBef>
-              <a:buFont typeface="Wingdings,Sans-Serif"/>
-              <a:buChar char=""/>
-            </a:pPr>
-            <a:r>
-              <a:rPr lang="es-ES" sz="1200" i="1" u="sng" spc="-1" dirty="0">
-                <a:solidFill>
-                  <a:srgbClr val="FFFFFF"/>
-                </a:solidFill>
-                <a:ea typeface="+mn-lt"/>
-                <a:cs typeface="+mn-lt"/>
-              </a:rPr>
-              <a:t>Pruebas de Estrés: </a:t>
-            </a:r>
-            <a:r>
-              <a:rPr lang="es-ES" sz="1200" spc="-1" dirty="0">
-                <a:solidFill>
-                  <a:schemeClr val="bg1"/>
-                </a:solidFill>
-                <a:ea typeface="+mn-lt"/>
-                <a:cs typeface="+mn-lt"/>
-              </a:rPr>
-              <a:t>el objetivo de estas pruebas es testear cómo reacciona la aplicación a cargas de trabajo extremas, como son: un tráfico elevado o una gran cantidad de procesamiento de datos.</a:t>
-            </a:r>
-          </a:p>
-          <a:p>
-            <a:pPr marL="342900" indent="-342265">
-              <a:lnSpc>
-                <a:spcPct val="125000"/>
-              </a:lnSpc>
-              <a:spcBef>
-                <a:spcPts val="1001"/>
-              </a:spcBef>
-              <a:buFont typeface="Wingdings,Sans-Serif"/>
-              <a:buChar char=""/>
-            </a:pPr>
-            <a:r>
-              <a:rPr lang="es-ES" sz="1200" i="1" u="sng" spc="-1" dirty="0">
-                <a:solidFill>
-                  <a:srgbClr val="FFFFFF"/>
-                </a:solidFill>
-                <a:ea typeface="+mn-lt"/>
-                <a:cs typeface="+mn-lt"/>
-              </a:rPr>
-              <a:t>Pruebas de Escalabilidad:</a:t>
-            </a:r>
-            <a:r>
-              <a:rPr lang="es-ES" sz="1200" i="1" u="sng" spc="-1" dirty="0">
-                <a:solidFill>
-                  <a:schemeClr val="bg1"/>
-                </a:solidFill>
-                <a:ea typeface="+mn-lt"/>
-                <a:cs typeface="+mn-lt"/>
-              </a:rPr>
-              <a:t> </a:t>
-            </a:r>
-            <a:r>
-              <a:rPr lang="es-ES" sz="1200" spc="-1" dirty="0">
-                <a:solidFill>
-                  <a:schemeClr val="bg1"/>
-                </a:solidFill>
-                <a:ea typeface="+mn-lt"/>
-                <a:cs typeface="+mn-lt"/>
-              </a:rPr>
-              <a:t>el objetivo de estas pruebas es determinar la capacidad de adaptación de la aplicación al aumento de carga de usuarios (escalabilidad)</a:t>
-            </a:r>
-            <a:r>
-              <a:rPr lang="es-ES" sz="1200" spc="-1" dirty="0">
-                <a:ea typeface="+mn-lt"/>
-                <a:cs typeface="+mn-lt"/>
-              </a:rPr>
-              <a:t>.</a:t>
-            </a:r>
-          </a:p>
-          <a:p>
-            <a:pPr marL="342900" indent="-342265">
-              <a:lnSpc>
-                <a:spcPct val="125000"/>
-              </a:lnSpc>
-              <a:spcBef>
-                <a:spcPts val="1001"/>
-              </a:spcBef>
-              <a:buFont typeface="Wingdings,Sans-Serif"/>
-              <a:buChar char=""/>
-            </a:pPr>
-            <a:r>
-              <a:rPr lang="es-ES" sz="1200" i="1" u="sng" spc="-1" dirty="0">
-                <a:solidFill>
-                  <a:srgbClr val="FFFFFF"/>
-                </a:solidFill>
-                <a:ea typeface="+mn-lt"/>
-                <a:cs typeface="+mn-lt"/>
-              </a:rPr>
-              <a:t>Pruebas de Volumen: </a:t>
-            </a:r>
-            <a:r>
-              <a:rPr lang="es-ES" sz="1200" spc="-1" dirty="0">
-                <a:solidFill>
-                  <a:schemeClr val="bg1"/>
-                </a:solidFill>
-                <a:ea typeface="+mn-lt"/>
-                <a:cs typeface="+mn-lt"/>
-              </a:rPr>
-              <a:t>el objetivo de estas pruebas es determinar el rendimiento de la aplicación según el volumen de datos que contiene la BBDD.</a:t>
-            </a:r>
-            <a:endParaRPr lang="es-ES" sz="1200">
-              <a:solidFill>
-                <a:schemeClr val="bg1"/>
-              </a:solidFill>
-            </a:endParaRPr>
-          </a:p>
-        </p:txBody>
-      </p:sp>
-      <p:sp>
-        <p:nvSpPr>
-          <p:cNvPr id="58" name="TextShape 2"/>
-          <p:cNvSpPr txBox="1"/>
-          <p:nvPr/>
-        </p:nvSpPr>
-        <p:spPr>
-          <a:xfrm>
-            <a:off x="1082520" y="4370040"/>
-            <a:ext cx="5125320" cy="2335320"/>
-          </a:xfrm>
-          <a:prstGeom prst="rect">
-            <a:avLst/>
-          </a:prstGeom>
-          <a:noFill/>
-          <a:ln>
-            <a:noFill/>
-          </a:ln>
-        </p:spPr>
-        <p:txBody>
-          <a:bodyPr lIns="0" tIns="0" rIns="0" bIns="0" anchor="t">
-            <a:normAutofit fontScale="97000"/>
-          </a:bodyPr>
-          <a:lstStyle/>
-          <a:p>
-            <a:pPr marL="342900" indent="-342265">
+          <a:p>
+            <a:pPr marL="343080" indent="-342000">
               <a:lnSpc>
                 <a:spcPct val="125000"/>
               </a:lnSpc>
@@ -3853,59 +3098,38 @@
                 <a:spcPts val="1001"/>
               </a:spcBef>
               <a:buClr>
-                <a:srgbClr val="EF8C6A"/>
+                <a:srgbClr val="ffffff"/>
               </a:buClr>
-              <a:buFont typeface="Wingdings" charset="2"/>
+              <a:buFont typeface="Wingdings,Sans-Serif"/>
               <a:buChar char=""/>
             </a:pPr>
-            <a:endParaRPr lang="es-ES" sz="5100" b="1" i="1" u="sng" strike="noStrike" spc="-1" dirty="0">
-              <a:solidFill>
-                <a:srgbClr val="FFFFFF"/>
-              </a:solidFill>
-              <a:uFillTx/>
-              <a:latin typeface="Avenir Next LT Pro Light"/>
-            </a:endParaRPr>
-          </a:p>
-        </p:txBody>
-      </p:sp>
-      <p:sp>
-        <p:nvSpPr>
-          <p:cNvPr id="59" name="CustomShape 3"/>
-          <p:cNvSpPr/>
-          <p:nvPr/>
-        </p:nvSpPr>
-        <p:spPr>
-          <a:xfrm>
-            <a:off x="1693213" y="4039840"/>
-            <a:ext cx="8816786" cy="2662973"/>
-          </a:xfrm>
-          <a:prstGeom prst="rect">
-            <a:avLst/>
-          </a:prstGeom>
-          <a:noFill/>
-          <a:ln>
-            <a:noFill/>
-          </a:ln>
-        </p:spPr>
-        <p:style>
-          <a:lnRef idx="0">
-            <a:scrgbClr r="0" g="0" b="0"/>
-          </a:lnRef>
-          <a:fillRef idx="0">
-            <a:scrgbClr r="0" g="0" b="0"/>
-          </a:fillRef>
-          <a:effectRef idx="0">
-            <a:scrgbClr r="0" g="0" b="0"/>
-          </a:effectRef>
-          <a:fontRef idx="minor"/>
-        </p:style>
-        <p:txBody>
-          <a:bodyPr lIns="0" tIns="0" rIns="0" bIns="0" anchor="t">
-            <a:normAutofit/>
-          </a:bodyPr>
-          <a:lstStyle/>
-          <a:p>
-            <a:pPr marL="342900" indent="-342265">
+            <a:r>
+              <a:rPr b="0" i="1" lang="es-ES" sz="1200" spc="-1" strike="noStrike" u="sng">
+                <a:solidFill>
+                  <a:srgbClr val="ffffff"/>
+                </a:solidFill>
+                <a:uFillTx/>
+                <a:latin typeface="Arial"/>
+                <a:ea typeface="Arial"/>
+              </a:rPr>
+              <a:t>Pruebas de rendimiento: </a:t>
+            </a:r>
+            <a:r>
+              <a:rPr b="0" lang="es-ES" sz="1200" spc="-1" strike="noStrike">
+                <a:solidFill>
+                  <a:srgbClr val="ffffff"/>
+                </a:solidFill>
+                <a:latin typeface="Arial"/>
+                <a:ea typeface="Arial"/>
+              </a:rPr>
+              <a:t>el objetivo de estas pruebas es garantizar el funcionamiento bajo una carga de trabajo esperada.</a:t>
+            </a:r>
+            <a:endParaRPr b="0" lang="es-ES" sz="1200" spc="-1" strike="noStrike">
+              <a:latin typeface="Arial"/>
+            </a:endParaRPr>
+          </a:p>
+          <a:p>
+            <a:pPr marL="343080" indent="-342000">
               <a:lnSpc>
                 <a:spcPct val="125000"/>
               </a:lnSpc>
@@ -3913,57 +3137,38 @@
                 <a:spcPts val="1001"/>
               </a:spcBef>
               <a:buClr>
-                <a:srgbClr val="EF8C6A"/>
+                <a:srgbClr val="ffffff"/>
               </a:buClr>
-              <a:buFont typeface="Wingdings" charset="2"/>
+              <a:buFont typeface="Wingdings,Sans-Serif"/>
               <a:buChar char=""/>
             </a:pPr>
             <a:r>
-              <a:rPr lang="es-ES" sz="1200" b="1" u="sng" spc="-1" dirty="0">
-                <a:solidFill>
-                  <a:srgbClr val="FFFFFF"/>
-                </a:solidFill>
+              <a:rPr b="0" i="1" lang="es-ES" sz="1200" spc="-1" strike="noStrike" u="sng">
+                <a:solidFill>
+                  <a:srgbClr val="ffffff"/>
+                </a:solidFill>
+                <a:uFillTx/>
                 <a:latin typeface="Arial"/>
-              </a:rPr>
-              <a:t>Pruebas</a:t>
-            </a:r>
-            <a:r>
-              <a:rPr lang="es-ES" sz="1200" b="1" u="sng" strike="noStrike" spc="-1" dirty="0">
-                <a:solidFill>
-                  <a:srgbClr val="FFFFFF"/>
+                <a:ea typeface="Arial"/>
+              </a:rPr>
+              <a:t>Pruebas de Carga: </a:t>
+            </a:r>
+            <a:r>
+              <a:rPr b="0" lang="es-ES" sz="1200" spc="-1" strike="noStrike">
+                <a:solidFill>
+                  <a:srgbClr val="ffffff"/>
                 </a:solidFill>
                 <a:latin typeface="Arial"/>
-              </a:rPr>
-              <a:t> de seguridad</a:t>
-            </a:r>
-            <a:r>
-              <a:rPr lang="es-ES" sz="1200" b="1" u="sng" spc="-1" dirty="0">
-                <a:solidFill>
-                  <a:srgbClr val="FFFFFF"/>
-                </a:solidFill>
-                <a:latin typeface="Arial"/>
-              </a:rPr>
-              <a:t>: </a:t>
-            </a:r>
-            <a:r>
-              <a:rPr lang="es-ES" sz="1200" spc="-1" dirty="0">
-                <a:solidFill>
-                  <a:schemeClr val="bg1"/>
-                </a:solidFill>
-                <a:ea typeface="+mn-lt"/>
-                <a:cs typeface="+mn-lt"/>
-              </a:rPr>
-              <a:t>el objetivo de estas pruebas es tratar de descubrir vulnerabilidades, tanto de la aplicación, como de los datos que contenga el sistema.</a:t>
-            </a:r>
-            <a:endParaRPr lang="es-ES" sz="1200" b="0" u="sng" strike="noStrike" spc="-1">
-              <a:solidFill>
-                <a:schemeClr val="bg1"/>
-              </a:solidFill>
-              <a:latin typeface="Arial"/>
-            </a:endParaRPr>
-          </a:p>
-          <a:p>
-            <a:pPr marL="342900" indent="-342265">
+                <a:ea typeface="Arial"/>
+              </a:rPr>
+              <a:t>el objetivo de estas pruebas es testear la capacidad de la aplicación bajo cargas previstas por el cliente.</a:t>
+            </a:r>
+            <a:endParaRPr b="0" lang="es-ES" sz="1200" spc="-1" strike="noStrike">
+              <a:latin typeface="Arial"/>
+            </a:endParaRPr>
+          </a:p>
+          <a:p>
+            <a:pPr marL="343080" indent="-342000">
               <a:lnSpc>
                 <a:spcPct val="125000"/>
               </a:lnSpc>
@@ -3971,48 +3176,38 @@
                 <a:spcPts val="1001"/>
               </a:spcBef>
               <a:buClr>
-                <a:srgbClr val="EF8C6A"/>
+                <a:srgbClr val="ffffff"/>
               </a:buClr>
-              <a:buFont typeface="Wingdings" charset="2"/>
+              <a:buFont typeface="Wingdings,Sans-Serif"/>
               <a:buChar char=""/>
             </a:pPr>
             <a:r>
-              <a:rPr lang="es-ES" sz="1200" b="1" u="sng" strike="noStrike" spc="-1" dirty="0">
-                <a:solidFill>
-                  <a:srgbClr val="FFFFFF"/>
-                </a:solidFill>
+              <a:rPr b="0" i="1" lang="es-ES" sz="1200" spc="-1" strike="noStrike" u="sng">
+                <a:solidFill>
+                  <a:srgbClr val="ffffff"/>
+                </a:solidFill>
+                <a:uFillTx/>
                 <a:latin typeface="Arial"/>
-              </a:rPr>
-              <a:t>Pruebas de documentación</a:t>
-            </a:r>
-            <a:r>
-              <a:rPr lang="es-ES" sz="1200" b="1" u="sng" spc="-1" dirty="0">
-                <a:solidFill>
-                  <a:srgbClr val="FFFFFF"/>
+                <a:ea typeface="Arial"/>
+              </a:rPr>
+              <a:t>Pruebas de Estrés: </a:t>
+            </a:r>
+            <a:r>
+              <a:rPr b="0" lang="es-ES" sz="1200" spc="-1" strike="noStrike">
+                <a:solidFill>
+                  <a:srgbClr val="ffffff"/>
                 </a:solidFill>
                 <a:latin typeface="Arial"/>
-              </a:rPr>
-              <a:t>: </a:t>
-            </a:r>
-            <a:r>
-              <a:rPr lang="es-ES" sz="1200" spc="-1" dirty="0">
-                <a:solidFill>
-                  <a:schemeClr val="bg1"/>
-                </a:solidFill>
-                <a:ea typeface="+mn-lt"/>
-                <a:cs typeface="+mn-lt"/>
-              </a:rPr>
-              <a:t>el objetivo de estas pruebas es almacenar cualquier información (escrita o ilustrativa) que describa o defina procedimientos o resultados.</a:t>
-            </a:r>
-            <a:endParaRPr lang="es-ES" sz="1200" b="0" u="sng" strike="noStrike" spc="-1" dirty="0">
-              <a:solidFill>
-                <a:schemeClr val="bg1"/>
-              </a:solidFill>
-              <a:latin typeface="Arial"/>
-            </a:endParaRPr>
-          </a:p>
-          <a:p>
-            <a:pPr marL="342900" indent="-342265">
+                <a:ea typeface="Arial"/>
+              </a:rPr>
+              <a:t>el objetivo de estas pruebas es testear cómo reacciona la aplicación a cargas de trabajo extremas, como son: un tráfico elevado o una gran cantidad de procesamiento de datos.</a:t>
+            </a:r>
+            <a:endParaRPr b="0" lang="es-ES" sz="1200" spc="-1" strike="noStrike">
+              <a:latin typeface="Arial"/>
+            </a:endParaRPr>
+          </a:p>
+          <a:p>
+            <a:pPr marL="343080" indent="-342000">
               <a:lnSpc>
                 <a:spcPct val="125000"/>
               </a:lnSpc>
@@ -4020,58 +3215,48 @@
                 <a:spcPts val="1001"/>
               </a:spcBef>
               <a:buClr>
-                <a:srgbClr val="EF8C6A"/>
+                <a:srgbClr val="ffffff"/>
               </a:buClr>
-              <a:buFont typeface="Wingdings" charset="2"/>
+              <a:buFont typeface="Wingdings,Sans-Serif"/>
               <a:buChar char=""/>
             </a:pPr>
             <a:r>
-              <a:rPr lang="es-ES" sz="1200" b="1" u="sng" strike="noStrike" spc="-1" dirty="0">
-                <a:solidFill>
-                  <a:srgbClr val="FFFFFF"/>
-                </a:solidFill>
+              <a:rPr b="0" i="1" lang="es-ES" sz="1200" spc="-1" strike="noStrike" u="sng">
+                <a:solidFill>
+                  <a:srgbClr val="ffffff"/>
+                </a:solidFill>
+                <a:uFillTx/>
                 <a:latin typeface="Arial"/>
-              </a:rPr>
-              <a:t>Pruebas de instalación</a:t>
-            </a:r>
-            <a:r>
-              <a:rPr lang="es-ES" sz="1200" b="1" u="sng" spc="-1" dirty="0">
-                <a:solidFill>
-                  <a:srgbClr val="FFFFFF"/>
+                <a:ea typeface="Arial"/>
+              </a:rPr>
+              <a:t>Pruebas de Escalabilidad: </a:t>
+            </a:r>
+            <a:r>
+              <a:rPr b="0" lang="es-ES" sz="1200" spc="-1" strike="noStrike">
+                <a:solidFill>
+                  <a:srgbClr val="ffffff"/>
                 </a:solidFill>
                 <a:latin typeface="Arial"/>
-              </a:rPr>
-              <a:t>:</a:t>
-            </a:r>
-            <a:r>
-              <a:rPr lang="es-ES" sz="1200" b="1" u="sng" spc="-1" dirty="0">
-                <a:solidFill>
-                  <a:srgbClr val="FFFFFF"/>
-                </a:solidFill>
-                <a:ea typeface="+mn-lt"/>
-                <a:cs typeface="+mn-lt"/>
-              </a:rPr>
-              <a:t> </a:t>
-            </a:r>
-            <a:r>
-              <a:rPr lang="es-ES" sz="1200" spc="-1" dirty="0">
-                <a:solidFill>
-                  <a:schemeClr val="bg1"/>
-                </a:solidFill>
-                <a:ea typeface="+mn-lt"/>
-                <a:cs typeface="+mn-lt"/>
-              </a:rPr>
-              <a:t>el objetivo de estas pruebas es verificar que la instalación de la aplicación se realice satisfactoriamente.</a:t>
-            </a:r>
-            <a:endParaRPr lang="es-ES" sz="1200" b="0" u="sng" strike="noStrike" spc="-1">
-              <a:solidFill>
-                <a:schemeClr val="bg1"/>
-              </a:solidFill>
-              <a:latin typeface="Arial"/>
-            </a:endParaRPr>
-          </a:p>
-          <a:p>
-            <a:pPr marL="342900" indent="-342265">
+                <a:ea typeface="Arial"/>
+              </a:rPr>
+              <a:t>el objetivo de estas pruebas es determinar la capacidad de adaptación de la aplicación al aumento de carga de usuarios (escalabilidad)</a:t>
+            </a:r>
+            <a:r>
+              <a:rPr b="0" lang="es-ES" sz="1200" spc="-1" strike="noStrike">
+                <a:solidFill>
+                  <a:srgbClr val="000000"/>
+                </a:solidFill>
+                <a:latin typeface="Arial"/>
+                <a:ea typeface="Arial"/>
+              </a:rPr>
+              <a:t>.</a:t>
+            </a:r>
+            <a:endParaRPr b="0" lang="es-ES" sz="1200" spc="-1" strike="noStrike">
+              <a:latin typeface="Arial"/>
+            </a:endParaRPr>
+          </a:p>
+          <a:p>
+            <a:pPr marL="343080" indent="-342000">
               <a:lnSpc>
                 <a:spcPct val="125000"/>
               </a:lnSpc>
@@ -4079,50 +3264,268 @@
                 <a:spcPts val="1001"/>
               </a:spcBef>
               <a:buClr>
-                <a:srgbClr val="EF8C6A"/>
+                <a:srgbClr val="ffffff"/>
+              </a:buClr>
+              <a:buFont typeface="Wingdings,Sans-Serif"/>
+              <a:buChar char=""/>
+            </a:pPr>
+            <a:r>
+              <a:rPr b="0" i="1" lang="es-ES" sz="1200" spc="-1" strike="noStrike" u="sng">
+                <a:solidFill>
+                  <a:srgbClr val="ffffff"/>
+                </a:solidFill>
+                <a:uFillTx/>
+                <a:latin typeface="Arial"/>
+                <a:ea typeface="Arial"/>
+              </a:rPr>
+              <a:t>Pruebas de Volumen: </a:t>
+            </a:r>
+            <a:r>
+              <a:rPr b="0" lang="es-ES" sz="1200" spc="-1" strike="noStrike">
+                <a:solidFill>
+                  <a:srgbClr val="ffffff"/>
+                </a:solidFill>
+                <a:latin typeface="Arial"/>
+                <a:ea typeface="Arial"/>
+              </a:rPr>
+              <a:t>el objetivo de estas pruebas es determinar el rendimiento de la aplicación según el volumen de datos que contiene la BBDD.</a:t>
+            </a:r>
+            <a:endParaRPr b="0" lang="es-ES" sz="1200" spc="-1" strike="noStrike">
+              <a:latin typeface="Arial"/>
+            </a:endParaRPr>
+          </a:p>
+        </p:txBody>
+      </p:sp>
+      <p:sp>
+        <p:nvSpPr>
+          <p:cNvPr id="55" name="CustomShape 2"/>
+          <p:cNvSpPr/>
+          <p:nvPr/>
+        </p:nvSpPr>
+        <p:spPr>
+          <a:xfrm>
+            <a:off x="1082520" y="4370040"/>
+            <a:ext cx="5124960" cy="2334960"/>
+          </a:xfrm>
+          <a:prstGeom prst="rect">
+            <a:avLst/>
+          </a:prstGeom>
+          <a:noFill/>
+          <a:ln>
+            <a:noFill/>
+          </a:ln>
+        </p:spPr>
+        <p:style>
+          <a:lnRef idx="0"/>
+          <a:fillRef idx="0"/>
+          <a:effectRef idx="0"/>
+          <a:fontRef idx="minor"/>
+        </p:style>
+      </p:sp>
+      <p:sp>
+        <p:nvSpPr>
+          <p:cNvPr id="56" name="CustomShape 3"/>
+          <p:cNvSpPr/>
+          <p:nvPr/>
+        </p:nvSpPr>
+        <p:spPr>
+          <a:xfrm>
+            <a:off x="1693080" y="4039920"/>
+            <a:ext cx="8816400" cy="2662560"/>
+          </a:xfrm>
+          <a:prstGeom prst="rect">
+            <a:avLst/>
+          </a:prstGeom>
+          <a:noFill/>
+          <a:ln>
+            <a:noFill/>
+          </a:ln>
+        </p:spPr>
+        <p:style>
+          <a:lnRef idx="0"/>
+          <a:fillRef idx="0"/>
+          <a:effectRef idx="0"/>
+          <a:fontRef idx="minor"/>
+        </p:style>
+        <p:txBody>
+          <a:bodyPr lIns="0" rIns="0" tIns="0" bIns="0">
+            <a:normAutofit/>
+          </a:bodyPr>
+          <a:p>
+            <a:pPr marL="343080" indent="-342000">
+              <a:lnSpc>
+                <a:spcPct val="125000"/>
+              </a:lnSpc>
+              <a:spcBef>
+                <a:spcPts val="1001"/>
+              </a:spcBef>
+              <a:buClr>
+                <a:srgbClr val="ef8c6a"/>
               </a:buClr>
               <a:buFont typeface="Wingdings" charset="2"/>
               <a:buChar char=""/>
             </a:pPr>
             <a:r>
-              <a:rPr lang="es-ES" sz="1200" b="1" u="sng" strike="noStrike" spc="-1" dirty="0">
-                <a:solidFill>
-                  <a:srgbClr val="FFFFFF"/>
-                </a:solidFill>
+              <a:rPr b="1" lang="es-ES" sz="1200" spc="-1" strike="noStrike" u="sng">
+                <a:solidFill>
+                  <a:srgbClr val="ffffff"/>
+                </a:solidFill>
+                <a:uFillTx/>
                 <a:latin typeface="Arial"/>
-              </a:rPr>
-              <a:t>Pruebas de Confiabilidad</a:t>
-            </a:r>
-            <a:r>
-              <a:rPr lang="es-ES" sz="1200" b="1" u="sng" spc="-1" dirty="0">
-                <a:solidFill>
-                  <a:srgbClr val="FFFFFF"/>
+                <a:ea typeface="DejaVu Sans"/>
+              </a:rPr>
+              <a:t>Pruebas de seguridad: </a:t>
+            </a:r>
+            <a:r>
+              <a:rPr b="0" lang="es-ES" sz="1200" spc="-1" strike="noStrike">
+                <a:solidFill>
+                  <a:srgbClr val="ffffff"/>
                 </a:solidFill>
                 <a:latin typeface="Arial"/>
-              </a:rPr>
-              <a:t>: </a:t>
-            </a:r>
-            <a:r>
-              <a:rPr lang="es-ES" sz="1200" spc="-1" dirty="0">
-                <a:ea typeface="+mn-lt"/>
-                <a:cs typeface="+mn-lt"/>
+                <a:ea typeface="Arial"/>
+              </a:rPr>
+              <a:t>el objetivo de estas pruebas es tratar de descubrir vulnerabilidades, tanto de la aplicación, como de los datos que contenga el sistema.</a:t>
+            </a:r>
+            <a:endParaRPr b="0" lang="es-ES" sz="1200" spc="-1" strike="noStrike">
+              <a:latin typeface="Arial"/>
+            </a:endParaRPr>
+          </a:p>
+          <a:p>
+            <a:pPr marL="343080" indent="-342000">
+              <a:lnSpc>
+                <a:spcPct val="125000"/>
+              </a:lnSpc>
+              <a:spcBef>
+                <a:spcPts val="1001"/>
+              </a:spcBef>
+              <a:buClr>
+                <a:srgbClr val="ef8c6a"/>
+              </a:buClr>
+              <a:buFont typeface="Wingdings" charset="2"/>
+              <a:buChar char=""/>
+            </a:pPr>
+            <a:r>
+              <a:rPr b="1" lang="es-ES" sz="1200" spc="-1" strike="noStrike" u="sng">
+                <a:solidFill>
+                  <a:srgbClr val="ffffff"/>
+                </a:solidFill>
+                <a:uFillTx/>
+                <a:latin typeface="Arial"/>
+                <a:ea typeface="DejaVu Sans"/>
+              </a:rPr>
+              <a:t>Pruebas de documentación: </a:t>
+            </a:r>
+            <a:r>
+              <a:rPr b="0" lang="es-ES" sz="1200" spc="-1" strike="noStrike">
+                <a:solidFill>
+                  <a:srgbClr val="ffffff"/>
+                </a:solidFill>
+                <a:latin typeface="Arial"/>
+                <a:ea typeface="Arial"/>
+              </a:rPr>
+              <a:t>el objetivo de estas pruebas es almacenar cualquier información (escrita o ilustrativa) que describa o defina procedimientos o resultados.</a:t>
+            </a:r>
+            <a:endParaRPr b="0" lang="es-ES" sz="1200" spc="-1" strike="noStrike">
+              <a:latin typeface="Arial"/>
+            </a:endParaRPr>
+          </a:p>
+          <a:p>
+            <a:pPr marL="343080" indent="-342000">
+              <a:lnSpc>
+                <a:spcPct val="125000"/>
+              </a:lnSpc>
+              <a:spcBef>
+                <a:spcPts val="1001"/>
+              </a:spcBef>
+              <a:buClr>
+                <a:srgbClr val="ef8c6a"/>
+              </a:buClr>
+              <a:buFont typeface="Wingdings" charset="2"/>
+              <a:buChar char=""/>
+            </a:pPr>
+            <a:r>
+              <a:rPr b="1" lang="es-ES" sz="1200" spc="-1" strike="noStrike" u="sng">
+                <a:solidFill>
+                  <a:srgbClr val="ffffff"/>
+                </a:solidFill>
+                <a:uFillTx/>
+                <a:latin typeface="Arial"/>
+                <a:ea typeface="DejaVu Sans"/>
+              </a:rPr>
+              <a:t>Pruebas de instalación:</a:t>
+            </a:r>
+            <a:r>
+              <a:rPr b="1" lang="es-ES" sz="1200" spc="-1" strike="noStrike" u="sng">
+                <a:solidFill>
+                  <a:srgbClr val="ffffff"/>
+                </a:solidFill>
+                <a:uFillTx/>
+                <a:latin typeface="Arial"/>
+                <a:ea typeface="Arial"/>
+              </a:rPr>
+              <a:t> </a:t>
+            </a:r>
+            <a:r>
+              <a:rPr b="0" lang="es-ES" sz="1200" spc="-1" strike="noStrike">
+                <a:solidFill>
+                  <a:srgbClr val="ffffff"/>
+                </a:solidFill>
+                <a:latin typeface="Arial"/>
+                <a:ea typeface="Arial"/>
+              </a:rPr>
+              <a:t>el objetivo de estas pruebas es verificar que la instalación de la aplicación se realice satisfactoriamente.</a:t>
+            </a:r>
+            <a:endParaRPr b="0" lang="es-ES" sz="1200" spc="-1" strike="noStrike">
+              <a:latin typeface="Arial"/>
+            </a:endParaRPr>
+          </a:p>
+          <a:p>
+            <a:pPr marL="343080" indent="-342000">
+              <a:lnSpc>
+                <a:spcPct val="125000"/>
+              </a:lnSpc>
+              <a:spcBef>
+                <a:spcPts val="1001"/>
+              </a:spcBef>
+              <a:buClr>
+                <a:srgbClr val="ef8c6a"/>
+              </a:buClr>
+              <a:buFont typeface="Wingdings" charset="2"/>
+              <a:buChar char=""/>
+            </a:pPr>
+            <a:r>
+              <a:rPr b="1" lang="es-ES" sz="1200" spc="-1" strike="noStrike" u="sng">
+                <a:solidFill>
+                  <a:srgbClr val="ffffff"/>
+                </a:solidFill>
+                <a:uFillTx/>
+                <a:latin typeface="Arial"/>
+                <a:ea typeface="DejaVu Sans"/>
+              </a:rPr>
+              <a:t>Pruebas de Confiabilidad: </a:t>
+            </a:r>
+            <a:r>
+              <a:rPr b="0" lang="es-ES" sz="1200" spc="-1" strike="noStrike">
+                <a:solidFill>
+                  <a:srgbClr val="000000"/>
+                </a:solidFill>
+                <a:latin typeface="Arial"/>
+                <a:ea typeface="Arial"/>
               </a:rPr>
               <a:t> </a:t>
             </a:r>
             <a:r>
-              <a:rPr lang="es-ES" sz="1200" u="sng" spc="-1" dirty="0">
-                <a:solidFill>
-                  <a:schemeClr val="bg1"/>
-                </a:solidFill>
-                <a:ea typeface="+mn-lt"/>
-                <a:cs typeface="+mn-lt"/>
+              <a:rPr b="0" lang="es-ES" sz="1200" spc="-1" strike="noStrike" u="sng">
+                <a:solidFill>
+                  <a:srgbClr val="ffffff"/>
+                </a:solidFill>
+                <a:uFillTx/>
+                <a:latin typeface="Arial"/>
+                <a:ea typeface="Arial"/>
               </a:rPr>
               <a:t>el objetivo de estas pruebas es determinar el grado de confiabilidad que ofrecerá la aplicación durante un período determinado en un entorno específico.</a:t>
             </a:r>
-            <a:endParaRPr lang="es-ES" sz="1200" b="0" u="sng" strike="noStrike" spc="-1">
-              <a:solidFill>
-                <a:schemeClr val="bg1"/>
-              </a:solidFill>
+            <a:endParaRPr b="0" lang="es-ES" sz="1200" spc="-1" strike="noStrike">
               <a:latin typeface="Arial"/>
             </a:endParaRPr>
           </a:p>
@@ -4130,14 +3533,19 @@
       </p:sp>
     </p:spTree>
   </p:cSld>
-  <p:clrMapOvr>
-    <a:masterClrMapping/>
-  </p:clrMapOvr>
+  <mc:AlternateContent>
+    <mc:Choice Requires="p14">
+      <p:transition spd="slow" p14:dur="2000"/>
+    </mc:Choice>
+    <mc:Fallback>
+      <p:transition spd="slow"/>
+    </mc:Fallback>
+  </mc:AlternateContent>
 </p:sld>
 </file>
 
 <file path=ppt/slides/slide7.xml><?xml version="1.0" encoding="utf-8"?>
-<p:sld xmlns:a="http://schemas.openxmlformats.org/drawingml/2006/main" xmlns:r="http://schemas.openxmlformats.org/officeDocument/2006/relationships" xmlns:p="http://schemas.openxmlformats.org/presentationml/2006/main">
+<p:sld xmlns:a="http://schemas.openxmlformats.org/drawingml/2006/main" xmlns:p="http://schemas.openxmlformats.org/presentationml/2006/main" xmlns:r="http://schemas.openxmlformats.org/officeDocument/2006/relationships" xmlns:p14="http://schemas.microsoft.com/office/powerpoint/2010/main" xmlns:p15="http://schemas.microsoft.com/office/powerpoint/2012/main" xmlns:mc="http://schemas.openxmlformats.org/markup-compatibility/2006">
   <p:cSld>
     <p:spTree>
       <p:nvGrpSpPr>
@@ -4155,14 +3563,14 @@
       </p:grpSpPr>
       <p:sp>
         <p:nvSpPr>
-          <p:cNvPr id="60" name="TextShape 1"/>
-          <p:cNvSpPr txBox="1"/>
+          <p:cNvPr id="57" name="CustomShape 1"/>
+          <p:cNvSpPr/>
           <p:nvPr/>
         </p:nvSpPr>
         <p:spPr>
           <a:xfrm>
             <a:off x="2197080" y="1079640"/>
-            <a:ext cx="8294040" cy="2138040"/>
+            <a:ext cx="8293680" cy="2137680"/>
           </a:xfrm>
           <a:prstGeom prst="rect">
             <a:avLst/>
@@ -4172,11 +3580,16 @@
             <a:noFill/>
           </a:ln>
         </p:spPr>
-        <p:txBody>
-          <a:bodyPr lIns="0" tIns="0" rIns="0" bIns="0" anchor="b">
+        <p:style>
+          <a:lnRef idx="0"/>
+          <a:fillRef idx="0"/>
+          <a:effectRef idx="0"/>
+          <a:fontRef idx="minor"/>
+        </p:style>
+        <p:txBody>
+          <a:bodyPr lIns="0" rIns="0" tIns="0" bIns="0" anchor="b">
             <a:normAutofit/>
           </a:bodyPr>
-          <a:lstStyle/>
           <a:p>
             <a:pPr algn="ctr">
               <a:lnSpc>
@@ -4184,37 +3597,35 @@
               </a:lnSpc>
             </a:pPr>
             <a:r>
-              <a:rPr lang="es-ES" sz="4800" b="0" strike="noStrike" cap="all" spc="398">
-                <a:solidFill>
-                  <a:srgbClr val="FFFFFF"/>
+              <a:rPr b="0" lang="es-ES" sz="4800" spc="395" strike="noStrike" cap="all">
+                <a:solidFill>
+                  <a:srgbClr val="ffffff"/>
                 </a:solidFill>
                 <a:latin typeface="Rockwell Nova Light"/>
+                <a:ea typeface="DejaVu Sans"/>
               </a:rPr>
               <a:t>COSTE DE LAS PRUEBAS POR NIVEL</a:t>
             </a:r>
-            <a:endParaRPr lang="es-ES" sz="4800" b="0" strike="noStrike" spc="-1">
-              <a:solidFill>
-                <a:srgbClr val="FFFFFF"/>
-              </a:solidFill>
-              <a:latin typeface="Avenir Next LT Pro Light"/>
+            <a:endParaRPr b="0" lang="es-ES" sz="4800" spc="-1" strike="noStrike">
+              <a:latin typeface="Arial"/>
             </a:endParaRPr>
           </a:p>
         </p:txBody>
       </p:sp>
       <p:pic>
         <p:nvPicPr>
-          <p:cNvPr id="61" name="Imagen 7" descr="Diagrama&#10;&#10;Descripción generada automáticamente"/>
+          <p:cNvPr id="58" name="Imagen 7" descr="Diagrama&#10;&#10;Descripción generada automáticamente"/>
           <p:cNvPicPr/>
           <p:nvPr/>
         </p:nvPicPr>
         <p:blipFill>
-          <a:blip r:embed="rId2"/>
+          <a:blip r:embed="rId1"/>
           <a:stretch/>
         </p:blipFill>
         <p:spPr>
           <a:xfrm>
             <a:off x="3897360" y="3973320"/>
-            <a:ext cx="4397040" cy="2143440"/>
+            <a:ext cx="4396680" cy="2143080"/>
           </a:xfrm>
           <a:prstGeom prst="rect">
             <a:avLst/>
@@ -4226,14 +3637,19 @@
       </p:pic>
     </p:spTree>
   </p:cSld>
-  <p:clrMapOvr>
-    <a:masterClrMapping/>
-  </p:clrMapOvr>
+  <mc:AlternateContent>
+    <mc:Choice Requires="p14">
+      <p:transition spd="slow" p14:dur="2000"/>
+    </mc:Choice>
+    <mc:Fallback>
+      <p:transition spd="slow"/>
+    </mc:Fallback>
+  </mc:AlternateContent>
 </p:sld>
 </file>
 
 <file path=ppt/slides/slide8.xml><?xml version="1.0" encoding="utf-8"?>
-<p:sld xmlns:a="http://schemas.openxmlformats.org/drawingml/2006/main" xmlns:r="http://schemas.openxmlformats.org/officeDocument/2006/relationships" xmlns:p="http://schemas.openxmlformats.org/presentationml/2006/main">
+<p:sld xmlns:a="http://schemas.openxmlformats.org/drawingml/2006/main" xmlns:p="http://schemas.openxmlformats.org/presentationml/2006/main" xmlns:r="http://schemas.openxmlformats.org/officeDocument/2006/relationships" xmlns:p14="http://schemas.microsoft.com/office/powerpoint/2010/main" xmlns:p15="http://schemas.microsoft.com/office/powerpoint/2012/main" xmlns:mc="http://schemas.openxmlformats.org/markup-compatibility/2006">
   <p:cSld>
     <p:spTree>
       <p:nvGrpSpPr>
@@ -4251,14 +3667,14 @@
       </p:grpSpPr>
       <p:sp>
         <p:nvSpPr>
-          <p:cNvPr id="62" name="TextShape 1"/>
-          <p:cNvSpPr txBox="1"/>
+          <p:cNvPr id="59" name="CustomShape 1"/>
+          <p:cNvSpPr/>
           <p:nvPr/>
         </p:nvSpPr>
         <p:spPr>
           <a:xfrm>
             <a:off x="2197080" y="1079640"/>
-            <a:ext cx="8294040" cy="2138040"/>
+            <a:ext cx="8293680" cy="2137680"/>
           </a:xfrm>
           <a:prstGeom prst="rect">
             <a:avLst/>
@@ -4268,11 +3684,16 @@
             <a:noFill/>
           </a:ln>
         </p:spPr>
-        <p:txBody>
-          <a:bodyPr lIns="0" tIns="0" rIns="0" bIns="0" anchor="b">
+        <p:style>
+          <a:lnRef idx="0"/>
+          <a:fillRef idx="0"/>
+          <a:effectRef idx="0"/>
+          <a:fontRef idx="minor"/>
+        </p:style>
+        <p:txBody>
+          <a:bodyPr lIns="0" rIns="0" tIns="0" bIns="0" anchor="b">
             <a:normAutofit/>
           </a:bodyPr>
-          <a:lstStyle/>
           <a:p>
             <a:pPr algn="ctr">
               <a:lnSpc>
@@ -4280,33 +3701,31 @@
               </a:lnSpc>
             </a:pPr>
             <a:r>
-              <a:rPr lang="es-ES" sz="4800" b="0" strike="noStrike" cap="all" spc="398">
-                <a:solidFill>
-                  <a:srgbClr val="FFFFFF"/>
+              <a:rPr b="0" lang="es-ES" sz="4800" spc="395" strike="noStrike" cap="all">
+                <a:solidFill>
+                  <a:srgbClr val="ffffff"/>
                 </a:solidFill>
                 <a:latin typeface="Rockwell Nova Light"/>
+                <a:ea typeface="DejaVu Sans"/>
               </a:rPr>
               <a:t>COSTE De los errores en fase de detección</a:t>
             </a:r>
-            <a:endParaRPr lang="es-ES" sz="4800" b="0" strike="noStrike" spc="-1">
-              <a:solidFill>
-                <a:srgbClr val="FFFFFF"/>
-              </a:solidFill>
-              <a:latin typeface="Avenir Next LT Pro Light"/>
-            </a:endParaRPr>
-          </a:p>
-        </p:txBody>
-      </p:sp>
-      <p:sp>
-        <p:nvSpPr>
-          <p:cNvPr id="63" name="CustomShape 2"/>
+            <a:endParaRPr b="0" lang="es-ES" sz="4800" spc="-1" strike="noStrike">
+              <a:latin typeface="Arial"/>
+            </a:endParaRPr>
+          </a:p>
+        </p:txBody>
+      </p:sp>
+      <p:sp>
+        <p:nvSpPr>
+          <p:cNvPr id="60" name="CustomShape 2"/>
           <p:cNvSpPr/>
           <p:nvPr/>
         </p:nvSpPr>
         <p:spPr>
           <a:xfrm>
-            <a:off x="2785320" y="4815360"/>
-            <a:ext cx="6162120" cy="2009880"/>
+            <a:off x="2838240" y="4176000"/>
+            <a:ext cx="6881760" cy="2010600"/>
           </a:xfrm>
           <a:prstGeom prst="rect">
             <a:avLst/>
@@ -4317,22 +3736,15 @@
           </a:ln>
         </p:spPr>
         <p:style>
-          <a:lnRef idx="0">
-            <a:scrgbClr r="0" g="0" b="0"/>
-          </a:lnRef>
-          <a:fillRef idx="0">
-            <a:scrgbClr r="0" g="0" b="0"/>
-          </a:fillRef>
-          <a:effectRef idx="0">
-            <a:scrgbClr r="0" g="0" b="0"/>
-          </a:effectRef>
+          <a:lnRef idx="0"/>
+          <a:fillRef idx="0"/>
+          <a:effectRef idx="0"/>
           <a:fontRef idx="minor"/>
         </p:style>
         <p:txBody>
-          <a:bodyPr lIns="90000" tIns="45000" rIns="90000" bIns="45000">
+          <a:bodyPr lIns="90000" rIns="90000" tIns="45000" bIns="45000">
             <a:spAutoFit/>
           </a:bodyPr>
-          <a:lstStyle/>
           <a:p>
             <a:pPr>
               <a:lnSpc>
@@ -4340,33 +3752,36 @@
               </a:lnSpc>
             </a:pPr>
             <a:r>
-              <a:rPr lang="es-ES" sz="1800" b="0" strike="noStrike" spc="-1">
-                <a:solidFill>
-                  <a:srgbClr val="FFFFFF"/>
+              <a:rPr b="0" lang="es-ES" sz="1800" spc="-1" strike="noStrike">
+                <a:solidFill>
+                  <a:srgbClr val="ffffff"/>
                 </a:solidFill>
                 <a:latin typeface="Avenir Next LT Pro Light"/>
+                <a:ea typeface="DejaVu Sans"/>
               </a:rPr>
               <a:t>El coste de </a:t>
             </a:r>
             <a:r>
-              <a:rPr lang="es-ES" sz="1800" b="0" strike="noStrike" spc="-1">
-                <a:solidFill>
-                  <a:srgbClr val="F2F2F2"/>
+              <a:rPr b="0" lang="es-ES" sz="1800" spc="-1" strike="noStrike">
+                <a:solidFill>
+                  <a:srgbClr val="f2f2f2"/>
                 </a:solidFill>
                 <a:latin typeface="Avenir Next LT Pro Light"/>
+                <a:ea typeface="DejaVu Sans"/>
               </a:rPr>
               <a:t>los </a:t>
             </a:r>
             <a:r>
-              <a:rPr lang="es-ES" sz="1800" b="0" strike="noStrike" spc="-1">
-                <a:solidFill>
-                  <a:srgbClr val="F2F2F2"/>
+              <a:rPr b="0" lang="es-ES" sz="1800" spc="-1" strike="noStrike">
+                <a:solidFill>
+                  <a:srgbClr val="f2f2f2"/>
                 </a:solidFill>
                 <a:latin typeface="Lato"/>
+                <a:ea typeface="DejaVu Sans"/>
               </a:rPr>
               <a:t>errores depende sobre todo del momento en el que se detectan. Un error detectado en el momento en el que ocurre, tiene un coste muy bajo. El coste crece cuando pasa más tiempo entre que se produce y se detecta. El peor escenario posible es un error introducido al comenzar el proyecto y detectado una vez ya entregado.</a:t>
             </a:r>
-            <a:endParaRPr lang="es-ES" sz="1800" b="0" strike="noStrike" spc="-1">
+            <a:endParaRPr b="0" lang="es-ES" sz="1800" spc="-1" strike="noStrike">
               <a:latin typeface="Arial"/>
             </a:endParaRPr>
           </a:p>
@@ -4374,14 +3789,19 @@
       </p:sp>
     </p:spTree>
   </p:cSld>
-  <p:clrMapOvr>
-    <a:masterClrMapping/>
-  </p:clrMapOvr>
+  <mc:AlternateContent>
+    <mc:Choice Requires="p14">
+      <p:transition spd="slow" p14:dur="2000"/>
+    </mc:Choice>
+    <mc:Fallback>
+      <p:transition spd="slow"/>
+    </mc:Fallback>
+  </mc:AlternateContent>
 </p:sld>
 </file>
 
 <file path=ppt/slides/slide9.xml><?xml version="1.0" encoding="utf-8"?>
-<p:sld xmlns:a="http://schemas.openxmlformats.org/drawingml/2006/main" xmlns:r="http://schemas.openxmlformats.org/officeDocument/2006/relationships" xmlns:p="http://schemas.openxmlformats.org/presentationml/2006/main">
+<p:sld xmlns:a="http://schemas.openxmlformats.org/drawingml/2006/main" xmlns:p="http://schemas.openxmlformats.org/presentationml/2006/main" xmlns:r="http://schemas.openxmlformats.org/officeDocument/2006/relationships" xmlns:p14="http://schemas.microsoft.com/office/powerpoint/2010/main" xmlns:p15="http://schemas.microsoft.com/office/powerpoint/2012/main" xmlns:mc="http://schemas.openxmlformats.org/markup-compatibility/2006">
   <p:cSld>
     <p:spTree>
       <p:nvGrpSpPr>
@@ -4399,14 +3819,14 @@
       </p:grpSpPr>
       <p:sp>
         <p:nvSpPr>
-          <p:cNvPr id="64" name="TextShape 1"/>
-          <p:cNvSpPr txBox="1"/>
+          <p:cNvPr id="61" name="CustomShape 1"/>
+          <p:cNvSpPr/>
           <p:nvPr/>
         </p:nvSpPr>
         <p:spPr>
           <a:xfrm>
             <a:off x="2071440" y="876600"/>
-            <a:ext cx="7609320" cy="796680"/>
+            <a:ext cx="7608960" cy="796320"/>
           </a:xfrm>
           <a:prstGeom prst="rect">
             <a:avLst/>
@@ -4416,11 +3836,16 @@
             <a:noFill/>
           </a:ln>
         </p:spPr>
-        <p:txBody>
-          <a:bodyPr lIns="0" tIns="0" rIns="0" bIns="0" anchor="b">
+        <p:style>
+          <a:lnRef idx="0"/>
+          <a:fillRef idx="0"/>
+          <a:effectRef idx="0"/>
+          <a:fontRef idx="minor"/>
+        </p:style>
+        <p:txBody>
+          <a:bodyPr lIns="0" rIns="0" tIns="0" bIns="0" anchor="b">
             <a:normAutofit/>
           </a:bodyPr>
-          <a:lstStyle/>
           <a:p>
             <a:pPr algn="ctr">
               <a:lnSpc>
@@ -4428,33 +3853,31 @@
               </a:lnSpc>
             </a:pPr>
             <a:r>
-              <a:rPr lang="es-ES" sz="1800" b="0" strike="noStrike" cap="all" spc="398">
-                <a:solidFill>
-                  <a:srgbClr val="F2F2F2"/>
+              <a:rPr b="0" lang="es-ES" sz="1800" spc="395" strike="noStrike" cap="all">
+                <a:solidFill>
+                  <a:srgbClr val="f2f2f2"/>
                 </a:solidFill>
                 <a:latin typeface="Lato"/>
+                <a:ea typeface="DejaVu Sans"/>
               </a:rPr>
               <a:t>Hay dos caminos para reducir el coste de estos errores:</a:t>
             </a:r>
-            <a:endParaRPr lang="es-ES" sz="1800" b="0" strike="noStrike" spc="-1">
-              <a:solidFill>
-                <a:srgbClr val="FFFFFF"/>
-              </a:solidFill>
-              <a:latin typeface="Avenir Next LT Pro Light"/>
-            </a:endParaRPr>
-          </a:p>
-        </p:txBody>
-      </p:sp>
-      <p:sp>
-        <p:nvSpPr>
-          <p:cNvPr id="65" name="CustomShape 2"/>
+            <a:endParaRPr b="0" lang="es-ES" sz="1800" spc="-1" strike="noStrike">
+              <a:latin typeface="Arial"/>
+            </a:endParaRPr>
+          </a:p>
+        </p:txBody>
+      </p:sp>
+      <p:sp>
+        <p:nvSpPr>
+          <p:cNvPr id="62" name="CustomShape 2"/>
           <p:cNvSpPr/>
           <p:nvPr/>
         </p:nvSpPr>
         <p:spPr>
           <a:xfrm>
             <a:off x="2813040" y="2072880"/>
-            <a:ext cx="7866000" cy="1187640"/>
+            <a:ext cx="7865640" cy="1461240"/>
           </a:xfrm>
           <a:prstGeom prst="rect">
             <a:avLst/>
@@ -4465,22 +3888,15 @@
           </a:ln>
         </p:spPr>
         <p:style>
-          <a:lnRef idx="0">
-            <a:scrgbClr r="0" g="0" b="0"/>
-          </a:lnRef>
-          <a:fillRef idx="0">
-            <a:scrgbClr r="0" g="0" b="0"/>
-          </a:fillRef>
-          <a:effectRef idx="0">
-            <a:scrgbClr r="0" g="0" b="0"/>
-          </a:effectRef>
+          <a:lnRef idx="0"/>
+          <a:fillRef idx="0"/>
+          <a:effectRef idx="0"/>
           <a:fontRef idx="minor"/>
         </p:style>
         <p:txBody>
-          <a:bodyPr lIns="90000" tIns="45000" rIns="90000" bIns="45000">
+          <a:bodyPr lIns="90000" rIns="90000" tIns="45000" bIns="45000">
             <a:spAutoFit/>
           </a:bodyPr>
-          <a:lstStyle/>
           <a:p>
             <a:pPr>
               <a:lnSpc>
@@ -4488,15 +3904,16 @@
               </a:lnSpc>
             </a:pPr>
             <a:r>
-              <a:rPr lang="es-ES" sz="1800" b="0" strike="noStrike" spc="-1">
-                <a:solidFill>
-                  <a:srgbClr val="F2F2F2"/>
+              <a:rPr b="0" lang="es-ES" sz="1800" spc="-1" strike="noStrike">
+                <a:solidFill>
+                  <a:srgbClr val="f2f2f2"/>
                 </a:solidFill>
                 <a:latin typeface="Lato"/>
+                <a:ea typeface="DejaVu Sans"/>
               </a:rPr>
               <a:t>- Dedicar más tiempo a la toma de requisitos. Esto es importante para reducir los fallos en esta etapa ya que estos suponen un coste altísimo debido a que se suelen detectar al final del proyecto.</a:t>
             </a:r>
-            <a:endParaRPr lang="es-ES" sz="1800" b="0" strike="noStrike" spc="-1">
+            <a:endParaRPr b="0" lang="es-ES" sz="1800" spc="-1" strike="noStrike">
               <a:latin typeface="Arial"/>
             </a:endParaRPr>
           </a:p>
@@ -4506,22 +3923,22 @@
                 <a:spcPct val="100000"/>
               </a:lnSpc>
             </a:pPr>
-            <a:endParaRPr lang="es-ES" sz="1800" b="0" strike="noStrike" spc="-1">
-              <a:latin typeface="Arial"/>
-            </a:endParaRPr>
-          </a:p>
-        </p:txBody>
-      </p:sp>
-      <p:sp>
-        <p:nvSpPr>
-          <p:cNvPr id="66" name="CustomShape 3"/>
+            <a:endParaRPr b="0" lang="es-ES" sz="1800" spc="-1" strike="noStrike">
+              <a:latin typeface="Arial"/>
+            </a:endParaRPr>
+          </a:p>
+        </p:txBody>
+      </p:sp>
+      <p:sp>
+        <p:nvSpPr>
+          <p:cNvPr id="63" name="CustomShape 3"/>
           <p:cNvSpPr/>
           <p:nvPr/>
         </p:nvSpPr>
         <p:spPr>
           <a:xfrm>
             <a:off x="2751480" y="4437720"/>
-            <a:ext cx="7734240" cy="1736280"/>
+            <a:ext cx="7733880" cy="1735920"/>
           </a:xfrm>
           <a:prstGeom prst="rect">
             <a:avLst/>
@@ -4532,22 +3949,15 @@
           </a:ln>
         </p:spPr>
         <p:style>
-          <a:lnRef idx="0">
-            <a:scrgbClr r="0" g="0" b="0"/>
-          </a:lnRef>
-          <a:fillRef idx="0">
-            <a:scrgbClr r="0" g="0" b="0"/>
-          </a:fillRef>
-          <a:effectRef idx="0">
-            <a:scrgbClr r="0" g="0" b="0"/>
-          </a:effectRef>
+          <a:lnRef idx="0"/>
+          <a:fillRef idx="0"/>
+          <a:effectRef idx="0"/>
           <a:fontRef idx="minor"/>
         </p:style>
         <p:txBody>
-          <a:bodyPr lIns="90000" tIns="45000" rIns="90000" bIns="45000">
+          <a:bodyPr lIns="90000" rIns="90000" tIns="45000" bIns="45000">
             <a:spAutoFit/>
           </a:bodyPr>
-          <a:lstStyle/>
           <a:p>
             <a:pPr>
               <a:lnSpc>
@@ -4555,15 +3965,16 @@
               </a:lnSpc>
             </a:pPr>
             <a:r>
-              <a:rPr lang="es-ES" sz="1800" b="0" strike="noStrike" spc="-1">
-                <a:solidFill>
-                  <a:srgbClr val="F2F2F2"/>
+              <a:rPr b="0" lang="es-ES" sz="1800" spc="-1" strike="noStrike">
+                <a:solidFill>
+                  <a:srgbClr val="f2f2f2"/>
                 </a:solidFill>
                 <a:latin typeface="Lato"/>
+                <a:ea typeface="DejaVu Sans"/>
               </a:rPr>
               <a:t>Detectar antes los errores. Aquí las metodologías ágiles, las entregas iterativas, o las estrategias de Shift Left, pueden ser de utilidad. Esta es la tendencia actual. Es decir, asumimos que se cometerán errores en las primeras fases, pero en vez de invertir en evitarlos, invertimos en detectarlos lo antes posible.</a:t>
             </a:r>
-            <a:endParaRPr lang="es-ES" sz="1800" b="0" strike="noStrike" spc="-1">
+            <a:endParaRPr b="0" lang="es-ES" sz="1800" spc="-1" strike="noStrike">
               <a:latin typeface="Arial"/>
             </a:endParaRPr>
           </a:p>
@@ -4573,7 +3984,7 @@
                 <a:spcPct val="100000"/>
               </a:lnSpc>
             </a:pPr>
-            <a:endParaRPr lang="es-ES" sz="1800" b="0" strike="noStrike" spc="-1">
+            <a:endParaRPr b="0" lang="es-ES" sz="1800" spc="-1" strike="noStrike">
               <a:latin typeface="Arial"/>
             </a:endParaRPr>
           </a:p>
@@ -4581,9 +3992,14 @@
       </p:sp>
     </p:spTree>
   </p:cSld>
-  <p:clrMapOvr>
-    <a:masterClrMapping/>
-  </p:clrMapOvr>
+  <mc:AlternateContent>
+    <mc:Choice Requires="p14">
+      <p:transition spd="slow" p14:dur="2000"/>
+    </mc:Choice>
+    <mc:Fallback>
+      <p:transition spd="slow"/>
+    </mc:Fallback>
+  </mc:AlternateContent>
 </p:sld>
 </file>
 
@@ -4601,31 +4017,31 @@
         <a:srgbClr val="732124"/>
       </a:dk2>
       <a:lt2>
-        <a:srgbClr val="F0EDE5"/>
+        <a:srgbClr val="f0ede5"/>
       </a:lt2>
       <a:accent1>
-        <a:srgbClr val="D34817"/>
+        <a:srgbClr val="d34817"/>
       </a:accent1>
       <a:accent2>
-        <a:srgbClr val="A68D65"/>
+        <a:srgbClr val="a68d65"/>
       </a:accent2>
       <a:accent3>
         <a:srgbClr val="728377"/>
       </a:accent3>
       <a:accent4>
-        <a:srgbClr val="B4797B"/>
+        <a:srgbClr val="b4797b"/>
       </a:accent4>
       <a:accent5>
-        <a:srgbClr val="CE8439"/>
+        <a:srgbClr val="ce8439"/>
       </a:accent5>
       <a:accent6>
-        <a:srgbClr val="CF3A2A"/>
+        <a:srgbClr val="cf3a2a"/>
       </a:accent6>
       <a:hlink>
-        <a:srgbClr val="D06853"/>
+        <a:srgbClr val="d06853"/>
       </a:hlink>
       <a:folHlink>
-        <a:srgbClr val="B67779"/>
+        <a:srgbClr val="b67779"/>
       </a:folHlink>
     </a:clrScheme>
     <a:fontScheme name="Office">
@@ -4810,7 +4226,5 @@
       </a:bgFillStyleLst>
     </a:fmtScheme>
   </a:themeElements>
-  <a:objectDefaults/>
-  <a:extraClrSchemeLst/>
 </a:theme>
 </file>